--- a/Time-Card/ДОКУМЕНТЫ/МАТЕРИАЛ СТАТЬИ/Применение в энергетике испанский.pptx
+++ b/Time-Card/ДОКУМЕНТЫ/МАТЕРИАЛ СТАТЬИ/Применение в энергетике испанский.pptx
@@ -224,7 +224,7 @@
           <a:p>
             <a:fld id="{CE10A841-C0A2-4DDE-BD50-CDE80D204315}" type="datetimeFigureOut">
               <a:rPr lang="ru-RU" smtClean="0"/>
-              <a:t>16.06.2024</a:t>
+              <a:t>17.06.2024</a:t>
             </a:fld>
             <a:endParaRPr lang="ru-RU"/>
           </a:p>
@@ -742,7 +742,7 @@
           <a:p>
             <a:fld id="{1D8BD707-D9CF-40AE-B4C6-C98DA3205C09}" type="datetimeFigureOut">
               <a:rPr lang="en-US" smtClean="0"/>
-              <a:t>6/16/2024</a:t>
+              <a:t>6/17/2024</a:t>
             </a:fld>
             <a:endParaRPr lang="en-US"/>
           </a:p>
@@ -940,7 +940,7 @@
           <a:p>
             <a:fld id="{1D8BD707-D9CF-40AE-B4C6-C98DA3205C09}" type="datetimeFigureOut">
               <a:rPr lang="en-US" smtClean="0"/>
-              <a:t>6/16/2024</a:t>
+              <a:t>6/17/2024</a:t>
             </a:fld>
             <a:endParaRPr lang="en-US"/>
           </a:p>
@@ -1148,7 +1148,7 @@
           <a:p>
             <a:fld id="{1D8BD707-D9CF-40AE-B4C6-C98DA3205C09}" type="datetimeFigureOut">
               <a:rPr lang="en-US" smtClean="0"/>
-              <a:t>6/16/2024</a:t>
+              <a:t>6/17/2024</a:t>
             </a:fld>
             <a:endParaRPr lang="en-US"/>
           </a:p>
@@ -1704,7 +1704,7 @@
           <a:p>
             <a:fld id="{1D8BD707-D9CF-40AE-B4C6-C98DA3205C09}" type="datetimeFigureOut">
               <a:rPr lang="en-US" smtClean="0"/>
-              <a:t>6/16/2024</a:t>
+              <a:t>6/17/2024</a:t>
             </a:fld>
             <a:endParaRPr lang="en-US"/>
           </a:p>
@@ -1979,7 +1979,7 @@
           <a:p>
             <a:fld id="{1D8BD707-D9CF-40AE-B4C6-C98DA3205C09}" type="datetimeFigureOut">
               <a:rPr lang="en-US" smtClean="0"/>
-              <a:t>6/16/2024</a:t>
+              <a:t>6/17/2024</a:t>
             </a:fld>
             <a:endParaRPr lang="en-US"/>
           </a:p>
@@ -2244,7 +2244,7 @@
           <a:p>
             <a:fld id="{1D8BD707-D9CF-40AE-B4C6-C98DA3205C09}" type="datetimeFigureOut">
               <a:rPr lang="en-US" smtClean="0"/>
-              <a:t>6/16/2024</a:t>
+              <a:t>6/17/2024</a:t>
             </a:fld>
             <a:endParaRPr lang="en-US"/>
           </a:p>
@@ -2656,7 +2656,7 @@
           <a:p>
             <a:fld id="{1D8BD707-D9CF-40AE-B4C6-C98DA3205C09}" type="datetimeFigureOut">
               <a:rPr lang="en-US" smtClean="0"/>
-              <a:t>6/16/2024</a:t>
+              <a:t>6/17/2024</a:t>
             </a:fld>
             <a:endParaRPr lang="en-US"/>
           </a:p>
@@ -2797,7 +2797,7 @@
           <a:p>
             <a:fld id="{1D8BD707-D9CF-40AE-B4C6-C98DA3205C09}" type="datetimeFigureOut">
               <a:rPr lang="en-US" smtClean="0"/>
-              <a:t>6/16/2024</a:t>
+              <a:t>6/17/2024</a:t>
             </a:fld>
             <a:endParaRPr lang="en-US"/>
           </a:p>
@@ -2910,7 +2910,7 @@
           <a:p>
             <a:fld id="{1D8BD707-D9CF-40AE-B4C6-C98DA3205C09}" type="datetimeFigureOut">
               <a:rPr lang="en-US" smtClean="0"/>
-              <a:t>6/16/2024</a:t>
+              <a:t>6/17/2024</a:t>
             </a:fld>
             <a:endParaRPr lang="en-US"/>
           </a:p>
@@ -3221,7 +3221,7 @@
           <a:p>
             <a:fld id="{1D8BD707-D9CF-40AE-B4C6-C98DA3205C09}" type="datetimeFigureOut">
               <a:rPr lang="en-US" smtClean="0"/>
-              <a:t>6/16/2024</a:t>
+              <a:t>6/17/2024</a:t>
             </a:fld>
             <a:endParaRPr lang="en-US"/>
           </a:p>
@@ -3509,7 +3509,7 @@
           <a:p>
             <a:fld id="{1D8BD707-D9CF-40AE-B4C6-C98DA3205C09}" type="datetimeFigureOut">
               <a:rPr lang="en-US" smtClean="0"/>
-              <a:t>6/16/2024</a:t>
+              <a:t>6/17/2024</a:t>
             </a:fld>
             <a:endParaRPr lang="en-US"/>
           </a:p>
@@ -3750,7 +3750,7 @@
           <a:p>
             <a:fld id="{1D8BD707-D9CF-40AE-B4C6-C98DA3205C09}" type="datetimeFigureOut">
               <a:rPr lang="en-US" smtClean="0"/>
-              <a:t>6/16/2024</a:t>
+              <a:t>6/17/2024</a:t>
             </a:fld>
             <a:endParaRPr lang="en-US"/>
           </a:p>
@@ -4285,8 +4285,8 @@
         </p:nvSpPr>
         <p:spPr>
           <a:xfrm>
-            <a:off x="8153400" y="2769926"/>
-            <a:ext cx="4886669" cy="400110"/>
+            <a:off x="8328737" y="2769926"/>
+            <a:ext cx="3863263" cy="400110"/>
           </a:xfrm>
           <a:prstGeom prst="rect">
             <a:avLst/>
@@ -4380,8 +4380,8 @@
         </p:blipFill>
         <p:spPr bwMode="auto">
           <a:xfrm rot="20543305">
-            <a:off x="441471" y="2210883"/>
-            <a:ext cx="4507272" cy="3381041"/>
+            <a:off x="676209" y="2656656"/>
+            <a:ext cx="4124678" cy="3094046"/>
           </a:xfrm>
           <a:prstGeom prst="rect">
             <a:avLst/>
@@ -4881,7 +4881,7 @@
         </p:nvSpPr>
         <p:spPr>
           <a:xfrm>
-            <a:off x="1295400" y="564178"/>
+            <a:off x="1304925" y="990600"/>
             <a:ext cx="9906000" cy="444352"/>
           </a:xfrm>
           <a:prstGeom prst="rect">
@@ -4930,8 +4930,8 @@
         </p:nvSpPr>
         <p:spPr>
           <a:xfrm>
-            <a:off x="990600" y="2209800"/>
-            <a:ext cx="8642198" cy="1911421"/>
+            <a:off x="1304925" y="2473289"/>
+            <a:ext cx="9782176" cy="1911421"/>
           </a:xfrm>
           <a:prstGeom prst="rect">
             <a:avLst/>
@@ -4966,6 +4966,17 @@
               </a:rPr>
               <a:t>Los componentes Qantum-PCI son fácilmente accesibles y se pueden reconfigurar para la tarea</a:t>
             </a:r>
+            <a:r>
+              <a:rPr lang="ru-RU" sz="2000" dirty="0">
+                <a:latin typeface="Arial MT"/>
+                <a:cs typeface="Arial MT"/>
+              </a:rPr>
+              <a:t>;</a:t>
+            </a:r>
+            <a:endParaRPr lang="es-ES" sz="2000" dirty="0">
+              <a:latin typeface="Arial MT"/>
+              <a:cs typeface="Arial MT"/>
+            </a:endParaRPr>
           </a:p>
           <a:p>
             <a:pPr marL="241300" indent="-228600">
@@ -5069,6 +5080,172 @@
             <a:endParaRPr sz="2000" dirty="0">
               <a:latin typeface="Arial MT"/>
               <a:cs typeface="Arial MT"/>
+            </a:endParaRPr>
+          </a:p>
+        </p:txBody>
+      </p:sp>
+      <p:pic>
+        <p:nvPicPr>
+          <p:cNvPr id="4" name="Picture 4" descr="time_server_qantum">
+            <a:extLst>
+              <a:ext uri="{FF2B5EF4-FFF2-40B4-BE49-F238E27FC236}">
+                <a16:creationId xmlns:a16="http://schemas.microsoft.com/office/drawing/2014/main" id="{E53F5D5B-5700-45F3-9AE4-BA15D5A4BD05}"/>
+              </a:ext>
+            </a:extLst>
+          </p:cNvPr>
+          <p:cNvPicPr>
+            <a:picLocks noChangeAspect="1" noChangeArrowheads="1"/>
+          </p:cNvPicPr>
+          <p:nvPr/>
+        </p:nvPicPr>
+        <p:blipFill>
+          <a:blip r:embed="rId2" cstate="print">
+            <a:extLst>
+              <a:ext uri="{28A0092B-C50C-407E-A947-70E740481C1C}">
+                <a14:useLocalDpi xmlns:a14="http://schemas.microsoft.com/office/drawing/2010/main" val="0"/>
+              </a:ext>
+            </a:extLst>
+          </a:blip>
+          <a:srcRect/>
+          <a:stretch>
+            <a:fillRect/>
+          </a:stretch>
+        </p:blipFill>
+        <p:spPr bwMode="auto">
+          <a:xfrm rot="20083448">
+            <a:off x="9362260" y="4210279"/>
+            <a:ext cx="2423890" cy="1818233"/>
+          </a:xfrm>
+          <a:prstGeom prst="rect">
+            <a:avLst/>
+          </a:prstGeom>
+          <a:noFill/>
+          <a:extLst>
+            <a:ext uri="{909E8E84-426E-40DD-AFC4-6F175D3DCCD1}">
+              <a14:hiddenFill xmlns:a14="http://schemas.microsoft.com/office/drawing/2010/main">
+                <a:solidFill>
+                  <a:srgbClr val="FFFFFF"/>
+                </a:solidFill>
+              </a14:hiddenFill>
+            </a:ext>
+          </a:extLst>
+        </p:spPr>
+      </p:pic>
+      <p:sp>
+        <p:nvSpPr>
+          <p:cNvPr id="6" name="TextBox 5">
+            <a:extLst>
+              <a:ext uri="{FF2B5EF4-FFF2-40B4-BE49-F238E27FC236}">
+                <a16:creationId xmlns:a16="http://schemas.microsoft.com/office/drawing/2014/main" id="{D48C5CFC-C3C8-471B-92A0-0E34824364C8}"/>
+              </a:ext>
+            </a:extLst>
+          </p:cNvPr>
+          <p:cNvSpPr txBox="1"/>
+          <p:nvPr/>
+        </p:nvSpPr>
+        <p:spPr>
+          <a:xfrm>
+            <a:off x="8839200" y="6199510"/>
+            <a:ext cx="1143000" cy="369332"/>
+          </a:xfrm>
+          <a:prstGeom prst="rect">
+            <a:avLst/>
+          </a:prstGeom>
+          <a:noFill/>
+        </p:spPr>
+        <p:txBody>
+          <a:bodyPr wrap="square">
+            <a:spAutoFit/>
+          </a:bodyPr>
+          <a:lstStyle/>
+          <a:p>
+            <a:r>
+              <a:rPr lang="ru-RU" sz="1800" dirty="0">
+                <a:latin typeface="Arial MT"/>
+                <a:cs typeface="Arial MT"/>
+              </a:rPr>
+              <a:t>2500</a:t>
+            </a:r>
+            <a:r>
+              <a:rPr lang="ru-RU" spc="-25" dirty="0">
+                <a:latin typeface="Arial MT"/>
+                <a:cs typeface="Arial MT"/>
+              </a:rPr>
+              <a:t> </a:t>
+            </a:r>
+            <a:r>
+              <a:rPr lang="en-US" sz="1800" spc="-445" dirty="0">
+                <a:latin typeface="Arial MT"/>
+                <a:cs typeface="Arial MT"/>
+              </a:rPr>
+              <a:t>€</a:t>
+            </a:r>
+            <a:endParaRPr lang="ru-RU" dirty="0"/>
+          </a:p>
+        </p:txBody>
+      </p:sp>
+      <p:sp>
+        <p:nvSpPr>
+          <p:cNvPr id="8" name="TextBox 7">
+            <a:extLst>
+              <a:ext uri="{FF2B5EF4-FFF2-40B4-BE49-F238E27FC236}">
+                <a16:creationId xmlns:a16="http://schemas.microsoft.com/office/drawing/2014/main" id="{35606A0D-EBBD-4636-AEDE-354999C9908A}"/>
+              </a:ext>
+            </a:extLst>
+          </p:cNvPr>
+          <p:cNvSpPr txBox="1"/>
+          <p:nvPr/>
+        </p:nvSpPr>
+        <p:spPr>
+          <a:xfrm>
+            <a:off x="7534275" y="6199510"/>
+            <a:ext cx="7353300" cy="423834"/>
+          </a:xfrm>
+          <a:prstGeom prst="rect">
+            <a:avLst/>
+          </a:prstGeom>
+          <a:noFill/>
+        </p:spPr>
+        <p:txBody>
+          <a:bodyPr wrap="square">
+            <a:spAutoFit/>
+          </a:bodyPr>
+          <a:lstStyle/>
+          <a:p>
+            <a:pPr marL="0" marR="43815" lvl="0" indent="0" algn="ctr" defTabSz="914400" rtl="0" eaLnBrk="1" fontAlgn="auto" latinLnBrk="0" hangingPunct="1">
+              <a:lnSpc>
+                <a:spcPts val="2945"/>
+              </a:lnSpc>
+              <a:spcBef>
+                <a:spcPts val="0"/>
+              </a:spcBef>
+              <a:spcAft>
+                <a:spcPts val="0"/>
+              </a:spcAft>
+              <a:buClrTx/>
+              <a:buSzTx/>
+              <a:buFontTx/>
+              <a:buNone/>
+              <a:tabLst/>
+              <a:defRPr/>
+            </a:pPr>
+            <a:r>
+              <a:rPr lang="en-US" sz="1800" dirty="0" err="1">
+                <a:latin typeface="Arial MT"/>
+                <a:cs typeface="Arial MT"/>
+              </a:rPr>
+              <a:t>Aceptable</a:t>
+            </a:r>
+            <a:r>
+              <a:rPr lang="en-US" sz="1800" dirty="0">
+                <a:latin typeface="Arial MT"/>
+                <a:cs typeface="Arial MT"/>
+              </a:rPr>
+              <a:t>✔</a:t>
+            </a:r>
+            <a:endParaRPr lang="en-US" sz="2400" dirty="0">
+              <a:latin typeface="Wingdings"/>
+              <a:cs typeface="Wingdings"/>
             </a:endParaRPr>
           </a:p>
         </p:txBody>
@@ -5110,8 +5287,8 @@
         </p:nvSpPr>
         <p:spPr>
           <a:xfrm>
-            <a:off x="2133600" y="457200"/>
-            <a:ext cx="7821930" cy="998350"/>
+            <a:off x="2133600" y="518755"/>
+            <a:ext cx="7821930" cy="875240"/>
           </a:xfrm>
           <a:prstGeom prst="rect">
             <a:avLst/>
@@ -5132,14 +5309,14 @@
               </a:spcBef>
             </a:pPr>
             <a:r>
-              <a:rPr lang="es-ES" sz="3200" spc="-5" dirty="0">
-                <a:solidFill>
-                  <a:srgbClr val="12569B"/>
-                </a:solidFill>
+              <a:rPr lang="es-ES" sz="2800" dirty="0">
+                <a:latin typeface="Arial MT"/>
               </a:rPr>
               <a:t>Pasos de integración del sistema de tiempo preciso Qantum-PCI</a:t>
             </a:r>
-            <a:endParaRPr lang="en-US" sz="3200" dirty="0"/>
+            <a:endParaRPr lang="en-US" sz="2800" dirty="0">
+              <a:latin typeface="Arial MT"/>
+            </a:endParaRPr>
           </a:p>
         </p:txBody>
       </p:sp>
@@ -5151,8 +5328,8 @@
         </p:nvSpPr>
         <p:spPr>
           <a:xfrm>
-            <a:off x="1828800" y="2362200"/>
-            <a:ext cx="4863465" cy="2232021"/>
+            <a:off x="1828800" y="2743200"/>
+            <a:ext cx="4863465" cy="1924245"/>
           </a:xfrm>
           <a:prstGeom prst="rect">
             <a:avLst/>
@@ -5181,11 +5358,11 @@
               </a:tabLst>
             </a:pPr>
             <a:r>
-              <a:rPr lang="ru-RU" sz="2000" dirty="0">
+              <a:rPr lang="es-ES" sz="2000" dirty="0">
                 <a:latin typeface="Arial MT"/>
                 <a:cs typeface="Arial MT"/>
               </a:rPr>
-              <a:t>Объединение компонентов</a:t>
+              <a:t>Integración de componentes</a:t>
             </a:r>
           </a:p>
           <a:p>
@@ -5206,11 +5383,11 @@
               </a:tabLst>
             </a:pPr>
             <a:r>
-              <a:rPr lang="ru-RU" sz="2000" dirty="0">
+              <a:rPr lang="es-ES" sz="2000" dirty="0">
                 <a:latin typeface="Arial MT"/>
                 <a:cs typeface="Arial MT"/>
               </a:rPr>
-              <a:t>Набор сложных задач</a:t>
+              <a:t>Conjunto de tareas complejas</a:t>
             </a:r>
           </a:p>
           <a:p>
@@ -5231,11 +5408,11 @@
               </a:tabLst>
             </a:pPr>
             <a:r>
-              <a:rPr lang="ru-RU" sz="2000" dirty="0">
+              <a:rPr lang="es-ES" sz="2000" dirty="0">
                 <a:latin typeface="Arial MT"/>
                 <a:cs typeface="Arial MT"/>
               </a:rPr>
-              <a:t>Проектирование системы точного времени</a:t>
+              <a:t>Diseño de un sistema de tiempo preciso</a:t>
             </a:r>
           </a:p>
           <a:p>
@@ -5256,11 +5433,11 @@
               </a:tabLst>
             </a:pPr>
             <a:r>
-              <a:rPr lang="ru-RU" sz="2000" dirty="0">
+              <a:rPr lang="es-ES" sz="2000" dirty="0">
                 <a:latin typeface="Arial MT"/>
                 <a:cs typeface="Arial MT"/>
               </a:rPr>
-              <a:t>Построение системы</a:t>
+              <a:t>Construcción del sistema</a:t>
             </a:r>
           </a:p>
           <a:p>
@@ -5281,11 +5458,11 @@
               </a:tabLst>
             </a:pPr>
             <a:r>
-              <a:rPr lang="ru-RU" sz="2000" dirty="0">
+              <a:rPr lang="es-ES" sz="2000" dirty="0">
                 <a:latin typeface="Arial MT"/>
                 <a:cs typeface="Arial MT"/>
               </a:rPr>
-              <a:t>Настройка системы</a:t>
+              <a:t>Configuración del sistema</a:t>
             </a:r>
           </a:p>
           <a:p>
@@ -5306,11 +5483,11 @@
               </a:tabLst>
             </a:pPr>
             <a:r>
-              <a:rPr lang="ru-RU" sz="2000" dirty="0">
+              <a:rPr lang="es-ES" sz="2000" dirty="0">
                 <a:latin typeface="Arial MT"/>
                 <a:cs typeface="Arial MT"/>
               </a:rPr>
-              <a:t>Тестирование системы</a:t>
+              <a:t>Pruebas del sistema</a:t>
             </a:r>
             <a:endParaRPr sz="2000" dirty="0">
               <a:latin typeface="Arial MT"/>
@@ -5319,6 +5496,53 @@
           </a:p>
         </p:txBody>
       </p:sp>
+      <p:pic>
+        <p:nvPicPr>
+          <p:cNvPr id="4" name="Picture 4" descr="time_server_qantum">
+            <a:extLst>
+              <a:ext uri="{FF2B5EF4-FFF2-40B4-BE49-F238E27FC236}">
+                <a16:creationId xmlns:a16="http://schemas.microsoft.com/office/drawing/2014/main" id="{3C7EEC6F-B35D-4298-8A45-AEBA68CFE52F}"/>
+              </a:ext>
+            </a:extLst>
+          </p:cNvPr>
+          <p:cNvPicPr>
+            <a:picLocks noChangeAspect="1" noChangeArrowheads="1"/>
+          </p:cNvPicPr>
+          <p:nvPr/>
+        </p:nvPicPr>
+        <p:blipFill>
+          <a:blip r:embed="rId2" cstate="print">
+            <a:extLst>
+              <a:ext uri="{28A0092B-C50C-407E-A947-70E740481C1C}">
+                <a14:useLocalDpi xmlns:a14="http://schemas.microsoft.com/office/drawing/2010/main" val="0"/>
+              </a:ext>
+            </a:extLst>
+          </a:blip>
+          <a:srcRect/>
+          <a:stretch>
+            <a:fillRect/>
+          </a:stretch>
+        </p:blipFill>
+        <p:spPr bwMode="auto">
+          <a:xfrm rot="20543305">
+            <a:off x="8344104" y="3631302"/>
+            <a:ext cx="3222855" cy="2417561"/>
+          </a:xfrm>
+          <a:prstGeom prst="rect">
+            <a:avLst/>
+          </a:prstGeom>
+          <a:noFill/>
+          <a:extLst>
+            <a:ext uri="{909E8E84-426E-40DD-AFC4-6F175D3DCCD1}">
+              <a14:hiddenFill xmlns:a14="http://schemas.microsoft.com/office/drawing/2010/main">
+                <a:solidFill>
+                  <a:srgbClr val="FFFFFF"/>
+                </a:solidFill>
+              </a14:hiddenFill>
+            </a:ext>
+          </a:extLst>
+        </p:spPr>
+      </p:pic>
     </p:spTree>
   </p:cSld>
   <p:clrMapOvr>
@@ -7276,8 +7500,8 @@
         </p:nvSpPr>
         <p:spPr>
           <a:xfrm>
-            <a:off x="1147571" y="292856"/>
-            <a:ext cx="6172200" cy="505908"/>
+            <a:off x="835448" y="459583"/>
+            <a:ext cx="6172200" cy="444352"/>
           </a:xfrm>
           <a:prstGeom prst="rect">
             <a:avLst/>
@@ -7298,14 +7522,14 @@
               </a:spcBef>
             </a:pPr>
             <a:r>
-              <a:rPr lang="es-ES" sz="3200" dirty="0">
-                <a:solidFill>
-                  <a:srgbClr val="12569B"/>
-                </a:solidFill>
+              <a:rPr lang="es-ES" sz="2800" dirty="0">
+                <a:latin typeface="Arial MT"/>
               </a:rPr>
               <a:t>¿Cómo se puede hacer esto?</a:t>
             </a:r>
-            <a:endParaRPr sz="3200" dirty="0"/>
+            <a:endParaRPr sz="2800" dirty="0">
+              <a:latin typeface="Arial MT"/>
+            </a:endParaRPr>
           </a:p>
         </p:txBody>
       </p:sp>
@@ -7687,8 +7911,8 @@
         </p:nvSpPr>
         <p:spPr>
           <a:xfrm>
-            <a:off x="2819399" y="350746"/>
-            <a:ext cx="7885175" cy="505908"/>
+            <a:off x="2819399" y="381524"/>
+            <a:ext cx="7885175" cy="444352"/>
           </a:xfrm>
           <a:prstGeom prst="rect">
             <a:avLst/>
@@ -7709,14 +7933,14 @@
               </a:spcBef>
             </a:pPr>
             <a:r>
-              <a:rPr lang="es-ES" sz="3200" dirty="0">
-                <a:solidFill>
-                  <a:srgbClr val="12569B"/>
-                </a:solidFill>
+              <a:rPr lang="es-ES" sz="2800" dirty="0">
+                <a:latin typeface="Arial MT"/>
               </a:rPr>
               <a:t>Respaldo de la sincronización del tiempo</a:t>
             </a:r>
-            <a:endParaRPr lang="en-US" sz="3200" dirty="0"/>
+            <a:endParaRPr lang="en-US" sz="2800" dirty="0">
+              <a:latin typeface="Arial MT"/>
+            </a:endParaRPr>
           </a:p>
         </p:txBody>
       </p:sp>
@@ -9078,8 +9302,8 @@
         </p:nvSpPr>
         <p:spPr>
           <a:xfrm>
-            <a:off x="4476456" y="338702"/>
-            <a:ext cx="3665291" cy="631583"/>
+            <a:off x="4927891" y="438392"/>
+            <a:ext cx="3450220" cy="446917"/>
           </a:xfrm>
           <a:prstGeom prst="rect">
             <a:avLst/>
@@ -9100,38 +9324,25 @@
               </a:spcBef>
             </a:pPr>
             <a:r>
-              <a:rPr lang="en-US" sz="4000" b="0" dirty="0" err="1">
-                <a:solidFill>
-                  <a:srgbClr val="000000"/>
-                </a:solidFill>
-                <a:latin typeface="Calibri"/>
-                <a:cs typeface="Calibri"/>
+              <a:rPr lang="en-US" sz="2800" dirty="0" err="1">
+                <a:latin typeface="Arial MT"/>
               </a:rPr>
               <a:t>Escala</a:t>
             </a:r>
             <a:r>
-              <a:rPr lang="en-US" sz="4000" b="0" dirty="0">
-                <a:solidFill>
-                  <a:srgbClr val="000000"/>
-                </a:solidFill>
-                <a:latin typeface="Calibri"/>
-                <a:cs typeface="Calibri"/>
+              <a:rPr lang="en-US" sz="2800" dirty="0">
+                <a:latin typeface="Arial MT"/>
               </a:rPr>
               <a:t> de </a:t>
             </a:r>
             <a:r>
-              <a:rPr lang="en-US" sz="4000" b="0" dirty="0" err="1">
-                <a:solidFill>
-                  <a:srgbClr val="000000"/>
-                </a:solidFill>
-                <a:latin typeface="Calibri"/>
-                <a:cs typeface="Calibri"/>
+              <a:rPr lang="en-US" sz="2800" dirty="0" err="1">
+                <a:latin typeface="Arial MT"/>
               </a:rPr>
               <a:t>tiempo</a:t>
             </a:r>
-            <a:endParaRPr sz="4000" dirty="0">
-              <a:latin typeface="Calibri"/>
-              <a:cs typeface="Calibri"/>
+            <a:endParaRPr sz="2800" dirty="0">
+              <a:latin typeface="Arial MT"/>
             </a:endParaRPr>
           </a:p>
         </p:txBody>
@@ -10981,8 +11192,8 @@
         </p:nvSpPr>
         <p:spPr>
           <a:xfrm>
-            <a:off x="4038600" y="394358"/>
-            <a:ext cx="4876800" cy="489236"/>
+            <a:off x="4038600" y="417441"/>
+            <a:ext cx="4876800" cy="443070"/>
           </a:xfrm>
           <a:prstGeom prst="rect">
             <a:avLst/>
@@ -11003,30 +11214,26 @@
               </a:spcBef>
             </a:pPr>
             <a:r>
-              <a:rPr lang="en-US" sz="3100" spc="-5" dirty="0" err="1">
-                <a:solidFill>
-                  <a:srgbClr val="12569B"/>
-                </a:solidFill>
+              <a:rPr lang="en-US" sz="2800" dirty="0" err="1">
+                <a:latin typeface="Arial MT"/>
               </a:rPr>
               <a:t>Dispositivos</a:t>
             </a:r>
             <a:r>
-              <a:rPr lang="en-US" sz="3100" spc="-5" dirty="0">
-                <a:solidFill>
-                  <a:srgbClr val="12569B"/>
-                </a:solidFill>
+              <a:rPr lang="en-US" sz="2800" dirty="0">
+                <a:latin typeface="Arial MT"/>
               </a:rPr>
               <a:t> de </a:t>
             </a:r>
             <a:r>
-              <a:rPr lang="en-US" sz="3100" spc="-5" dirty="0" err="1">
-                <a:solidFill>
-                  <a:srgbClr val="12569B"/>
-                </a:solidFill>
+              <a:rPr lang="en-US" sz="2800" dirty="0" err="1">
+                <a:latin typeface="Arial MT"/>
               </a:rPr>
               <a:t>subestación</a:t>
             </a:r>
-            <a:endParaRPr sz="3100" dirty="0"/>
+            <a:endParaRPr sz="2800" dirty="0">
+              <a:latin typeface="Arial MT"/>
+            </a:endParaRPr>
           </a:p>
         </p:txBody>
       </p:sp>
@@ -11038,7 +11245,7 @@
         </p:nvSpPr>
         <p:spPr>
           <a:xfrm>
-            <a:off x="838200" y="1383058"/>
+            <a:off x="990600" y="1515795"/>
             <a:ext cx="8337398" cy="827150"/>
           </a:xfrm>
           <a:prstGeom prst="rect">
@@ -11142,7 +11349,7 @@
         </p:blipFill>
         <p:spPr>
           <a:xfrm>
-            <a:off x="1106424" y="3217701"/>
+            <a:off x="1447800" y="3400425"/>
             <a:ext cx="4855464" cy="1913121"/>
           </a:xfrm>
           <a:prstGeom prst="rect">
@@ -11187,8 +11394,8 @@
         </p:nvSpPr>
         <p:spPr>
           <a:xfrm>
-            <a:off x="3243834" y="496298"/>
-            <a:ext cx="6896480" cy="489236"/>
+            <a:off x="2819400" y="519381"/>
+            <a:ext cx="6896480" cy="443070"/>
           </a:xfrm>
           <a:prstGeom prst="rect">
             <a:avLst/>
@@ -11209,46 +11416,38 @@
               </a:spcBef>
             </a:pPr>
             <a:r>
-              <a:rPr lang="en-US" sz="3100" spc="-35" dirty="0" err="1">
-                <a:solidFill>
-                  <a:srgbClr val="12569B"/>
-                </a:solidFill>
+              <a:rPr lang="en-US" sz="2800" dirty="0" err="1">
+                <a:latin typeface="Arial MT"/>
               </a:rPr>
               <a:t>Tendencia</a:t>
             </a:r>
             <a:r>
-              <a:rPr lang="en-US" sz="3100" spc="-35" dirty="0">
-                <a:solidFill>
-                  <a:srgbClr val="12569B"/>
-                </a:solidFill>
+              <a:rPr lang="en-US" sz="2800" dirty="0">
+                <a:latin typeface="Arial MT"/>
               </a:rPr>
               <a:t>: </a:t>
             </a:r>
             <a:r>
-              <a:rPr lang="en-US" sz="3100" spc="-35" dirty="0" err="1">
-                <a:solidFill>
-                  <a:srgbClr val="12569B"/>
-                </a:solidFill>
+              <a:rPr lang="en-US" sz="2800" dirty="0" err="1">
+                <a:latin typeface="Arial MT"/>
               </a:rPr>
               <a:t>Servidores</a:t>
             </a:r>
             <a:r>
-              <a:rPr lang="en-US" sz="3100" spc="-35" dirty="0">
-                <a:solidFill>
-                  <a:srgbClr val="12569B"/>
-                </a:solidFill>
+              <a:rPr lang="en-US" sz="2800" dirty="0">
+                <a:latin typeface="Arial MT"/>
               </a:rPr>
               <a:t> de </a:t>
             </a:r>
             <a:r>
-              <a:rPr lang="en-US" sz="3100" spc="-35" dirty="0" err="1">
-                <a:solidFill>
-                  <a:srgbClr val="12569B"/>
-                </a:solidFill>
+              <a:rPr lang="en-US" sz="2800" dirty="0" err="1">
+                <a:latin typeface="Arial MT"/>
               </a:rPr>
               <a:t>aplicaciones</a:t>
             </a:r>
-            <a:endParaRPr sz="3100" dirty="0"/>
+            <a:endParaRPr sz="2800" dirty="0">
+              <a:latin typeface="Arial MT"/>
+            </a:endParaRPr>
           </a:p>
         </p:txBody>
       </p:sp>
@@ -11453,8 +11652,8 @@
         </p:nvSpPr>
         <p:spPr>
           <a:xfrm>
-            <a:off x="4800600" y="685800"/>
-            <a:ext cx="2590800" cy="505908"/>
+            <a:off x="4800600" y="716578"/>
+            <a:ext cx="2590800" cy="444352"/>
           </a:xfrm>
           <a:prstGeom prst="rect">
             <a:avLst/>
@@ -11475,25 +11674,19 @@
               </a:spcBef>
             </a:pPr>
             <a:r>
-              <a:rPr lang="en-US" sz="3200" dirty="0" err="1">
-                <a:solidFill>
-                  <a:srgbClr val="12569B"/>
-                </a:solidFill>
+              <a:rPr lang="en-US" sz="2800" dirty="0" err="1">
+                <a:latin typeface="Arial MT"/>
               </a:rPr>
               <a:t>Resumamos</a:t>
             </a:r>
             <a:r>
-              <a:rPr lang="en-US" sz="3200" dirty="0">
-                <a:solidFill>
-                  <a:srgbClr val="12569B"/>
-                </a:solidFill>
+              <a:rPr lang="en-US" sz="2800" dirty="0">
+                <a:latin typeface="Arial MT"/>
               </a:rPr>
               <a:t>...</a:t>
             </a:r>
-            <a:endParaRPr lang="ru-RU" sz="3200" dirty="0">
-              <a:solidFill>
-                <a:srgbClr val="12569B"/>
-              </a:solidFill>
+            <a:endParaRPr lang="ru-RU" sz="2800" dirty="0">
+              <a:latin typeface="Arial MT"/>
             </a:endParaRPr>
           </a:p>
         </p:txBody>
@@ -11519,10 +11712,7 @@
           </a:bodyPr>
           <a:lstStyle/>
           <a:p>
-            <a:pPr marL="241300" indent="-228600">
-              <a:lnSpc>
-                <a:spcPct val="100000"/>
-              </a:lnSpc>
+            <a:pPr marL="698500" lvl="1" indent="-228600">
               <a:spcBef>
                 <a:spcPts val="105"/>
               </a:spcBef>
@@ -11544,10 +11734,7 @@
             </a:r>
           </a:p>
           <a:p>
-            <a:pPr marL="241300" indent="-228600">
-              <a:lnSpc>
-                <a:spcPct val="100000"/>
-              </a:lnSpc>
+            <a:pPr marL="698500" lvl="1" indent="-228600">
               <a:spcBef>
                 <a:spcPts val="105"/>
               </a:spcBef>
@@ -11569,10 +11756,7 @@
             </a:r>
           </a:p>
           <a:p>
-            <a:pPr marL="241300" indent="-228600">
-              <a:lnSpc>
-                <a:spcPct val="100000"/>
-              </a:lnSpc>
+            <a:pPr marL="698500" lvl="1" indent="-228600">
               <a:spcBef>
                 <a:spcPts val="105"/>
               </a:spcBef>
@@ -11594,10 +11778,7 @@
             </a:r>
           </a:p>
           <a:p>
-            <a:pPr marL="241300" indent="-228600">
-              <a:lnSpc>
-                <a:spcPct val="100000"/>
-              </a:lnSpc>
+            <a:pPr marL="698500" lvl="1" indent="-228600">
               <a:spcBef>
                 <a:spcPts val="105"/>
               </a:spcBef>
@@ -11657,7 +11838,7 @@
         </p:nvGrpSpPr>
         <p:grpSpPr>
           <a:xfrm>
-            <a:off x="3791711" y="5228844"/>
+            <a:off x="3791521" y="4879442"/>
             <a:ext cx="6913245" cy="364490"/>
             <a:chOff x="3791711" y="5228844"/>
             <a:chExt cx="6913245" cy="364490"/>
@@ -11915,7 +12096,7 @@
         </p:nvSpPr>
         <p:spPr>
           <a:xfrm>
-            <a:off x="3510788" y="5761126"/>
+            <a:off x="3510598" y="5411724"/>
             <a:ext cx="520700" cy="300355"/>
           </a:xfrm>
           <a:prstGeom prst="rect">
@@ -11972,7 +12153,7 @@
         </p:nvSpPr>
         <p:spPr>
           <a:xfrm>
-            <a:off x="8067928" y="2941732"/>
+            <a:off x="8067738" y="2592330"/>
             <a:ext cx="1373124" cy="489236"/>
           </a:xfrm>
           <a:prstGeom prst="rect">
@@ -12032,7 +12213,7 @@
         </p:nvSpPr>
         <p:spPr>
           <a:xfrm>
-            <a:off x="4725288" y="2852927"/>
+            <a:off x="4725098" y="2503525"/>
             <a:ext cx="1730630" cy="666849"/>
           </a:xfrm>
           <a:prstGeom prst="rect">
@@ -12092,7 +12273,7 @@
         </p:nvSpPr>
         <p:spPr>
           <a:xfrm>
-            <a:off x="335279" y="2564892"/>
+            <a:off x="335089" y="2215490"/>
             <a:ext cx="2272426" cy="1276632"/>
           </a:xfrm>
           <a:prstGeom prst="rect">
@@ -12155,7 +12336,7 @@
         </p:nvGrpSpPr>
         <p:grpSpPr>
           <a:xfrm>
-            <a:off x="335279" y="3412997"/>
+            <a:off x="335089" y="3063595"/>
             <a:ext cx="11521821" cy="2321560"/>
             <a:chOff x="335279" y="3412997"/>
             <a:chExt cx="11521821" cy="2321560"/>
@@ -12917,7 +13098,7 @@
         </p:nvSpPr>
         <p:spPr>
           <a:xfrm>
-            <a:off x="198221" y="5752287"/>
+            <a:off x="185229" y="5411724"/>
             <a:ext cx="330835" cy="299720"/>
           </a:xfrm>
           <a:prstGeom prst="rect">
@@ -12974,7 +13155,7 @@
         </p:nvSpPr>
         <p:spPr>
           <a:xfrm>
-            <a:off x="10496550" y="5763869"/>
+            <a:off x="10496360" y="5414467"/>
             <a:ext cx="457200" cy="299720"/>
           </a:xfrm>
           <a:prstGeom prst="rect">
@@ -13031,7 +13212,7 @@
         </p:nvSpPr>
         <p:spPr>
           <a:xfrm>
-            <a:off x="7039736" y="5761126"/>
+            <a:off x="7039546" y="5411724"/>
             <a:ext cx="462280" cy="300355"/>
           </a:xfrm>
           <a:prstGeom prst="rect">
@@ -13088,7 +13269,7 @@
         </p:nvSpPr>
         <p:spPr>
           <a:xfrm>
-            <a:off x="6537706" y="2819904"/>
+            <a:off x="6537516" y="2470502"/>
             <a:ext cx="1331974" cy="732893"/>
           </a:xfrm>
           <a:prstGeom prst="rect">
@@ -13134,7 +13315,7 @@
         </p:nvGrpSpPr>
         <p:grpSpPr>
           <a:xfrm>
-            <a:off x="5699758" y="3519776"/>
+            <a:off x="5699568" y="3170374"/>
             <a:ext cx="2821433" cy="1777648"/>
             <a:chOff x="5652896" y="3423539"/>
             <a:chExt cx="2868295" cy="1873885"/>
@@ -13453,7 +13634,7 @@
         </p:nvSpPr>
         <p:spPr>
           <a:xfrm>
-            <a:off x="2639567" y="2564892"/>
+            <a:off x="2639377" y="2215490"/>
             <a:ext cx="2016760" cy="750847"/>
           </a:xfrm>
           <a:prstGeom prst="rect">
@@ -13499,7 +13680,7 @@
         </p:nvSpPr>
         <p:spPr>
           <a:xfrm>
-            <a:off x="3638930" y="3420617"/>
+            <a:off x="3638740" y="3071215"/>
             <a:ext cx="1945005" cy="1873250"/>
           </a:xfrm>
           <a:custGeom>
@@ -13655,15 +13836,15 @@
         </p:nvSpPr>
         <p:spPr>
           <a:xfrm>
-            <a:off x="2541078" y="523431"/>
-            <a:ext cx="7306309" cy="513715"/>
+            <a:off x="2579096" y="561108"/>
+            <a:ext cx="7306309" cy="444352"/>
           </a:xfrm>
           <a:prstGeom prst="rect">
             <a:avLst/>
           </a:prstGeom>
         </p:spPr>
         <p:txBody>
-          <a:bodyPr vert="horz" wrap="square" lIns="0" tIns="13335" rIns="0" bIns="0" rtlCol="0">
+          <a:bodyPr vert="horz" wrap="square" lIns="0" tIns="12065" rIns="0" bIns="0" rtlCol="0">
             <a:spAutoFit/>
           </a:bodyPr>
           <a:lstStyle/>
@@ -13673,18 +13854,73 @@
                 <a:spcPct val="100000"/>
               </a:lnSpc>
               <a:spcBef>
-                <a:spcPts val="105"/>
+                <a:spcPts val="95"/>
               </a:spcBef>
             </a:pPr>
             <a:r>
-              <a:rPr lang="es-ES" sz="3200" dirty="0">
-                <a:solidFill>
-                  <a:srgbClr val="12569B"/>
-                </a:solidFill>
+              <a:rPr lang="es-ES" sz="2800" spc="-5" dirty="0">
+                <a:latin typeface="Arial MT"/>
+                <a:ea typeface="+mn-ea"/>
               </a:rPr>
               <a:t>Aplicaciones por escala de incertidumbre</a:t>
             </a:r>
-            <a:endParaRPr lang="en-US" sz="3200" dirty="0"/>
+            <a:endParaRPr lang="en-US" sz="2800" spc="-5" dirty="0">
+              <a:latin typeface="Arial MT"/>
+              <a:ea typeface="+mn-ea"/>
+            </a:endParaRPr>
+          </a:p>
+        </p:txBody>
+      </p:sp>
+      <p:sp>
+        <p:nvSpPr>
+          <p:cNvPr id="35" name="object 3">
+            <a:extLst>
+              <a:ext uri="{FF2B5EF4-FFF2-40B4-BE49-F238E27FC236}">
+                <a16:creationId xmlns:a16="http://schemas.microsoft.com/office/drawing/2014/main" id="{69A516B3-040E-4152-BD88-814D51E706E2}"/>
+              </a:ext>
+            </a:extLst>
+          </p:cNvPr>
+          <p:cNvSpPr/>
+          <p:nvPr/>
+        </p:nvSpPr>
+        <p:spPr>
+          <a:xfrm>
+            <a:off x="10363199" y="5105399"/>
+            <a:ext cx="1829053" cy="1752853"/>
+          </a:xfrm>
+          <a:custGeom>
+            <a:avLst/>
+            <a:gdLst/>
+            <a:ahLst/>
+            <a:cxnLst/>
+            <a:rect l="l" t="t" r="r" b="b"/>
+            <a:pathLst>
+              <a:path w="2056129" h="2056129">
+                <a:moveTo>
+                  <a:pt x="2055876" y="0"/>
+                </a:moveTo>
+                <a:lnTo>
+                  <a:pt x="0" y="2055875"/>
+                </a:lnTo>
+                <a:lnTo>
+                  <a:pt x="2055876" y="2055875"/>
+                </a:lnTo>
+                <a:lnTo>
+                  <a:pt x="2055876" y="0"/>
+                </a:lnTo>
+                <a:close/>
+              </a:path>
+            </a:pathLst>
+          </a:custGeom>
+          <a:solidFill>
+            <a:srgbClr val="BA1225"/>
+          </a:solidFill>
+        </p:spPr>
+        <p:txBody>
+          <a:bodyPr wrap="square" lIns="0" tIns="0" rIns="0" bIns="0" rtlCol="0"/>
+          <a:lstStyle/>
+          <a:p>
+            <a:endParaRPr/>
           </a:p>
         </p:txBody>
       </p:sp>
@@ -13721,7 +13957,7 @@
         </p:nvSpPr>
         <p:spPr>
           <a:xfrm>
-            <a:off x="914400" y="914400"/>
+            <a:off x="1524000" y="519950"/>
             <a:ext cx="8534400" cy="443070"/>
           </a:xfrm>
           <a:prstGeom prst="rect">
@@ -13765,13 +14001,13 @@
           <p:nvPr>
             <p:extLst>
               <p:ext uri="{D42A27DB-BD31-4B8C-83A1-F6EECF244321}">
-                <p14:modId xmlns:p14="http://schemas.microsoft.com/office/powerpoint/2010/main" val="227309164"/>
+                <p14:modId xmlns:p14="http://schemas.microsoft.com/office/powerpoint/2010/main" val="311068040"/>
               </p:ext>
             </p:extLst>
           </p:nvPr>
         </p:nvGraphicFramePr>
         <p:xfrm>
-          <a:off x="2438400" y="1905000"/>
+          <a:off x="2495867" y="1752600"/>
           <a:ext cx="7200265" cy="1855977"/>
         </p:xfrm>
         <a:graphic>
@@ -14287,7 +14523,7 @@
                         </a:rPr>
                         <a:t>µs</a:t>
                       </a:r>
-                      <a:endParaRPr sz="1800">
+                      <a:endParaRPr sz="1800" dirty="0">
                         <a:latin typeface="Arial MT"/>
                         <a:cs typeface="Arial MT"/>
                       </a:endParaRPr>
@@ -14588,7 +14824,7 @@
                         </a:rPr>
                         <a:t>1.2°</a:t>
                       </a:r>
-                      <a:endParaRPr sz="1800">
+                      <a:endParaRPr sz="1800" dirty="0">
                         <a:latin typeface="Arial MT"/>
                         <a:cs typeface="Arial MT"/>
                       </a:endParaRPr>
@@ -14721,7 +14957,7 @@
                         </a:rPr>
                         <a:t>0.8°</a:t>
                       </a:r>
-                      <a:endParaRPr sz="1800">
+                      <a:endParaRPr sz="1800" dirty="0">
                         <a:latin typeface="Arial MT"/>
                         <a:cs typeface="Arial MT"/>
                       </a:endParaRPr>
@@ -15202,6 +15438,59 @@
           </a:p>
         </p:txBody>
       </p:sp>
+      <p:sp>
+        <p:nvSpPr>
+          <p:cNvPr id="5" name="object 3">
+            <a:extLst>
+              <a:ext uri="{FF2B5EF4-FFF2-40B4-BE49-F238E27FC236}">
+                <a16:creationId xmlns:a16="http://schemas.microsoft.com/office/drawing/2014/main" id="{8E9932BE-BACB-47BA-9F78-E713B4D83943}"/>
+              </a:ext>
+            </a:extLst>
+          </p:cNvPr>
+          <p:cNvSpPr/>
+          <p:nvPr/>
+        </p:nvSpPr>
+        <p:spPr>
+          <a:xfrm>
+            <a:off x="10136123" y="4802123"/>
+            <a:ext cx="2056130" cy="2056130"/>
+          </a:xfrm>
+          <a:custGeom>
+            <a:avLst/>
+            <a:gdLst/>
+            <a:ahLst/>
+            <a:cxnLst/>
+            <a:rect l="l" t="t" r="r" b="b"/>
+            <a:pathLst>
+              <a:path w="2056129" h="2056129">
+                <a:moveTo>
+                  <a:pt x="2055876" y="0"/>
+                </a:moveTo>
+                <a:lnTo>
+                  <a:pt x="0" y="2055875"/>
+                </a:lnTo>
+                <a:lnTo>
+                  <a:pt x="2055876" y="2055875"/>
+                </a:lnTo>
+                <a:lnTo>
+                  <a:pt x="2055876" y="0"/>
+                </a:lnTo>
+                <a:close/>
+              </a:path>
+            </a:pathLst>
+          </a:custGeom>
+          <a:solidFill>
+            <a:srgbClr val="BA1225"/>
+          </a:solidFill>
+        </p:spPr>
+        <p:txBody>
+          <a:bodyPr wrap="square" lIns="0" tIns="0" rIns="0" bIns="0" rtlCol="0"/>
+          <a:lstStyle/>
+          <a:p>
+            <a:endParaRPr/>
+          </a:p>
+        </p:txBody>
+      </p:sp>
     </p:spTree>
   </p:cSld>
   <p:clrMapOvr>
@@ -15229,53 +15518,6 @@
       </p:grpSpPr>
       <p:sp>
         <p:nvSpPr>
-          <p:cNvPr id="3" name="object 3"/>
-          <p:cNvSpPr/>
-          <p:nvPr/>
-        </p:nvSpPr>
-        <p:spPr>
-          <a:xfrm>
-            <a:off x="9283" y="349643"/>
-            <a:ext cx="131445" cy="276225"/>
-          </a:xfrm>
-          <a:custGeom>
-            <a:avLst/>
-            <a:gdLst/>
-            <a:ahLst/>
-            <a:cxnLst/>
-            <a:rect l="l" t="t" r="r" b="b"/>
-            <a:pathLst>
-              <a:path w="131445" h="276225">
-                <a:moveTo>
-                  <a:pt x="131114" y="138087"/>
-                </a:moveTo>
-                <a:lnTo>
-                  <a:pt x="0" y="0"/>
-                </a:lnTo>
-                <a:lnTo>
-                  <a:pt x="0" y="276174"/>
-                </a:lnTo>
-                <a:lnTo>
-                  <a:pt x="131114" y="138087"/>
-                </a:lnTo>
-                <a:close/>
-              </a:path>
-            </a:pathLst>
-          </a:custGeom>
-          <a:solidFill>
-            <a:srgbClr val="BA1225"/>
-          </a:solidFill>
-        </p:spPr>
-        <p:txBody>
-          <a:bodyPr wrap="square" lIns="0" tIns="0" rIns="0" bIns="0" rtlCol="0"/>
-          <a:lstStyle/>
-          <a:p>
-            <a:endParaRPr/>
-          </a:p>
-        </p:txBody>
-      </p:sp>
-      <p:sp>
-        <p:nvSpPr>
           <p:cNvPr id="5" name="object 5"/>
           <p:cNvSpPr txBox="1">
             <a:spLocks noGrp="1"/>
@@ -15286,15 +15528,15 @@
         </p:nvSpPr>
         <p:spPr>
           <a:xfrm>
-            <a:off x="2362200" y="377028"/>
-            <a:ext cx="8437245" cy="443070"/>
+            <a:off x="1761108" y="377028"/>
+            <a:ext cx="9038337" cy="443070"/>
           </a:xfrm>
           <a:prstGeom prst="rect">
             <a:avLst/>
           </a:prstGeom>
         </p:spPr>
         <p:txBody>
-          <a:bodyPr vert="horz" wrap="square" lIns="0" tIns="12065" rIns="0" bIns="0" rtlCol="0">
+          <a:bodyPr vert="horz" wrap="square" lIns="0" tIns="12065" rIns="0" bIns="0" rtlCol="0" anchor="ctr">
             <a:spAutoFit/>
           </a:bodyPr>
           <a:lstStyle/>
@@ -15309,13 +15551,15 @@
             </a:pPr>
             <a:r>
               <a:rPr lang="es-ES" sz="2800" spc="-5" dirty="0">
-                <a:solidFill>
-                  <a:srgbClr val="12569B"/>
-                </a:solidFill>
+                <a:latin typeface="Arial MT"/>
+                <a:ea typeface="+mn-ea"/>
               </a:rPr>
               <a:t>Valores muestreados: Tiempo de muestreo en "9-2LE"</a:t>
             </a:r>
-            <a:endParaRPr sz="2800" dirty="0"/>
+            <a:endParaRPr sz="2800" spc="-5" dirty="0">
+              <a:latin typeface="Arial MT"/>
+              <a:ea typeface="+mn-ea"/>
+            </a:endParaRPr>
           </a:p>
         </p:txBody>
       </p:sp>
@@ -15682,6 +15926,59 @@
           </p:txBody>
         </p:sp>
       </p:grpSp>
+      <p:sp>
+        <p:nvSpPr>
+          <p:cNvPr id="11" name="object 3">
+            <a:extLst>
+              <a:ext uri="{FF2B5EF4-FFF2-40B4-BE49-F238E27FC236}">
+                <a16:creationId xmlns:a16="http://schemas.microsoft.com/office/drawing/2014/main" id="{26A1AD1E-4A81-4C37-87DF-16D6634DC5A4}"/>
+              </a:ext>
+            </a:extLst>
+          </p:cNvPr>
+          <p:cNvSpPr/>
+          <p:nvPr/>
+        </p:nvSpPr>
+        <p:spPr>
+          <a:xfrm>
+            <a:off x="10136123" y="4802123"/>
+            <a:ext cx="2056130" cy="2056130"/>
+          </a:xfrm>
+          <a:custGeom>
+            <a:avLst/>
+            <a:gdLst/>
+            <a:ahLst/>
+            <a:cxnLst/>
+            <a:rect l="l" t="t" r="r" b="b"/>
+            <a:pathLst>
+              <a:path w="2056129" h="2056129">
+                <a:moveTo>
+                  <a:pt x="2055876" y="0"/>
+                </a:moveTo>
+                <a:lnTo>
+                  <a:pt x="0" y="2055875"/>
+                </a:lnTo>
+                <a:lnTo>
+                  <a:pt x="2055876" y="2055875"/>
+                </a:lnTo>
+                <a:lnTo>
+                  <a:pt x="2055876" y="0"/>
+                </a:lnTo>
+                <a:close/>
+              </a:path>
+            </a:pathLst>
+          </a:custGeom>
+          <a:solidFill>
+            <a:srgbClr val="BA1225"/>
+          </a:solidFill>
+        </p:spPr>
+        <p:txBody>
+          <a:bodyPr wrap="square" lIns="0" tIns="0" rIns="0" bIns="0" rtlCol="0"/>
+          <a:lstStyle/>
+          <a:p>
+            <a:endParaRPr/>
+          </a:p>
+        </p:txBody>
+      </p:sp>
     </p:spTree>
   </p:cSld>
   <p:clrMapOvr>
@@ -15721,8 +16018,8 @@
         </p:blipFill>
         <p:spPr>
           <a:xfrm>
-            <a:off x="5116054" y="749500"/>
-            <a:ext cx="6141746" cy="5748839"/>
+            <a:off x="5430000" y="1219200"/>
+            <a:ext cx="5238000" cy="4898139"/>
           </a:xfrm>
           <a:prstGeom prst="rect">
             <a:avLst/>
@@ -15741,15 +16038,15 @@
         </p:nvSpPr>
         <p:spPr>
           <a:xfrm>
-            <a:off x="266801" y="230200"/>
-            <a:ext cx="4488180" cy="497840"/>
+            <a:off x="4011670" y="304800"/>
+            <a:ext cx="4488180" cy="443070"/>
           </a:xfrm>
           <a:prstGeom prst="rect">
             <a:avLst/>
           </a:prstGeom>
         </p:spPr>
         <p:txBody>
-          <a:bodyPr vert="horz" wrap="square" lIns="0" tIns="12065" rIns="0" bIns="0" rtlCol="0">
+          <a:bodyPr vert="horz" wrap="square" lIns="0" tIns="12065" rIns="0" bIns="0" rtlCol="0" anchor="ctr">
             <a:spAutoFit/>
           </a:bodyPr>
           <a:lstStyle/>
@@ -15763,22 +16060,23 @@
               </a:spcBef>
             </a:pPr>
             <a:r>
-              <a:rPr lang="en-US" sz="3100" spc="-5" dirty="0" err="1">
-                <a:solidFill>
-                  <a:srgbClr val="12569B"/>
-                </a:solidFill>
+              <a:rPr lang="en-US" sz="2800" spc="-5" dirty="0" err="1">
+                <a:latin typeface="Arial MT"/>
+                <a:ea typeface="+mn-ea"/>
               </a:rPr>
               <a:t>Requisitos</a:t>
             </a:r>
             <a:r>
-              <a:rPr lang="en-US" sz="3100" spc="-5" dirty="0">
-                <a:solidFill>
-                  <a:srgbClr val="12569B"/>
-                </a:solidFill>
+              <a:rPr lang="en-US" sz="2800" spc="-5" dirty="0">
+                <a:latin typeface="Arial MT"/>
+                <a:ea typeface="+mn-ea"/>
               </a:rPr>
               <a:t> para PMUs</a:t>
             </a:r>
-            <a:endParaRPr sz="3100" dirty="0"/>
+            <a:endParaRPr sz="2800" spc="-5" dirty="0">
+              <a:latin typeface="Arial MT"/>
+              <a:ea typeface="+mn-ea"/>
+            </a:endParaRPr>
           </a:p>
         </p:txBody>
       </p:sp>
@@ -15790,7 +16088,7 @@
         </p:nvSpPr>
         <p:spPr>
           <a:xfrm>
-            <a:off x="934200" y="1219200"/>
+            <a:off x="1524000" y="2057400"/>
             <a:ext cx="2854960" cy="3391313"/>
           </a:xfrm>
           <a:prstGeom prst="rect">
@@ -15955,6 +16253,59 @@
               <a:latin typeface="Arial MT"/>
               <a:cs typeface="Arial MT"/>
             </a:endParaRPr>
+          </a:p>
+        </p:txBody>
+      </p:sp>
+      <p:sp>
+        <p:nvSpPr>
+          <p:cNvPr id="5" name="object 3">
+            <a:extLst>
+              <a:ext uri="{FF2B5EF4-FFF2-40B4-BE49-F238E27FC236}">
+                <a16:creationId xmlns:a16="http://schemas.microsoft.com/office/drawing/2014/main" id="{53CC3D75-4D3F-4A92-B0EF-986EF3C94554}"/>
+              </a:ext>
+            </a:extLst>
+          </p:cNvPr>
+          <p:cNvSpPr/>
+          <p:nvPr/>
+        </p:nvSpPr>
+        <p:spPr>
+          <a:xfrm>
+            <a:off x="10136123" y="4802123"/>
+            <a:ext cx="2056130" cy="2056130"/>
+          </a:xfrm>
+          <a:custGeom>
+            <a:avLst/>
+            <a:gdLst/>
+            <a:ahLst/>
+            <a:cxnLst/>
+            <a:rect l="l" t="t" r="r" b="b"/>
+            <a:pathLst>
+              <a:path w="2056129" h="2056129">
+                <a:moveTo>
+                  <a:pt x="2055876" y="0"/>
+                </a:moveTo>
+                <a:lnTo>
+                  <a:pt x="0" y="2055875"/>
+                </a:lnTo>
+                <a:lnTo>
+                  <a:pt x="2055876" y="2055875"/>
+                </a:lnTo>
+                <a:lnTo>
+                  <a:pt x="2055876" y="0"/>
+                </a:lnTo>
+                <a:close/>
+              </a:path>
+            </a:pathLst>
+          </a:custGeom>
+          <a:solidFill>
+            <a:srgbClr val="BA1225"/>
+          </a:solidFill>
+        </p:spPr>
+        <p:txBody>
+          <a:bodyPr wrap="square" lIns="0" tIns="0" rIns="0" bIns="0" rtlCol="0"/>
+          <a:lstStyle/>
+          <a:p>
+            <a:endParaRPr/>
           </a:p>
         </p:txBody>
       </p:sp>
@@ -16042,7 +16393,7 @@
         </p:nvSpPr>
         <p:spPr>
           <a:xfrm>
-            <a:off x="754786" y="204884"/>
+            <a:off x="4267200" y="304800"/>
             <a:ext cx="3006725" cy="689291"/>
           </a:xfrm>
           <a:prstGeom prst="rect">
@@ -18612,8 +18963,8 @@
         </p:nvSpPr>
         <p:spPr>
           <a:xfrm>
-            <a:off x="1088263" y="513143"/>
-            <a:ext cx="10079609" cy="489236"/>
+            <a:off x="881126" y="250430"/>
+            <a:ext cx="10646537" cy="1243289"/>
           </a:xfrm>
           <a:prstGeom prst="rect">
             <a:avLst/>
@@ -18625,7 +18976,7 @@
           </a:bodyPr>
           <a:lstStyle/>
           <a:p>
-            <a:pPr marL="12700">
+            <a:pPr marL="12700" algn="ctr">
               <a:lnSpc>
                 <a:spcPct val="100000"/>
               </a:lnSpc>
@@ -18634,39 +18985,20 @@
               </a:spcBef>
             </a:pPr>
             <a:r>
-              <a:rPr lang="es-ES" sz="3100" spc="-10" dirty="0">
-                <a:solidFill>
-                  <a:srgbClr val="12569B"/>
-                </a:solidFill>
-              </a:rPr>
-              <a:t>Precisión a lo largo de la cadena de distribución de tiempo</a:t>
-            </a:r>
-            <a:endParaRPr lang="en-US" sz="3100" dirty="0"/>
+              <a:rPr lang="es-ES" sz="4000" spc="-5" dirty="0"/>
+              <a:t>Precisión a lo largo de la cadena </a:t>
+            </a:r>
+            <a:br>
+              <a:rPr lang="ru-RU" sz="4000" spc="-5" dirty="0"/>
+            </a:br>
+            <a:r>
+              <a:rPr lang="es-ES" sz="4000" spc="-5" dirty="0"/>
+              <a:t>de distribución de tiempo</a:t>
+            </a:r>
+            <a:endParaRPr lang="en-US" sz="4000" spc="-5" dirty="0"/>
           </a:p>
         </p:txBody>
       </p:sp>
-      <p:pic>
-        <p:nvPicPr>
-          <p:cNvPr id="49" name="object 49"/>
-          <p:cNvPicPr/>
-          <p:nvPr/>
-        </p:nvPicPr>
-        <p:blipFill>
-          <a:blip r:embed="rId4" cstate="print"/>
-          <a:stretch>
-            <a:fillRect/>
-          </a:stretch>
-        </p:blipFill>
-        <p:spPr>
-          <a:xfrm>
-            <a:off x="553973" y="1665732"/>
-            <a:ext cx="76200" cy="150875"/>
-          </a:xfrm>
-          <a:prstGeom prst="rect">
-            <a:avLst/>
-          </a:prstGeom>
-        </p:spPr>
-      </p:pic>
       <p:sp>
         <p:nvSpPr>
           <p:cNvPr id="50" name="object 50"/>
@@ -18675,7 +19007,7 @@
         </p:nvSpPr>
         <p:spPr>
           <a:xfrm>
-            <a:off x="1426590" y="1466634"/>
+            <a:off x="1437195" y="1705462"/>
             <a:ext cx="9317610" cy="364843"/>
           </a:xfrm>
           <a:prstGeom prst="rect">
@@ -20065,7 +20397,7 @@
               </a:rPr>
               <a:t>hops</a:t>
             </a:r>
-            <a:endParaRPr sz="2400">
+            <a:endParaRPr sz="2400" dirty="0">
               <a:latin typeface="Calibri"/>
               <a:cs typeface="Calibri"/>
             </a:endParaRPr>
@@ -20129,13 +20461,6 @@
               <a:t> </a:t>
             </a:r>
             <a:r>
-              <a:rPr sz="2400" spc="254" dirty="0">
-                <a:latin typeface="Calibri"/>
-                <a:cs typeface="Calibri"/>
-              </a:rPr>
-              <a:t>∙</a:t>
-            </a:r>
-            <a:r>
               <a:rPr sz="2400" dirty="0">
                 <a:latin typeface="Calibri"/>
                 <a:cs typeface="Calibri"/>
@@ -20233,10 +20558,63 @@
               </a:rPr>
               <a:t>ns</a:t>
             </a:r>
-            <a:endParaRPr sz="2400">
+            <a:endParaRPr sz="2400" dirty="0">
               <a:latin typeface="Calibri"/>
               <a:cs typeface="Calibri"/>
             </a:endParaRPr>
+          </a:p>
+        </p:txBody>
+      </p:sp>
+      <p:sp>
+        <p:nvSpPr>
+          <p:cNvPr id="61" name="object 3">
+            <a:extLst>
+              <a:ext uri="{FF2B5EF4-FFF2-40B4-BE49-F238E27FC236}">
+                <a16:creationId xmlns:a16="http://schemas.microsoft.com/office/drawing/2014/main" id="{21A4A70A-46B9-4DE8-8977-132C0880FC00}"/>
+              </a:ext>
+            </a:extLst>
+          </p:cNvPr>
+          <p:cNvSpPr/>
+          <p:nvPr/>
+        </p:nvSpPr>
+        <p:spPr>
+          <a:xfrm>
+            <a:off x="10136123" y="4802123"/>
+            <a:ext cx="2056130" cy="2056130"/>
+          </a:xfrm>
+          <a:custGeom>
+            <a:avLst/>
+            <a:gdLst/>
+            <a:ahLst/>
+            <a:cxnLst/>
+            <a:rect l="l" t="t" r="r" b="b"/>
+            <a:pathLst>
+              <a:path w="2056129" h="2056129">
+                <a:moveTo>
+                  <a:pt x="2055876" y="0"/>
+                </a:moveTo>
+                <a:lnTo>
+                  <a:pt x="0" y="2055875"/>
+                </a:lnTo>
+                <a:lnTo>
+                  <a:pt x="2055876" y="2055875"/>
+                </a:lnTo>
+                <a:lnTo>
+                  <a:pt x="2055876" y="0"/>
+                </a:lnTo>
+                <a:close/>
+              </a:path>
+            </a:pathLst>
+          </a:custGeom>
+          <a:solidFill>
+            <a:srgbClr val="BA1225"/>
+          </a:solidFill>
+        </p:spPr>
+        <p:txBody>
+          <a:bodyPr wrap="square" lIns="0" tIns="0" rIns="0" bIns="0" rtlCol="0"/>
+          <a:lstStyle/>
+          <a:p>
+            <a:endParaRPr/>
           </a:p>
         </p:txBody>
       </p:sp>
@@ -20273,7 +20651,7 @@
         </p:nvSpPr>
         <p:spPr>
           <a:xfrm>
-            <a:off x="6175628" y="6152184"/>
+            <a:off x="6231255" y="6237384"/>
             <a:ext cx="828675" cy="330835"/>
           </a:xfrm>
           <a:prstGeom prst="rect">
@@ -20329,7 +20707,7 @@
               </a:rPr>
               <a:t>ns</a:t>
             </a:r>
-            <a:endParaRPr sz="2000">
+            <a:endParaRPr sz="2000" dirty="0">
               <a:latin typeface="Cambria Math"/>
               <a:cs typeface="Cambria Math"/>
             </a:endParaRPr>
@@ -20344,7 +20722,7 @@
         </p:nvSpPr>
         <p:spPr>
           <a:xfrm>
-            <a:off x="11025378" y="6152184"/>
+            <a:off x="11125200" y="6205438"/>
             <a:ext cx="932815" cy="330835"/>
           </a:xfrm>
           <a:prstGeom prst="rect">
@@ -20400,7 +20778,7 @@
               </a:rPr>
               <a:t>ns</a:t>
             </a:r>
-            <a:endParaRPr sz="2000">
+            <a:endParaRPr sz="2000" dirty="0">
               <a:latin typeface="Cambria Math"/>
               <a:cs typeface="Cambria Math"/>
             </a:endParaRPr>
@@ -20419,8 +20797,8 @@
         </p:nvSpPr>
         <p:spPr>
           <a:xfrm>
-            <a:off x="1709990" y="280857"/>
-            <a:ext cx="9475535" cy="489236"/>
+            <a:off x="3126801" y="-15157"/>
+            <a:ext cx="6705600" cy="1243289"/>
           </a:xfrm>
           <a:prstGeom prst="rect">
             <a:avLst/>
@@ -20432,7 +20810,7 @@
           </a:bodyPr>
           <a:lstStyle/>
           <a:p>
-            <a:pPr marL="12700">
+            <a:pPr marL="12700" algn="ctr">
               <a:lnSpc>
                 <a:spcPct val="100000"/>
               </a:lnSpc>
@@ -20441,14 +20819,17 @@
               </a:spcBef>
             </a:pPr>
             <a:r>
-              <a:rPr lang="es-ES" sz="3100" spc="-10" dirty="0">
-                <a:solidFill>
-                  <a:srgbClr val="12569B"/>
-                </a:solidFill>
-              </a:rPr>
-              <a:t>Precisión a lo largo de la cadena de distribución de tiempo</a:t>
-            </a:r>
-            <a:endParaRPr sz="3100" dirty="0"/>
+              <a:rPr lang="es-ES" sz="4000" spc="-5" dirty="0"/>
+              <a:t>Precisión a lo largo de la cadena </a:t>
+            </a:r>
+            <a:br>
+              <a:rPr lang="ru-RU" sz="4000" spc="-5" dirty="0"/>
+            </a:br>
+            <a:r>
+              <a:rPr lang="es-ES" sz="4000" spc="-5" dirty="0"/>
+              <a:t>de distribución de tiempo</a:t>
+            </a:r>
+            <a:endParaRPr sz="4000" spc="-5" dirty="0"/>
           </a:p>
         </p:txBody>
       </p:sp>
@@ -20460,7 +20841,7 @@
         </p:nvSpPr>
         <p:spPr>
           <a:xfrm>
-            <a:off x="553973" y="1030385"/>
+            <a:off x="609600" y="1363514"/>
             <a:ext cx="5669915" cy="885179"/>
           </a:xfrm>
           <a:prstGeom prst="rect">
@@ -20509,7 +20890,7 @@
         </p:nvSpPr>
         <p:spPr>
           <a:xfrm>
-            <a:off x="809118" y="2241416"/>
+            <a:off x="867288" y="2785627"/>
             <a:ext cx="3335654" cy="1916550"/>
           </a:xfrm>
           <a:prstGeom prst="rect">
@@ -20626,7 +21007,7 @@
         </p:nvSpPr>
         <p:spPr>
           <a:xfrm>
-            <a:off x="3071174" y="5551708"/>
+            <a:off x="3126801" y="5884837"/>
             <a:ext cx="4298798" cy="320601"/>
           </a:xfrm>
           <a:prstGeom prst="rect">
@@ -20691,7 +21072,7 @@
         </p:nvGrpSpPr>
         <p:grpSpPr>
           <a:xfrm>
-            <a:off x="6175628" y="1150706"/>
+            <a:off x="6231255" y="1483835"/>
             <a:ext cx="5760720" cy="4678045"/>
             <a:chOff x="6096000" y="1486661"/>
             <a:chExt cx="5760720" cy="4678045"/>
@@ -21164,7 +21545,7 @@
         </p:blipFill>
         <p:spPr>
           <a:xfrm>
-            <a:off x="2956658" y="1818836"/>
+            <a:off x="3126801" y="2239427"/>
             <a:ext cx="1773556" cy="451640"/>
           </a:xfrm>
           <a:prstGeom prst="rect">
@@ -21186,7 +21567,7 @@
         </p:blipFill>
         <p:spPr>
           <a:xfrm>
-            <a:off x="3071174" y="2705648"/>
+            <a:off x="3126801" y="3296871"/>
             <a:ext cx="1681900" cy="447031"/>
           </a:xfrm>
           <a:prstGeom prst="rect">
@@ -21208,7 +21589,7 @@
         </p:blipFill>
         <p:spPr>
           <a:xfrm>
-            <a:off x="1798316" y="4302093"/>
+            <a:off x="1828800" y="4981017"/>
             <a:ext cx="3614791" cy="239011"/>
           </a:xfrm>
           <a:prstGeom prst="rect">
@@ -21224,7 +21605,7 @@
         </p:nvSpPr>
         <p:spPr>
           <a:xfrm>
-            <a:off x="8659748" y="827146"/>
+            <a:off x="8715375" y="1209049"/>
             <a:ext cx="792480" cy="300355"/>
           </a:xfrm>
           <a:prstGeom prst="rect">
@@ -21327,7 +21708,7 @@
         </p:nvSpPr>
         <p:spPr>
           <a:xfrm>
-            <a:off x="437515" y="1160366"/>
+            <a:off x="450994" y="1418080"/>
             <a:ext cx="2381885" cy="936795"/>
           </a:xfrm>
           <a:prstGeom prst="rect">
@@ -21349,19 +21730,19 @@
               </a:tabLst>
             </a:pPr>
             <a:r>
-              <a:rPr lang="en-US" sz="2000" dirty="0" err="1">
-                <a:latin typeface="Arial MT"/>
+              <a:rPr lang="en-US" sz="2000" b="1" dirty="0" err="1">
+                <a:latin typeface="+mj-lt"/>
               </a:rPr>
               <a:t>Transformador</a:t>
             </a:r>
             <a:r>
-              <a:rPr lang="en-US" sz="2000" dirty="0">
-                <a:latin typeface="Arial MT"/>
+              <a:rPr lang="en-US" sz="2000" b="1" dirty="0">
+                <a:latin typeface="+mj-lt"/>
               </a:rPr>
               <a:t> </a:t>
             </a:r>
-            <a:endParaRPr lang="ru-RU" sz="2000" dirty="0">
-              <a:latin typeface="Arial MT"/>
+            <a:endParaRPr lang="ru-RU" sz="2000" b="1" dirty="0">
+              <a:latin typeface="+mj-lt"/>
             </a:endParaRPr>
           </a:p>
           <a:p>
@@ -21374,48 +21755,48 @@
               </a:tabLst>
             </a:pPr>
             <a:r>
-              <a:rPr lang="ru-RU" sz="2000" dirty="0">
-                <a:latin typeface="Arial MT"/>
-              </a:rPr>
-              <a:t>        </a:t>
-            </a:r>
-            <a:r>
-              <a:rPr lang="en-US" sz="2000" dirty="0">
-                <a:latin typeface="Arial MT"/>
+              <a:rPr lang="ru-RU" sz="2000" b="1" dirty="0">
+                <a:latin typeface="+mj-lt"/>
+              </a:rPr>
+              <a:t>         </a:t>
+            </a:r>
+            <a:r>
+              <a:rPr lang="en-US" sz="2000" b="1" dirty="0">
+                <a:latin typeface="+mj-lt"/>
               </a:rPr>
               <a:t>de</a:t>
             </a:r>
             <a:r>
-              <a:rPr lang="ru-RU" sz="2000" dirty="0">
-                <a:latin typeface="Arial MT"/>
+              <a:rPr lang="ru-RU" sz="2000" b="1" dirty="0">
+                <a:latin typeface="+mj-lt"/>
               </a:rPr>
               <a:t> </a:t>
             </a:r>
             <a:r>
-              <a:rPr lang="en-US" sz="2000" dirty="0">
-                <a:latin typeface="Arial MT"/>
+              <a:rPr lang="en-US" sz="2000" b="1" dirty="0">
+                <a:latin typeface="+mj-lt"/>
               </a:rPr>
               <a:t>alto</a:t>
             </a:r>
             <a:r>
-              <a:rPr lang="ru-RU" sz="2000" dirty="0">
-                <a:latin typeface="Arial MT"/>
+              <a:rPr lang="ru-RU" sz="2000" b="1" dirty="0">
+                <a:latin typeface="+mj-lt"/>
               </a:rPr>
               <a:t> </a:t>
             </a:r>
             <a:r>
-              <a:rPr lang="en-US" sz="2000" dirty="0" err="1">
-                <a:latin typeface="Arial MT"/>
+              <a:rPr lang="en-US" sz="2000" b="1" dirty="0" err="1">
+                <a:latin typeface="+mj-lt"/>
               </a:rPr>
               <a:t>voltaje</a:t>
             </a:r>
             <a:r>
-              <a:rPr lang="en-US" sz="2000" b="0" i="0" dirty="0">
+              <a:rPr lang="en-US" sz="2000" b="1" i="0" dirty="0">
                 <a:solidFill>
                   <a:srgbClr val="E2E2E5"/>
                 </a:solidFill>
                 <a:effectLst/>
-                <a:latin typeface="Google Sans Text"/>
+                <a:latin typeface="+mj-lt"/>
               </a:rPr>
               <a:t> </a:t>
             </a:r>
@@ -21443,8 +21824,8 @@
         </p:blipFill>
         <p:spPr>
           <a:xfrm>
-            <a:off x="406908" y="1885188"/>
-            <a:ext cx="2700527" cy="3357371"/>
+            <a:off x="570862" y="2106586"/>
+            <a:ext cx="2381885" cy="2897053"/>
           </a:xfrm>
           <a:prstGeom prst="rect">
             <a:avLst/>
@@ -21459,7 +21840,7 @@
         </p:nvSpPr>
         <p:spPr>
           <a:xfrm>
-            <a:off x="6725156" y="1398524"/>
+            <a:off x="6494641" y="2406728"/>
             <a:ext cx="2571243" cy="321242"/>
           </a:xfrm>
           <a:prstGeom prst="rect">
@@ -21472,7 +21853,7 @@
           </a:bodyPr>
           <a:lstStyle/>
           <a:p>
-            <a:pPr marL="12700">
+            <a:pPr marL="12700" algn="ctr">
               <a:lnSpc>
                 <a:spcPct val="100000"/>
               </a:lnSpc>
@@ -21505,7 +21886,7 @@
         </p:nvSpPr>
         <p:spPr>
           <a:xfrm>
-            <a:off x="9709422" y="1244636"/>
+            <a:off x="9498714" y="1575452"/>
             <a:ext cx="2103374" cy="641842"/>
           </a:xfrm>
           <a:prstGeom prst="rect">
@@ -21518,7 +21899,7 @@
           </a:bodyPr>
           <a:lstStyle/>
           <a:p>
-            <a:pPr marL="111125">
+            <a:pPr marL="111125" algn="ctr">
               <a:lnSpc>
                 <a:spcPct val="100000"/>
               </a:lnSpc>
@@ -21535,7 +21916,7 @@
             </a:r>
           </a:p>
           <a:p>
-            <a:pPr marL="111125">
+            <a:pPr marL="111125" algn="ctr">
               <a:lnSpc>
                 <a:spcPct val="100000"/>
               </a:lnSpc>
@@ -21573,13 +21954,13 @@
           <p:nvPr>
             <p:extLst>
               <p:ext uri="{D42A27DB-BD31-4B8C-83A1-F6EECF244321}">
-                <p14:modId xmlns:p14="http://schemas.microsoft.com/office/powerpoint/2010/main" val="2645772523"/>
+                <p14:modId xmlns:p14="http://schemas.microsoft.com/office/powerpoint/2010/main" val="617320823"/>
               </p:ext>
             </p:extLst>
           </p:nvPr>
         </p:nvGraphicFramePr>
         <p:xfrm>
-          <a:off x="310894" y="5400545"/>
+          <a:off x="450994" y="5439920"/>
           <a:ext cx="11353801" cy="661320"/>
         </p:xfrm>
         <a:graphic>
@@ -21662,9 +22043,23 @@
                           <a:latin typeface="Arial MT"/>
                           <a:cs typeface="Arial MT"/>
                         </a:rPr>
-                        <a:t>k€</a:t>
+                        <a:t>k</a:t>
                       </a:r>
-                      <a:endParaRPr sz="2000">
+                      <a:r>
+                        <a:rPr lang="ru-RU" sz="2000" spc="-445" dirty="0">
+                          <a:latin typeface="Arial MT"/>
+                          <a:cs typeface="Arial MT"/>
+                        </a:rPr>
+                        <a:t>     </a:t>
+                      </a:r>
+                      <a:r>
+                        <a:rPr sz="2000" spc="-445" dirty="0">
+                          <a:latin typeface="Arial MT"/>
+                          <a:cs typeface="Arial MT"/>
+                        </a:rPr>
+                        <a:t>€</a:t>
+                      </a:r>
+                      <a:endParaRPr sz="2000" dirty="0">
                         <a:latin typeface="Arial MT"/>
                         <a:cs typeface="Arial MT"/>
                       </a:endParaRPr>
@@ -21715,9 +22110,23 @@
                           <a:latin typeface="Arial MT"/>
                           <a:cs typeface="Arial MT"/>
                         </a:rPr>
-                        <a:t>k€</a:t>
+                        <a:t>k</a:t>
                       </a:r>
-                      <a:endParaRPr sz="2000">
+                      <a:r>
+                        <a:rPr lang="ru-RU" sz="2000" spc="-445" dirty="0">
+                          <a:latin typeface="Arial MT"/>
+                          <a:cs typeface="Arial MT"/>
+                        </a:rPr>
+                        <a:t>      </a:t>
+                      </a:r>
+                      <a:r>
+                        <a:rPr sz="2000" spc="-445" dirty="0">
+                          <a:latin typeface="Arial MT"/>
+                          <a:cs typeface="Arial MT"/>
+                        </a:rPr>
+                        <a:t>€</a:t>
+                      </a:r>
+                      <a:endParaRPr sz="2000" dirty="0">
                         <a:latin typeface="Arial MT"/>
                         <a:cs typeface="Arial MT"/>
                       </a:endParaRPr>
@@ -21768,9 +22177,23 @@
                           <a:latin typeface="Arial MT"/>
                           <a:cs typeface="Arial MT"/>
                         </a:rPr>
-                        <a:t>k€</a:t>
+                        <a:t>k</a:t>
                       </a:r>
-                      <a:endParaRPr sz="2000">
+                      <a:r>
+                        <a:rPr lang="ru-RU" sz="2000" spc="-445" dirty="0">
+                          <a:latin typeface="Arial MT"/>
+                          <a:cs typeface="Arial MT"/>
+                        </a:rPr>
+                        <a:t>     </a:t>
+                      </a:r>
+                      <a:r>
+                        <a:rPr sz="2000" spc="-445" dirty="0">
+                          <a:latin typeface="Arial MT"/>
+                          <a:cs typeface="Arial MT"/>
+                        </a:rPr>
+                        <a:t>€</a:t>
+                      </a:r>
+                      <a:endParaRPr sz="2000" dirty="0">
                         <a:latin typeface="Arial MT"/>
                         <a:cs typeface="Arial MT"/>
                       </a:endParaRPr>
@@ -21803,11 +22226,11 @@
                         <a:t> </a:t>
                       </a:r>
                       <a:r>
-                        <a:rPr sz="2000" dirty="0">
+                        <a:rPr lang="ru-RU" sz="2000" dirty="0">
                           <a:latin typeface="Arial MT"/>
                           <a:cs typeface="Arial MT"/>
                         </a:rPr>
-                        <a:t>5</a:t>
+                        <a:t>10</a:t>
                       </a:r>
                       <a:r>
                         <a:rPr sz="2000" spc="-25" dirty="0">
@@ -21821,7 +22244,21 @@
                           <a:latin typeface="Arial MT"/>
                           <a:cs typeface="Arial MT"/>
                         </a:rPr>
-                        <a:t>k€</a:t>
+                        <a:t>k</a:t>
+                      </a:r>
+                      <a:r>
+                        <a:rPr lang="ru-RU" sz="2000" spc="-445" dirty="0">
+                          <a:latin typeface="Arial MT"/>
+                          <a:cs typeface="Arial MT"/>
+                        </a:rPr>
+                        <a:t>       </a:t>
+                      </a:r>
+                      <a:r>
+                        <a:rPr sz="2000" spc="-445" dirty="0">
+                          <a:latin typeface="Arial MT"/>
+                          <a:cs typeface="Arial MT"/>
+                        </a:rPr>
+                        <a:t>€</a:t>
                       </a:r>
                       <a:endParaRPr sz="2000" dirty="0">
                         <a:latin typeface="Arial MT"/>
@@ -21849,21 +22286,18 @@
                         </a:lnSpc>
                       </a:pPr>
                       <a:r>
-                        <a:rPr lang="ru-RU" sz="2000" dirty="0">
+                        <a:rPr lang="en-US" sz="2000" dirty="0" err="1">
                           <a:latin typeface="Arial MT"/>
                           <a:cs typeface="Arial MT"/>
                         </a:rPr>
-                        <a:t>Приемлемо</a:t>
+                        <a:t>Aceptable</a:t>
                       </a:r>
                       <a:r>
-                        <a:rPr sz="2800" spc="-5" dirty="0">
-                          <a:solidFill>
-                            <a:srgbClr val="297837"/>
-                          </a:solidFill>
-                          <a:latin typeface="Wingdings"/>
-                          <a:cs typeface="Wingdings"/>
+                        <a:rPr lang="en-US" sz="2000" dirty="0">
+                          <a:latin typeface="Arial MT"/>
+                          <a:cs typeface="Arial MT"/>
                         </a:rPr>
-                        <a:t></a:t>
+                        <a:t>✔</a:t>
                       </a:r>
                       <a:endParaRPr sz="2800" dirty="0">
                         <a:latin typeface="Wingdings"/>
@@ -21878,36 +22312,38 @@
                     <a:bodyPr/>
                     <a:lstStyle/>
                     <a:p>
-                      <a:pPr marR="43815" algn="ctr">
+                      <a:pPr marL="0" marR="43815" lvl="0" indent="0" algn="ctr" defTabSz="914400" rtl="0" eaLnBrk="1" fontAlgn="auto" latinLnBrk="0" hangingPunct="1">
                         <a:lnSpc>
                           <a:spcPts val="2945"/>
                         </a:lnSpc>
+                        <a:spcBef>
+                          <a:spcPts val="0"/>
+                        </a:spcBef>
+                        <a:spcAft>
+                          <a:spcPts val="0"/>
+                        </a:spcAft>
+                        <a:buClrTx/>
+                        <a:buSzTx/>
+                        <a:buFontTx/>
+                        <a:buNone/>
+                        <a:tabLst/>
+                        <a:defRPr/>
                       </a:pPr>
                       <a:r>
-                        <a:rPr lang="ru-RU" sz="2000" dirty="0">
+                        <a:rPr lang="en-US" sz="2000" dirty="0" err="1">
                           <a:latin typeface="Arial MT"/>
                           <a:cs typeface="Arial MT"/>
                         </a:rPr>
-                        <a:t>Приемлемо</a:t>
+                        <a:t>Aceptable</a:t>
                       </a:r>
                       <a:r>
-                        <a:rPr sz="2000" spc="-75" dirty="0">
+                        <a:rPr lang="en-US" sz="2000" dirty="0">
                           <a:latin typeface="Arial MT"/>
                           <a:cs typeface="Arial MT"/>
                         </a:rPr>
-                        <a:t> </a:t>
+                        <a:t>✔</a:t>
                       </a:r>
-                      <a:r>
-                        <a:rPr sz="2800" spc="-5" dirty="0">
-                          <a:solidFill>
-                            <a:srgbClr val="297837"/>
-                          </a:solidFill>
-                          <a:latin typeface="Wingdings"/>
-                          <a:cs typeface="Wingdings"/>
-                        </a:rPr>
-                        <a:t></a:t>
-                      </a:r>
-                      <a:endParaRPr sz="2800" dirty="0">
+                      <a:endParaRPr lang="en-US" sz="2800" dirty="0">
                         <a:latin typeface="Wingdings"/>
                         <a:cs typeface="Wingdings"/>
                       </a:endParaRPr>
@@ -21926,24 +22362,22 @@
                         </a:lnSpc>
                       </a:pPr>
                       <a:r>
-                        <a:rPr lang="ru-RU" sz="2000" dirty="0">
+                        <a:rPr lang="en-US" sz="2000" kern="1200" dirty="0">
+                          <a:solidFill>
+                            <a:schemeClr val="tx1"/>
+                          </a:solidFill>
                           <a:latin typeface="Arial MT"/>
+                          <a:ea typeface="+mn-ea"/>
                           <a:cs typeface="Arial MT"/>
                         </a:rPr>
-                        <a:t>дорого</a:t>
+                        <a:t>¡Caro!</a:t>
                       </a:r>
-                      <a:r>
-                        <a:rPr sz="2800" spc="-5" dirty="0">
-                          <a:solidFill>
-                            <a:srgbClr val="BD110F"/>
-                          </a:solidFill>
-                          <a:latin typeface="Arial MT"/>
-                          <a:cs typeface="Arial MT"/>
-                        </a:rPr>
-                        <a:t>!</a:t>
-                      </a:r>
-                      <a:endParaRPr sz="2800" dirty="0">
+                      <a:endParaRPr sz="2000" kern="1200" dirty="0">
+                        <a:solidFill>
+                          <a:schemeClr val="tx1"/>
+                        </a:solidFill>
                         <a:latin typeface="Arial MT"/>
+                        <a:ea typeface="+mn-ea"/>
                         <a:cs typeface="Arial MT"/>
                       </a:endParaRPr>
                     </a:p>
@@ -21955,37 +22389,39 @@
                     <a:bodyPr/>
                     <a:lstStyle/>
                     <a:p>
-                      <a:pPr marL="733425" algn="ctr">
+                      <a:pPr marL="36830" algn="ctr" defTabSz="914400" rtl="0" eaLnBrk="1" latinLnBrk="0" hangingPunct="1">
                         <a:lnSpc>
                           <a:spcPts val="2945"/>
                         </a:lnSpc>
                       </a:pPr>
                       <a:r>
-                        <a:rPr lang="ru-RU" sz="2000" spc="-60" dirty="0">
+                        <a:rPr lang="ru-RU" sz="2000" kern="1200" dirty="0">
+                          <a:solidFill>
+                            <a:schemeClr val="tx1"/>
+                          </a:solidFill>
                           <a:latin typeface="Arial MT"/>
-                          <a:cs typeface="Arial MT"/>
+                          <a:ea typeface="+mn-ea"/>
+                          <a:cs typeface="+mn-cs"/>
                         </a:rPr>
-                        <a:t>дорого</a:t>
+                        <a:t>           </a:t>
                       </a:r>
                       <a:r>
-                        <a:rPr sz="2000" spc="-60" dirty="0">
-                          <a:latin typeface="Arial MT"/>
-                          <a:cs typeface="Arial MT"/>
-                        </a:rPr>
-                        <a:t> </a:t>
-                      </a:r>
-                      <a:r>
-                        <a:rPr sz="2800" spc="-5" dirty="0">
+                        <a:rPr lang="en-US" sz="2000" kern="1200" dirty="0">
                           <a:solidFill>
-                            <a:srgbClr val="BD110F"/>
+                            <a:schemeClr val="tx1"/>
                           </a:solidFill>
                           <a:latin typeface="Arial MT"/>
-                          <a:cs typeface="Arial MT"/>
+                          <a:ea typeface="+mn-ea"/>
+                          <a:cs typeface="+mn-cs"/>
                         </a:rPr>
-                        <a:t>!</a:t>
+                        <a:t>¡Caro!</a:t>
                       </a:r>
-                      <a:endParaRPr sz="2800" dirty="0">
+                      <a:endParaRPr sz="2000" kern="1200" dirty="0">
+                        <a:solidFill>
+                          <a:schemeClr val="tx1"/>
+                        </a:solidFill>
                         <a:latin typeface="Arial MT"/>
+                        <a:ea typeface="+mn-ea"/>
                         <a:cs typeface="Arial MT"/>
                       </a:endParaRPr>
                     </a:p>
@@ -22016,7 +22452,7 @@
         </p:blipFill>
         <p:spPr>
           <a:xfrm>
-            <a:off x="3287267" y="2665476"/>
+            <a:off x="3296474" y="2593133"/>
             <a:ext cx="2700528" cy="2058924"/>
           </a:xfrm>
           <a:prstGeom prst="rect">
@@ -22038,7 +22474,7 @@
         </p:blipFill>
         <p:spPr>
           <a:xfrm>
-            <a:off x="6271259" y="2933911"/>
+            <a:off x="6494641" y="3122015"/>
             <a:ext cx="2681363" cy="528945"/>
           </a:xfrm>
           <a:prstGeom prst="rect">
@@ -22060,7 +22496,7 @@
         </p:blipFill>
         <p:spPr>
           <a:xfrm>
-            <a:off x="6271259" y="3544823"/>
+            <a:off x="6477000" y="4024442"/>
             <a:ext cx="2699004" cy="819912"/>
           </a:xfrm>
           <a:prstGeom prst="rect">
@@ -22082,7 +22518,7 @@
         </p:blipFill>
         <p:spPr>
           <a:xfrm>
-            <a:off x="9733910" y="2097061"/>
+            <a:off x="10118881" y="2312185"/>
             <a:ext cx="1284455" cy="2897053"/>
           </a:xfrm>
           <a:prstGeom prst="rect">
@@ -22102,8 +22538,8 @@
         </p:nvSpPr>
         <p:spPr>
           <a:xfrm>
-            <a:off x="1491994" y="331118"/>
-            <a:ext cx="8991599" cy="444352"/>
+            <a:off x="1481617" y="74205"/>
+            <a:ext cx="9279491" cy="1244571"/>
           </a:xfrm>
           <a:prstGeom prst="rect">
             <a:avLst/>
@@ -22115,7 +22551,7 @@
           </a:bodyPr>
           <a:lstStyle/>
           <a:p>
-            <a:pPr marL="12700">
+            <a:pPr marL="12700" algn="ctr">
               <a:lnSpc>
                 <a:spcPct val="100000"/>
               </a:lnSpc>
@@ -22124,78 +22560,42 @@
               </a:spcBef>
             </a:pPr>
             <a:r>
-              <a:rPr lang="en-US" sz="2800" dirty="0" err="1">
-                <a:solidFill>
-                  <a:srgbClr val="12569B"/>
-                </a:solidFill>
-              </a:rPr>
+              <a:rPr lang="en-US" sz="4000" spc="-5" dirty="0" err="1"/>
               <a:t>Interruptor</a:t>
             </a:r>
             <a:r>
-              <a:rPr lang="en-US" sz="2800" dirty="0">
-                <a:solidFill>
-                  <a:srgbClr val="12569B"/>
-                </a:solidFill>
-              </a:rPr>
+              <a:rPr lang="en-US" sz="4000" spc="-5" dirty="0"/>
               <a:t> de alto </a:t>
             </a:r>
             <a:r>
-              <a:rPr lang="en-US" sz="2800" dirty="0" err="1">
-                <a:solidFill>
-                  <a:srgbClr val="12569B"/>
-                </a:solidFill>
-              </a:rPr>
+              <a:rPr lang="en-US" sz="4000" spc="-5" dirty="0" err="1"/>
               <a:t>voltaje</a:t>
             </a:r>
             <a:r>
-              <a:rPr lang="en-US" sz="2800" dirty="0">
-                <a:solidFill>
-                  <a:srgbClr val="12569B"/>
-                </a:solidFill>
-              </a:rPr>
+              <a:rPr lang="en-US" sz="4000" spc="-5" dirty="0"/>
               <a:t> </a:t>
             </a:r>
             <a:r>
-              <a:rPr lang="en-US" sz="2800" dirty="0" err="1">
-                <a:solidFill>
-                  <a:srgbClr val="12569B"/>
-                </a:solidFill>
-              </a:rPr>
+              <a:rPr lang="en-US" sz="4000" spc="-5" dirty="0" err="1"/>
               <a:t>Relé</a:t>
             </a:r>
             <a:r>
-              <a:rPr lang="en-US" sz="2800" dirty="0">
-                <a:solidFill>
-                  <a:srgbClr val="12569B"/>
-                </a:solidFill>
-              </a:rPr>
+              <a:rPr lang="en-US" sz="4000" spc="-5" dirty="0"/>
               <a:t> de </a:t>
             </a:r>
             <a:r>
-              <a:rPr lang="en-US" sz="2800" dirty="0" err="1">
-                <a:solidFill>
-                  <a:srgbClr val="12569B"/>
-                </a:solidFill>
-              </a:rPr>
+              <a:rPr lang="en-US" sz="4000" spc="-5" dirty="0" err="1"/>
               <a:t>protección</a:t>
             </a:r>
             <a:r>
-              <a:rPr lang="en-US" sz="2800" dirty="0">
-                <a:solidFill>
-                  <a:srgbClr val="12569B"/>
-                </a:solidFill>
-              </a:rPr>
+              <a:rPr lang="en-US" sz="4000" spc="-5" dirty="0"/>
               <a:t> de alto </a:t>
             </a:r>
             <a:r>
-              <a:rPr lang="en-US" sz="2800" dirty="0" err="1">
-                <a:solidFill>
-                  <a:srgbClr val="12569B"/>
-                </a:solidFill>
-              </a:rPr>
+              <a:rPr lang="en-US" sz="4000" spc="-5" dirty="0" err="1"/>
               <a:t>voltaje</a:t>
             </a:r>
-            <a:endParaRPr lang="en-US" sz="2800" dirty="0"/>
+            <a:endParaRPr lang="en-US" sz="4000" spc="-5" dirty="0"/>
           </a:p>
         </p:txBody>
       </p:sp>
@@ -22213,7 +22613,7 @@
         </p:nvSpPr>
         <p:spPr>
           <a:xfrm>
-            <a:off x="3421507" y="1204328"/>
+            <a:off x="3315399" y="1635033"/>
             <a:ext cx="2849752" cy="641842"/>
           </a:xfrm>
           <a:prstGeom prst="rect">

--- a/Time-Card/ДОКУМЕНТЫ/МАТЕРИАЛ СТАТЬИ/Применение в энергетике испанский.pptx
+++ b/Time-Card/ДОКУМЕНТЫ/МАТЕРИАЛ СТАТЬИ/Применение в энергетике испанский.pptx
@@ -5,26 +5,22 @@
     <p:sldMasterId id="2147483666" r:id="rId1"/>
   </p:sldMasterIdLst>
   <p:notesMasterIdLst>
-    <p:notesMasterId r:id="rId19"/>
+    <p:notesMasterId r:id="rId15"/>
   </p:notesMasterIdLst>
   <p:sldIdLst>
     <p:sldId id="256" r:id="rId2"/>
-    <p:sldId id="263" r:id="rId3"/>
-    <p:sldId id="264" r:id="rId4"/>
-    <p:sldId id="265" r:id="rId5"/>
-    <p:sldId id="266" r:id="rId6"/>
-    <p:sldId id="267" r:id="rId7"/>
+    <p:sldId id="264" r:id="rId3"/>
+    <p:sldId id="263" r:id="rId4"/>
+    <p:sldId id="293" r:id="rId5"/>
+    <p:sldId id="265" r:id="rId6"/>
+    <p:sldId id="266" r:id="rId7"/>
     <p:sldId id="268" r:id="rId8"/>
     <p:sldId id="269" r:id="rId9"/>
     <p:sldId id="274" r:id="rId10"/>
     <p:sldId id="277" r:id="rId11"/>
-    <p:sldId id="278" r:id="rId12"/>
-    <p:sldId id="279" r:id="rId13"/>
-    <p:sldId id="280" r:id="rId14"/>
-    <p:sldId id="281" r:id="rId15"/>
-    <p:sldId id="283" r:id="rId16"/>
-    <p:sldId id="284" r:id="rId17"/>
-    <p:sldId id="291" r:id="rId18"/>
+    <p:sldId id="291" r:id="rId12"/>
+    <p:sldId id="292" r:id="rId13"/>
+    <p:sldId id="294" r:id="rId14"/>
   </p:sldIdLst>
   <p:sldSz cx="12192000" cy="6858000"/>
   <p:notesSz cx="12192000" cy="6858000"/>
@@ -224,7 +220,7 @@
           <a:p>
             <a:fld id="{CE10A841-C0A2-4DDE-BD50-CDE80D204315}" type="datetimeFigureOut">
               <a:rPr lang="ru-RU" smtClean="0"/>
-              <a:t>17.06.2024</a:t>
+              <a:t>04.02.2025</a:t>
             </a:fld>
             <a:endParaRPr lang="ru-RU"/>
           </a:p>
@@ -742,7 +738,7 @@
           <a:p>
             <a:fld id="{1D8BD707-D9CF-40AE-B4C6-C98DA3205C09}" type="datetimeFigureOut">
               <a:rPr lang="en-US" smtClean="0"/>
-              <a:t>6/17/2024</a:t>
+              <a:t>2/4/2025</a:t>
             </a:fld>
             <a:endParaRPr lang="en-US"/>
           </a:p>
@@ -940,7 +936,7 @@
           <a:p>
             <a:fld id="{1D8BD707-D9CF-40AE-B4C6-C98DA3205C09}" type="datetimeFigureOut">
               <a:rPr lang="en-US" smtClean="0"/>
-              <a:t>6/17/2024</a:t>
+              <a:t>2/4/2025</a:t>
             </a:fld>
             <a:endParaRPr lang="en-US"/>
           </a:p>
@@ -1148,7 +1144,7 @@
           <a:p>
             <a:fld id="{1D8BD707-D9CF-40AE-B4C6-C98DA3205C09}" type="datetimeFigureOut">
               <a:rPr lang="en-US" smtClean="0"/>
-              <a:t>6/17/2024</a:t>
+              <a:t>2/4/2025</a:t>
             </a:fld>
             <a:endParaRPr lang="en-US"/>
           </a:p>
@@ -1704,7 +1700,7 @@
           <a:p>
             <a:fld id="{1D8BD707-D9CF-40AE-B4C6-C98DA3205C09}" type="datetimeFigureOut">
               <a:rPr lang="en-US" smtClean="0"/>
-              <a:t>6/17/2024</a:t>
+              <a:t>2/4/2025</a:t>
             </a:fld>
             <a:endParaRPr lang="en-US"/>
           </a:p>
@@ -1979,7 +1975,7 @@
           <a:p>
             <a:fld id="{1D8BD707-D9CF-40AE-B4C6-C98DA3205C09}" type="datetimeFigureOut">
               <a:rPr lang="en-US" smtClean="0"/>
-              <a:t>6/17/2024</a:t>
+              <a:t>2/4/2025</a:t>
             </a:fld>
             <a:endParaRPr lang="en-US"/>
           </a:p>
@@ -2244,7 +2240,7 @@
           <a:p>
             <a:fld id="{1D8BD707-D9CF-40AE-B4C6-C98DA3205C09}" type="datetimeFigureOut">
               <a:rPr lang="en-US" smtClean="0"/>
-              <a:t>6/17/2024</a:t>
+              <a:t>2/4/2025</a:t>
             </a:fld>
             <a:endParaRPr lang="en-US"/>
           </a:p>
@@ -2656,7 +2652,7 @@
           <a:p>
             <a:fld id="{1D8BD707-D9CF-40AE-B4C6-C98DA3205C09}" type="datetimeFigureOut">
               <a:rPr lang="en-US" smtClean="0"/>
-              <a:t>6/17/2024</a:t>
+              <a:t>2/4/2025</a:t>
             </a:fld>
             <a:endParaRPr lang="en-US"/>
           </a:p>
@@ -2797,7 +2793,7 @@
           <a:p>
             <a:fld id="{1D8BD707-D9CF-40AE-B4C6-C98DA3205C09}" type="datetimeFigureOut">
               <a:rPr lang="en-US" smtClean="0"/>
-              <a:t>6/17/2024</a:t>
+              <a:t>2/4/2025</a:t>
             </a:fld>
             <a:endParaRPr lang="en-US"/>
           </a:p>
@@ -2910,7 +2906,7 @@
           <a:p>
             <a:fld id="{1D8BD707-D9CF-40AE-B4C6-C98DA3205C09}" type="datetimeFigureOut">
               <a:rPr lang="en-US" smtClean="0"/>
-              <a:t>6/17/2024</a:t>
+              <a:t>2/4/2025</a:t>
             </a:fld>
             <a:endParaRPr lang="en-US"/>
           </a:p>
@@ -3221,7 +3217,7 @@
           <a:p>
             <a:fld id="{1D8BD707-D9CF-40AE-B4C6-C98DA3205C09}" type="datetimeFigureOut">
               <a:rPr lang="en-US" smtClean="0"/>
-              <a:t>6/17/2024</a:t>
+              <a:t>2/4/2025</a:t>
             </a:fld>
             <a:endParaRPr lang="en-US"/>
           </a:p>
@@ -3509,7 +3505,7 @@
           <a:p>
             <a:fld id="{1D8BD707-D9CF-40AE-B4C6-C98DA3205C09}" type="datetimeFigureOut">
               <a:rPr lang="en-US" smtClean="0"/>
-              <a:t>6/17/2024</a:t>
+              <a:t>2/4/2025</a:t>
             </a:fld>
             <a:endParaRPr lang="en-US"/>
           </a:p>
@@ -3750,7 +3746,7 @@
           <a:p>
             <a:fld id="{1D8BD707-D9CF-40AE-B4C6-C98DA3205C09}" type="datetimeFigureOut">
               <a:rPr lang="en-US" smtClean="0"/>
-              <a:t>6/17/2024</a:t>
+              <a:t>2/4/2025</a:t>
             </a:fld>
             <a:endParaRPr lang="en-US"/>
           </a:p>
@@ -4191,7 +4187,7 @@
         </p:blipFill>
         <p:spPr>
           <a:xfrm>
-            <a:off x="0" y="3275599"/>
+            <a:off x="0" y="3238108"/>
             <a:ext cx="12159988" cy="3619892"/>
           </a:xfrm>
           <a:prstGeom prst="rect">
@@ -4310,44 +4306,6 @@
               <a:latin typeface="Quattrocento Sans" panose="020B0604020202020204" charset="0"/>
               <a:cs typeface="Quattrocento Sans" panose="020B0604020202020204" charset="0"/>
             </a:endParaRPr>
-          </a:p>
-        </p:txBody>
-      </p:sp>
-      <p:sp>
-        <p:nvSpPr>
-          <p:cNvPr id="8" name="TextBox 7">
-            <a:extLst>
-              <a:ext uri="{FF2B5EF4-FFF2-40B4-BE49-F238E27FC236}">
-                <a16:creationId xmlns:a16="http://schemas.microsoft.com/office/drawing/2014/main" id="{E8EE6578-DF9B-45F5-A2BD-FFBD09AB4E7F}"/>
-              </a:ext>
-            </a:extLst>
-          </p:cNvPr>
-          <p:cNvSpPr txBox="1"/>
-          <p:nvPr/>
-        </p:nvSpPr>
-        <p:spPr>
-          <a:xfrm>
-            <a:off x="32012" y="6430289"/>
-            <a:ext cx="2305214" cy="369332"/>
-          </a:xfrm>
-          <a:prstGeom prst="rect">
-            <a:avLst/>
-          </a:prstGeom>
-          <a:noFill/>
-        </p:spPr>
-        <p:txBody>
-          <a:bodyPr wrap="square">
-            <a:spAutoFit/>
-          </a:bodyPr>
-          <a:lstStyle/>
-          <a:p>
-            <a:r>
-              <a:rPr lang="ru-RU" dirty="0">
-                <a:latin typeface="Quattrocento Sans" panose="020B0604020202020204" charset="0"/>
-                <a:cs typeface="Quattrocento Sans" panose="020B0604020202020204" charset="0"/>
-              </a:rPr>
-              <a:t>https://qantum.pro</a:t>
-            </a:r>
           </a:p>
         </p:txBody>
       </p:sp>
@@ -4881,7 +4839,7 @@
         </p:nvSpPr>
         <p:spPr>
           <a:xfrm>
-            <a:off x="1304925" y="990600"/>
+            <a:off x="1243013" y="1041279"/>
             <a:ext cx="9906000" cy="444352"/>
           </a:xfrm>
           <a:prstGeom prst="rect">
@@ -4894,12 +4852,12 @@
           </a:bodyPr>
           <a:lstStyle/>
           <a:p>
-            <a:pPr marL="12700">
+            <a:pPr marL="12700" algn="ctr">
               <a:lnSpc>
                 <a:spcPct val="100000"/>
               </a:lnSpc>
               <a:spcBef>
-                <a:spcPts val="105"/>
+                <a:spcPts val="95"/>
               </a:spcBef>
               <a:buClr>
                 <a:srgbClr val="12569B"/>
@@ -4909,15 +4867,23 @@
               </a:tabLst>
             </a:pPr>
             <a:r>
-              <a:rPr lang="es-ES" sz="2800" dirty="0">
-                <a:latin typeface="Arial MT"/>
-                <a:cs typeface="Arial MT"/>
+              <a:rPr lang="es-ES" sz="2800" b="1" dirty="0">
+                <a:solidFill>
+                  <a:srgbClr val="374151"/>
+                </a:solidFill>
+                <a:latin typeface="ui-sans-serif"/>
+                <a:ea typeface="+mn-ea"/>
+                <a:cs typeface="+mn-cs"/>
               </a:rPr>
               <a:t>¿Qué hace nuestra solución para la precisión del tiempo?</a:t>
             </a:r>
-            <a:endParaRPr lang="ru-RU" sz="2800" dirty="0">
-              <a:latin typeface="Arial MT"/>
-              <a:cs typeface="Arial MT"/>
+            <a:endParaRPr lang="ru-RU" sz="2800" b="1" dirty="0">
+              <a:solidFill>
+                <a:srgbClr val="374151"/>
+              </a:solidFill>
+              <a:latin typeface="ui-sans-serif"/>
+              <a:ea typeface="+mn-ea"/>
+              <a:cs typeface="+mn-cs"/>
             </a:endParaRPr>
           </a:p>
         </p:txBody>
@@ -5133,59 +5099,6 @@
       </p:pic>
       <p:sp>
         <p:nvSpPr>
-          <p:cNvPr id="6" name="TextBox 5">
-            <a:extLst>
-              <a:ext uri="{FF2B5EF4-FFF2-40B4-BE49-F238E27FC236}">
-                <a16:creationId xmlns:a16="http://schemas.microsoft.com/office/drawing/2014/main" id="{D48C5CFC-C3C8-471B-92A0-0E34824364C8}"/>
-              </a:ext>
-            </a:extLst>
-          </p:cNvPr>
-          <p:cNvSpPr txBox="1"/>
-          <p:nvPr/>
-        </p:nvSpPr>
-        <p:spPr>
-          <a:xfrm>
-            <a:off x="8839200" y="6199510"/>
-            <a:ext cx="1143000" cy="369332"/>
-          </a:xfrm>
-          <a:prstGeom prst="rect">
-            <a:avLst/>
-          </a:prstGeom>
-          <a:noFill/>
-        </p:spPr>
-        <p:txBody>
-          <a:bodyPr wrap="square">
-            <a:spAutoFit/>
-          </a:bodyPr>
-          <a:lstStyle/>
-          <a:p>
-            <a:r>
-              <a:rPr lang="ru-RU" sz="1800" dirty="0">
-                <a:latin typeface="Arial MT"/>
-                <a:cs typeface="Arial MT"/>
-              </a:rPr>
-              <a:t>2500</a:t>
-            </a:r>
-            <a:r>
-              <a:rPr lang="ru-RU" spc="-25" dirty="0">
-                <a:latin typeface="Arial MT"/>
-                <a:cs typeface="Arial MT"/>
-              </a:rPr>
-              <a:t> </a:t>
-            </a:r>
-            <a:r>
-              <a:rPr lang="en-US" sz="1800" spc="-445" dirty="0">
-                <a:latin typeface="Arial MT"/>
-                <a:cs typeface="Arial MT"/>
-              </a:rPr>
-              <a:t>€</a:t>
-            </a:r>
-            <a:endParaRPr lang="ru-RU" dirty="0"/>
-          </a:p>
-        </p:txBody>
-      </p:sp>
-      <p:sp>
-        <p:nvSpPr>
           <p:cNvPr id="8" name="TextBox 7">
             <a:extLst>
               <a:ext uri="{FF2B5EF4-FFF2-40B4-BE49-F238E27FC236}">
@@ -5198,8 +5111,8 @@
         </p:nvSpPr>
         <p:spPr>
           <a:xfrm>
-            <a:off x="7534275" y="6199510"/>
-            <a:ext cx="7353300" cy="423834"/>
+            <a:off x="7048501" y="6245562"/>
+            <a:ext cx="4038600" cy="423834"/>
           </a:xfrm>
           <a:prstGeom prst="rect">
             <a:avLst/>
@@ -5259,6371 +5172,6 @@
 </file>
 
 <file path=ppt/slides/slide11.xml><?xml version="1.0" encoding="utf-8"?>
-<p:sld xmlns:a="http://schemas.openxmlformats.org/drawingml/2006/main" xmlns:r="http://schemas.openxmlformats.org/officeDocument/2006/relationships" xmlns:p="http://schemas.openxmlformats.org/presentationml/2006/main">
-  <p:cSld>
-    <p:spTree>
-      <p:nvGrpSpPr>
-        <p:cNvPr id="1" name=""/>
-        <p:cNvGrpSpPr/>
-        <p:nvPr/>
-      </p:nvGrpSpPr>
-      <p:grpSpPr>
-        <a:xfrm>
-          <a:off x="0" y="0"/>
-          <a:ext cx="0" cy="0"/>
-          <a:chOff x="0" y="0"/>
-          <a:chExt cx="0" cy="0"/>
-        </a:xfrm>
-      </p:grpSpPr>
-      <p:sp>
-        <p:nvSpPr>
-          <p:cNvPr id="2" name="object 2"/>
-          <p:cNvSpPr txBox="1">
-            <a:spLocks noGrp="1"/>
-          </p:cNvSpPr>
-          <p:nvPr>
-            <p:ph type="title"/>
-          </p:nvPr>
-        </p:nvSpPr>
-        <p:spPr>
-          <a:xfrm>
-            <a:off x="2133600" y="518755"/>
-            <a:ext cx="7821930" cy="875240"/>
-          </a:xfrm>
-          <a:prstGeom prst="rect">
-            <a:avLst/>
-          </a:prstGeom>
-        </p:spPr>
-        <p:txBody>
-          <a:bodyPr vert="horz" wrap="square" lIns="0" tIns="13335" rIns="0" bIns="0" rtlCol="0">
-            <a:spAutoFit/>
-          </a:bodyPr>
-          <a:lstStyle/>
-          <a:p>
-            <a:pPr marL="12700" algn="ctr">
-              <a:lnSpc>
-                <a:spcPct val="100000"/>
-              </a:lnSpc>
-              <a:spcBef>
-                <a:spcPts val="105"/>
-              </a:spcBef>
-            </a:pPr>
-            <a:r>
-              <a:rPr lang="es-ES" sz="2800" dirty="0">
-                <a:latin typeface="Arial MT"/>
-              </a:rPr>
-              <a:t>Pasos de integración del sistema de tiempo preciso Qantum-PCI</a:t>
-            </a:r>
-            <a:endParaRPr lang="en-US" sz="2800" dirty="0">
-              <a:latin typeface="Arial MT"/>
-            </a:endParaRPr>
-          </a:p>
-        </p:txBody>
-      </p:sp>
-      <p:sp>
-        <p:nvSpPr>
-          <p:cNvPr id="7" name="object 7"/>
-          <p:cNvSpPr txBox="1"/>
-          <p:nvPr/>
-        </p:nvSpPr>
-        <p:spPr>
-          <a:xfrm>
-            <a:off x="1828800" y="2743200"/>
-            <a:ext cx="4863465" cy="1924245"/>
-          </a:xfrm>
-          <a:prstGeom prst="rect">
-            <a:avLst/>
-          </a:prstGeom>
-        </p:spPr>
-        <p:txBody>
-          <a:bodyPr vert="horz" wrap="square" lIns="0" tIns="13335" rIns="0" bIns="0" rtlCol="0">
-            <a:spAutoFit/>
-          </a:bodyPr>
-          <a:lstStyle/>
-          <a:p>
-            <a:pPr marL="241300" indent="-228600">
-              <a:lnSpc>
-                <a:spcPct val="100000"/>
-              </a:lnSpc>
-              <a:spcBef>
-                <a:spcPts val="105"/>
-              </a:spcBef>
-              <a:buClr>
-                <a:srgbClr val="12569B"/>
-              </a:buClr>
-              <a:buFont typeface="Microsoft Sans Serif"/>
-              <a:buChar char=""/>
-              <a:tabLst>
-                <a:tab pos="241300" algn="l"/>
-              </a:tabLst>
-            </a:pPr>
-            <a:r>
-              <a:rPr lang="es-ES" sz="2000" dirty="0">
-                <a:latin typeface="Arial MT"/>
-                <a:cs typeface="Arial MT"/>
-              </a:rPr>
-              <a:t>Integración de componentes</a:t>
-            </a:r>
-          </a:p>
-          <a:p>
-            <a:pPr marL="241300" indent="-228600">
-              <a:lnSpc>
-                <a:spcPct val="100000"/>
-              </a:lnSpc>
-              <a:spcBef>
-                <a:spcPts val="105"/>
-              </a:spcBef>
-              <a:buClr>
-                <a:srgbClr val="12569B"/>
-              </a:buClr>
-              <a:buFont typeface="Microsoft Sans Serif"/>
-              <a:buChar char=""/>
-              <a:tabLst>
-                <a:tab pos="241300" algn="l"/>
-              </a:tabLst>
-            </a:pPr>
-            <a:r>
-              <a:rPr lang="es-ES" sz="2000" dirty="0">
-                <a:latin typeface="Arial MT"/>
-                <a:cs typeface="Arial MT"/>
-              </a:rPr>
-              <a:t>Conjunto de tareas complejas</a:t>
-            </a:r>
-          </a:p>
-          <a:p>
-            <a:pPr marL="241300" indent="-228600">
-              <a:lnSpc>
-                <a:spcPct val="100000"/>
-              </a:lnSpc>
-              <a:spcBef>
-                <a:spcPts val="105"/>
-              </a:spcBef>
-              <a:buClr>
-                <a:srgbClr val="12569B"/>
-              </a:buClr>
-              <a:buFont typeface="Microsoft Sans Serif"/>
-              <a:buChar char=""/>
-              <a:tabLst>
-                <a:tab pos="241300" algn="l"/>
-              </a:tabLst>
-            </a:pPr>
-            <a:r>
-              <a:rPr lang="es-ES" sz="2000" dirty="0">
-                <a:latin typeface="Arial MT"/>
-                <a:cs typeface="Arial MT"/>
-              </a:rPr>
-              <a:t>Diseño de un sistema de tiempo preciso</a:t>
-            </a:r>
-          </a:p>
-          <a:p>
-            <a:pPr marL="241300" indent="-228600">
-              <a:lnSpc>
-                <a:spcPct val="100000"/>
-              </a:lnSpc>
-              <a:spcBef>
-                <a:spcPts val="105"/>
-              </a:spcBef>
-              <a:buClr>
-                <a:srgbClr val="12569B"/>
-              </a:buClr>
-              <a:buFont typeface="Microsoft Sans Serif"/>
-              <a:buChar char=""/>
-              <a:tabLst>
-                <a:tab pos="241300" algn="l"/>
-              </a:tabLst>
-            </a:pPr>
-            <a:r>
-              <a:rPr lang="es-ES" sz="2000" dirty="0">
-                <a:latin typeface="Arial MT"/>
-                <a:cs typeface="Arial MT"/>
-              </a:rPr>
-              <a:t>Construcción del sistema</a:t>
-            </a:r>
-          </a:p>
-          <a:p>
-            <a:pPr marL="241300" indent="-228600">
-              <a:lnSpc>
-                <a:spcPct val="100000"/>
-              </a:lnSpc>
-              <a:spcBef>
-                <a:spcPts val="105"/>
-              </a:spcBef>
-              <a:buClr>
-                <a:srgbClr val="12569B"/>
-              </a:buClr>
-              <a:buFont typeface="Microsoft Sans Serif"/>
-              <a:buChar char=""/>
-              <a:tabLst>
-                <a:tab pos="241300" algn="l"/>
-              </a:tabLst>
-            </a:pPr>
-            <a:r>
-              <a:rPr lang="es-ES" sz="2000" dirty="0">
-                <a:latin typeface="Arial MT"/>
-                <a:cs typeface="Arial MT"/>
-              </a:rPr>
-              <a:t>Configuración del sistema</a:t>
-            </a:r>
-          </a:p>
-          <a:p>
-            <a:pPr marL="241300" indent="-228600">
-              <a:lnSpc>
-                <a:spcPct val="100000"/>
-              </a:lnSpc>
-              <a:spcBef>
-                <a:spcPts val="105"/>
-              </a:spcBef>
-              <a:buClr>
-                <a:srgbClr val="12569B"/>
-              </a:buClr>
-              <a:buFont typeface="Microsoft Sans Serif"/>
-              <a:buChar char=""/>
-              <a:tabLst>
-                <a:tab pos="241300" algn="l"/>
-              </a:tabLst>
-            </a:pPr>
-            <a:r>
-              <a:rPr lang="es-ES" sz="2000" dirty="0">
-                <a:latin typeface="Arial MT"/>
-                <a:cs typeface="Arial MT"/>
-              </a:rPr>
-              <a:t>Pruebas del sistema</a:t>
-            </a:r>
-            <a:endParaRPr sz="2000" dirty="0">
-              <a:latin typeface="Arial MT"/>
-              <a:cs typeface="Arial MT"/>
-            </a:endParaRPr>
-          </a:p>
-        </p:txBody>
-      </p:sp>
-      <p:pic>
-        <p:nvPicPr>
-          <p:cNvPr id="4" name="Picture 4" descr="time_server_qantum">
-            <a:extLst>
-              <a:ext uri="{FF2B5EF4-FFF2-40B4-BE49-F238E27FC236}">
-                <a16:creationId xmlns:a16="http://schemas.microsoft.com/office/drawing/2014/main" id="{3C7EEC6F-B35D-4298-8A45-AEBA68CFE52F}"/>
-              </a:ext>
-            </a:extLst>
-          </p:cNvPr>
-          <p:cNvPicPr>
-            <a:picLocks noChangeAspect="1" noChangeArrowheads="1"/>
-          </p:cNvPicPr>
-          <p:nvPr/>
-        </p:nvPicPr>
-        <p:blipFill>
-          <a:blip r:embed="rId2" cstate="print">
-            <a:extLst>
-              <a:ext uri="{28A0092B-C50C-407E-A947-70E740481C1C}">
-                <a14:useLocalDpi xmlns:a14="http://schemas.microsoft.com/office/drawing/2010/main" val="0"/>
-              </a:ext>
-            </a:extLst>
-          </a:blip>
-          <a:srcRect/>
-          <a:stretch>
-            <a:fillRect/>
-          </a:stretch>
-        </p:blipFill>
-        <p:spPr bwMode="auto">
-          <a:xfrm rot="20543305">
-            <a:off x="8344104" y="3631302"/>
-            <a:ext cx="3222855" cy="2417561"/>
-          </a:xfrm>
-          <a:prstGeom prst="rect">
-            <a:avLst/>
-          </a:prstGeom>
-          <a:noFill/>
-          <a:extLst>
-            <a:ext uri="{909E8E84-426E-40DD-AFC4-6F175D3DCCD1}">
-              <a14:hiddenFill xmlns:a14="http://schemas.microsoft.com/office/drawing/2010/main">
-                <a:solidFill>
-                  <a:srgbClr val="FFFFFF"/>
-                </a:solidFill>
-              </a14:hiddenFill>
-            </a:ext>
-          </a:extLst>
-        </p:spPr>
-      </p:pic>
-    </p:spTree>
-  </p:cSld>
-  <p:clrMapOvr>
-    <a:masterClrMapping/>
-  </p:clrMapOvr>
-</p:sld>
-</file>
-
-<file path=ppt/slides/slide12.xml><?xml version="1.0" encoding="utf-8"?>
-<p:sld xmlns:a="http://schemas.openxmlformats.org/drawingml/2006/main" xmlns:r="http://schemas.openxmlformats.org/officeDocument/2006/relationships" xmlns:p="http://schemas.openxmlformats.org/presentationml/2006/main">
-  <p:cSld>
-    <p:spTree>
-      <p:nvGrpSpPr>
-        <p:cNvPr id="1" name=""/>
-        <p:cNvGrpSpPr/>
-        <p:nvPr/>
-      </p:nvGrpSpPr>
-      <p:grpSpPr>
-        <a:xfrm>
-          <a:off x="0" y="0"/>
-          <a:ext cx="0" cy="0"/>
-          <a:chOff x="0" y="0"/>
-          <a:chExt cx="0" cy="0"/>
-        </a:xfrm>
-      </p:grpSpPr>
-      <p:pic>
-        <p:nvPicPr>
-          <p:cNvPr id="2" name="object 2"/>
-          <p:cNvPicPr/>
-          <p:nvPr/>
-        </p:nvPicPr>
-        <p:blipFill>
-          <a:blip r:embed="rId2" cstate="print"/>
-          <a:stretch>
-            <a:fillRect/>
-          </a:stretch>
-        </p:blipFill>
-        <p:spPr>
-          <a:xfrm>
-            <a:off x="5015484" y="1341104"/>
-            <a:ext cx="2449067" cy="1053099"/>
-          </a:xfrm>
-          <a:prstGeom prst="rect">
-            <a:avLst/>
-          </a:prstGeom>
-        </p:spPr>
-      </p:pic>
-      <p:pic>
-        <p:nvPicPr>
-          <p:cNvPr id="3" name="object 3"/>
-          <p:cNvPicPr/>
-          <p:nvPr/>
-        </p:nvPicPr>
-        <p:blipFill>
-          <a:blip r:embed="rId2" cstate="print"/>
-          <a:stretch>
-            <a:fillRect/>
-          </a:stretch>
-        </p:blipFill>
-        <p:spPr>
-          <a:xfrm>
-            <a:off x="9192768" y="1341104"/>
-            <a:ext cx="2447544" cy="1053099"/>
-          </a:xfrm>
-          <a:prstGeom prst="rect">
-            <a:avLst/>
-          </a:prstGeom>
-        </p:spPr>
-      </p:pic>
-      <p:pic>
-        <p:nvPicPr>
-          <p:cNvPr id="4" name="object 4"/>
-          <p:cNvPicPr/>
-          <p:nvPr/>
-        </p:nvPicPr>
-        <p:blipFill>
-          <a:blip r:embed="rId3" cstate="print"/>
-          <a:stretch>
-            <a:fillRect/>
-          </a:stretch>
-        </p:blipFill>
-        <p:spPr>
-          <a:xfrm>
-            <a:off x="5844734" y="2924555"/>
-            <a:ext cx="808952" cy="624839"/>
-          </a:xfrm>
-          <a:prstGeom prst="rect">
-            <a:avLst/>
-          </a:prstGeom>
-        </p:spPr>
-      </p:pic>
-      <p:grpSp>
-        <p:nvGrpSpPr>
-          <p:cNvPr id="5" name="object 5"/>
-          <p:cNvGrpSpPr/>
-          <p:nvPr/>
-        </p:nvGrpSpPr>
-        <p:grpSpPr>
-          <a:xfrm>
-            <a:off x="7313421" y="2947416"/>
-            <a:ext cx="3516629" cy="2504440"/>
-            <a:chOff x="7313421" y="2947416"/>
-            <a:chExt cx="3516629" cy="2504440"/>
-          </a:xfrm>
-        </p:grpSpPr>
-        <p:pic>
-          <p:nvPicPr>
-            <p:cNvPr id="6" name="object 6"/>
-            <p:cNvPicPr/>
-            <p:nvPr/>
-          </p:nvPicPr>
-          <p:blipFill>
-            <a:blip r:embed="rId3" cstate="print"/>
-            <a:stretch>
-              <a:fillRect/>
-            </a:stretch>
-          </p:blipFill>
-          <p:spPr>
-            <a:xfrm>
-              <a:off x="10020494" y="2947416"/>
-              <a:ext cx="808952" cy="624839"/>
-            </a:xfrm>
-            <a:prstGeom prst="rect">
-              <a:avLst/>
-            </a:prstGeom>
-          </p:spPr>
-        </p:pic>
-        <p:sp>
-          <p:nvSpPr>
-            <p:cNvPr id="7" name="object 7"/>
-            <p:cNvSpPr/>
-            <p:nvPr/>
-          </p:nvSpPr>
-          <p:spPr>
-            <a:xfrm>
-              <a:off x="7319771" y="4293108"/>
-              <a:ext cx="2016760" cy="1152525"/>
-            </a:xfrm>
-            <a:custGeom>
-              <a:avLst/>
-              <a:gdLst/>
-              <a:ahLst/>
-              <a:cxnLst/>
-              <a:rect l="l" t="t" r="r" b="b"/>
-              <a:pathLst>
-                <a:path w="2016759" h="1152525">
-                  <a:moveTo>
-                    <a:pt x="1824227" y="0"/>
-                  </a:moveTo>
-                  <a:lnTo>
-                    <a:pt x="192024" y="0"/>
-                  </a:lnTo>
-                  <a:lnTo>
-                    <a:pt x="147996" y="5071"/>
-                  </a:lnTo>
-                  <a:lnTo>
-                    <a:pt x="107579" y="19518"/>
-                  </a:lnTo>
-                  <a:lnTo>
-                    <a:pt x="71925" y="42187"/>
-                  </a:lnTo>
-                  <a:lnTo>
-                    <a:pt x="42187" y="71925"/>
-                  </a:lnTo>
-                  <a:lnTo>
-                    <a:pt x="19518" y="107579"/>
-                  </a:lnTo>
-                  <a:lnTo>
-                    <a:pt x="5071" y="147996"/>
-                  </a:lnTo>
-                  <a:lnTo>
-                    <a:pt x="0" y="192024"/>
-                  </a:lnTo>
-                  <a:lnTo>
-                    <a:pt x="0" y="960120"/>
-                  </a:lnTo>
-                  <a:lnTo>
-                    <a:pt x="5071" y="1004147"/>
-                  </a:lnTo>
-                  <a:lnTo>
-                    <a:pt x="19518" y="1044564"/>
-                  </a:lnTo>
-                  <a:lnTo>
-                    <a:pt x="42187" y="1080218"/>
-                  </a:lnTo>
-                  <a:lnTo>
-                    <a:pt x="71925" y="1109956"/>
-                  </a:lnTo>
-                  <a:lnTo>
-                    <a:pt x="107579" y="1132625"/>
-                  </a:lnTo>
-                  <a:lnTo>
-                    <a:pt x="147996" y="1147072"/>
-                  </a:lnTo>
-                  <a:lnTo>
-                    <a:pt x="192024" y="1152144"/>
-                  </a:lnTo>
-                  <a:lnTo>
-                    <a:pt x="1824227" y="1152144"/>
-                  </a:lnTo>
-                  <a:lnTo>
-                    <a:pt x="1868255" y="1147072"/>
-                  </a:lnTo>
-                  <a:lnTo>
-                    <a:pt x="1908672" y="1132625"/>
-                  </a:lnTo>
-                  <a:lnTo>
-                    <a:pt x="1944326" y="1109956"/>
-                  </a:lnTo>
-                  <a:lnTo>
-                    <a:pt x="1974064" y="1080218"/>
-                  </a:lnTo>
-                  <a:lnTo>
-                    <a:pt x="1996733" y="1044564"/>
-                  </a:lnTo>
-                  <a:lnTo>
-                    <a:pt x="2011180" y="1004147"/>
-                  </a:lnTo>
-                  <a:lnTo>
-                    <a:pt x="2016252" y="960120"/>
-                  </a:lnTo>
-                  <a:lnTo>
-                    <a:pt x="2016252" y="192024"/>
-                  </a:lnTo>
-                  <a:lnTo>
-                    <a:pt x="2011180" y="147996"/>
-                  </a:lnTo>
-                  <a:lnTo>
-                    <a:pt x="1996733" y="107579"/>
-                  </a:lnTo>
-                  <a:lnTo>
-                    <a:pt x="1974064" y="71925"/>
-                  </a:lnTo>
-                  <a:lnTo>
-                    <a:pt x="1944326" y="42187"/>
-                  </a:lnTo>
-                  <a:lnTo>
-                    <a:pt x="1908672" y="19518"/>
-                  </a:lnTo>
-                  <a:lnTo>
-                    <a:pt x="1868255" y="5071"/>
-                  </a:lnTo>
-                  <a:lnTo>
-                    <a:pt x="1824227" y="0"/>
-                  </a:lnTo>
-                  <a:close/>
-                </a:path>
-              </a:pathLst>
-            </a:custGeom>
-            <a:solidFill>
-              <a:srgbClr val="004685"/>
-            </a:solidFill>
-          </p:spPr>
-          <p:txBody>
-            <a:bodyPr wrap="square" lIns="0" tIns="0" rIns="0" bIns="0" rtlCol="0"/>
-            <a:lstStyle/>
-            <a:p>
-              <a:endParaRPr/>
-            </a:p>
-          </p:txBody>
-        </p:sp>
-        <p:sp>
-          <p:nvSpPr>
-            <p:cNvPr id="8" name="object 8"/>
-            <p:cNvSpPr/>
-            <p:nvPr/>
-          </p:nvSpPr>
-          <p:spPr>
-            <a:xfrm>
-              <a:off x="7319771" y="4293108"/>
-              <a:ext cx="2016760" cy="1152525"/>
-            </a:xfrm>
-            <a:custGeom>
-              <a:avLst/>
-              <a:gdLst/>
-              <a:ahLst/>
-              <a:cxnLst/>
-              <a:rect l="l" t="t" r="r" b="b"/>
-              <a:pathLst>
-                <a:path w="2016759" h="1152525">
-                  <a:moveTo>
-                    <a:pt x="0" y="192024"/>
-                  </a:moveTo>
-                  <a:lnTo>
-                    <a:pt x="5071" y="147996"/>
-                  </a:lnTo>
-                  <a:lnTo>
-                    <a:pt x="19518" y="107579"/>
-                  </a:lnTo>
-                  <a:lnTo>
-                    <a:pt x="42187" y="71925"/>
-                  </a:lnTo>
-                  <a:lnTo>
-                    <a:pt x="71925" y="42187"/>
-                  </a:lnTo>
-                  <a:lnTo>
-                    <a:pt x="107579" y="19518"/>
-                  </a:lnTo>
-                  <a:lnTo>
-                    <a:pt x="147996" y="5071"/>
-                  </a:lnTo>
-                  <a:lnTo>
-                    <a:pt x="192024" y="0"/>
-                  </a:lnTo>
-                  <a:lnTo>
-                    <a:pt x="1824227" y="0"/>
-                  </a:lnTo>
-                  <a:lnTo>
-                    <a:pt x="1868255" y="5071"/>
-                  </a:lnTo>
-                  <a:lnTo>
-                    <a:pt x="1908672" y="19518"/>
-                  </a:lnTo>
-                  <a:lnTo>
-                    <a:pt x="1944326" y="42187"/>
-                  </a:lnTo>
-                  <a:lnTo>
-                    <a:pt x="1974064" y="71925"/>
-                  </a:lnTo>
-                  <a:lnTo>
-                    <a:pt x="1996733" y="107579"/>
-                  </a:lnTo>
-                  <a:lnTo>
-                    <a:pt x="2011180" y="147996"/>
-                  </a:lnTo>
-                  <a:lnTo>
-                    <a:pt x="2016252" y="192024"/>
-                  </a:lnTo>
-                  <a:lnTo>
-                    <a:pt x="2016252" y="960120"/>
-                  </a:lnTo>
-                  <a:lnTo>
-                    <a:pt x="2011180" y="1004147"/>
-                  </a:lnTo>
-                  <a:lnTo>
-                    <a:pt x="1996733" y="1044564"/>
-                  </a:lnTo>
-                  <a:lnTo>
-                    <a:pt x="1974064" y="1080218"/>
-                  </a:lnTo>
-                  <a:lnTo>
-                    <a:pt x="1944326" y="1109956"/>
-                  </a:lnTo>
-                  <a:lnTo>
-                    <a:pt x="1908672" y="1132625"/>
-                  </a:lnTo>
-                  <a:lnTo>
-                    <a:pt x="1868255" y="1147072"/>
-                  </a:lnTo>
-                  <a:lnTo>
-                    <a:pt x="1824227" y="1152144"/>
-                  </a:lnTo>
-                  <a:lnTo>
-                    <a:pt x="192024" y="1152144"/>
-                  </a:lnTo>
-                  <a:lnTo>
-                    <a:pt x="147996" y="1147072"/>
-                  </a:lnTo>
-                  <a:lnTo>
-                    <a:pt x="107579" y="1132625"/>
-                  </a:lnTo>
-                  <a:lnTo>
-                    <a:pt x="71925" y="1109956"/>
-                  </a:lnTo>
-                  <a:lnTo>
-                    <a:pt x="42187" y="1080218"/>
-                  </a:lnTo>
-                  <a:lnTo>
-                    <a:pt x="19518" y="1044564"/>
-                  </a:lnTo>
-                  <a:lnTo>
-                    <a:pt x="5071" y="1004147"/>
-                  </a:lnTo>
-                  <a:lnTo>
-                    <a:pt x="0" y="960120"/>
-                  </a:lnTo>
-                  <a:lnTo>
-                    <a:pt x="0" y="192024"/>
-                  </a:lnTo>
-                  <a:close/>
-                </a:path>
-              </a:pathLst>
-            </a:custGeom>
-            <a:ln w="12700">
-              <a:solidFill>
-                <a:srgbClr val="093D70"/>
-              </a:solidFill>
-            </a:ln>
-          </p:spPr>
-          <p:txBody>
-            <a:bodyPr wrap="square" lIns="0" tIns="0" rIns="0" bIns="0" rtlCol="0"/>
-            <a:lstStyle/>
-            <a:p>
-              <a:endParaRPr/>
-            </a:p>
-          </p:txBody>
-        </p:sp>
-      </p:grpSp>
-      <p:sp>
-        <p:nvSpPr>
-          <p:cNvPr id="9" name="object 9"/>
-          <p:cNvSpPr txBox="1"/>
-          <p:nvPr/>
-        </p:nvSpPr>
-        <p:spPr>
-          <a:xfrm>
-            <a:off x="5593841" y="945641"/>
-            <a:ext cx="1292860" cy="574675"/>
-          </a:xfrm>
-          <a:prstGeom prst="rect">
-            <a:avLst/>
-          </a:prstGeom>
-        </p:spPr>
-        <p:txBody>
-          <a:bodyPr vert="horz" wrap="square" lIns="0" tIns="71755" rIns="0" bIns="0" rtlCol="0">
-            <a:spAutoFit/>
-          </a:bodyPr>
-          <a:lstStyle/>
-          <a:p>
-            <a:pPr marL="12700" marR="5080" indent="167640">
-              <a:lnSpc>
-                <a:spcPts val="1920"/>
-              </a:lnSpc>
-              <a:spcBef>
-                <a:spcPts val="565"/>
-              </a:spcBef>
-            </a:pPr>
-            <a:r>
-              <a:rPr sz="2000" dirty="0">
-                <a:latin typeface="Arial MT"/>
-                <a:cs typeface="Arial MT"/>
-              </a:rPr>
-              <a:t>GNSS 1 </a:t>
-            </a:r>
-            <a:r>
-              <a:rPr sz="2000" spc="5" dirty="0">
-                <a:latin typeface="Arial MT"/>
-                <a:cs typeface="Arial MT"/>
-              </a:rPr>
-              <a:t> </a:t>
-            </a:r>
-            <a:r>
-              <a:rPr sz="2000" spc="-5" dirty="0">
-                <a:latin typeface="Arial MT"/>
-                <a:cs typeface="Arial MT"/>
-              </a:rPr>
-              <a:t>(e.g.,</a:t>
-            </a:r>
-            <a:r>
-              <a:rPr sz="2000" spc="-105" dirty="0">
-                <a:latin typeface="Arial MT"/>
-                <a:cs typeface="Arial MT"/>
-              </a:rPr>
-              <a:t> </a:t>
-            </a:r>
-            <a:r>
-              <a:rPr sz="2000" dirty="0">
-                <a:latin typeface="Arial MT"/>
-                <a:cs typeface="Arial MT"/>
-              </a:rPr>
-              <a:t>GPS)</a:t>
-            </a:r>
-            <a:endParaRPr sz="2000">
-              <a:latin typeface="Arial MT"/>
-              <a:cs typeface="Arial MT"/>
-            </a:endParaRPr>
-          </a:p>
-        </p:txBody>
-      </p:sp>
-      <p:sp>
-        <p:nvSpPr>
-          <p:cNvPr id="10" name="object 10"/>
-          <p:cNvSpPr txBox="1"/>
-          <p:nvPr/>
-        </p:nvSpPr>
-        <p:spPr>
-          <a:xfrm>
-            <a:off x="9336531" y="945641"/>
-            <a:ext cx="1854708" cy="577722"/>
-          </a:xfrm>
-          <a:prstGeom prst="rect">
-            <a:avLst/>
-          </a:prstGeom>
-        </p:spPr>
-        <p:txBody>
-          <a:bodyPr vert="horz" wrap="square" lIns="0" tIns="13335" rIns="0" bIns="0" rtlCol="0">
-            <a:spAutoFit/>
-          </a:bodyPr>
-          <a:lstStyle/>
-          <a:p>
-            <a:pPr marL="635" algn="ctr">
-              <a:lnSpc>
-                <a:spcPts val="2160"/>
-              </a:lnSpc>
-              <a:spcBef>
-                <a:spcPts val="105"/>
-              </a:spcBef>
-            </a:pPr>
-            <a:r>
-              <a:rPr sz="2000" dirty="0">
-                <a:latin typeface="Arial MT"/>
-                <a:cs typeface="Arial MT"/>
-              </a:rPr>
-              <a:t>GNSS</a:t>
-            </a:r>
-            <a:r>
-              <a:rPr sz="2000" spc="-50" dirty="0">
-                <a:latin typeface="Arial MT"/>
-                <a:cs typeface="Arial MT"/>
-              </a:rPr>
-              <a:t> </a:t>
-            </a:r>
-            <a:r>
-              <a:rPr sz="2000" dirty="0">
-                <a:latin typeface="Arial MT"/>
-                <a:cs typeface="Arial MT"/>
-              </a:rPr>
-              <a:t>2</a:t>
-            </a:r>
-          </a:p>
-          <a:p>
-            <a:pPr algn="ctr">
-              <a:lnSpc>
-                <a:spcPts val="2160"/>
-              </a:lnSpc>
-            </a:pPr>
-            <a:r>
-              <a:rPr sz="2000" spc="-5" dirty="0">
-                <a:latin typeface="Arial MT"/>
-                <a:cs typeface="Arial MT"/>
-              </a:rPr>
-              <a:t>(e.g.,</a:t>
-            </a:r>
-            <a:r>
-              <a:rPr sz="2000" spc="-80" dirty="0">
-                <a:latin typeface="Arial MT"/>
-                <a:cs typeface="Arial MT"/>
-              </a:rPr>
-              <a:t> </a:t>
-            </a:r>
-            <a:r>
-              <a:rPr lang="ru-RU" sz="2000" spc="-80" dirty="0">
-                <a:latin typeface="Arial MT"/>
-                <a:cs typeface="Arial MT"/>
-              </a:rPr>
-              <a:t>ГЛОНАС</a:t>
-            </a:r>
-            <a:r>
-              <a:rPr sz="2000" dirty="0">
-                <a:latin typeface="Arial MT"/>
-                <a:cs typeface="Arial MT"/>
-              </a:rPr>
-              <a:t>)</a:t>
-            </a:r>
-          </a:p>
-        </p:txBody>
-      </p:sp>
-      <p:sp>
-        <p:nvSpPr>
-          <p:cNvPr id="11" name="object 11"/>
-          <p:cNvSpPr txBox="1"/>
-          <p:nvPr/>
-        </p:nvSpPr>
-        <p:spPr>
-          <a:xfrm>
-            <a:off x="7562215" y="4338066"/>
-            <a:ext cx="1533525" cy="976630"/>
-          </a:xfrm>
-          <a:prstGeom prst="rect">
-            <a:avLst/>
-          </a:prstGeom>
-        </p:spPr>
-        <p:txBody>
-          <a:bodyPr vert="horz" wrap="square" lIns="0" tIns="83820" rIns="0" bIns="0" rtlCol="0">
-            <a:spAutoFit/>
-          </a:bodyPr>
-          <a:lstStyle/>
-          <a:p>
-            <a:pPr marL="12700" marR="5080" algn="ctr">
-              <a:lnSpc>
-                <a:spcPts val="2300"/>
-              </a:lnSpc>
-              <a:spcBef>
-                <a:spcPts val="660"/>
-              </a:spcBef>
-            </a:pPr>
-            <a:r>
-              <a:rPr sz="2400" spc="-25" dirty="0">
-                <a:solidFill>
-                  <a:srgbClr val="FFFFFF"/>
-                </a:solidFill>
-                <a:latin typeface="Arial MT"/>
-                <a:cs typeface="Arial MT"/>
-              </a:rPr>
-              <a:t>Time </a:t>
-            </a:r>
-            <a:r>
-              <a:rPr sz="2400" spc="-20" dirty="0">
-                <a:solidFill>
-                  <a:srgbClr val="FFFFFF"/>
-                </a:solidFill>
-                <a:latin typeface="Arial MT"/>
-                <a:cs typeface="Arial MT"/>
-              </a:rPr>
-              <a:t> </a:t>
-            </a:r>
-            <a:r>
-              <a:rPr sz="2400" spc="-5" dirty="0">
-                <a:solidFill>
-                  <a:srgbClr val="FFFFFF"/>
-                </a:solidFill>
-                <a:latin typeface="Arial MT"/>
-                <a:cs typeface="Arial MT"/>
-              </a:rPr>
-              <a:t>assessor</a:t>
-            </a:r>
-            <a:r>
-              <a:rPr sz="2400" spc="-65" dirty="0">
-                <a:solidFill>
-                  <a:srgbClr val="FFFFFF"/>
-                </a:solidFill>
-                <a:latin typeface="Arial MT"/>
-                <a:cs typeface="Arial MT"/>
-              </a:rPr>
-              <a:t> </a:t>
-            </a:r>
-            <a:r>
-              <a:rPr sz="2400" dirty="0">
-                <a:solidFill>
-                  <a:srgbClr val="FFFFFF"/>
-                </a:solidFill>
-                <a:latin typeface="Arial MT"/>
-                <a:cs typeface="Arial MT"/>
-              </a:rPr>
-              <a:t>&amp; </a:t>
-            </a:r>
-            <a:r>
-              <a:rPr sz="2400" spc="-655" dirty="0">
-                <a:solidFill>
-                  <a:srgbClr val="FFFFFF"/>
-                </a:solidFill>
-                <a:latin typeface="Arial MT"/>
-                <a:cs typeface="Arial MT"/>
-              </a:rPr>
-              <a:t> </a:t>
-            </a:r>
-            <a:r>
-              <a:rPr sz="2400" spc="-5" dirty="0">
-                <a:solidFill>
-                  <a:srgbClr val="FFFFFF"/>
-                </a:solidFill>
-                <a:latin typeface="Arial MT"/>
-                <a:cs typeface="Arial MT"/>
-              </a:rPr>
-              <a:t>dispatcher</a:t>
-            </a:r>
-            <a:endParaRPr sz="2400" dirty="0">
-              <a:latin typeface="Arial MT"/>
-              <a:cs typeface="Arial MT"/>
-            </a:endParaRPr>
-          </a:p>
-        </p:txBody>
-      </p:sp>
-      <p:pic>
-        <p:nvPicPr>
-          <p:cNvPr id="12" name="object 12"/>
-          <p:cNvPicPr/>
-          <p:nvPr/>
-        </p:nvPicPr>
-        <p:blipFill>
-          <a:blip r:embed="rId4" cstate="print"/>
-          <a:stretch>
-            <a:fillRect/>
-          </a:stretch>
-        </p:blipFill>
-        <p:spPr>
-          <a:xfrm>
-            <a:off x="7464552" y="2997728"/>
-            <a:ext cx="1727324" cy="875084"/>
-          </a:xfrm>
-          <a:prstGeom prst="rect">
-            <a:avLst/>
-          </a:prstGeom>
-        </p:spPr>
-      </p:pic>
-      <p:sp>
-        <p:nvSpPr>
-          <p:cNvPr id="13" name="object 13"/>
-          <p:cNvSpPr txBox="1"/>
-          <p:nvPr/>
-        </p:nvSpPr>
-        <p:spPr>
-          <a:xfrm>
-            <a:off x="4997958" y="5639815"/>
-            <a:ext cx="2409825" cy="575310"/>
-          </a:xfrm>
-          <a:prstGeom prst="rect">
-            <a:avLst/>
-          </a:prstGeom>
-        </p:spPr>
-        <p:txBody>
-          <a:bodyPr vert="horz" wrap="square" lIns="0" tIns="13335" rIns="0" bIns="0" rtlCol="0">
-            <a:spAutoFit/>
-          </a:bodyPr>
-          <a:lstStyle/>
-          <a:p>
-            <a:pPr algn="ctr">
-              <a:lnSpc>
-                <a:spcPts val="2160"/>
-              </a:lnSpc>
-              <a:spcBef>
-                <a:spcPts val="105"/>
-              </a:spcBef>
-            </a:pPr>
-            <a:r>
-              <a:rPr sz="2000" dirty="0">
-                <a:latin typeface="Arial MT"/>
-                <a:cs typeface="Arial MT"/>
-              </a:rPr>
-              <a:t>Precision</a:t>
-            </a:r>
-            <a:r>
-              <a:rPr sz="2000" spc="-45" dirty="0">
-                <a:latin typeface="Arial MT"/>
-                <a:cs typeface="Arial MT"/>
-              </a:rPr>
-              <a:t> </a:t>
-            </a:r>
-            <a:r>
-              <a:rPr sz="2000" dirty="0">
-                <a:latin typeface="Arial MT"/>
-                <a:cs typeface="Arial MT"/>
-              </a:rPr>
-              <a:t>time</a:t>
-            </a:r>
-            <a:r>
-              <a:rPr sz="2000" spc="-30" dirty="0">
-                <a:latin typeface="Arial MT"/>
-                <a:cs typeface="Arial MT"/>
-              </a:rPr>
-              <a:t> </a:t>
-            </a:r>
-            <a:r>
-              <a:rPr sz="2000" dirty="0">
-                <a:latin typeface="Arial MT"/>
-                <a:cs typeface="Arial MT"/>
-              </a:rPr>
-              <a:t>for</a:t>
-            </a:r>
-            <a:r>
-              <a:rPr sz="2000" spc="-45" dirty="0">
-                <a:latin typeface="Arial MT"/>
-                <a:cs typeface="Arial MT"/>
-              </a:rPr>
-              <a:t> </a:t>
-            </a:r>
-            <a:r>
-              <a:rPr sz="2000" dirty="0">
-                <a:latin typeface="Arial MT"/>
-                <a:cs typeface="Arial MT"/>
-              </a:rPr>
-              <a:t>the</a:t>
-            </a:r>
-          </a:p>
-          <a:p>
-            <a:pPr marL="635" algn="ctr">
-              <a:lnSpc>
-                <a:spcPts val="2160"/>
-              </a:lnSpc>
-            </a:pPr>
-            <a:r>
-              <a:rPr sz="2000" dirty="0">
-                <a:latin typeface="Arial MT"/>
-                <a:cs typeface="Arial MT"/>
-              </a:rPr>
-              <a:t>Digital</a:t>
-            </a:r>
-            <a:r>
-              <a:rPr sz="2000" spc="-40" dirty="0">
-                <a:latin typeface="Arial MT"/>
-                <a:cs typeface="Arial MT"/>
-              </a:rPr>
-              <a:t> </a:t>
-            </a:r>
-            <a:r>
-              <a:rPr sz="2000" dirty="0">
-                <a:latin typeface="Arial MT"/>
-                <a:cs typeface="Arial MT"/>
-              </a:rPr>
-              <a:t>Substation</a:t>
-            </a:r>
-          </a:p>
-        </p:txBody>
-      </p:sp>
-      <p:pic>
-        <p:nvPicPr>
-          <p:cNvPr id="14" name="object 14"/>
-          <p:cNvPicPr/>
-          <p:nvPr/>
-        </p:nvPicPr>
-        <p:blipFill>
-          <a:blip r:embed="rId5" cstate="print"/>
-          <a:stretch>
-            <a:fillRect/>
-          </a:stretch>
-        </p:blipFill>
-        <p:spPr>
-          <a:xfrm>
-            <a:off x="5707461" y="2207516"/>
-            <a:ext cx="1005678" cy="622538"/>
-          </a:xfrm>
-          <a:prstGeom prst="rect">
-            <a:avLst/>
-          </a:prstGeom>
-        </p:spPr>
-      </p:pic>
-      <p:pic>
-        <p:nvPicPr>
-          <p:cNvPr id="15" name="object 15"/>
-          <p:cNvPicPr/>
-          <p:nvPr/>
-        </p:nvPicPr>
-        <p:blipFill>
-          <a:blip r:embed="rId5" cstate="print"/>
-          <a:stretch>
-            <a:fillRect/>
-          </a:stretch>
-        </p:blipFill>
-        <p:spPr>
-          <a:xfrm>
-            <a:off x="9913845" y="2207516"/>
-            <a:ext cx="1007138" cy="622538"/>
-          </a:xfrm>
-          <a:prstGeom prst="rect">
-            <a:avLst/>
-          </a:prstGeom>
-        </p:spPr>
-      </p:pic>
-      <p:sp>
-        <p:nvSpPr>
-          <p:cNvPr id="16" name="object 16"/>
-          <p:cNvSpPr/>
-          <p:nvPr/>
-        </p:nvSpPr>
-        <p:spPr>
-          <a:xfrm>
-            <a:off x="6096000" y="3534155"/>
-            <a:ext cx="4334510" cy="2482215"/>
-          </a:xfrm>
-          <a:custGeom>
-            <a:avLst/>
-            <a:gdLst/>
-            <a:ahLst/>
-            <a:cxnLst/>
-            <a:rect l="l" t="t" r="r" b="b"/>
-            <a:pathLst>
-              <a:path w="4220209" h="2482215">
-                <a:moveTo>
-                  <a:pt x="1099566" y="1341755"/>
-                </a:moveTo>
-                <a:lnTo>
-                  <a:pt x="1086205" y="1333690"/>
-                </a:lnTo>
-                <a:lnTo>
-                  <a:pt x="1081532" y="1328801"/>
-                </a:lnTo>
-                <a:lnTo>
-                  <a:pt x="1078014" y="1328750"/>
-                </a:lnTo>
-                <a:lnTo>
-                  <a:pt x="999363" y="1281303"/>
-                </a:lnTo>
-                <a:lnTo>
-                  <a:pt x="991616" y="1283208"/>
-                </a:lnTo>
-                <a:lnTo>
-                  <a:pt x="987933" y="1289177"/>
-                </a:lnTo>
-                <a:lnTo>
-                  <a:pt x="984377" y="1295146"/>
-                </a:lnTo>
-                <a:lnTo>
-                  <a:pt x="986282" y="1303020"/>
-                </a:lnTo>
-                <a:lnTo>
-                  <a:pt x="992251" y="1306703"/>
-                </a:lnTo>
-                <a:lnTo>
-                  <a:pt x="1026414" y="1327327"/>
-                </a:lnTo>
-                <a:lnTo>
-                  <a:pt x="1003300" y="1326388"/>
-                </a:lnTo>
-                <a:lnTo>
-                  <a:pt x="957453" y="1323467"/>
-                </a:lnTo>
-                <a:lnTo>
-                  <a:pt x="913003" y="1319530"/>
-                </a:lnTo>
-                <a:lnTo>
-                  <a:pt x="870204" y="1314450"/>
-                </a:lnTo>
-                <a:lnTo>
-                  <a:pt x="828802" y="1308354"/>
-                </a:lnTo>
-                <a:lnTo>
-                  <a:pt x="788797" y="1301496"/>
-                </a:lnTo>
-                <a:lnTo>
-                  <a:pt x="750189" y="1293495"/>
-                </a:lnTo>
-                <a:lnTo>
-                  <a:pt x="712978" y="1284478"/>
-                </a:lnTo>
-                <a:lnTo>
-                  <a:pt x="642620" y="1264031"/>
-                </a:lnTo>
-                <a:lnTo>
-                  <a:pt x="577342" y="1239901"/>
-                </a:lnTo>
-                <a:lnTo>
-                  <a:pt x="517144" y="1212596"/>
-                </a:lnTo>
-                <a:lnTo>
-                  <a:pt x="461772" y="1182243"/>
-                </a:lnTo>
-                <a:lnTo>
-                  <a:pt x="410845" y="1148969"/>
-                </a:lnTo>
-                <a:lnTo>
-                  <a:pt x="364363" y="1113028"/>
-                </a:lnTo>
-                <a:lnTo>
-                  <a:pt x="321818" y="1074420"/>
-                </a:lnTo>
-                <a:lnTo>
-                  <a:pt x="283337" y="1033653"/>
-                </a:lnTo>
-                <a:lnTo>
-                  <a:pt x="248412" y="990473"/>
-                </a:lnTo>
-                <a:lnTo>
-                  <a:pt x="217043" y="945388"/>
-                </a:lnTo>
-                <a:lnTo>
-                  <a:pt x="188976" y="898271"/>
-                </a:lnTo>
-                <a:lnTo>
-                  <a:pt x="163957" y="849503"/>
-                </a:lnTo>
-                <a:lnTo>
-                  <a:pt x="141732" y="799338"/>
-                </a:lnTo>
-                <a:lnTo>
-                  <a:pt x="122301" y="747649"/>
-                </a:lnTo>
-                <a:lnTo>
-                  <a:pt x="105410" y="694817"/>
-                </a:lnTo>
-                <a:lnTo>
-                  <a:pt x="84328" y="614045"/>
-                </a:lnTo>
-                <a:lnTo>
-                  <a:pt x="72771" y="559181"/>
-                </a:lnTo>
-                <a:lnTo>
-                  <a:pt x="63119" y="503682"/>
-                </a:lnTo>
-                <a:lnTo>
-                  <a:pt x="55118" y="447929"/>
-                </a:lnTo>
-                <a:lnTo>
-                  <a:pt x="48514" y="392049"/>
-                </a:lnTo>
-                <a:lnTo>
-                  <a:pt x="43180" y="336169"/>
-                </a:lnTo>
-                <a:lnTo>
-                  <a:pt x="38735" y="280543"/>
-                </a:lnTo>
-                <a:lnTo>
-                  <a:pt x="35306" y="225425"/>
-                </a:lnTo>
-                <a:lnTo>
-                  <a:pt x="32385" y="170815"/>
-                </a:lnTo>
-                <a:lnTo>
-                  <a:pt x="29972" y="116967"/>
-                </a:lnTo>
-                <a:lnTo>
-                  <a:pt x="27813" y="64008"/>
-                </a:lnTo>
-                <a:lnTo>
-                  <a:pt x="25654" y="12446"/>
-                </a:lnTo>
-                <a:lnTo>
-                  <a:pt x="25400" y="5461"/>
-                </a:lnTo>
-                <a:lnTo>
-                  <a:pt x="19431" y="0"/>
-                </a:lnTo>
-                <a:lnTo>
-                  <a:pt x="5461" y="508"/>
-                </a:lnTo>
-                <a:lnTo>
-                  <a:pt x="0" y="6489"/>
-                </a:lnTo>
-                <a:lnTo>
-                  <a:pt x="254" y="13462"/>
-                </a:lnTo>
-                <a:lnTo>
-                  <a:pt x="2413" y="65163"/>
-                </a:lnTo>
-                <a:lnTo>
-                  <a:pt x="4699" y="117983"/>
-                </a:lnTo>
-                <a:lnTo>
-                  <a:pt x="6985" y="171958"/>
-                </a:lnTo>
-                <a:lnTo>
-                  <a:pt x="9906" y="226695"/>
-                </a:lnTo>
-                <a:lnTo>
-                  <a:pt x="13462" y="282194"/>
-                </a:lnTo>
-                <a:lnTo>
-                  <a:pt x="17780" y="338201"/>
-                </a:lnTo>
-                <a:lnTo>
-                  <a:pt x="23241" y="394462"/>
-                </a:lnTo>
-                <a:lnTo>
-                  <a:pt x="29845" y="450850"/>
-                </a:lnTo>
-                <a:lnTo>
-                  <a:pt x="37973" y="507365"/>
-                </a:lnTo>
-                <a:lnTo>
-                  <a:pt x="47752" y="563499"/>
-                </a:lnTo>
-                <a:lnTo>
-                  <a:pt x="59436" y="619252"/>
-                </a:lnTo>
-                <a:lnTo>
-                  <a:pt x="73152" y="674370"/>
-                </a:lnTo>
-                <a:lnTo>
-                  <a:pt x="89281" y="728853"/>
-                </a:lnTo>
-                <a:lnTo>
-                  <a:pt x="107823" y="782193"/>
-                </a:lnTo>
-                <a:lnTo>
-                  <a:pt x="129032" y="834517"/>
-                </a:lnTo>
-                <a:lnTo>
-                  <a:pt x="153289" y="885317"/>
-                </a:lnTo>
-                <a:lnTo>
-                  <a:pt x="180467" y="934593"/>
-                </a:lnTo>
-                <a:lnTo>
-                  <a:pt x="211201" y="982218"/>
-                </a:lnTo>
-                <a:lnTo>
-                  <a:pt x="245491" y="1027938"/>
-                </a:lnTo>
-                <a:lnTo>
-                  <a:pt x="283337" y="1071372"/>
-                </a:lnTo>
-                <a:lnTo>
-                  <a:pt x="325120" y="1112520"/>
-                </a:lnTo>
-                <a:lnTo>
-                  <a:pt x="371094" y="1151128"/>
-                </a:lnTo>
-                <a:lnTo>
-                  <a:pt x="421513" y="1187069"/>
-                </a:lnTo>
-                <a:lnTo>
-                  <a:pt x="476377" y="1219835"/>
-                </a:lnTo>
-                <a:lnTo>
-                  <a:pt x="535686" y="1249553"/>
-                </a:lnTo>
-                <a:lnTo>
-                  <a:pt x="600202" y="1275969"/>
-                </a:lnTo>
-                <a:lnTo>
-                  <a:pt x="669544" y="1298956"/>
-                </a:lnTo>
-                <a:lnTo>
-                  <a:pt x="744220" y="1318133"/>
-                </a:lnTo>
-                <a:lnTo>
-                  <a:pt x="783590" y="1326261"/>
-                </a:lnTo>
-                <a:lnTo>
-                  <a:pt x="824357" y="1333500"/>
-                </a:lnTo>
-                <a:lnTo>
-                  <a:pt x="866521" y="1339596"/>
-                </a:lnTo>
-                <a:lnTo>
-                  <a:pt x="910082" y="1344803"/>
-                </a:lnTo>
-                <a:lnTo>
-                  <a:pt x="955167" y="1348867"/>
-                </a:lnTo>
-                <a:lnTo>
-                  <a:pt x="1001649" y="1351788"/>
-                </a:lnTo>
-                <a:lnTo>
-                  <a:pt x="1028115" y="1352842"/>
-                </a:lnTo>
-                <a:lnTo>
-                  <a:pt x="985139" y="1377061"/>
-                </a:lnTo>
-                <a:lnTo>
-                  <a:pt x="982980" y="1384808"/>
-                </a:lnTo>
-                <a:lnTo>
-                  <a:pt x="989838" y="1397000"/>
-                </a:lnTo>
-                <a:lnTo>
-                  <a:pt x="997585" y="1399159"/>
-                </a:lnTo>
-                <a:lnTo>
-                  <a:pt x="1077569" y="1354137"/>
-                </a:lnTo>
-                <a:lnTo>
-                  <a:pt x="1081151" y="1354201"/>
-                </a:lnTo>
-                <a:lnTo>
-                  <a:pt x="1086154" y="1349298"/>
-                </a:lnTo>
-                <a:lnTo>
-                  <a:pt x="1099566" y="1341755"/>
-                </a:lnTo>
-                <a:close/>
-              </a:path>
-              <a:path w="4220209" h="2482215">
-                <a:moveTo>
-                  <a:pt x="2131822" y="1933575"/>
-                </a:moveTo>
-                <a:lnTo>
-                  <a:pt x="2131568" y="1911985"/>
-                </a:lnTo>
-                <a:lnTo>
-                  <a:pt x="2131568" y="1904746"/>
-                </a:lnTo>
-                <a:lnTo>
-                  <a:pt x="2125853" y="1899158"/>
-                </a:lnTo>
-                <a:lnTo>
-                  <a:pt x="2111756" y="1899158"/>
-                </a:lnTo>
-                <a:lnTo>
-                  <a:pt x="2106409" y="1904746"/>
-                </a:lnTo>
-                <a:lnTo>
-                  <a:pt x="2106282" y="1975358"/>
-                </a:lnTo>
-                <a:lnTo>
-                  <a:pt x="2105533" y="2014220"/>
-                </a:lnTo>
-                <a:lnTo>
-                  <a:pt x="2102612" y="2068029"/>
-                </a:lnTo>
-                <a:lnTo>
-                  <a:pt x="2095246" y="2131834"/>
-                </a:lnTo>
-                <a:lnTo>
-                  <a:pt x="2082673" y="2186660"/>
-                </a:lnTo>
-                <a:lnTo>
-                  <a:pt x="2064004" y="2233015"/>
-                </a:lnTo>
-                <a:lnTo>
-                  <a:pt x="2038477" y="2272004"/>
-                </a:lnTo>
-                <a:lnTo>
-                  <a:pt x="2005203" y="2304199"/>
-                </a:lnTo>
-                <a:lnTo>
-                  <a:pt x="1962023" y="2331288"/>
-                </a:lnTo>
-                <a:lnTo>
-                  <a:pt x="1922399" y="2348344"/>
-                </a:lnTo>
-                <a:lnTo>
-                  <a:pt x="1875917" y="2362924"/>
-                </a:lnTo>
-                <a:lnTo>
-                  <a:pt x="1822196" y="2375090"/>
-                </a:lnTo>
-                <a:lnTo>
-                  <a:pt x="1781937" y="2381961"/>
-                </a:lnTo>
-                <a:lnTo>
-                  <a:pt x="1738376" y="2387790"/>
-                </a:lnTo>
-                <a:lnTo>
-                  <a:pt x="1691005" y="2392908"/>
-                </a:lnTo>
-                <a:lnTo>
-                  <a:pt x="1639824" y="2397163"/>
-                </a:lnTo>
-                <a:lnTo>
-                  <a:pt x="1555496" y="2402281"/>
-                </a:lnTo>
-                <a:lnTo>
-                  <a:pt x="1394206" y="2407793"/>
-                </a:lnTo>
-                <a:lnTo>
-                  <a:pt x="1192758" y="2410676"/>
-                </a:lnTo>
-                <a:lnTo>
-                  <a:pt x="1170990" y="2423579"/>
-                </a:lnTo>
-                <a:lnTo>
-                  <a:pt x="1189253" y="2412746"/>
-                </a:lnTo>
-                <a:lnTo>
-                  <a:pt x="1192758" y="2410676"/>
-                </a:lnTo>
-                <a:lnTo>
-                  <a:pt x="1234186" y="2386152"/>
-                </a:lnTo>
-                <a:lnTo>
-                  <a:pt x="1236218" y="2378354"/>
-                </a:lnTo>
-                <a:lnTo>
-                  <a:pt x="1232535" y="2372322"/>
-                </a:lnTo>
-                <a:lnTo>
-                  <a:pt x="1228979" y="2366289"/>
-                </a:lnTo>
-                <a:lnTo>
-                  <a:pt x="1221232" y="2364295"/>
-                </a:lnTo>
-                <a:lnTo>
-                  <a:pt x="1217752" y="2366327"/>
-                </a:lnTo>
-                <a:lnTo>
-                  <a:pt x="1142199" y="2411082"/>
-                </a:lnTo>
-                <a:lnTo>
-                  <a:pt x="1138682" y="2411095"/>
-                </a:lnTo>
-                <a:lnTo>
-                  <a:pt x="1133627" y="2416162"/>
-                </a:lnTo>
-                <a:lnTo>
-                  <a:pt x="1120521" y="2423922"/>
-                </a:lnTo>
-                <a:lnTo>
-                  <a:pt x="1133779" y="2431554"/>
-                </a:lnTo>
-                <a:lnTo>
-                  <a:pt x="1138809" y="2436495"/>
-                </a:lnTo>
-                <a:lnTo>
-                  <a:pt x="1142365" y="2436482"/>
-                </a:lnTo>
-                <a:lnTo>
-                  <a:pt x="1221994" y="2482202"/>
-                </a:lnTo>
-                <a:lnTo>
-                  <a:pt x="1229741" y="2480094"/>
-                </a:lnTo>
-                <a:lnTo>
-                  <a:pt x="1233297" y="2474023"/>
-                </a:lnTo>
-                <a:lnTo>
-                  <a:pt x="1236726" y="2467940"/>
-                </a:lnTo>
-                <a:lnTo>
-                  <a:pt x="1234694" y="2460167"/>
-                </a:lnTo>
-                <a:lnTo>
-                  <a:pt x="1192720" y="2436063"/>
-                </a:lnTo>
-                <a:lnTo>
-                  <a:pt x="1394714" y="2433193"/>
-                </a:lnTo>
-                <a:lnTo>
-                  <a:pt x="1495171" y="2430234"/>
-                </a:lnTo>
-                <a:lnTo>
-                  <a:pt x="1556893" y="2427643"/>
-                </a:lnTo>
-                <a:lnTo>
-                  <a:pt x="1614551" y="2424404"/>
-                </a:lnTo>
-                <a:lnTo>
-                  <a:pt x="1668018" y="2420378"/>
-                </a:lnTo>
-                <a:lnTo>
-                  <a:pt x="1718056" y="2415679"/>
-                </a:lnTo>
-                <a:lnTo>
-                  <a:pt x="1764284" y="2410117"/>
-                </a:lnTo>
-                <a:lnTo>
-                  <a:pt x="1806956" y="2403564"/>
-                </a:lnTo>
-                <a:lnTo>
-                  <a:pt x="1846580" y="2396020"/>
-                </a:lnTo>
-                <a:lnTo>
-                  <a:pt x="1899666" y="2382609"/>
-                </a:lnTo>
-                <a:lnTo>
-                  <a:pt x="1946478" y="2366289"/>
-                </a:lnTo>
-                <a:lnTo>
-                  <a:pt x="1986788" y="2346833"/>
-                </a:lnTo>
-                <a:lnTo>
-                  <a:pt x="2021332" y="2323808"/>
-                </a:lnTo>
-                <a:lnTo>
-                  <a:pt x="2050288" y="2297023"/>
-                </a:lnTo>
-                <a:lnTo>
-                  <a:pt x="2074164" y="2266137"/>
-                </a:lnTo>
-                <a:lnTo>
-                  <a:pt x="2098167" y="2219223"/>
-                </a:lnTo>
-                <a:lnTo>
-                  <a:pt x="2114550" y="2165185"/>
-                </a:lnTo>
-                <a:lnTo>
-                  <a:pt x="2124837" y="2103551"/>
-                </a:lnTo>
-                <a:lnTo>
-                  <a:pt x="2129282" y="2051939"/>
-                </a:lnTo>
-                <a:lnTo>
-                  <a:pt x="2131314" y="1995424"/>
-                </a:lnTo>
-                <a:lnTo>
-                  <a:pt x="2131695" y="1975358"/>
-                </a:lnTo>
-                <a:lnTo>
-                  <a:pt x="2131822" y="1933575"/>
-                </a:lnTo>
-                <a:close/>
-              </a:path>
-              <a:path w="4220209" h="2482215">
-                <a:moveTo>
-                  <a:pt x="2131822" y="737679"/>
-                </a:moveTo>
-                <a:lnTo>
-                  <a:pt x="2126742" y="746379"/>
-                </a:lnTo>
-                <a:lnTo>
-                  <a:pt x="2131822" y="741299"/>
-                </a:lnTo>
-                <a:lnTo>
-                  <a:pt x="2131822" y="737679"/>
-                </a:lnTo>
-                <a:close/>
-              </a:path>
-              <a:path w="4220209" h="2482215">
-                <a:moveTo>
-                  <a:pt x="2178050" y="441579"/>
-                </a:moveTo>
-                <a:lnTo>
-                  <a:pt x="2174494" y="435610"/>
-                </a:lnTo>
-                <a:lnTo>
-                  <a:pt x="2131822" y="362407"/>
-                </a:lnTo>
-                <a:lnTo>
-                  <a:pt x="2131822" y="358775"/>
-                </a:lnTo>
-                <a:lnTo>
-                  <a:pt x="2126742" y="353707"/>
-                </a:lnTo>
-                <a:lnTo>
-                  <a:pt x="2126373" y="353060"/>
-                </a:lnTo>
-                <a:lnTo>
-                  <a:pt x="2119122" y="340614"/>
-                </a:lnTo>
-                <a:lnTo>
-                  <a:pt x="2111489" y="353707"/>
-                </a:lnTo>
-                <a:lnTo>
-                  <a:pt x="2106422" y="358775"/>
-                </a:lnTo>
-                <a:lnTo>
-                  <a:pt x="2106422" y="362407"/>
-                </a:lnTo>
-                <a:lnTo>
-                  <a:pt x="2063750" y="435610"/>
-                </a:lnTo>
-                <a:lnTo>
-                  <a:pt x="2060194" y="441579"/>
-                </a:lnTo>
-                <a:lnTo>
-                  <a:pt x="2062226" y="449453"/>
-                </a:lnTo>
-                <a:lnTo>
-                  <a:pt x="2068322" y="452882"/>
-                </a:lnTo>
-                <a:lnTo>
-                  <a:pt x="2074291" y="456438"/>
-                </a:lnTo>
-                <a:lnTo>
-                  <a:pt x="2082165" y="454406"/>
-                </a:lnTo>
-                <a:lnTo>
-                  <a:pt x="2085594" y="448310"/>
-                </a:lnTo>
-                <a:lnTo>
-                  <a:pt x="2106422" y="412610"/>
-                </a:lnTo>
-                <a:lnTo>
-                  <a:pt x="2106422" y="687349"/>
-                </a:lnTo>
-                <a:lnTo>
-                  <a:pt x="2085594" y="651637"/>
-                </a:lnTo>
-                <a:lnTo>
-                  <a:pt x="2082165" y="645668"/>
-                </a:lnTo>
-                <a:lnTo>
-                  <a:pt x="2074291" y="643509"/>
-                </a:lnTo>
-                <a:lnTo>
-                  <a:pt x="2068322" y="647065"/>
-                </a:lnTo>
-                <a:lnTo>
-                  <a:pt x="2062226" y="650621"/>
-                </a:lnTo>
-                <a:lnTo>
-                  <a:pt x="2060194" y="658368"/>
-                </a:lnTo>
-                <a:lnTo>
-                  <a:pt x="2106422" y="737679"/>
-                </a:lnTo>
-                <a:lnTo>
-                  <a:pt x="2106422" y="741299"/>
-                </a:lnTo>
-                <a:lnTo>
-                  <a:pt x="2111489" y="746379"/>
-                </a:lnTo>
-                <a:lnTo>
-                  <a:pt x="2119122" y="759460"/>
-                </a:lnTo>
-                <a:lnTo>
-                  <a:pt x="2126373" y="747014"/>
-                </a:lnTo>
-                <a:lnTo>
-                  <a:pt x="2126742" y="746379"/>
-                </a:lnTo>
-                <a:lnTo>
-                  <a:pt x="2131809" y="737679"/>
-                </a:lnTo>
-                <a:lnTo>
-                  <a:pt x="2131822" y="727837"/>
-                </a:lnTo>
-                <a:lnTo>
-                  <a:pt x="2131822" y="737679"/>
-                </a:lnTo>
-                <a:lnTo>
-                  <a:pt x="2178050" y="658368"/>
-                </a:lnTo>
-                <a:lnTo>
-                  <a:pt x="2176018" y="650621"/>
-                </a:lnTo>
-                <a:lnTo>
-                  <a:pt x="2169922" y="647065"/>
-                </a:lnTo>
-                <a:lnTo>
-                  <a:pt x="2163953" y="643509"/>
-                </a:lnTo>
-                <a:lnTo>
-                  <a:pt x="2156206" y="645668"/>
-                </a:lnTo>
-                <a:lnTo>
-                  <a:pt x="2152650" y="651637"/>
-                </a:lnTo>
-                <a:lnTo>
-                  <a:pt x="2131822" y="687349"/>
-                </a:lnTo>
-                <a:lnTo>
-                  <a:pt x="2131822" y="412610"/>
-                </a:lnTo>
-                <a:lnTo>
-                  <a:pt x="2152650" y="448310"/>
-                </a:lnTo>
-                <a:lnTo>
-                  <a:pt x="2156079" y="454406"/>
-                </a:lnTo>
-                <a:lnTo>
-                  <a:pt x="2163953" y="456438"/>
-                </a:lnTo>
-                <a:lnTo>
-                  <a:pt x="2169922" y="452882"/>
-                </a:lnTo>
-                <a:lnTo>
-                  <a:pt x="2176018" y="449453"/>
-                </a:lnTo>
-                <a:lnTo>
-                  <a:pt x="2178050" y="441579"/>
-                </a:lnTo>
-                <a:close/>
-              </a:path>
-              <a:path w="4220209" h="2482215">
-                <a:moveTo>
-                  <a:pt x="4219956" y="32385"/>
-                </a:moveTo>
-                <a:lnTo>
-                  <a:pt x="4214495" y="26416"/>
-                </a:lnTo>
-                <a:lnTo>
-                  <a:pt x="4200525" y="25908"/>
-                </a:lnTo>
-                <a:lnTo>
-                  <a:pt x="4194556" y="31369"/>
-                </a:lnTo>
-                <a:lnTo>
-                  <a:pt x="4194251" y="39370"/>
-                </a:lnTo>
-                <a:lnTo>
-                  <a:pt x="4192219" y="89535"/>
-                </a:lnTo>
-                <a:lnTo>
-                  <a:pt x="4190187" y="141097"/>
-                </a:lnTo>
-                <a:lnTo>
-                  <a:pt x="4187888" y="193548"/>
-                </a:lnTo>
-                <a:lnTo>
-                  <a:pt x="4185285" y="245745"/>
-                </a:lnTo>
-                <a:lnTo>
-                  <a:pt x="4181983" y="299466"/>
-                </a:lnTo>
-                <a:lnTo>
-                  <a:pt x="4178046" y="353822"/>
-                </a:lnTo>
-                <a:lnTo>
-                  <a:pt x="4172966" y="408178"/>
-                </a:lnTo>
-                <a:lnTo>
-                  <a:pt x="4166743" y="462788"/>
-                </a:lnTo>
-                <a:lnTo>
-                  <a:pt x="4159123" y="517271"/>
-                </a:lnTo>
-                <a:lnTo>
-                  <a:pt x="4149852" y="571373"/>
-                </a:lnTo>
-                <a:lnTo>
-                  <a:pt x="4138803" y="624967"/>
-                </a:lnTo>
-                <a:lnTo>
-                  <a:pt x="4125849" y="677926"/>
-                </a:lnTo>
-                <a:lnTo>
-                  <a:pt x="4110609" y="729869"/>
-                </a:lnTo>
-                <a:lnTo>
-                  <a:pt x="4093083" y="780923"/>
-                </a:lnTo>
-                <a:lnTo>
-                  <a:pt x="4073017" y="830707"/>
-                </a:lnTo>
-                <a:lnTo>
-                  <a:pt x="4050030" y="879221"/>
-                </a:lnTo>
-                <a:lnTo>
-                  <a:pt x="4024122" y="925957"/>
-                </a:lnTo>
-                <a:lnTo>
-                  <a:pt x="3995039" y="971042"/>
-                </a:lnTo>
-                <a:lnTo>
-                  <a:pt x="3962654" y="1014349"/>
-                </a:lnTo>
-                <a:lnTo>
-                  <a:pt x="3926713" y="1055370"/>
-                </a:lnTo>
-                <a:lnTo>
-                  <a:pt x="3886962" y="1094359"/>
-                </a:lnTo>
-                <a:lnTo>
-                  <a:pt x="3843147" y="1130808"/>
-                </a:lnTo>
-                <a:lnTo>
-                  <a:pt x="3795268" y="1164717"/>
-                </a:lnTo>
-                <a:lnTo>
-                  <a:pt x="3742817" y="1195832"/>
-                </a:lnTo>
-                <a:lnTo>
-                  <a:pt x="3685921" y="1224153"/>
-                </a:lnTo>
-                <a:lnTo>
-                  <a:pt x="3623945" y="1249299"/>
-                </a:lnTo>
-                <a:lnTo>
-                  <a:pt x="3557016" y="1271143"/>
-                </a:lnTo>
-                <a:lnTo>
-                  <a:pt x="3484753" y="1289558"/>
-                </a:lnTo>
-                <a:lnTo>
-                  <a:pt x="3446526" y="1297305"/>
-                </a:lnTo>
-                <a:lnTo>
-                  <a:pt x="3406902" y="1304163"/>
-                </a:lnTo>
-                <a:lnTo>
-                  <a:pt x="3365881" y="1310132"/>
-                </a:lnTo>
-                <a:lnTo>
-                  <a:pt x="3323463" y="1315085"/>
-                </a:lnTo>
-                <a:lnTo>
-                  <a:pt x="3279521" y="1319022"/>
-                </a:lnTo>
-                <a:lnTo>
-                  <a:pt x="3233928" y="1321943"/>
-                </a:lnTo>
-                <a:lnTo>
-                  <a:pt x="3211423" y="1322806"/>
-                </a:lnTo>
-                <a:lnTo>
-                  <a:pt x="3188906" y="1336446"/>
-                </a:lnTo>
-                <a:lnTo>
-                  <a:pt x="3206546" y="1325753"/>
-                </a:lnTo>
-                <a:lnTo>
-                  <a:pt x="3211423" y="1322806"/>
-                </a:lnTo>
-                <a:lnTo>
-                  <a:pt x="3245739" y="1302004"/>
-                </a:lnTo>
-                <a:lnTo>
-                  <a:pt x="3251835" y="1298448"/>
-                </a:lnTo>
-                <a:lnTo>
-                  <a:pt x="3253740" y="1290574"/>
-                </a:lnTo>
-                <a:lnTo>
-                  <a:pt x="3250057" y="1284605"/>
-                </a:lnTo>
-                <a:lnTo>
-                  <a:pt x="3246501" y="1278636"/>
-                </a:lnTo>
-                <a:lnTo>
-                  <a:pt x="3238627" y="1276731"/>
-                </a:lnTo>
-                <a:lnTo>
-                  <a:pt x="3160064" y="1324178"/>
-                </a:lnTo>
-                <a:lnTo>
-                  <a:pt x="3156458" y="1324229"/>
-                </a:lnTo>
-                <a:lnTo>
-                  <a:pt x="3151365" y="1329436"/>
-                </a:lnTo>
-                <a:lnTo>
-                  <a:pt x="3138551" y="1337183"/>
-                </a:lnTo>
-                <a:lnTo>
-                  <a:pt x="3151670" y="1344574"/>
-                </a:lnTo>
-                <a:lnTo>
-                  <a:pt x="3156966" y="1349629"/>
-                </a:lnTo>
-                <a:lnTo>
-                  <a:pt x="3160547" y="1349578"/>
-                </a:lnTo>
-                <a:lnTo>
-                  <a:pt x="3240532" y="1394587"/>
-                </a:lnTo>
-                <a:lnTo>
-                  <a:pt x="3248279" y="1392428"/>
-                </a:lnTo>
-                <a:lnTo>
-                  <a:pt x="3255137" y="1380236"/>
-                </a:lnTo>
-                <a:lnTo>
-                  <a:pt x="3252978" y="1372489"/>
-                </a:lnTo>
-                <a:lnTo>
-                  <a:pt x="3209975" y="1348308"/>
-                </a:lnTo>
-                <a:lnTo>
-                  <a:pt x="3235579" y="1347343"/>
-                </a:lnTo>
-                <a:lnTo>
-                  <a:pt x="3281807" y="1344295"/>
-                </a:lnTo>
-                <a:lnTo>
-                  <a:pt x="3326384" y="1340358"/>
-                </a:lnTo>
-                <a:lnTo>
-                  <a:pt x="3369564" y="1335278"/>
-                </a:lnTo>
-                <a:lnTo>
-                  <a:pt x="3411220" y="1329309"/>
-                </a:lnTo>
-                <a:lnTo>
-                  <a:pt x="3451606" y="1322197"/>
-                </a:lnTo>
-                <a:lnTo>
-                  <a:pt x="3490595" y="1314196"/>
-                </a:lnTo>
-                <a:lnTo>
-                  <a:pt x="3528187" y="1305306"/>
-                </a:lnTo>
-                <a:lnTo>
-                  <a:pt x="3599434" y="1284605"/>
-                </a:lnTo>
-                <a:lnTo>
-                  <a:pt x="3665601" y="1260475"/>
-                </a:lnTo>
-                <a:lnTo>
-                  <a:pt x="3726688" y="1232916"/>
-                </a:lnTo>
-                <a:lnTo>
-                  <a:pt x="3783076" y="1202182"/>
-                </a:lnTo>
-                <a:lnTo>
-                  <a:pt x="3834892" y="1168527"/>
-                </a:lnTo>
-                <a:lnTo>
-                  <a:pt x="3882263" y="1132078"/>
-                </a:lnTo>
-                <a:lnTo>
-                  <a:pt x="3925443" y="1092962"/>
-                </a:lnTo>
-                <a:lnTo>
-                  <a:pt x="3964559" y="1051433"/>
-                </a:lnTo>
-                <a:lnTo>
-                  <a:pt x="3999992" y="1007872"/>
-                </a:lnTo>
-                <a:lnTo>
-                  <a:pt x="4031615" y="962152"/>
-                </a:lnTo>
-                <a:lnTo>
-                  <a:pt x="4059936" y="914781"/>
-                </a:lnTo>
-                <a:lnTo>
-                  <a:pt x="4084955" y="865632"/>
-                </a:lnTo>
-                <a:lnTo>
-                  <a:pt x="4107053" y="815213"/>
-                </a:lnTo>
-                <a:lnTo>
-                  <a:pt x="4126230" y="763524"/>
-                </a:lnTo>
-                <a:lnTo>
-                  <a:pt x="4142994" y="710692"/>
-                </a:lnTo>
-                <a:lnTo>
-                  <a:pt x="4163695" y="630047"/>
-                </a:lnTo>
-                <a:lnTo>
-                  <a:pt x="4174998" y="575564"/>
-                </a:lnTo>
-                <a:lnTo>
-                  <a:pt x="4184269" y="520827"/>
-                </a:lnTo>
-                <a:lnTo>
-                  <a:pt x="4192016" y="465709"/>
-                </a:lnTo>
-                <a:lnTo>
-                  <a:pt x="4198366" y="410591"/>
-                </a:lnTo>
-                <a:lnTo>
-                  <a:pt x="4203319" y="355600"/>
-                </a:lnTo>
-                <a:lnTo>
-                  <a:pt x="4207383" y="300990"/>
-                </a:lnTo>
-                <a:lnTo>
-                  <a:pt x="4210735" y="245745"/>
-                </a:lnTo>
-                <a:lnTo>
-                  <a:pt x="4213390" y="192405"/>
-                </a:lnTo>
-                <a:lnTo>
-                  <a:pt x="4215663" y="140081"/>
-                </a:lnTo>
-                <a:lnTo>
-                  <a:pt x="4217581" y="88519"/>
-                </a:lnTo>
-                <a:lnTo>
-                  <a:pt x="4219727" y="38354"/>
-                </a:lnTo>
-                <a:lnTo>
-                  <a:pt x="4219956" y="32385"/>
-                </a:lnTo>
-                <a:close/>
-              </a:path>
-            </a:pathLst>
-          </a:custGeom>
-          <a:solidFill>
-            <a:srgbClr val="000000"/>
-          </a:solidFill>
-        </p:spPr>
-        <p:txBody>
-          <a:bodyPr wrap="square" lIns="0" tIns="0" rIns="0" bIns="0" rtlCol="0"/>
-          <a:lstStyle/>
-          <a:p>
-            <a:endParaRPr/>
-          </a:p>
-        </p:txBody>
-      </p:sp>
-      <p:sp>
-        <p:nvSpPr>
-          <p:cNvPr id="17" name="object 17"/>
-          <p:cNvSpPr txBox="1"/>
-          <p:nvPr/>
-        </p:nvSpPr>
-        <p:spPr>
-          <a:xfrm>
-            <a:off x="7601457" y="2685999"/>
-            <a:ext cx="1452880" cy="331470"/>
-          </a:xfrm>
-          <a:prstGeom prst="rect">
-            <a:avLst/>
-          </a:prstGeom>
-        </p:spPr>
-        <p:txBody>
-          <a:bodyPr vert="horz" wrap="square" lIns="0" tIns="13335" rIns="0" bIns="0" rtlCol="0">
-            <a:spAutoFit/>
-          </a:bodyPr>
-          <a:lstStyle/>
-          <a:p>
-            <a:pPr marL="12700">
-              <a:lnSpc>
-                <a:spcPct val="100000"/>
-              </a:lnSpc>
-              <a:spcBef>
-                <a:spcPts val="105"/>
-              </a:spcBef>
-            </a:pPr>
-            <a:r>
-              <a:rPr sz="2000" spc="-5" dirty="0">
-                <a:latin typeface="Arial MT"/>
-                <a:cs typeface="Arial MT"/>
-              </a:rPr>
-              <a:t>Atomic</a:t>
-            </a:r>
-            <a:r>
-              <a:rPr sz="2000" spc="-60" dirty="0">
-                <a:latin typeface="Arial MT"/>
-                <a:cs typeface="Arial MT"/>
-              </a:rPr>
-              <a:t> </a:t>
-            </a:r>
-            <a:r>
-              <a:rPr sz="2000" dirty="0">
-                <a:latin typeface="Arial MT"/>
-                <a:cs typeface="Arial MT"/>
-              </a:rPr>
-              <a:t>clock</a:t>
-            </a:r>
-            <a:endParaRPr sz="2000">
-              <a:latin typeface="Arial MT"/>
-              <a:cs typeface="Arial MT"/>
-            </a:endParaRPr>
-          </a:p>
-        </p:txBody>
-      </p:sp>
-      <p:sp>
-        <p:nvSpPr>
-          <p:cNvPr id="18" name="object 18"/>
-          <p:cNvSpPr txBox="1"/>
-          <p:nvPr/>
-        </p:nvSpPr>
-        <p:spPr>
-          <a:xfrm>
-            <a:off x="9668002" y="4869307"/>
-            <a:ext cx="1642110" cy="574675"/>
-          </a:xfrm>
-          <a:prstGeom prst="rect">
-            <a:avLst/>
-          </a:prstGeom>
-        </p:spPr>
-        <p:txBody>
-          <a:bodyPr vert="horz" wrap="square" lIns="0" tIns="71755" rIns="0" bIns="0" rtlCol="0">
-            <a:spAutoFit/>
-          </a:bodyPr>
-          <a:lstStyle/>
-          <a:p>
-            <a:pPr marL="455930" marR="5080" indent="-443865">
-              <a:lnSpc>
-                <a:spcPts val="1920"/>
-              </a:lnSpc>
-              <a:spcBef>
-                <a:spcPts val="565"/>
-              </a:spcBef>
-            </a:pPr>
-            <a:r>
-              <a:rPr sz="2000" dirty="0">
-                <a:latin typeface="Arial MT"/>
-                <a:cs typeface="Arial MT"/>
-              </a:rPr>
-              <a:t>"Super</a:t>
-            </a:r>
-            <a:r>
-              <a:rPr sz="2000" spc="-95" dirty="0">
-                <a:latin typeface="Arial MT"/>
-                <a:cs typeface="Arial MT"/>
-              </a:rPr>
-              <a:t> </a:t>
-            </a:r>
-            <a:r>
-              <a:rPr sz="2000" dirty="0">
-                <a:latin typeface="Arial MT"/>
-                <a:cs typeface="Arial MT"/>
-              </a:rPr>
-              <a:t>Master </a:t>
-            </a:r>
-            <a:r>
-              <a:rPr sz="2000" spc="-540" dirty="0">
-                <a:latin typeface="Arial MT"/>
-                <a:cs typeface="Arial MT"/>
-              </a:rPr>
-              <a:t> </a:t>
-            </a:r>
-            <a:r>
-              <a:rPr sz="2000" dirty="0">
-                <a:latin typeface="Arial MT"/>
-                <a:cs typeface="Arial MT"/>
-              </a:rPr>
-              <a:t>Clock"</a:t>
-            </a:r>
-          </a:p>
-        </p:txBody>
-      </p:sp>
-      <p:sp>
-        <p:nvSpPr>
-          <p:cNvPr id="19" name="object 19"/>
-          <p:cNvSpPr txBox="1">
-            <a:spLocks noGrp="1"/>
-          </p:cNvSpPr>
-          <p:nvPr>
-            <p:ph type="title"/>
-          </p:nvPr>
-        </p:nvSpPr>
-        <p:spPr>
-          <a:xfrm>
-            <a:off x="835448" y="459583"/>
-            <a:ext cx="6172200" cy="444352"/>
-          </a:xfrm>
-          <a:prstGeom prst="rect">
-            <a:avLst/>
-          </a:prstGeom>
-        </p:spPr>
-        <p:txBody>
-          <a:bodyPr vert="horz" wrap="square" lIns="0" tIns="13335" rIns="0" bIns="0" rtlCol="0">
-            <a:spAutoFit/>
-          </a:bodyPr>
-          <a:lstStyle/>
-          <a:p>
-            <a:pPr marL="12700">
-              <a:lnSpc>
-                <a:spcPct val="100000"/>
-              </a:lnSpc>
-              <a:spcBef>
-                <a:spcPts val="105"/>
-              </a:spcBef>
-            </a:pPr>
-            <a:r>
-              <a:rPr lang="es-ES" sz="2800" dirty="0">
-                <a:latin typeface="Arial MT"/>
-              </a:rPr>
-              <a:t>¿Cómo se puede hacer esto?</a:t>
-            </a:r>
-            <a:endParaRPr sz="2800" dirty="0">
-              <a:latin typeface="Arial MT"/>
-            </a:endParaRPr>
-          </a:p>
-        </p:txBody>
-      </p:sp>
-      <p:sp>
-        <p:nvSpPr>
-          <p:cNvPr id="20" name="object 20"/>
-          <p:cNvSpPr txBox="1"/>
-          <p:nvPr/>
-        </p:nvSpPr>
-        <p:spPr>
-          <a:xfrm>
-            <a:off x="864023" y="2257167"/>
-            <a:ext cx="3979330" cy="1924245"/>
-          </a:xfrm>
-          <a:prstGeom prst="rect">
-            <a:avLst/>
-          </a:prstGeom>
-        </p:spPr>
-        <p:txBody>
-          <a:bodyPr vert="horz" wrap="square" lIns="0" tIns="13335" rIns="0" bIns="0" rtlCol="0">
-            <a:spAutoFit/>
-          </a:bodyPr>
-          <a:lstStyle/>
-          <a:p>
-            <a:pPr marL="241300" indent="-228600">
-              <a:lnSpc>
-                <a:spcPct val="100000"/>
-              </a:lnSpc>
-              <a:spcBef>
-                <a:spcPts val="105"/>
-              </a:spcBef>
-              <a:buClr>
-                <a:srgbClr val="12569B"/>
-              </a:buClr>
-              <a:buFont typeface="Microsoft Sans Serif"/>
-              <a:buChar char=""/>
-              <a:tabLst>
-                <a:tab pos="241300" algn="l"/>
-              </a:tabLst>
-            </a:pPr>
-            <a:r>
-              <a:rPr lang="es-ES" sz="2000" spc="-5" dirty="0">
-                <a:latin typeface="Arial MT"/>
-                <a:cs typeface="Arial MT"/>
-              </a:rPr>
-              <a:t>Solución "todo cubierto"</a:t>
-            </a:r>
-          </a:p>
-          <a:p>
-            <a:pPr marL="241300" indent="-228600">
-              <a:lnSpc>
-                <a:spcPct val="100000"/>
-              </a:lnSpc>
-              <a:spcBef>
-                <a:spcPts val="105"/>
-              </a:spcBef>
-              <a:buClr>
-                <a:srgbClr val="12569B"/>
-              </a:buClr>
-              <a:buFont typeface="Microsoft Sans Serif"/>
-              <a:buChar char=""/>
-              <a:tabLst>
-                <a:tab pos="241300" algn="l"/>
-              </a:tabLst>
-            </a:pPr>
-            <a:r>
-              <a:rPr lang="es-ES" sz="2000" spc="-5" dirty="0">
-                <a:latin typeface="Arial MT"/>
-                <a:cs typeface="Arial MT"/>
-              </a:rPr>
-              <a:t>Problemas percibidos tratados</a:t>
-            </a:r>
-          </a:p>
-          <a:p>
-            <a:pPr marL="241300" indent="-228600">
-              <a:lnSpc>
-                <a:spcPct val="100000"/>
-              </a:lnSpc>
-              <a:spcBef>
-                <a:spcPts val="105"/>
-              </a:spcBef>
-              <a:buClr>
-                <a:srgbClr val="12569B"/>
-              </a:buClr>
-              <a:buFont typeface="Microsoft Sans Serif"/>
-              <a:buChar char=""/>
-              <a:tabLst>
-                <a:tab pos="241300" algn="l"/>
-              </a:tabLst>
-            </a:pPr>
-            <a:r>
-              <a:rPr lang="es-ES" sz="2000" spc="-5" dirty="0">
-                <a:latin typeface="Arial MT"/>
-                <a:cs typeface="Arial MT"/>
-              </a:rPr>
-              <a:t>Soluciones explicadas</a:t>
-            </a:r>
-          </a:p>
-          <a:p>
-            <a:pPr marL="241300" indent="-228600">
-              <a:lnSpc>
-                <a:spcPct val="100000"/>
-              </a:lnSpc>
-              <a:spcBef>
-                <a:spcPts val="105"/>
-              </a:spcBef>
-              <a:buClr>
-                <a:srgbClr val="12569B"/>
-              </a:buClr>
-              <a:buFont typeface="Microsoft Sans Serif"/>
-              <a:buChar char=""/>
-              <a:tabLst>
-                <a:tab pos="241300" algn="l"/>
-              </a:tabLst>
-            </a:pPr>
-            <a:r>
-              <a:rPr lang="es-ES" sz="2000" spc="-5" dirty="0">
-                <a:latin typeface="Arial MT"/>
-                <a:cs typeface="Arial MT"/>
-              </a:rPr>
-              <a:t>Retención especificada</a:t>
-            </a:r>
-          </a:p>
-          <a:p>
-            <a:pPr marL="241300" indent="-228600">
-              <a:lnSpc>
-                <a:spcPct val="100000"/>
-              </a:lnSpc>
-              <a:spcBef>
-                <a:spcPts val="105"/>
-              </a:spcBef>
-              <a:buClr>
-                <a:srgbClr val="12569B"/>
-              </a:buClr>
-              <a:buFont typeface="Microsoft Sans Serif"/>
-              <a:buChar char=""/>
-              <a:tabLst>
-                <a:tab pos="241300" algn="l"/>
-              </a:tabLst>
-            </a:pPr>
-            <a:r>
-              <a:rPr lang="es-ES" sz="2000" spc="-5" dirty="0">
-                <a:latin typeface="Arial MT"/>
-                <a:cs typeface="Arial MT"/>
-              </a:rPr>
-              <a:t>Implementación descrita</a:t>
-            </a:r>
-          </a:p>
-          <a:p>
-            <a:pPr marL="241300" indent="-228600">
-              <a:lnSpc>
-                <a:spcPct val="100000"/>
-              </a:lnSpc>
-              <a:spcBef>
-                <a:spcPts val="105"/>
-              </a:spcBef>
-              <a:buClr>
-                <a:srgbClr val="12569B"/>
-              </a:buClr>
-              <a:buFont typeface="Microsoft Sans Serif"/>
-              <a:buChar char=""/>
-              <a:tabLst>
-                <a:tab pos="241300" algn="l"/>
-              </a:tabLst>
-            </a:pPr>
-            <a:r>
-              <a:rPr lang="es-ES" sz="2000" spc="-5" dirty="0">
-                <a:latin typeface="Arial MT"/>
-                <a:cs typeface="Arial MT"/>
-              </a:rPr>
-              <a:t>Oferta para la solución integrada</a:t>
-            </a:r>
-            <a:endParaRPr lang="en-US" sz="2000" dirty="0">
-              <a:latin typeface="Arial MT"/>
-              <a:cs typeface="Arial MT"/>
-            </a:endParaRPr>
-          </a:p>
-        </p:txBody>
-      </p:sp>
-    </p:spTree>
-  </p:cSld>
-  <p:clrMapOvr>
-    <a:masterClrMapping/>
-  </p:clrMapOvr>
-</p:sld>
-</file>
-
-<file path=ppt/slides/slide13.xml><?xml version="1.0" encoding="utf-8"?>
-<p:sld xmlns:a="http://schemas.openxmlformats.org/drawingml/2006/main" xmlns:r="http://schemas.openxmlformats.org/officeDocument/2006/relationships" xmlns:p="http://schemas.openxmlformats.org/presentationml/2006/main">
-  <p:cSld>
-    <p:spTree>
-      <p:nvGrpSpPr>
-        <p:cNvPr id="1" name=""/>
-        <p:cNvGrpSpPr/>
-        <p:nvPr/>
-      </p:nvGrpSpPr>
-      <p:grpSpPr>
-        <a:xfrm>
-          <a:off x="0" y="0"/>
-          <a:ext cx="0" cy="0"/>
-          <a:chOff x="0" y="0"/>
-          <a:chExt cx="0" cy="0"/>
-        </a:xfrm>
-      </p:grpSpPr>
-      <p:grpSp>
-        <p:nvGrpSpPr>
-          <p:cNvPr id="2" name="object 2"/>
-          <p:cNvGrpSpPr/>
-          <p:nvPr/>
-        </p:nvGrpSpPr>
-        <p:grpSpPr>
-          <a:xfrm>
-            <a:off x="5937250" y="1295400"/>
-            <a:ext cx="5575935" cy="5098415"/>
-            <a:chOff x="5539937" y="1316365"/>
-            <a:chExt cx="5575935" cy="5098415"/>
-          </a:xfrm>
-        </p:grpSpPr>
-        <p:pic>
-          <p:nvPicPr>
-            <p:cNvPr id="3" name="object 3"/>
-            <p:cNvPicPr/>
-            <p:nvPr/>
-          </p:nvPicPr>
-          <p:blipFill>
-            <a:blip r:embed="rId2" cstate="print"/>
-            <a:stretch>
-              <a:fillRect/>
-            </a:stretch>
-          </p:blipFill>
-          <p:spPr>
-            <a:xfrm>
-              <a:off x="5539937" y="1316365"/>
-              <a:ext cx="5575921" cy="5097944"/>
-            </a:xfrm>
-            <a:prstGeom prst="rect">
-              <a:avLst/>
-            </a:prstGeom>
-          </p:spPr>
-        </p:pic>
-        <p:pic>
-          <p:nvPicPr>
-            <p:cNvPr id="4" name="object 4"/>
-            <p:cNvPicPr/>
-            <p:nvPr/>
-          </p:nvPicPr>
-          <p:blipFill>
-            <a:blip r:embed="rId3" cstate="print"/>
-            <a:stretch>
-              <a:fillRect/>
-            </a:stretch>
-          </p:blipFill>
-          <p:spPr>
-            <a:xfrm>
-              <a:off x="6227064" y="2177795"/>
-              <a:ext cx="719328" cy="719327"/>
-            </a:xfrm>
-            <a:prstGeom prst="rect">
-              <a:avLst/>
-            </a:prstGeom>
-          </p:spPr>
-        </p:pic>
-        <p:sp>
-          <p:nvSpPr>
-            <p:cNvPr id="5" name="object 5"/>
-            <p:cNvSpPr/>
-            <p:nvPr/>
-          </p:nvSpPr>
-          <p:spPr>
-            <a:xfrm>
-              <a:off x="6587490" y="2890266"/>
-              <a:ext cx="0" cy="1332230"/>
-            </a:xfrm>
-            <a:custGeom>
-              <a:avLst/>
-              <a:gdLst/>
-              <a:ahLst/>
-              <a:cxnLst/>
-              <a:rect l="l" t="t" r="r" b="b"/>
-              <a:pathLst>
-                <a:path h="1332229">
-                  <a:moveTo>
-                    <a:pt x="0" y="0"/>
-                  </a:moveTo>
-                  <a:lnTo>
-                    <a:pt x="0" y="1331976"/>
-                  </a:lnTo>
-                </a:path>
-              </a:pathLst>
-            </a:custGeom>
-            <a:ln w="25400">
-              <a:solidFill>
-                <a:srgbClr val="000000"/>
-              </a:solidFill>
-            </a:ln>
-          </p:spPr>
-          <p:txBody>
-            <a:bodyPr wrap="square" lIns="0" tIns="0" rIns="0" bIns="0" rtlCol="0"/>
-            <a:lstStyle/>
-            <a:p>
-              <a:endParaRPr/>
-            </a:p>
-          </p:txBody>
-        </p:sp>
-        <p:pic>
-          <p:nvPicPr>
-            <p:cNvPr id="6" name="object 6"/>
-            <p:cNvPicPr/>
-            <p:nvPr/>
-          </p:nvPicPr>
-          <p:blipFill>
-            <a:blip r:embed="rId3" cstate="print"/>
-            <a:stretch>
-              <a:fillRect/>
-            </a:stretch>
-          </p:blipFill>
-          <p:spPr>
-            <a:xfrm>
-              <a:off x="9983724" y="2171700"/>
-              <a:ext cx="720851" cy="719327"/>
-            </a:xfrm>
-            <a:prstGeom prst="rect">
-              <a:avLst/>
-            </a:prstGeom>
-          </p:spPr>
-        </p:pic>
-        <p:sp>
-          <p:nvSpPr>
-            <p:cNvPr id="7" name="object 7"/>
-            <p:cNvSpPr/>
-            <p:nvPr/>
-          </p:nvSpPr>
-          <p:spPr>
-            <a:xfrm>
-              <a:off x="10345674" y="2891789"/>
-              <a:ext cx="0" cy="1332230"/>
-            </a:xfrm>
-            <a:custGeom>
-              <a:avLst/>
-              <a:gdLst/>
-              <a:ahLst/>
-              <a:cxnLst/>
-              <a:rect l="l" t="t" r="r" b="b"/>
-              <a:pathLst>
-                <a:path h="1332229">
-                  <a:moveTo>
-                    <a:pt x="0" y="0"/>
-                  </a:moveTo>
-                  <a:lnTo>
-                    <a:pt x="0" y="1331976"/>
-                  </a:lnTo>
-                </a:path>
-              </a:pathLst>
-            </a:custGeom>
-            <a:ln w="25400">
-              <a:solidFill>
-                <a:srgbClr val="000000"/>
-              </a:solidFill>
-            </a:ln>
-          </p:spPr>
-          <p:txBody>
-            <a:bodyPr wrap="square" lIns="0" tIns="0" rIns="0" bIns="0" rtlCol="0"/>
-            <a:lstStyle/>
-            <a:p>
-              <a:endParaRPr/>
-            </a:p>
-          </p:txBody>
-        </p:sp>
-      </p:grpSp>
-      <p:sp>
-        <p:nvSpPr>
-          <p:cNvPr id="8" name="object 8"/>
-          <p:cNvSpPr txBox="1">
-            <a:spLocks noGrp="1"/>
-          </p:cNvSpPr>
-          <p:nvPr>
-            <p:ph type="title"/>
-          </p:nvPr>
-        </p:nvSpPr>
-        <p:spPr>
-          <a:xfrm>
-            <a:off x="2819399" y="381524"/>
-            <a:ext cx="7885175" cy="444352"/>
-          </a:xfrm>
-          <a:prstGeom prst="rect">
-            <a:avLst/>
-          </a:prstGeom>
-        </p:spPr>
-        <p:txBody>
-          <a:bodyPr vert="horz" wrap="square" lIns="0" tIns="13335" rIns="0" bIns="0" rtlCol="0">
-            <a:spAutoFit/>
-          </a:bodyPr>
-          <a:lstStyle/>
-          <a:p>
-            <a:pPr marL="12700">
-              <a:lnSpc>
-                <a:spcPct val="100000"/>
-              </a:lnSpc>
-              <a:spcBef>
-                <a:spcPts val="105"/>
-              </a:spcBef>
-            </a:pPr>
-            <a:r>
-              <a:rPr lang="es-ES" sz="2800" dirty="0">
-                <a:latin typeface="Arial MT"/>
-              </a:rPr>
-              <a:t>Respaldo de la sincronización del tiempo</a:t>
-            </a:r>
-            <a:endParaRPr lang="en-US" sz="2800" dirty="0">
-              <a:latin typeface="Arial MT"/>
-            </a:endParaRPr>
-          </a:p>
-        </p:txBody>
-      </p:sp>
-      <p:sp>
-        <p:nvSpPr>
-          <p:cNvPr id="9" name="object 9"/>
-          <p:cNvSpPr txBox="1"/>
-          <p:nvPr/>
-        </p:nvSpPr>
-        <p:spPr>
-          <a:xfrm>
-            <a:off x="663575" y="2114092"/>
-            <a:ext cx="5575921" cy="2526974"/>
-          </a:xfrm>
-          <a:prstGeom prst="rect">
-            <a:avLst/>
-          </a:prstGeom>
-        </p:spPr>
-        <p:txBody>
-          <a:bodyPr vert="horz" wrap="square" lIns="0" tIns="13335" rIns="0" bIns="0" rtlCol="0">
-            <a:spAutoFit/>
-          </a:bodyPr>
-          <a:lstStyle/>
-          <a:p>
-            <a:pPr marL="241300" indent="-228600">
-              <a:lnSpc>
-                <a:spcPct val="100000"/>
-              </a:lnSpc>
-              <a:spcBef>
-                <a:spcPts val="105"/>
-              </a:spcBef>
-              <a:buClr>
-                <a:srgbClr val="12569B"/>
-              </a:buClr>
-              <a:buFont typeface="Microsoft Sans Serif"/>
-              <a:buChar char=""/>
-              <a:tabLst>
-                <a:tab pos="241300" algn="l"/>
-              </a:tabLst>
-            </a:pPr>
-            <a:r>
-              <a:rPr lang="es-ES" sz="2000" dirty="0">
-                <a:latin typeface="Arial MT"/>
-                <a:cs typeface="Arial MT"/>
-              </a:rPr>
-              <a:t>Escenarios confiables de conmutación por error de reloj</a:t>
-            </a:r>
-          </a:p>
-          <a:p>
-            <a:pPr marL="241300" indent="-228600">
-              <a:lnSpc>
-                <a:spcPct val="100000"/>
-              </a:lnSpc>
-              <a:spcBef>
-                <a:spcPts val="105"/>
-              </a:spcBef>
-              <a:buClr>
-                <a:srgbClr val="12569B"/>
-              </a:buClr>
-              <a:buFont typeface="Microsoft Sans Serif"/>
-              <a:buChar char=""/>
-              <a:tabLst>
-                <a:tab pos="241300" algn="l"/>
-              </a:tabLst>
-            </a:pPr>
-            <a:r>
-              <a:rPr lang="es-ES" sz="2000" dirty="0">
-                <a:latin typeface="Arial MT"/>
-                <a:cs typeface="Arial MT"/>
-              </a:rPr>
-              <a:t>Las correas y los cinturones pueden complicar las cosas</a:t>
-            </a:r>
-          </a:p>
-          <a:p>
-            <a:pPr marL="241300" indent="-228600">
-              <a:lnSpc>
-                <a:spcPct val="100000"/>
-              </a:lnSpc>
-              <a:spcBef>
-                <a:spcPts val="105"/>
-              </a:spcBef>
-              <a:buClr>
-                <a:srgbClr val="12569B"/>
-              </a:buClr>
-              <a:buFont typeface="Microsoft Sans Serif"/>
-              <a:buChar char=""/>
-              <a:tabLst>
-                <a:tab pos="241300" algn="l"/>
-              </a:tabLst>
-            </a:pPr>
-            <a:r>
-              <a:rPr lang="es-ES" sz="2000" dirty="0">
-                <a:latin typeface="Arial MT"/>
-                <a:cs typeface="Arial MT"/>
-              </a:rPr>
-              <a:t>Las mejores prácticas aún están evolucionando</a:t>
-            </a:r>
-          </a:p>
-          <a:p>
-            <a:pPr marL="241300" indent="-228600">
-              <a:lnSpc>
-                <a:spcPct val="100000"/>
-              </a:lnSpc>
-              <a:spcBef>
-                <a:spcPts val="105"/>
-              </a:spcBef>
-              <a:buClr>
-                <a:srgbClr val="12569B"/>
-              </a:buClr>
-              <a:buFont typeface="Microsoft Sans Serif"/>
-              <a:buChar char=""/>
-              <a:tabLst>
-                <a:tab pos="241300" algn="l"/>
-              </a:tabLst>
-            </a:pPr>
-            <a:r>
-              <a:rPr lang="es-ES" sz="2000" dirty="0">
-                <a:latin typeface="Arial MT"/>
-                <a:cs typeface="Arial MT"/>
-              </a:rPr>
-              <a:t>Se agradece la orientación</a:t>
-            </a:r>
-          </a:p>
-          <a:p>
-            <a:pPr marL="241300" indent="-228600">
-              <a:lnSpc>
-                <a:spcPct val="100000"/>
-              </a:lnSpc>
-              <a:spcBef>
-                <a:spcPts val="105"/>
-              </a:spcBef>
-              <a:buClr>
-                <a:srgbClr val="12569B"/>
-              </a:buClr>
-              <a:buFont typeface="Microsoft Sans Serif"/>
-              <a:buChar char=""/>
-              <a:tabLst>
-                <a:tab pos="241300" algn="l"/>
-              </a:tabLst>
-            </a:pPr>
-            <a:r>
-              <a:rPr lang="es-ES" sz="2000" dirty="0">
-                <a:latin typeface="Arial MT"/>
-                <a:cs typeface="Arial MT"/>
-              </a:rPr>
-              <a:t>Para ser probado a fondo</a:t>
-            </a:r>
-            <a:endParaRPr sz="2000" dirty="0">
-              <a:latin typeface="Arial MT"/>
-              <a:cs typeface="Arial MT"/>
-            </a:endParaRPr>
-          </a:p>
-        </p:txBody>
-      </p:sp>
-    </p:spTree>
-  </p:cSld>
-  <p:clrMapOvr>
-    <a:masterClrMapping/>
-  </p:clrMapOvr>
-</p:sld>
-</file>
-
-<file path=ppt/slides/slide14.xml><?xml version="1.0" encoding="utf-8"?>
-<p:sld xmlns:a="http://schemas.openxmlformats.org/drawingml/2006/main" xmlns:r="http://schemas.openxmlformats.org/officeDocument/2006/relationships" xmlns:p="http://schemas.openxmlformats.org/presentationml/2006/main" showMasterSp="0">
-  <p:cSld>
-    <p:spTree>
-      <p:nvGrpSpPr>
-        <p:cNvPr id="1" name=""/>
-        <p:cNvGrpSpPr/>
-        <p:nvPr/>
-      </p:nvGrpSpPr>
-      <p:grpSpPr>
-        <a:xfrm>
-          <a:off x="0" y="0"/>
-          <a:ext cx="0" cy="0"/>
-          <a:chOff x="0" y="0"/>
-          <a:chExt cx="0" cy="0"/>
-        </a:xfrm>
-      </p:grpSpPr>
-      <p:pic>
-        <p:nvPicPr>
-          <p:cNvPr id="2" name="object 2"/>
-          <p:cNvPicPr/>
-          <p:nvPr/>
-        </p:nvPicPr>
-        <p:blipFill>
-          <a:blip r:embed="rId2" cstate="print"/>
-          <a:stretch>
-            <a:fillRect/>
-          </a:stretch>
-        </p:blipFill>
-        <p:spPr>
-          <a:xfrm>
-            <a:off x="10842189" y="298195"/>
-            <a:ext cx="1012375" cy="206443"/>
-          </a:xfrm>
-          <a:prstGeom prst="rect">
-            <a:avLst/>
-          </a:prstGeom>
-        </p:spPr>
-      </p:pic>
-      <p:pic>
-        <p:nvPicPr>
-          <p:cNvPr id="3" name="object 3"/>
-          <p:cNvPicPr/>
-          <p:nvPr/>
-        </p:nvPicPr>
-        <p:blipFill>
-          <a:blip r:embed="rId3" cstate="print"/>
-          <a:stretch>
-            <a:fillRect/>
-          </a:stretch>
-        </p:blipFill>
-        <p:spPr>
-          <a:xfrm>
-            <a:off x="10275031" y="6230758"/>
-            <a:ext cx="1916968" cy="627239"/>
-          </a:xfrm>
-          <a:prstGeom prst="rect">
-            <a:avLst/>
-          </a:prstGeom>
-        </p:spPr>
-      </p:pic>
-      <p:sp>
-        <p:nvSpPr>
-          <p:cNvPr id="4" name="object 4"/>
-          <p:cNvSpPr/>
-          <p:nvPr/>
-        </p:nvSpPr>
-        <p:spPr>
-          <a:xfrm>
-            <a:off x="1795709" y="878562"/>
-            <a:ext cx="765810" cy="1530350"/>
-          </a:xfrm>
-          <a:custGeom>
-            <a:avLst/>
-            <a:gdLst/>
-            <a:ahLst/>
-            <a:cxnLst/>
-            <a:rect l="l" t="t" r="r" b="b"/>
-            <a:pathLst>
-              <a:path w="765810" h="1530350">
-                <a:moveTo>
-                  <a:pt x="0" y="1530354"/>
-                </a:moveTo>
-                <a:lnTo>
-                  <a:pt x="765286" y="1530354"/>
-                </a:lnTo>
-                <a:lnTo>
-                  <a:pt x="765286" y="0"/>
-                </a:lnTo>
-                <a:lnTo>
-                  <a:pt x="0" y="0"/>
-                </a:lnTo>
-                <a:lnTo>
-                  <a:pt x="0" y="1530354"/>
-                </a:lnTo>
-                <a:close/>
-              </a:path>
-            </a:pathLst>
-          </a:custGeom>
-          <a:ln w="10853">
-            <a:solidFill>
-              <a:srgbClr val="00AFEF"/>
-            </a:solidFill>
-          </a:ln>
-        </p:spPr>
-        <p:txBody>
-          <a:bodyPr wrap="square" lIns="0" tIns="0" rIns="0" bIns="0" rtlCol="0"/>
-          <a:lstStyle/>
-          <a:p>
-            <a:endParaRPr/>
-          </a:p>
-        </p:txBody>
-      </p:sp>
-      <p:sp>
-        <p:nvSpPr>
-          <p:cNvPr id="5" name="object 5"/>
-          <p:cNvSpPr txBox="1"/>
-          <p:nvPr/>
-        </p:nvSpPr>
-        <p:spPr>
-          <a:xfrm>
-            <a:off x="1869905" y="1442484"/>
-            <a:ext cx="632460" cy="373380"/>
-          </a:xfrm>
-          <a:prstGeom prst="rect">
-            <a:avLst/>
-          </a:prstGeom>
-        </p:spPr>
-        <p:txBody>
-          <a:bodyPr vert="horz" wrap="square" lIns="0" tIns="19685" rIns="0" bIns="0" rtlCol="0">
-            <a:spAutoFit/>
-          </a:bodyPr>
-          <a:lstStyle/>
-          <a:p>
-            <a:pPr marR="5080" indent="100330">
-              <a:lnSpc>
-                <a:spcPts val="1360"/>
-              </a:lnSpc>
-              <a:spcBef>
-                <a:spcPts val="155"/>
-              </a:spcBef>
-            </a:pPr>
-            <a:r>
-              <a:rPr sz="1150" spc="-5" dirty="0">
-                <a:latin typeface="Calibri"/>
-                <a:cs typeface="Calibri"/>
-              </a:rPr>
-              <a:t>Sentral </a:t>
-            </a:r>
-            <a:r>
-              <a:rPr sz="1150" dirty="0">
-                <a:latin typeface="Calibri"/>
-                <a:cs typeface="Calibri"/>
-              </a:rPr>
-              <a:t> </a:t>
-            </a:r>
-            <a:r>
-              <a:rPr sz="1150" spc="-10" dirty="0">
-                <a:latin typeface="Calibri"/>
-                <a:cs typeface="Calibri"/>
-              </a:rPr>
-              <a:t>C</a:t>
-            </a:r>
-            <a:r>
-              <a:rPr sz="1150" dirty="0">
-                <a:latin typeface="Calibri"/>
-                <a:cs typeface="Calibri"/>
-              </a:rPr>
-              <a:t>l</a:t>
-            </a:r>
-            <a:r>
-              <a:rPr sz="1150" spc="-10" dirty="0">
-                <a:latin typeface="Calibri"/>
-                <a:cs typeface="Calibri"/>
-              </a:rPr>
-              <a:t>o</a:t>
-            </a:r>
-            <a:r>
-              <a:rPr sz="1150" dirty="0">
-                <a:latin typeface="Calibri"/>
-                <a:cs typeface="Calibri"/>
-              </a:rPr>
-              <a:t>c</a:t>
-            </a:r>
-            <a:r>
-              <a:rPr sz="1150" spc="-5" dirty="0">
-                <a:latin typeface="Calibri"/>
-                <a:cs typeface="Calibri"/>
-              </a:rPr>
-              <a:t>k</a:t>
-            </a:r>
-            <a:r>
-              <a:rPr sz="1150" dirty="0">
-                <a:latin typeface="Calibri"/>
-                <a:cs typeface="Calibri"/>
-              </a:rPr>
-              <a:t>n</a:t>
-            </a:r>
-            <a:r>
-              <a:rPr sz="1150" spc="-10" dirty="0">
-                <a:latin typeface="Calibri"/>
-                <a:cs typeface="Calibri"/>
-              </a:rPr>
-              <a:t>o</a:t>
-            </a:r>
-            <a:r>
-              <a:rPr sz="1150" dirty="0">
-                <a:latin typeface="Calibri"/>
-                <a:cs typeface="Calibri"/>
-              </a:rPr>
-              <a:t>d</a:t>
-            </a:r>
-            <a:r>
-              <a:rPr sz="1150" spc="-5" dirty="0">
-                <a:latin typeface="Calibri"/>
-                <a:cs typeface="Calibri"/>
-              </a:rPr>
-              <a:t>e</a:t>
-            </a:r>
-            <a:endParaRPr sz="1150">
-              <a:latin typeface="Calibri"/>
-              <a:cs typeface="Calibri"/>
-            </a:endParaRPr>
-          </a:p>
-        </p:txBody>
-      </p:sp>
-      <p:grpSp>
-        <p:nvGrpSpPr>
-          <p:cNvPr id="6" name="object 6"/>
-          <p:cNvGrpSpPr/>
-          <p:nvPr/>
-        </p:nvGrpSpPr>
-        <p:grpSpPr>
-          <a:xfrm>
-            <a:off x="555546" y="354432"/>
-            <a:ext cx="1801495" cy="2071370"/>
-            <a:chOff x="555546" y="354432"/>
-            <a:chExt cx="1801495" cy="2071370"/>
-          </a:xfrm>
-        </p:grpSpPr>
-        <p:sp>
-          <p:nvSpPr>
-            <p:cNvPr id="7" name="object 7"/>
-            <p:cNvSpPr/>
-            <p:nvPr/>
-          </p:nvSpPr>
-          <p:spPr>
-            <a:xfrm>
-              <a:off x="1957587" y="1929429"/>
-              <a:ext cx="391160" cy="391160"/>
-            </a:xfrm>
-            <a:custGeom>
-              <a:avLst/>
-              <a:gdLst/>
-              <a:ahLst/>
-              <a:cxnLst/>
-              <a:rect l="l" t="t" r="r" b="b"/>
-              <a:pathLst>
-                <a:path w="391160" h="391160">
-                  <a:moveTo>
-                    <a:pt x="390891" y="195343"/>
-                  </a:moveTo>
-                  <a:lnTo>
-                    <a:pt x="385725" y="150535"/>
-                  </a:lnTo>
-                  <a:lnTo>
-                    <a:pt x="371014" y="109411"/>
-                  </a:lnTo>
-                  <a:lnTo>
-                    <a:pt x="347932" y="73142"/>
-                  </a:lnTo>
-                  <a:lnTo>
-                    <a:pt x="317657" y="42897"/>
-                  </a:lnTo>
-                  <a:lnTo>
-                    <a:pt x="281365" y="19845"/>
-                  </a:lnTo>
-                  <a:lnTo>
-                    <a:pt x="240231" y="5156"/>
-                  </a:lnTo>
-                  <a:lnTo>
-                    <a:pt x="195434" y="0"/>
-                  </a:lnTo>
-                  <a:lnTo>
-                    <a:pt x="150587" y="5156"/>
-                  </a:lnTo>
-                  <a:lnTo>
-                    <a:pt x="109438" y="19845"/>
-                  </a:lnTo>
-                  <a:lnTo>
-                    <a:pt x="73153" y="42897"/>
-                  </a:lnTo>
-                  <a:lnTo>
-                    <a:pt x="42899" y="73142"/>
-                  </a:lnTo>
-                  <a:lnTo>
-                    <a:pt x="19844" y="109411"/>
-                  </a:lnTo>
-                  <a:lnTo>
-                    <a:pt x="5155" y="150535"/>
-                  </a:lnTo>
-                  <a:lnTo>
-                    <a:pt x="0" y="195343"/>
-                  </a:lnTo>
-                  <a:lnTo>
-                    <a:pt x="5155" y="240156"/>
-                  </a:lnTo>
-                  <a:lnTo>
-                    <a:pt x="19844" y="281301"/>
-                  </a:lnTo>
-                  <a:lnTo>
-                    <a:pt x="42899" y="317602"/>
-                  </a:lnTo>
-                  <a:lnTo>
-                    <a:pt x="73153" y="347883"/>
-                  </a:lnTo>
-                  <a:lnTo>
-                    <a:pt x="109438" y="370968"/>
-                  </a:lnTo>
-                  <a:lnTo>
-                    <a:pt x="150587" y="385681"/>
-                  </a:lnTo>
-                  <a:lnTo>
-                    <a:pt x="195434" y="390847"/>
-                  </a:lnTo>
-                  <a:lnTo>
-                    <a:pt x="240231" y="385681"/>
-                  </a:lnTo>
-                  <a:lnTo>
-                    <a:pt x="281365" y="370968"/>
-                  </a:lnTo>
-                  <a:lnTo>
-                    <a:pt x="317657" y="347883"/>
-                  </a:lnTo>
-                  <a:lnTo>
-                    <a:pt x="347932" y="317602"/>
-                  </a:lnTo>
-                  <a:lnTo>
-                    <a:pt x="371014" y="281301"/>
-                  </a:lnTo>
-                  <a:lnTo>
-                    <a:pt x="385725" y="240156"/>
-                  </a:lnTo>
-                  <a:lnTo>
-                    <a:pt x="390891" y="195343"/>
-                  </a:lnTo>
-                </a:path>
-              </a:pathLst>
-            </a:custGeom>
-            <a:ln w="16419">
-              <a:solidFill>
-                <a:srgbClr val="000000"/>
-              </a:solidFill>
-            </a:ln>
-          </p:spPr>
-          <p:txBody>
-            <a:bodyPr wrap="square" lIns="0" tIns="0" rIns="0" bIns="0" rtlCol="0"/>
-            <a:lstStyle/>
-            <a:p>
-              <a:endParaRPr/>
-            </a:p>
-          </p:txBody>
-        </p:sp>
-        <p:pic>
-          <p:nvPicPr>
-            <p:cNvPr id="8" name="object 8"/>
-            <p:cNvPicPr/>
-            <p:nvPr/>
-          </p:nvPicPr>
-          <p:blipFill>
-            <a:blip r:embed="rId4" cstate="print"/>
-            <a:stretch>
-              <a:fillRect/>
-            </a:stretch>
-          </p:blipFill>
-          <p:spPr>
-            <a:xfrm>
-              <a:off x="2000651" y="2040376"/>
-              <a:ext cx="304650" cy="168792"/>
-            </a:xfrm>
-            <a:prstGeom prst="rect">
-              <a:avLst/>
-            </a:prstGeom>
-          </p:spPr>
-        </p:pic>
-        <p:sp>
-          <p:nvSpPr>
-            <p:cNvPr id="9" name="object 9"/>
-            <p:cNvSpPr/>
-            <p:nvPr/>
-          </p:nvSpPr>
-          <p:spPr>
-            <a:xfrm>
-              <a:off x="561261" y="360147"/>
-              <a:ext cx="1785620" cy="2059939"/>
-            </a:xfrm>
-            <a:custGeom>
-              <a:avLst/>
-              <a:gdLst/>
-              <a:ahLst/>
-              <a:cxnLst/>
-              <a:rect l="l" t="t" r="r" b="b"/>
-              <a:pathLst>
-                <a:path w="1785620" h="2059939">
-                  <a:moveTo>
-                    <a:pt x="1785474" y="205748"/>
-                  </a:moveTo>
-                  <a:lnTo>
-                    <a:pt x="1780039" y="158576"/>
-                  </a:lnTo>
-                  <a:lnTo>
-                    <a:pt x="1764560" y="115271"/>
-                  </a:lnTo>
-                  <a:lnTo>
-                    <a:pt x="1740275" y="77068"/>
-                  </a:lnTo>
-                  <a:lnTo>
-                    <a:pt x="1708422" y="45204"/>
-                  </a:lnTo>
-                  <a:lnTo>
-                    <a:pt x="1670238" y="20914"/>
-                  </a:lnTo>
-                  <a:lnTo>
-                    <a:pt x="1626963" y="5434"/>
-                  </a:lnTo>
-                  <a:lnTo>
-                    <a:pt x="1579835" y="0"/>
-                  </a:lnTo>
-                  <a:lnTo>
-                    <a:pt x="1532666" y="5434"/>
-                  </a:lnTo>
-                  <a:lnTo>
-                    <a:pt x="1489364" y="20914"/>
-                  </a:lnTo>
-                  <a:lnTo>
-                    <a:pt x="1451165" y="45204"/>
-                  </a:lnTo>
-                  <a:lnTo>
-                    <a:pt x="1419304" y="77068"/>
-                  </a:lnTo>
-                  <a:lnTo>
-                    <a:pt x="1395017" y="115271"/>
-                  </a:lnTo>
-                  <a:lnTo>
-                    <a:pt x="1379539" y="158576"/>
-                  </a:lnTo>
-                  <a:lnTo>
-                    <a:pt x="1374105" y="205748"/>
-                  </a:lnTo>
-                  <a:lnTo>
-                    <a:pt x="1785474" y="205748"/>
-                  </a:lnTo>
-                  <a:close/>
-                </a:path>
-                <a:path w="1785620" h="2059939">
-                  <a:moveTo>
-                    <a:pt x="1528380" y="205748"/>
-                  </a:moveTo>
-                  <a:lnTo>
-                    <a:pt x="1528380" y="514257"/>
-                  </a:lnTo>
-                </a:path>
-                <a:path w="1785620" h="2059939">
-                  <a:moveTo>
-                    <a:pt x="1631199" y="205748"/>
-                  </a:moveTo>
-                  <a:lnTo>
-                    <a:pt x="1631199" y="514257"/>
-                  </a:lnTo>
-                </a:path>
-                <a:path w="1785620" h="2059939">
-                  <a:moveTo>
-                    <a:pt x="1528380" y="514257"/>
-                  </a:moveTo>
-                  <a:lnTo>
-                    <a:pt x="1631199" y="514257"/>
-                  </a:lnTo>
-                </a:path>
-                <a:path w="1785620" h="2059939">
-                  <a:moveTo>
-                    <a:pt x="0" y="2059569"/>
-                  </a:moveTo>
-                  <a:lnTo>
-                    <a:pt x="765354" y="2059569"/>
-                  </a:lnTo>
-                  <a:lnTo>
-                    <a:pt x="765354" y="529214"/>
-                  </a:lnTo>
-                  <a:lnTo>
-                    <a:pt x="0" y="529214"/>
-                  </a:lnTo>
-                  <a:lnTo>
-                    <a:pt x="0" y="2059569"/>
-                  </a:lnTo>
-                  <a:close/>
-                </a:path>
-              </a:pathLst>
-            </a:custGeom>
-            <a:ln w="10852">
-              <a:solidFill>
-                <a:srgbClr val="00AFEF"/>
-              </a:solidFill>
-            </a:ln>
-          </p:spPr>
-          <p:txBody>
-            <a:bodyPr wrap="square" lIns="0" tIns="0" rIns="0" bIns="0" rtlCol="0"/>
-            <a:lstStyle/>
-            <a:p>
-              <a:endParaRPr/>
-            </a:p>
-          </p:txBody>
-        </p:sp>
-      </p:grpSp>
-      <p:sp>
-        <p:nvSpPr>
-          <p:cNvPr id="10" name="object 10"/>
-          <p:cNvSpPr txBox="1"/>
-          <p:nvPr/>
-        </p:nvSpPr>
-        <p:spPr>
-          <a:xfrm>
-            <a:off x="635726" y="1453160"/>
-            <a:ext cx="632460" cy="373380"/>
-          </a:xfrm>
-          <a:prstGeom prst="rect">
-            <a:avLst/>
-          </a:prstGeom>
-        </p:spPr>
-        <p:txBody>
-          <a:bodyPr vert="horz" wrap="square" lIns="0" tIns="19685" rIns="0" bIns="0" rtlCol="0">
-            <a:spAutoFit/>
-          </a:bodyPr>
-          <a:lstStyle/>
-          <a:p>
-            <a:pPr marR="5080" indent="100330">
-              <a:lnSpc>
-                <a:spcPts val="1360"/>
-              </a:lnSpc>
-              <a:spcBef>
-                <a:spcPts val="155"/>
-              </a:spcBef>
-            </a:pPr>
-            <a:r>
-              <a:rPr sz="1150" spc="-5" dirty="0">
-                <a:latin typeface="Calibri"/>
-                <a:cs typeface="Calibri"/>
-              </a:rPr>
-              <a:t>Sentral </a:t>
-            </a:r>
-            <a:r>
-              <a:rPr sz="1150" dirty="0">
-                <a:latin typeface="Calibri"/>
-                <a:cs typeface="Calibri"/>
-              </a:rPr>
-              <a:t> </a:t>
-            </a:r>
-            <a:r>
-              <a:rPr sz="1150" spc="-10" dirty="0">
-                <a:latin typeface="Calibri"/>
-                <a:cs typeface="Calibri"/>
-              </a:rPr>
-              <a:t>C</a:t>
-            </a:r>
-            <a:r>
-              <a:rPr sz="1150" dirty="0">
-                <a:latin typeface="Calibri"/>
-                <a:cs typeface="Calibri"/>
-              </a:rPr>
-              <a:t>l</a:t>
-            </a:r>
-            <a:r>
-              <a:rPr sz="1150" spc="-10" dirty="0">
-                <a:latin typeface="Calibri"/>
-                <a:cs typeface="Calibri"/>
-              </a:rPr>
-              <a:t>o</a:t>
-            </a:r>
-            <a:r>
-              <a:rPr sz="1150" dirty="0">
-                <a:latin typeface="Calibri"/>
-                <a:cs typeface="Calibri"/>
-              </a:rPr>
-              <a:t>c</a:t>
-            </a:r>
-            <a:r>
-              <a:rPr sz="1150" spc="-5" dirty="0">
-                <a:latin typeface="Calibri"/>
-                <a:cs typeface="Calibri"/>
-              </a:rPr>
-              <a:t>k</a:t>
-            </a:r>
-            <a:r>
-              <a:rPr sz="1150" dirty="0">
-                <a:latin typeface="Calibri"/>
-                <a:cs typeface="Calibri"/>
-              </a:rPr>
-              <a:t>n</a:t>
-            </a:r>
-            <a:r>
-              <a:rPr sz="1150" spc="-10" dirty="0">
-                <a:latin typeface="Calibri"/>
-                <a:cs typeface="Calibri"/>
-              </a:rPr>
-              <a:t>o</a:t>
-            </a:r>
-            <a:r>
-              <a:rPr sz="1150" dirty="0">
-                <a:latin typeface="Calibri"/>
-                <a:cs typeface="Calibri"/>
-              </a:rPr>
-              <a:t>d</a:t>
-            </a:r>
-            <a:r>
-              <a:rPr sz="1150" spc="-5" dirty="0">
-                <a:latin typeface="Calibri"/>
-                <a:cs typeface="Calibri"/>
-              </a:rPr>
-              <a:t>e</a:t>
-            </a:r>
-            <a:endParaRPr sz="1150">
-              <a:latin typeface="Calibri"/>
-              <a:cs typeface="Calibri"/>
-            </a:endParaRPr>
-          </a:p>
-        </p:txBody>
-      </p:sp>
-      <p:grpSp>
-        <p:nvGrpSpPr>
-          <p:cNvPr id="11" name="object 11"/>
-          <p:cNvGrpSpPr/>
-          <p:nvPr/>
-        </p:nvGrpSpPr>
-        <p:grpSpPr>
-          <a:xfrm>
-            <a:off x="695540" y="365533"/>
-            <a:ext cx="1100455" cy="1974214"/>
-            <a:chOff x="695540" y="365533"/>
-            <a:chExt cx="1100455" cy="1974214"/>
-          </a:xfrm>
-        </p:grpSpPr>
-        <p:sp>
-          <p:nvSpPr>
-            <p:cNvPr id="12" name="object 12"/>
-            <p:cNvSpPr/>
-            <p:nvPr/>
-          </p:nvSpPr>
-          <p:spPr>
-            <a:xfrm>
-              <a:off x="1409616" y="1278233"/>
-              <a:ext cx="386715" cy="0"/>
-            </a:xfrm>
-            <a:custGeom>
-              <a:avLst/>
-              <a:gdLst/>
-              <a:ahLst/>
-              <a:cxnLst/>
-              <a:rect l="l" t="t" r="r" b="b"/>
-              <a:pathLst>
-                <a:path w="386714">
-                  <a:moveTo>
-                    <a:pt x="0" y="0"/>
-                  </a:moveTo>
-                  <a:lnTo>
-                    <a:pt x="386093" y="0"/>
-                  </a:lnTo>
-                </a:path>
-              </a:pathLst>
-            </a:custGeom>
-            <a:ln w="10850">
-              <a:solidFill>
-                <a:srgbClr val="00AFEF"/>
-              </a:solidFill>
-            </a:ln>
-          </p:spPr>
-          <p:txBody>
-            <a:bodyPr wrap="square" lIns="0" tIns="0" rIns="0" bIns="0" rtlCol="0"/>
-            <a:lstStyle/>
-            <a:p>
-              <a:endParaRPr/>
-            </a:p>
-          </p:txBody>
-        </p:sp>
-        <p:sp>
-          <p:nvSpPr>
-            <p:cNvPr id="13" name="object 13"/>
-            <p:cNvSpPr/>
-            <p:nvPr/>
-          </p:nvSpPr>
-          <p:spPr>
-            <a:xfrm>
-              <a:off x="723181" y="1940242"/>
-              <a:ext cx="391160" cy="391160"/>
-            </a:xfrm>
-            <a:custGeom>
-              <a:avLst/>
-              <a:gdLst/>
-              <a:ahLst/>
-              <a:cxnLst/>
-              <a:rect l="l" t="t" r="r" b="b"/>
-              <a:pathLst>
-                <a:path w="391159" h="391160">
-                  <a:moveTo>
-                    <a:pt x="390872" y="195388"/>
-                  </a:moveTo>
-                  <a:lnTo>
-                    <a:pt x="385713" y="150577"/>
-                  </a:lnTo>
-                  <a:lnTo>
-                    <a:pt x="371016" y="109448"/>
-                  </a:lnTo>
-                  <a:lnTo>
-                    <a:pt x="347951" y="73169"/>
-                  </a:lnTo>
-                  <a:lnTo>
-                    <a:pt x="317691" y="42914"/>
-                  </a:lnTo>
-                  <a:lnTo>
-                    <a:pt x="281404" y="19854"/>
-                  </a:lnTo>
-                  <a:lnTo>
-                    <a:pt x="240263" y="5158"/>
-                  </a:lnTo>
-                  <a:lnTo>
-                    <a:pt x="195438" y="0"/>
-                  </a:lnTo>
-                  <a:lnTo>
-                    <a:pt x="150649" y="5158"/>
-                  </a:lnTo>
-                  <a:lnTo>
-                    <a:pt x="109521" y="19854"/>
-                  </a:lnTo>
-                  <a:lnTo>
-                    <a:pt x="73232" y="42914"/>
-                  </a:lnTo>
-                  <a:lnTo>
-                    <a:pt x="42958" y="73169"/>
-                  </a:lnTo>
-                  <a:lnTo>
-                    <a:pt x="19877" y="109448"/>
-                  </a:lnTo>
-                  <a:lnTo>
-                    <a:pt x="5165" y="150577"/>
-                  </a:lnTo>
-                  <a:lnTo>
-                    <a:pt x="0" y="195388"/>
-                  </a:lnTo>
-                  <a:lnTo>
-                    <a:pt x="5165" y="240180"/>
-                  </a:lnTo>
-                  <a:lnTo>
-                    <a:pt x="19877" y="281310"/>
-                  </a:lnTo>
-                  <a:lnTo>
-                    <a:pt x="42958" y="317600"/>
-                  </a:lnTo>
-                  <a:lnTo>
-                    <a:pt x="73232" y="347874"/>
-                  </a:lnTo>
-                  <a:lnTo>
-                    <a:pt x="109521" y="370956"/>
-                  </a:lnTo>
-                  <a:lnTo>
-                    <a:pt x="150649" y="385668"/>
-                  </a:lnTo>
-                  <a:lnTo>
-                    <a:pt x="195438" y="390833"/>
-                  </a:lnTo>
-                  <a:lnTo>
-                    <a:pt x="240263" y="385668"/>
-                  </a:lnTo>
-                  <a:lnTo>
-                    <a:pt x="281404" y="370956"/>
-                  </a:lnTo>
-                  <a:lnTo>
-                    <a:pt x="317691" y="347874"/>
-                  </a:lnTo>
-                  <a:lnTo>
-                    <a:pt x="347951" y="317600"/>
-                  </a:lnTo>
-                  <a:lnTo>
-                    <a:pt x="371016" y="281310"/>
-                  </a:lnTo>
-                  <a:lnTo>
-                    <a:pt x="385713" y="240180"/>
-                  </a:lnTo>
-                  <a:lnTo>
-                    <a:pt x="390872" y="195388"/>
-                  </a:lnTo>
-                </a:path>
-              </a:pathLst>
-            </a:custGeom>
-            <a:ln w="16419">
-              <a:solidFill>
-                <a:srgbClr val="000000"/>
-              </a:solidFill>
-            </a:ln>
-          </p:spPr>
-          <p:txBody>
-            <a:bodyPr wrap="square" lIns="0" tIns="0" rIns="0" bIns="0" rtlCol="0"/>
-            <a:lstStyle/>
-            <a:p>
-              <a:endParaRPr/>
-            </a:p>
-          </p:txBody>
-        </p:sp>
-        <p:pic>
-          <p:nvPicPr>
-            <p:cNvPr id="14" name="object 14"/>
-            <p:cNvPicPr/>
-            <p:nvPr/>
-          </p:nvPicPr>
-          <p:blipFill>
-            <a:blip r:embed="rId5" cstate="print"/>
-            <a:stretch>
-              <a:fillRect/>
-            </a:stretch>
-          </p:blipFill>
-          <p:spPr>
-            <a:xfrm>
-              <a:off x="766363" y="2051234"/>
-              <a:ext cx="304537" cy="168724"/>
-            </a:xfrm>
-            <a:prstGeom prst="rect">
-              <a:avLst/>
-            </a:prstGeom>
-          </p:spPr>
-        </p:pic>
-        <p:sp>
-          <p:nvSpPr>
-            <p:cNvPr id="15" name="object 15"/>
-            <p:cNvSpPr/>
-            <p:nvPr/>
-          </p:nvSpPr>
-          <p:spPr>
-            <a:xfrm>
-              <a:off x="700966" y="370959"/>
-              <a:ext cx="411480" cy="514350"/>
-            </a:xfrm>
-            <a:custGeom>
-              <a:avLst/>
-              <a:gdLst/>
-              <a:ahLst/>
-              <a:cxnLst/>
-              <a:rect l="l" t="t" r="r" b="b"/>
-              <a:pathLst>
-                <a:path w="411480" h="514350">
-                  <a:moveTo>
-                    <a:pt x="411459" y="205793"/>
-                  </a:moveTo>
-                  <a:lnTo>
-                    <a:pt x="406029" y="158604"/>
-                  </a:lnTo>
-                  <a:lnTo>
-                    <a:pt x="390559" y="115287"/>
-                  </a:lnTo>
-                  <a:lnTo>
-                    <a:pt x="366281" y="77077"/>
-                  </a:lnTo>
-                  <a:lnTo>
-                    <a:pt x="334428" y="45208"/>
-                  </a:lnTo>
-                  <a:lnTo>
-                    <a:pt x="296230" y="20915"/>
-                  </a:lnTo>
-                  <a:lnTo>
-                    <a:pt x="252920" y="5434"/>
-                  </a:lnTo>
-                  <a:lnTo>
-                    <a:pt x="205729" y="0"/>
-                  </a:lnTo>
-                  <a:lnTo>
-                    <a:pt x="158560" y="5434"/>
-                  </a:lnTo>
-                  <a:lnTo>
-                    <a:pt x="115258" y="20915"/>
-                  </a:lnTo>
-                  <a:lnTo>
-                    <a:pt x="77059" y="45208"/>
-                  </a:lnTo>
-                  <a:lnTo>
-                    <a:pt x="45199" y="77077"/>
-                  </a:lnTo>
-                  <a:lnTo>
-                    <a:pt x="20912" y="115287"/>
-                  </a:lnTo>
-                  <a:lnTo>
-                    <a:pt x="5433" y="158604"/>
-                  </a:lnTo>
-                  <a:lnTo>
-                    <a:pt x="0" y="205793"/>
-                  </a:lnTo>
-                  <a:lnTo>
-                    <a:pt x="411459" y="205793"/>
-                  </a:lnTo>
-                  <a:close/>
-                </a:path>
-                <a:path w="411480" h="514350">
-                  <a:moveTo>
-                    <a:pt x="154274" y="205793"/>
-                  </a:moveTo>
-                  <a:lnTo>
-                    <a:pt x="154274" y="514302"/>
-                  </a:lnTo>
-                </a:path>
-                <a:path w="411480" h="514350">
-                  <a:moveTo>
-                    <a:pt x="257207" y="205793"/>
-                  </a:moveTo>
-                  <a:lnTo>
-                    <a:pt x="257207" y="514302"/>
-                  </a:lnTo>
-                </a:path>
-                <a:path w="411480" h="514350">
-                  <a:moveTo>
-                    <a:pt x="154274" y="514302"/>
-                  </a:moveTo>
-                  <a:lnTo>
-                    <a:pt x="257207" y="514302"/>
-                  </a:lnTo>
-                </a:path>
-              </a:pathLst>
-            </a:custGeom>
-            <a:ln w="10852">
-              <a:solidFill>
-                <a:srgbClr val="00AFEF"/>
-              </a:solidFill>
-            </a:ln>
-          </p:spPr>
-          <p:txBody>
-            <a:bodyPr wrap="square" lIns="0" tIns="0" rIns="0" bIns="0" rtlCol="0"/>
-            <a:lstStyle/>
-            <a:p>
-              <a:endParaRPr/>
-            </a:p>
-          </p:txBody>
-        </p:sp>
-        <p:sp>
-          <p:nvSpPr>
-            <p:cNvPr id="16" name="object 16"/>
-            <p:cNvSpPr/>
-            <p:nvPr/>
-          </p:nvSpPr>
-          <p:spPr>
-            <a:xfrm>
-              <a:off x="1326595" y="1230754"/>
-              <a:ext cx="95250" cy="95250"/>
-            </a:xfrm>
-            <a:custGeom>
-              <a:avLst/>
-              <a:gdLst/>
-              <a:ahLst/>
-              <a:cxnLst/>
-              <a:rect l="l" t="t" r="r" b="b"/>
-              <a:pathLst>
-                <a:path w="95250" h="95250">
-                  <a:moveTo>
-                    <a:pt x="94945" y="0"/>
-                  </a:moveTo>
-                  <a:lnTo>
-                    <a:pt x="0" y="47478"/>
-                  </a:lnTo>
-                  <a:lnTo>
-                    <a:pt x="94945" y="94957"/>
-                  </a:lnTo>
-                  <a:lnTo>
-                    <a:pt x="94945" y="0"/>
-                  </a:lnTo>
-                  <a:close/>
-                </a:path>
-              </a:pathLst>
-            </a:custGeom>
-            <a:solidFill>
-              <a:srgbClr val="00AFEF"/>
-            </a:solidFill>
-          </p:spPr>
-          <p:txBody>
-            <a:bodyPr wrap="square" lIns="0" tIns="0" rIns="0" bIns="0" rtlCol="0"/>
-            <a:lstStyle/>
-            <a:p>
-              <a:endParaRPr/>
-            </a:p>
-          </p:txBody>
-        </p:sp>
-        <p:sp>
-          <p:nvSpPr>
-            <p:cNvPr id="17" name="object 17"/>
-            <p:cNvSpPr/>
-            <p:nvPr/>
-          </p:nvSpPr>
-          <p:spPr>
-            <a:xfrm>
-              <a:off x="1326595" y="1689661"/>
-              <a:ext cx="386080" cy="0"/>
-            </a:xfrm>
-            <a:custGeom>
-              <a:avLst/>
-              <a:gdLst/>
-              <a:ahLst/>
-              <a:cxnLst/>
-              <a:rect l="l" t="t" r="r" b="b"/>
-              <a:pathLst>
-                <a:path w="386080">
-                  <a:moveTo>
-                    <a:pt x="385935" y="0"/>
-                  </a:moveTo>
-                  <a:lnTo>
-                    <a:pt x="0" y="0"/>
-                  </a:lnTo>
-                </a:path>
-              </a:pathLst>
-            </a:custGeom>
-            <a:ln w="10850">
-              <a:solidFill>
-                <a:srgbClr val="00AFEF"/>
-              </a:solidFill>
-            </a:ln>
-          </p:spPr>
-          <p:txBody>
-            <a:bodyPr wrap="square" lIns="0" tIns="0" rIns="0" bIns="0" rtlCol="0"/>
-            <a:lstStyle/>
-            <a:p>
-              <a:endParaRPr/>
-            </a:p>
-          </p:txBody>
-        </p:sp>
-        <p:sp>
-          <p:nvSpPr>
-            <p:cNvPr id="18" name="object 18"/>
-            <p:cNvSpPr/>
-            <p:nvPr/>
-          </p:nvSpPr>
-          <p:spPr>
-            <a:xfrm>
-              <a:off x="1700787" y="1642182"/>
-              <a:ext cx="95250" cy="95250"/>
-            </a:xfrm>
-            <a:custGeom>
-              <a:avLst/>
-              <a:gdLst/>
-              <a:ahLst/>
-              <a:cxnLst/>
-              <a:rect l="l" t="t" r="r" b="b"/>
-              <a:pathLst>
-                <a:path w="95250" h="95250">
-                  <a:moveTo>
-                    <a:pt x="0" y="0"/>
-                  </a:moveTo>
-                  <a:lnTo>
-                    <a:pt x="0" y="94957"/>
-                  </a:lnTo>
-                  <a:lnTo>
-                    <a:pt x="94922" y="47478"/>
-                  </a:lnTo>
-                  <a:lnTo>
-                    <a:pt x="0" y="0"/>
-                  </a:lnTo>
-                  <a:close/>
-                </a:path>
-              </a:pathLst>
-            </a:custGeom>
-            <a:solidFill>
-              <a:srgbClr val="00AFEF"/>
-            </a:solidFill>
-          </p:spPr>
-          <p:txBody>
-            <a:bodyPr wrap="square" lIns="0" tIns="0" rIns="0" bIns="0" rtlCol="0"/>
-            <a:lstStyle/>
-            <a:p>
-              <a:endParaRPr/>
-            </a:p>
-          </p:txBody>
-        </p:sp>
-      </p:grpSp>
-      <p:sp>
-        <p:nvSpPr>
-          <p:cNvPr id="19" name="object 19"/>
-          <p:cNvSpPr txBox="1"/>
-          <p:nvPr/>
-        </p:nvSpPr>
-        <p:spPr>
-          <a:xfrm>
-            <a:off x="723464" y="939719"/>
-            <a:ext cx="394335" cy="233679"/>
-          </a:xfrm>
-          <a:prstGeom prst="rect">
-            <a:avLst/>
-          </a:prstGeom>
-        </p:spPr>
-        <p:txBody>
-          <a:bodyPr vert="horz" wrap="square" lIns="0" tIns="13970" rIns="0" bIns="0" rtlCol="0">
-            <a:spAutoFit/>
-          </a:bodyPr>
-          <a:lstStyle/>
-          <a:p>
-            <a:pPr>
-              <a:lnSpc>
-                <a:spcPct val="100000"/>
-              </a:lnSpc>
-              <a:spcBef>
-                <a:spcPts val="110"/>
-              </a:spcBef>
-            </a:pPr>
-            <a:r>
-              <a:rPr sz="1350" spc="5" dirty="0">
-                <a:latin typeface="Calibri"/>
-                <a:cs typeface="Calibri"/>
-              </a:rPr>
-              <a:t>G</a:t>
-            </a:r>
-            <a:r>
-              <a:rPr sz="1350" spc="10" dirty="0">
-                <a:latin typeface="Calibri"/>
-                <a:cs typeface="Calibri"/>
-              </a:rPr>
-              <a:t>N</a:t>
-            </a:r>
-            <a:r>
-              <a:rPr sz="1350" dirty="0">
-                <a:latin typeface="Calibri"/>
-                <a:cs typeface="Calibri"/>
-              </a:rPr>
-              <a:t>SS</a:t>
-            </a:r>
-            <a:endParaRPr sz="1350">
-              <a:latin typeface="Calibri"/>
-              <a:cs typeface="Calibri"/>
-            </a:endParaRPr>
-          </a:p>
-        </p:txBody>
-      </p:sp>
-      <p:sp>
-        <p:nvSpPr>
-          <p:cNvPr id="20" name="object 20"/>
-          <p:cNvSpPr txBox="1"/>
-          <p:nvPr/>
-        </p:nvSpPr>
-        <p:spPr>
-          <a:xfrm>
-            <a:off x="1957587" y="939719"/>
-            <a:ext cx="394335" cy="233679"/>
-          </a:xfrm>
-          <a:prstGeom prst="rect">
-            <a:avLst/>
-          </a:prstGeom>
-        </p:spPr>
-        <p:txBody>
-          <a:bodyPr vert="horz" wrap="square" lIns="0" tIns="13970" rIns="0" bIns="0" rtlCol="0">
-            <a:spAutoFit/>
-          </a:bodyPr>
-          <a:lstStyle/>
-          <a:p>
-            <a:pPr>
-              <a:lnSpc>
-                <a:spcPct val="100000"/>
-              </a:lnSpc>
-              <a:spcBef>
-                <a:spcPts val="110"/>
-              </a:spcBef>
-            </a:pPr>
-            <a:r>
-              <a:rPr sz="1350" spc="5" dirty="0">
-                <a:latin typeface="Calibri"/>
-                <a:cs typeface="Calibri"/>
-              </a:rPr>
-              <a:t>G</a:t>
-            </a:r>
-            <a:r>
-              <a:rPr sz="1350" spc="10" dirty="0">
-                <a:latin typeface="Calibri"/>
-                <a:cs typeface="Calibri"/>
-              </a:rPr>
-              <a:t>N</a:t>
-            </a:r>
-            <a:r>
-              <a:rPr sz="1350" dirty="0">
-                <a:latin typeface="Calibri"/>
-                <a:cs typeface="Calibri"/>
-              </a:rPr>
-              <a:t>SS</a:t>
-            </a:r>
-            <a:endParaRPr sz="1350">
-              <a:latin typeface="Calibri"/>
-              <a:cs typeface="Calibri"/>
-            </a:endParaRPr>
-          </a:p>
-        </p:txBody>
-      </p:sp>
-      <p:sp>
-        <p:nvSpPr>
-          <p:cNvPr id="21" name="object 21"/>
-          <p:cNvSpPr txBox="1">
-            <a:spLocks noGrp="1"/>
-          </p:cNvSpPr>
-          <p:nvPr>
-            <p:ph type="title"/>
-          </p:nvPr>
-        </p:nvSpPr>
-        <p:spPr>
-          <a:xfrm>
-            <a:off x="4927891" y="438392"/>
-            <a:ext cx="3450220" cy="446917"/>
-          </a:xfrm>
-          <a:prstGeom prst="rect">
-            <a:avLst/>
-          </a:prstGeom>
-        </p:spPr>
-        <p:txBody>
-          <a:bodyPr vert="horz" wrap="square" lIns="0" tIns="15875" rIns="0" bIns="0" rtlCol="0">
-            <a:spAutoFit/>
-          </a:bodyPr>
-          <a:lstStyle/>
-          <a:p>
-            <a:pPr marL="12700">
-              <a:lnSpc>
-                <a:spcPct val="100000"/>
-              </a:lnSpc>
-              <a:spcBef>
-                <a:spcPts val="125"/>
-              </a:spcBef>
-            </a:pPr>
-            <a:r>
-              <a:rPr lang="en-US" sz="2800" dirty="0" err="1">
-                <a:latin typeface="Arial MT"/>
-              </a:rPr>
-              <a:t>Escala</a:t>
-            </a:r>
-            <a:r>
-              <a:rPr lang="en-US" sz="2800" dirty="0">
-                <a:latin typeface="Arial MT"/>
-              </a:rPr>
-              <a:t> de </a:t>
-            </a:r>
-            <a:r>
-              <a:rPr lang="en-US" sz="2800" dirty="0" err="1">
-                <a:latin typeface="Arial MT"/>
-              </a:rPr>
-              <a:t>tiempo</a:t>
-            </a:r>
-            <a:endParaRPr sz="2800" dirty="0">
-              <a:latin typeface="Arial MT"/>
-            </a:endParaRPr>
-          </a:p>
-        </p:txBody>
-      </p:sp>
-      <p:pic>
-        <p:nvPicPr>
-          <p:cNvPr id="22" name="object 22"/>
-          <p:cNvPicPr/>
-          <p:nvPr/>
-        </p:nvPicPr>
-        <p:blipFill>
-          <a:blip r:embed="rId6" cstate="print"/>
-          <a:stretch>
-            <a:fillRect/>
-          </a:stretch>
-        </p:blipFill>
-        <p:spPr>
-          <a:xfrm>
-            <a:off x="10371600" y="245564"/>
-            <a:ext cx="1609344" cy="1400555"/>
-          </a:xfrm>
-          <a:prstGeom prst="rect">
-            <a:avLst/>
-          </a:prstGeom>
-        </p:spPr>
-      </p:pic>
-      <p:pic>
-        <p:nvPicPr>
-          <p:cNvPr id="23" name="object 23"/>
-          <p:cNvPicPr/>
-          <p:nvPr/>
-        </p:nvPicPr>
-        <p:blipFill>
-          <a:blip r:embed="rId7" cstate="print"/>
-          <a:stretch>
-            <a:fillRect/>
-          </a:stretch>
-        </p:blipFill>
-        <p:spPr>
-          <a:xfrm>
-            <a:off x="2957844" y="6330798"/>
-            <a:ext cx="1838776" cy="229431"/>
-          </a:xfrm>
-          <a:prstGeom prst="rect">
-            <a:avLst/>
-          </a:prstGeom>
-        </p:spPr>
-      </p:pic>
-      <p:grpSp>
-        <p:nvGrpSpPr>
-          <p:cNvPr id="24" name="object 24"/>
-          <p:cNvGrpSpPr/>
-          <p:nvPr/>
-        </p:nvGrpSpPr>
-        <p:grpSpPr>
-          <a:xfrm>
-            <a:off x="2972603" y="4657533"/>
-            <a:ext cx="7230109" cy="503555"/>
-            <a:chOff x="2972603" y="4657533"/>
-            <a:chExt cx="7230109" cy="503555"/>
-          </a:xfrm>
-        </p:grpSpPr>
-        <p:pic>
-          <p:nvPicPr>
-            <p:cNvPr id="25" name="object 25"/>
-            <p:cNvPicPr/>
-            <p:nvPr/>
-          </p:nvPicPr>
-          <p:blipFill>
-            <a:blip r:embed="rId8" cstate="print"/>
-            <a:stretch>
-              <a:fillRect/>
-            </a:stretch>
-          </p:blipFill>
-          <p:spPr>
-            <a:xfrm>
-              <a:off x="5092018" y="4694441"/>
-              <a:ext cx="1358708" cy="148155"/>
-            </a:xfrm>
-            <a:prstGeom prst="rect">
-              <a:avLst/>
-            </a:prstGeom>
-          </p:spPr>
-        </p:pic>
-        <p:pic>
-          <p:nvPicPr>
-            <p:cNvPr id="26" name="object 26"/>
-            <p:cNvPicPr/>
-            <p:nvPr/>
-          </p:nvPicPr>
-          <p:blipFill>
-            <a:blip r:embed="rId9" cstate="print"/>
-            <a:stretch>
-              <a:fillRect/>
-            </a:stretch>
-          </p:blipFill>
-          <p:spPr>
-            <a:xfrm>
-              <a:off x="2972603" y="4657533"/>
-              <a:ext cx="1824009" cy="466447"/>
-            </a:xfrm>
-            <a:prstGeom prst="rect">
-              <a:avLst/>
-            </a:prstGeom>
-          </p:spPr>
-        </p:pic>
-        <p:sp>
-          <p:nvSpPr>
-            <p:cNvPr id="27" name="object 27"/>
-            <p:cNvSpPr/>
-            <p:nvPr/>
-          </p:nvSpPr>
-          <p:spPr>
-            <a:xfrm>
-              <a:off x="4815494" y="4748709"/>
-              <a:ext cx="277495" cy="0"/>
-            </a:xfrm>
-            <a:custGeom>
-              <a:avLst/>
-              <a:gdLst/>
-              <a:ahLst/>
-              <a:cxnLst/>
-              <a:rect l="l" t="t" r="r" b="b"/>
-              <a:pathLst>
-                <a:path w="277495">
-                  <a:moveTo>
-                    <a:pt x="276914" y="0"/>
-                  </a:moveTo>
-                  <a:lnTo>
-                    <a:pt x="0" y="0"/>
-                  </a:lnTo>
-                </a:path>
-              </a:pathLst>
-            </a:custGeom>
-            <a:ln w="5053">
-              <a:solidFill>
-                <a:srgbClr val="000000"/>
-              </a:solidFill>
-            </a:ln>
-          </p:spPr>
-          <p:txBody>
-            <a:bodyPr wrap="square" lIns="0" tIns="0" rIns="0" bIns="0" rtlCol="0"/>
-            <a:lstStyle/>
-            <a:p>
-              <a:endParaRPr/>
-            </a:p>
-          </p:txBody>
-        </p:sp>
-        <p:sp>
-          <p:nvSpPr>
-            <p:cNvPr id="28" name="object 28"/>
-            <p:cNvSpPr/>
-            <p:nvPr/>
-          </p:nvSpPr>
-          <p:spPr>
-            <a:xfrm>
-              <a:off x="4797601" y="4725563"/>
-              <a:ext cx="22860" cy="46355"/>
-            </a:xfrm>
-            <a:custGeom>
-              <a:avLst/>
-              <a:gdLst/>
-              <a:ahLst/>
-              <a:cxnLst/>
-              <a:rect l="l" t="t" r="r" b="b"/>
-              <a:pathLst>
-                <a:path w="22860" h="46354">
-                  <a:moveTo>
-                    <a:pt x="22503" y="0"/>
-                  </a:moveTo>
-                  <a:lnTo>
-                    <a:pt x="0" y="23145"/>
-                  </a:lnTo>
-                  <a:lnTo>
-                    <a:pt x="22503" y="45900"/>
-                  </a:lnTo>
-                  <a:lnTo>
-                    <a:pt x="22503" y="0"/>
-                  </a:lnTo>
-                  <a:close/>
-                </a:path>
-              </a:pathLst>
-            </a:custGeom>
-            <a:solidFill>
-              <a:srgbClr val="000000"/>
-            </a:solidFill>
-          </p:spPr>
-          <p:txBody>
-            <a:bodyPr wrap="square" lIns="0" tIns="0" rIns="0" bIns="0" rtlCol="0"/>
-            <a:lstStyle/>
-            <a:p>
-              <a:endParaRPr/>
-            </a:p>
-          </p:txBody>
-        </p:sp>
-        <p:pic>
-          <p:nvPicPr>
-            <p:cNvPr id="29" name="object 29"/>
-            <p:cNvPicPr/>
-            <p:nvPr/>
-          </p:nvPicPr>
-          <p:blipFill>
-            <a:blip r:embed="rId8" cstate="print"/>
-            <a:stretch>
-              <a:fillRect/>
-            </a:stretch>
-          </p:blipFill>
-          <p:spPr>
-            <a:xfrm>
-              <a:off x="6775694" y="4702026"/>
-              <a:ext cx="1358708" cy="140578"/>
-            </a:xfrm>
-            <a:prstGeom prst="rect">
-              <a:avLst/>
-            </a:prstGeom>
-          </p:spPr>
-        </p:pic>
-        <p:sp>
-          <p:nvSpPr>
-            <p:cNvPr id="30" name="object 30"/>
-            <p:cNvSpPr/>
-            <p:nvPr/>
-          </p:nvSpPr>
-          <p:spPr>
-            <a:xfrm>
-              <a:off x="6463775" y="4748709"/>
-              <a:ext cx="313055" cy="0"/>
-            </a:xfrm>
-            <a:custGeom>
-              <a:avLst/>
-              <a:gdLst/>
-              <a:ahLst/>
-              <a:cxnLst/>
-              <a:rect l="l" t="t" r="r" b="b"/>
-              <a:pathLst>
-                <a:path w="313054">
-                  <a:moveTo>
-                    <a:pt x="312856" y="0"/>
-                  </a:moveTo>
-                  <a:lnTo>
-                    <a:pt x="0" y="0"/>
-                  </a:lnTo>
-                </a:path>
-              </a:pathLst>
-            </a:custGeom>
-            <a:ln w="5053">
-              <a:solidFill>
-                <a:srgbClr val="000000"/>
-              </a:solidFill>
-            </a:ln>
-          </p:spPr>
-          <p:txBody>
-            <a:bodyPr wrap="square" lIns="0" tIns="0" rIns="0" bIns="0" rtlCol="0"/>
-            <a:lstStyle/>
-            <a:p>
-              <a:endParaRPr/>
-            </a:p>
-          </p:txBody>
-        </p:sp>
-        <p:sp>
-          <p:nvSpPr>
-            <p:cNvPr id="31" name="object 31"/>
-            <p:cNvSpPr/>
-            <p:nvPr/>
-          </p:nvSpPr>
-          <p:spPr>
-            <a:xfrm>
-              <a:off x="6445335" y="4725563"/>
-              <a:ext cx="23495" cy="46355"/>
-            </a:xfrm>
-            <a:custGeom>
-              <a:avLst/>
-              <a:gdLst/>
-              <a:ahLst/>
-              <a:cxnLst/>
-              <a:rect l="l" t="t" r="r" b="b"/>
-              <a:pathLst>
-                <a:path w="23495" h="46354">
-                  <a:moveTo>
-                    <a:pt x="22893" y="0"/>
-                  </a:moveTo>
-                  <a:lnTo>
-                    <a:pt x="0" y="23145"/>
-                  </a:lnTo>
-                  <a:lnTo>
-                    <a:pt x="22893" y="45900"/>
-                  </a:lnTo>
-                  <a:lnTo>
-                    <a:pt x="22893" y="0"/>
-                  </a:lnTo>
-                  <a:close/>
-                </a:path>
-              </a:pathLst>
-            </a:custGeom>
-            <a:solidFill>
-              <a:srgbClr val="000000"/>
-            </a:solidFill>
-          </p:spPr>
-          <p:txBody>
-            <a:bodyPr wrap="square" lIns="0" tIns="0" rIns="0" bIns="0" rtlCol="0"/>
-            <a:lstStyle/>
-            <a:p>
-              <a:endParaRPr/>
-            </a:p>
-          </p:txBody>
-        </p:sp>
-        <p:pic>
-          <p:nvPicPr>
-            <p:cNvPr id="32" name="object 32"/>
-            <p:cNvPicPr/>
-            <p:nvPr/>
-          </p:nvPicPr>
-          <p:blipFill>
-            <a:blip r:embed="rId8" cstate="print"/>
-            <a:stretch>
-              <a:fillRect/>
-            </a:stretch>
-          </p:blipFill>
-          <p:spPr>
-            <a:xfrm>
-              <a:off x="5099441" y="4968436"/>
-              <a:ext cx="1358708" cy="148155"/>
-            </a:xfrm>
-            <a:prstGeom prst="rect">
-              <a:avLst/>
-            </a:prstGeom>
-          </p:spPr>
-        </p:pic>
-        <p:pic>
-          <p:nvPicPr>
-            <p:cNvPr id="33" name="object 33"/>
-            <p:cNvPicPr/>
-            <p:nvPr/>
-          </p:nvPicPr>
-          <p:blipFill>
-            <a:blip r:embed="rId8" cstate="print"/>
-            <a:stretch>
-              <a:fillRect/>
-            </a:stretch>
-          </p:blipFill>
-          <p:spPr>
-            <a:xfrm>
-              <a:off x="6783039" y="4968436"/>
-              <a:ext cx="1358708" cy="148155"/>
-            </a:xfrm>
-            <a:prstGeom prst="rect">
-              <a:avLst/>
-            </a:prstGeom>
-          </p:spPr>
-        </p:pic>
-        <p:sp>
-          <p:nvSpPr>
-            <p:cNvPr id="34" name="object 34"/>
-            <p:cNvSpPr/>
-            <p:nvPr/>
-          </p:nvSpPr>
-          <p:spPr>
-            <a:xfrm>
-              <a:off x="4804008" y="5021295"/>
-              <a:ext cx="277495" cy="0"/>
-            </a:xfrm>
-            <a:custGeom>
-              <a:avLst/>
-              <a:gdLst/>
-              <a:ahLst/>
-              <a:cxnLst/>
-              <a:rect l="l" t="t" r="r" b="b"/>
-              <a:pathLst>
-                <a:path w="277495">
-                  <a:moveTo>
-                    <a:pt x="276992" y="0"/>
-                  </a:moveTo>
-                  <a:lnTo>
-                    <a:pt x="0" y="0"/>
-                  </a:lnTo>
-                </a:path>
-              </a:pathLst>
-            </a:custGeom>
-            <a:ln w="5053">
-              <a:solidFill>
-                <a:srgbClr val="000000"/>
-              </a:solidFill>
-            </a:ln>
-          </p:spPr>
-          <p:txBody>
-            <a:bodyPr wrap="square" lIns="0" tIns="0" rIns="0" bIns="0" rtlCol="0"/>
-            <a:lstStyle/>
-            <a:p>
-              <a:endParaRPr/>
-            </a:p>
-          </p:txBody>
-        </p:sp>
-        <p:sp>
-          <p:nvSpPr>
-            <p:cNvPr id="35" name="object 35"/>
-            <p:cNvSpPr/>
-            <p:nvPr/>
-          </p:nvSpPr>
-          <p:spPr>
-            <a:xfrm>
-              <a:off x="5076312" y="4998541"/>
-              <a:ext cx="23495" cy="46355"/>
-            </a:xfrm>
-            <a:custGeom>
-              <a:avLst/>
-              <a:gdLst/>
-              <a:ahLst/>
-              <a:cxnLst/>
-              <a:rect l="l" t="t" r="r" b="b"/>
-              <a:pathLst>
-                <a:path w="23495" h="46354">
-                  <a:moveTo>
-                    <a:pt x="0" y="0"/>
-                  </a:moveTo>
-                  <a:lnTo>
-                    <a:pt x="0" y="45900"/>
-                  </a:lnTo>
-                  <a:lnTo>
-                    <a:pt x="23128" y="22754"/>
-                  </a:lnTo>
-                  <a:lnTo>
-                    <a:pt x="0" y="0"/>
-                  </a:lnTo>
-                  <a:close/>
-                </a:path>
-              </a:pathLst>
-            </a:custGeom>
-            <a:solidFill>
-              <a:srgbClr val="000000"/>
-            </a:solidFill>
-          </p:spPr>
-          <p:txBody>
-            <a:bodyPr wrap="square" lIns="0" tIns="0" rIns="0" bIns="0" rtlCol="0"/>
-            <a:lstStyle/>
-            <a:p>
-              <a:endParaRPr/>
-            </a:p>
-          </p:txBody>
-        </p:sp>
-        <p:sp>
-          <p:nvSpPr>
-            <p:cNvPr id="36" name="object 36"/>
-            <p:cNvSpPr/>
-            <p:nvPr/>
-          </p:nvSpPr>
-          <p:spPr>
-            <a:xfrm>
-              <a:off x="6452133" y="5021295"/>
-              <a:ext cx="313055" cy="0"/>
-            </a:xfrm>
-            <a:custGeom>
-              <a:avLst/>
-              <a:gdLst/>
-              <a:ahLst/>
-              <a:cxnLst/>
-              <a:rect l="l" t="t" r="r" b="b"/>
-              <a:pathLst>
-                <a:path w="313054">
-                  <a:moveTo>
-                    <a:pt x="312856" y="0"/>
-                  </a:moveTo>
-                  <a:lnTo>
-                    <a:pt x="0" y="0"/>
-                  </a:lnTo>
-                </a:path>
-              </a:pathLst>
-            </a:custGeom>
-            <a:ln w="5053">
-              <a:solidFill>
-                <a:srgbClr val="000000"/>
-              </a:solidFill>
-            </a:ln>
-          </p:spPr>
-          <p:txBody>
-            <a:bodyPr wrap="square" lIns="0" tIns="0" rIns="0" bIns="0" rtlCol="0"/>
-            <a:lstStyle/>
-            <a:p>
-              <a:endParaRPr/>
-            </a:p>
-          </p:txBody>
-        </p:sp>
-        <p:sp>
-          <p:nvSpPr>
-            <p:cNvPr id="37" name="object 37"/>
-            <p:cNvSpPr/>
-            <p:nvPr/>
-          </p:nvSpPr>
-          <p:spPr>
-            <a:xfrm>
-              <a:off x="6760536" y="4998541"/>
-              <a:ext cx="23495" cy="46355"/>
-            </a:xfrm>
-            <a:custGeom>
-              <a:avLst/>
-              <a:gdLst/>
-              <a:ahLst/>
-              <a:cxnLst/>
-              <a:rect l="l" t="t" r="r" b="b"/>
-              <a:pathLst>
-                <a:path w="23495" h="46354">
-                  <a:moveTo>
-                    <a:pt x="0" y="0"/>
-                  </a:moveTo>
-                  <a:lnTo>
-                    <a:pt x="0" y="45900"/>
-                  </a:lnTo>
-                  <a:lnTo>
-                    <a:pt x="23050" y="22754"/>
-                  </a:lnTo>
-                  <a:lnTo>
-                    <a:pt x="0" y="0"/>
-                  </a:lnTo>
-                  <a:close/>
-                </a:path>
-              </a:pathLst>
-            </a:custGeom>
-            <a:solidFill>
-              <a:srgbClr val="000000"/>
-            </a:solidFill>
-          </p:spPr>
-          <p:txBody>
-            <a:bodyPr wrap="square" lIns="0" tIns="0" rIns="0" bIns="0" rtlCol="0"/>
-            <a:lstStyle/>
-            <a:p>
-              <a:endParaRPr/>
-            </a:p>
-          </p:txBody>
-        </p:sp>
-        <p:pic>
-          <p:nvPicPr>
-            <p:cNvPr id="38" name="object 38"/>
-            <p:cNvPicPr/>
-            <p:nvPr/>
-          </p:nvPicPr>
-          <p:blipFill>
-            <a:blip r:embed="rId10" cstate="print"/>
-            <a:stretch>
-              <a:fillRect/>
-            </a:stretch>
-          </p:blipFill>
-          <p:spPr>
-            <a:xfrm>
-              <a:off x="8370687" y="4702026"/>
-              <a:ext cx="1831432" cy="458862"/>
-            </a:xfrm>
-            <a:prstGeom prst="rect">
-              <a:avLst/>
-            </a:prstGeom>
-          </p:spPr>
-        </p:pic>
-        <p:sp>
-          <p:nvSpPr>
-            <p:cNvPr id="39" name="object 39"/>
-            <p:cNvSpPr/>
-            <p:nvPr/>
-          </p:nvSpPr>
-          <p:spPr>
-            <a:xfrm>
-              <a:off x="8152843" y="4777250"/>
-              <a:ext cx="220979" cy="0"/>
-            </a:xfrm>
-            <a:custGeom>
-              <a:avLst/>
-              <a:gdLst/>
-              <a:ahLst/>
-              <a:cxnLst/>
-              <a:rect l="l" t="t" r="r" b="b"/>
-              <a:pathLst>
-                <a:path w="220979">
-                  <a:moveTo>
-                    <a:pt x="220578" y="0"/>
-                  </a:moveTo>
-                  <a:lnTo>
-                    <a:pt x="0" y="0"/>
-                  </a:lnTo>
-                </a:path>
-              </a:pathLst>
-            </a:custGeom>
-            <a:ln w="5053">
-              <a:solidFill>
-                <a:srgbClr val="000000"/>
-              </a:solidFill>
-            </a:ln>
-          </p:spPr>
-          <p:txBody>
-            <a:bodyPr wrap="square" lIns="0" tIns="0" rIns="0" bIns="0" rtlCol="0"/>
-            <a:lstStyle/>
-            <a:p>
-              <a:endParaRPr/>
-            </a:p>
-          </p:txBody>
-        </p:sp>
-        <p:sp>
-          <p:nvSpPr>
-            <p:cNvPr id="40" name="object 40"/>
-            <p:cNvSpPr/>
-            <p:nvPr/>
-          </p:nvSpPr>
-          <p:spPr>
-            <a:xfrm>
-              <a:off x="8134950" y="4754104"/>
-              <a:ext cx="22860" cy="46355"/>
-            </a:xfrm>
-            <a:custGeom>
-              <a:avLst/>
-              <a:gdLst/>
-              <a:ahLst/>
-              <a:cxnLst/>
-              <a:rect l="l" t="t" r="r" b="b"/>
-              <a:pathLst>
-                <a:path w="22859" h="46354">
-                  <a:moveTo>
-                    <a:pt x="22503" y="0"/>
-                  </a:moveTo>
-                  <a:lnTo>
-                    <a:pt x="0" y="23145"/>
-                  </a:lnTo>
-                  <a:lnTo>
-                    <a:pt x="22503" y="45900"/>
-                  </a:lnTo>
-                  <a:lnTo>
-                    <a:pt x="22503" y="0"/>
-                  </a:lnTo>
-                  <a:close/>
-                </a:path>
-              </a:pathLst>
-            </a:custGeom>
-            <a:solidFill>
-              <a:srgbClr val="000000"/>
-            </a:solidFill>
-          </p:spPr>
-          <p:txBody>
-            <a:bodyPr wrap="square" lIns="0" tIns="0" rIns="0" bIns="0" rtlCol="0"/>
-            <a:lstStyle/>
-            <a:p>
-              <a:endParaRPr/>
-            </a:p>
-          </p:txBody>
-        </p:sp>
-        <p:sp>
-          <p:nvSpPr>
-            <p:cNvPr id="41" name="object 41"/>
-            <p:cNvSpPr/>
-            <p:nvPr/>
-          </p:nvSpPr>
-          <p:spPr>
-            <a:xfrm>
-              <a:off x="8126198" y="5039202"/>
-              <a:ext cx="229870" cy="0"/>
-            </a:xfrm>
-            <a:custGeom>
-              <a:avLst/>
-              <a:gdLst/>
-              <a:ahLst/>
-              <a:cxnLst/>
-              <a:rect l="l" t="t" r="r" b="b"/>
-              <a:pathLst>
-                <a:path w="229870">
-                  <a:moveTo>
-                    <a:pt x="229407" y="0"/>
-                  </a:moveTo>
-                  <a:lnTo>
-                    <a:pt x="0" y="0"/>
-                  </a:lnTo>
-                </a:path>
-              </a:pathLst>
-            </a:custGeom>
-            <a:ln w="5053">
-              <a:solidFill>
-                <a:srgbClr val="000000"/>
-              </a:solidFill>
-            </a:ln>
-          </p:spPr>
-          <p:txBody>
-            <a:bodyPr wrap="square" lIns="0" tIns="0" rIns="0" bIns="0" rtlCol="0"/>
-            <a:lstStyle/>
-            <a:p>
-              <a:endParaRPr/>
-            </a:p>
-          </p:txBody>
-        </p:sp>
-        <p:sp>
-          <p:nvSpPr>
-            <p:cNvPr id="42" name="object 42"/>
-            <p:cNvSpPr/>
-            <p:nvPr/>
-          </p:nvSpPr>
-          <p:spPr>
-            <a:xfrm>
-              <a:off x="8350918" y="5016056"/>
-              <a:ext cx="22860" cy="46355"/>
-            </a:xfrm>
-            <a:custGeom>
-              <a:avLst/>
-              <a:gdLst/>
-              <a:ahLst/>
-              <a:cxnLst/>
-              <a:rect l="l" t="t" r="r" b="b"/>
-              <a:pathLst>
-                <a:path w="22859" h="46354">
-                  <a:moveTo>
-                    <a:pt x="0" y="0"/>
-                  </a:moveTo>
-                  <a:lnTo>
-                    <a:pt x="0" y="45900"/>
-                  </a:lnTo>
-                  <a:lnTo>
-                    <a:pt x="22503" y="23145"/>
-                  </a:lnTo>
-                  <a:lnTo>
-                    <a:pt x="0" y="0"/>
-                  </a:lnTo>
-                  <a:close/>
-                </a:path>
-              </a:pathLst>
-            </a:custGeom>
-            <a:solidFill>
-              <a:srgbClr val="000000"/>
-            </a:solidFill>
-          </p:spPr>
-          <p:txBody>
-            <a:bodyPr wrap="square" lIns="0" tIns="0" rIns="0" bIns="0" rtlCol="0"/>
-            <a:lstStyle/>
-            <a:p>
-              <a:endParaRPr/>
-            </a:p>
-          </p:txBody>
-        </p:sp>
-      </p:grpSp>
-      <p:pic>
-        <p:nvPicPr>
-          <p:cNvPr id="43" name="object 43"/>
-          <p:cNvPicPr/>
-          <p:nvPr/>
-        </p:nvPicPr>
-        <p:blipFill>
-          <a:blip r:embed="rId11" cstate="print"/>
-          <a:stretch>
-            <a:fillRect/>
-          </a:stretch>
-        </p:blipFill>
-        <p:spPr>
-          <a:xfrm>
-            <a:off x="2972603" y="2643785"/>
-            <a:ext cx="1831432" cy="222041"/>
-          </a:xfrm>
-          <a:prstGeom prst="rect">
-            <a:avLst/>
-          </a:prstGeom>
-        </p:spPr>
-      </p:pic>
-      <p:pic>
-        <p:nvPicPr>
-          <p:cNvPr id="44" name="object 44"/>
-          <p:cNvPicPr/>
-          <p:nvPr/>
-        </p:nvPicPr>
-        <p:blipFill>
-          <a:blip r:embed="rId12" cstate="print"/>
-          <a:stretch>
-            <a:fillRect/>
-          </a:stretch>
-        </p:blipFill>
-        <p:spPr>
-          <a:xfrm>
-            <a:off x="2972603" y="2925130"/>
-            <a:ext cx="1824009" cy="903148"/>
-          </a:xfrm>
-          <a:prstGeom prst="rect">
-            <a:avLst/>
-          </a:prstGeom>
-        </p:spPr>
-      </p:pic>
-      <p:pic>
-        <p:nvPicPr>
-          <p:cNvPr id="45" name="object 45"/>
-          <p:cNvPicPr/>
-          <p:nvPr/>
-        </p:nvPicPr>
-        <p:blipFill>
-          <a:blip r:embed="rId13" cstate="print"/>
-          <a:stretch>
-            <a:fillRect/>
-          </a:stretch>
-        </p:blipFill>
-        <p:spPr>
-          <a:xfrm>
-            <a:off x="2965223" y="5797690"/>
-            <a:ext cx="1824009" cy="451668"/>
-          </a:xfrm>
-          <a:prstGeom prst="rect">
-            <a:avLst/>
-          </a:prstGeom>
-        </p:spPr>
-      </p:pic>
-      <p:grpSp>
-        <p:nvGrpSpPr>
-          <p:cNvPr id="46" name="object 46"/>
-          <p:cNvGrpSpPr/>
-          <p:nvPr/>
-        </p:nvGrpSpPr>
-        <p:grpSpPr>
-          <a:xfrm>
-            <a:off x="2965223" y="1366690"/>
-            <a:ext cx="1824355" cy="1210945"/>
-            <a:chOff x="2965223" y="1366690"/>
-            <a:chExt cx="1824355" cy="1210945"/>
-          </a:xfrm>
-        </p:grpSpPr>
-        <p:pic>
-          <p:nvPicPr>
-            <p:cNvPr id="47" name="object 47"/>
-            <p:cNvPicPr/>
-            <p:nvPr/>
-          </p:nvPicPr>
-          <p:blipFill>
-            <a:blip r:embed="rId11" cstate="print"/>
-            <a:stretch>
-              <a:fillRect/>
-            </a:stretch>
-          </p:blipFill>
-          <p:spPr>
-            <a:xfrm>
-              <a:off x="2965223" y="2355012"/>
-              <a:ext cx="1824009" cy="222041"/>
-            </a:xfrm>
-            <a:prstGeom prst="rect">
-              <a:avLst/>
-            </a:prstGeom>
-          </p:spPr>
-        </p:pic>
-        <p:pic>
-          <p:nvPicPr>
-            <p:cNvPr id="48" name="object 48"/>
-            <p:cNvPicPr/>
-            <p:nvPr/>
-          </p:nvPicPr>
-          <p:blipFill>
-            <a:blip r:embed="rId14" cstate="print"/>
-            <a:stretch>
-              <a:fillRect/>
-            </a:stretch>
-          </p:blipFill>
-          <p:spPr>
-            <a:xfrm>
-              <a:off x="3274746" y="1366690"/>
-              <a:ext cx="1024366" cy="951717"/>
-            </a:xfrm>
-            <a:prstGeom prst="rect">
-              <a:avLst/>
-            </a:prstGeom>
-          </p:spPr>
-        </p:pic>
-      </p:grpSp>
-      <p:grpSp>
-        <p:nvGrpSpPr>
-          <p:cNvPr id="49" name="object 49"/>
-          <p:cNvGrpSpPr/>
-          <p:nvPr/>
-        </p:nvGrpSpPr>
-        <p:grpSpPr>
-          <a:xfrm>
-            <a:off x="2957844" y="3880122"/>
-            <a:ext cx="1838960" cy="725805"/>
-            <a:chOff x="2957844" y="3880122"/>
-            <a:chExt cx="1838960" cy="725805"/>
-          </a:xfrm>
-        </p:grpSpPr>
-        <p:pic>
-          <p:nvPicPr>
-            <p:cNvPr id="50" name="object 50"/>
-            <p:cNvPicPr/>
-            <p:nvPr/>
-          </p:nvPicPr>
-          <p:blipFill>
-            <a:blip r:embed="rId13" cstate="print"/>
-            <a:stretch>
-              <a:fillRect/>
-            </a:stretch>
-          </p:blipFill>
-          <p:spPr>
-            <a:xfrm>
-              <a:off x="2972603" y="3880122"/>
-              <a:ext cx="1824009" cy="451668"/>
-            </a:xfrm>
-            <a:prstGeom prst="rect">
-              <a:avLst/>
-            </a:prstGeom>
-          </p:spPr>
-        </p:pic>
-        <p:pic>
-          <p:nvPicPr>
-            <p:cNvPr id="51" name="object 51"/>
-            <p:cNvPicPr/>
-            <p:nvPr/>
-          </p:nvPicPr>
-          <p:blipFill>
-            <a:blip r:embed="rId7" cstate="print"/>
-            <a:stretch>
-              <a:fillRect/>
-            </a:stretch>
-          </p:blipFill>
-          <p:spPr>
-            <a:xfrm>
-              <a:off x="2957844" y="4368760"/>
-              <a:ext cx="1838776" cy="237015"/>
-            </a:xfrm>
-            <a:prstGeom prst="rect">
-              <a:avLst/>
-            </a:prstGeom>
-          </p:spPr>
-        </p:pic>
-      </p:grpSp>
-      <p:pic>
-        <p:nvPicPr>
-          <p:cNvPr id="52" name="object 52"/>
-          <p:cNvPicPr/>
-          <p:nvPr/>
-        </p:nvPicPr>
-        <p:blipFill>
-          <a:blip r:embed="rId15" cstate="print"/>
-          <a:stretch>
-            <a:fillRect/>
-          </a:stretch>
-        </p:blipFill>
-        <p:spPr>
-          <a:xfrm>
-            <a:off x="2972603" y="5183236"/>
-            <a:ext cx="1831432" cy="547722"/>
-          </a:xfrm>
-          <a:prstGeom prst="rect">
-            <a:avLst/>
-          </a:prstGeom>
-        </p:spPr>
-      </p:pic>
-      <p:pic>
-        <p:nvPicPr>
-          <p:cNvPr id="53" name="object 53"/>
-          <p:cNvPicPr/>
-          <p:nvPr/>
-        </p:nvPicPr>
-        <p:blipFill>
-          <a:blip r:embed="rId14" cstate="print"/>
-          <a:stretch>
-            <a:fillRect/>
-          </a:stretch>
-        </p:blipFill>
-        <p:spPr>
-          <a:xfrm>
-            <a:off x="8761401" y="1395706"/>
-            <a:ext cx="1024366" cy="945085"/>
-          </a:xfrm>
-          <a:prstGeom prst="rect">
-            <a:avLst/>
-          </a:prstGeom>
-        </p:spPr>
-      </p:pic>
-      <p:pic>
-        <p:nvPicPr>
-          <p:cNvPr id="54" name="object 54"/>
-          <p:cNvPicPr/>
-          <p:nvPr/>
-        </p:nvPicPr>
-        <p:blipFill>
-          <a:blip r:embed="rId7" cstate="print"/>
-          <a:stretch>
-            <a:fillRect/>
-          </a:stretch>
-        </p:blipFill>
-        <p:spPr>
-          <a:xfrm>
-            <a:off x="8363342" y="6375135"/>
-            <a:ext cx="1838776" cy="229431"/>
-          </a:xfrm>
-          <a:prstGeom prst="rect">
-            <a:avLst/>
-          </a:prstGeom>
-        </p:spPr>
-      </p:pic>
-      <p:pic>
-        <p:nvPicPr>
-          <p:cNvPr id="55" name="object 55"/>
-          <p:cNvPicPr/>
-          <p:nvPr/>
-        </p:nvPicPr>
-        <p:blipFill>
-          <a:blip r:embed="rId16" cstate="print"/>
-          <a:stretch>
-            <a:fillRect/>
-          </a:stretch>
-        </p:blipFill>
-        <p:spPr>
-          <a:xfrm>
-            <a:off x="8378110" y="2688278"/>
-            <a:ext cx="1824009" cy="222041"/>
-          </a:xfrm>
-          <a:prstGeom prst="rect">
-            <a:avLst/>
-          </a:prstGeom>
-        </p:spPr>
-      </p:pic>
-      <p:pic>
-        <p:nvPicPr>
-          <p:cNvPr id="56" name="object 56"/>
-          <p:cNvPicPr/>
-          <p:nvPr/>
-        </p:nvPicPr>
-        <p:blipFill>
-          <a:blip r:embed="rId17" cstate="print"/>
-          <a:stretch>
-            <a:fillRect/>
-          </a:stretch>
-        </p:blipFill>
-        <p:spPr>
-          <a:xfrm>
-            <a:off x="8370687" y="2969623"/>
-            <a:ext cx="1831432" cy="903148"/>
-          </a:xfrm>
-          <a:prstGeom prst="rect">
-            <a:avLst/>
-          </a:prstGeom>
-        </p:spPr>
-      </p:pic>
-      <p:pic>
-        <p:nvPicPr>
-          <p:cNvPr id="57" name="object 57"/>
-          <p:cNvPicPr/>
-          <p:nvPr/>
-        </p:nvPicPr>
-        <p:blipFill>
-          <a:blip r:embed="rId18" cstate="print"/>
-          <a:stretch>
-            <a:fillRect/>
-          </a:stretch>
-        </p:blipFill>
-        <p:spPr>
-          <a:xfrm>
-            <a:off x="8370687" y="5841996"/>
-            <a:ext cx="1824009" cy="451668"/>
-          </a:xfrm>
-          <a:prstGeom prst="rect">
-            <a:avLst/>
-          </a:prstGeom>
-        </p:spPr>
-      </p:pic>
-      <p:pic>
-        <p:nvPicPr>
-          <p:cNvPr id="58" name="object 58"/>
-          <p:cNvPicPr/>
-          <p:nvPr/>
-        </p:nvPicPr>
-        <p:blipFill>
-          <a:blip r:embed="rId16" cstate="print"/>
-          <a:stretch>
-            <a:fillRect/>
-          </a:stretch>
-        </p:blipFill>
-        <p:spPr>
-          <a:xfrm>
-            <a:off x="8370687" y="2399583"/>
-            <a:ext cx="1824009" cy="214652"/>
-          </a:xfrm>
-          <a:prstGeom prst="rect">
-            <a:avLst/>
-          </a:prstGeom>
-        </p:spPr>
-      </p:pic>
-      <p:grpSp>
-        <p:nvGrpSpPr>
-          <p:cNvPr id="59" name="object 59"/>
-          <p:cNvGrpSpPr/>
-          <p:nvPr/>
-        </p:nvGrpSpPr>
-        <p:grpSpPr>
-          <a:xfrm>
-            <a:off x="8363342" y="3924458"/>
-            <a:ext cx="1838960" cy="718820"/>
-            <a:chOff x="8363342" y="3924458"/>
-            <a:chExt cx="1838960" cy="718820"/>
-          </a:xfrm>
-        </p:grpSpPr>
-        <p:pic>
-          <p:nvPicPr>
-            <p:cNvPr id="60" name="object 60"/>
-            <p:cNvPicPr/>
-            <p:nvPr/>
-          </p:nvPicPr>
-          <p:blipFill>
-            <a:blip r:embed="rId18" cstate="print"/>
-            <a:stretch>
-              <a:fillRect/>
-            </a:stretch>
-          </p:blipFill>
-          <p:spPr>
-            <a:xfrm>
-              <a:off x="8370687" y="3924458"/>
-              <a:ext cx="1831432" cy="451668"/>
-            </a:xfrm>
-            <a:prstGeom prst="rect">
-              <a:avLst/>
-            </a:prstGeom>
-          </p:spPr>
-        </p:pic>
-        <p:pic>
-          <p:nvPicPr>
-            <p:cNvPr id="61" name="object 61"/>
-            <p:cNvPicPr/>
-            <p:nvPr/>
-          </p:nvPicPr>
-          <p:blipFill>
-            <a:blip r:embed="rId7" cstate="print"/>
-            <a:stretch>
-              <a:fillRect/>
-            </a:stretch>
-          </p:blipFill>
-          <p:spPr>
-            <a:xfrm>
-              <a:off x="8363342" y="4413331"/>
-              <a:ext cx="1838776" cy="229431"/>
-            </a:xfrm>
-            <a:prstGeom prst="rect">
-              <a:avLst/>
-            </a:prstGeom>
-          </p:spPr>
-        </p:pic>
-      </p:grpSp>
-      <p:pic>
-        <p:nvPicPr>
-          <p:cNvPr id="62" name="object 62"/>
-          <p:cNvPicPr/>
-          <p:nvPr/>
-        </p:nvPicPr>
-        <p:blipFill>
-          <a:blip r:embed="rId15" cstate="print"/>
-          <a:stretch>
-            <a:fillRect/>
-          </a:stretch>
-        </p:blipFill>
-        <p:spPr>
-          <a:xfrm>
-            <a:off x="8370687" y="5227573"/>
-            <a:ext cx="1831432" cy="547910"/>
-          </a:xfrm>
-          <a:prstGeom prst="rect">
-            <a:avLst/>
-          </a:prstGeom>
-        </p:spPr>
-      </p:pic>
-      <p:sp>
-        <p:nvSpPr>
-          <p:cNvPr id="63" name="object 63"/>
-          <p:cNvSpPr txBox="1"/>
-          <p:nvPr/>
-        </p:nvSpPr>
-        <p:spPr>
-          <a:xfrm>
-            <a:off x="6238623" y="2379517"/>
-            <a:ext cx="484505" cy="332105"/>
-          </a:xfrm>
-          <a:prstGeom prst="rect">
-            <a:avLst/>
-          </a:prstGeom>
-        </p:spPr>
-        <p:txBody>
-          <a:bodyPr vert="horz" wrap="square" lIns="0" tIns="8255" rIns="0" bIns="0" rtlCol="0">
-            <a:spAutoFit/>
-          </a:bodyPr>
-          <a:lstStyle/>
-          <a:p>
-            <a:pPr marL="12700" marR="5080" indent="66040">
-              <a:lnSpc>
-                <a:spcPct val="102000"/>
-              </a:lnSpc>
-              <a:spcBef>
-                <a:spcPts val="65"/>
-              </a:spcBef>
-            </a:pPr>
-            <a:r>
-              <a:rPr sz="1000" spc="-20" dirty="0">
-                <a:latin typeface="Calibri"/>
-                <a:cs typeface="Calibri"/>
-              </a:rPr>
-              <a:t>ePRTC </a:t>
-            </a:r>
-            <a:r>
-              <a:rPr sz="1000" spc="-15" dirty="0">
-                <a:latin typeface="Calibri"/>
-                <a:cs typeface="Calibri"/>
-              </a:rPr>
-              <a:t> (</a:t>
-            </a:r>
-            <a:r>
-              <a:rPr sz="1000" spc="-20" dirty="0">
-                <a:latin typeface="Calibri"/>
-                <a:cs typeface="Calibri"/>
-              </a:rPr>
-              <a:t>c</a:t>
-            </a:r>
-            <a:r>
-              <a:rPr sz="1000" spc="-10" dirty="0">
-                <a:latin typeface="Calibri"/>
-                <a:cs typeface="Calibri"/>
-              </a:rPr>
-              <a:t>n</a:t>
-            </a:r>
-            <a:r>
-              <a:rPr sz="1000" dirty="0">
-                <a:latin typeface="Calibri"/>
-                <a:cs typeface="Calibri"/>
-              </a:rPr>
-              <a:t>P</a:t>
-            </a:r>
-            <a:r>
-              <a:rPr sz="1000" spc="-25" dirty="0">
-                <a:latin typeface="Calibri"/>
-                <a:cs typeface="Calibri"/>
-              </a:rPr>
-              <a:t>R</a:t>
-            </a:r>
-            <a:r>
-              <a:rPr sz="1000" spc="-30" dirty="0">
-                <a:latin typeface="Calibri"/>
-                <a:cs typeface="Calibri"/>
-              </a:rPr>
-              <a:t>T</a:t>
-            </a:r>
-            <a:r>
-              <a:rPr sz="1000" spc="45" dirty="0">
-                <a:latin typeface="Calibri"/>
-                <a:cs typeface="Calibri"/>
-              </a:rPr>
-              <a:t>C</a:t>
-            </a:r>
-            <a:r>
-              <a:rPr sz="1000" spc="-5" dirty="0">
-                <a:latin typeface="Calibri"/>
-                <a:cs typeface="Calibri"/>
-              </a:rPr>
-              <a:t>)</a:t>
-            </a:r>
-            <a:endParaRPr sz="1000">
-              <a:latin typeface="Calibri"/>
-              <a:cs typeface="Calibri"/>
-            </a:endParaRPr>
-          </a:p>
-        </p:txBody>
-      </p:sp>
-      <p:sp>
-        <p:nvSpPr>
-          <p:cNvPr id="64" name="object 64"/>
-          <p:cNvSpPr txBox="1"/>
-          <p:nvPr/>
-        </p:nvSpPr>
-        <p:spPr>
-          <a:xfrm>
-            <a:off x="6238623" y="3171630"/>
-            <a:ext cx="398780" cy="176530"/>
-          </a:xfrm>
-          <a:prstGeom prst="rect">
-            <a:avLst/>
-          </a:prstGeom>
-        </p:spPr>
-        <p:txBody>
-          <a:bodyPr vert="horz" wrap="square" lIns="0" tIns="11430" rIns="0" bIns="0" rtlCol="0">
-            <a:spAutoFit/>
-          </a:bodyPr>
-          <a:lstStyle/>
-          <a:p>
-            <a:pPr marL="12700">
-              <a:lnSpc>
-                <a:spcPct val="100000"/>
-              </a:lnSpc>
-              <a:spcBef>
-                <a:spcPts val="90"/>
-              </a:spcBef>
-            </a:pPr>
-            <a:r>
-              <a:rPr sz="1000" spc="-15" dirty="0">
-                <a:latin typeface="Calibri"/>
-                <a:cs typeface="Calibri"/>
-              </a:rPr>
-              <a:t>C</a:t>
-            </a:r>
-            <a:r>
-              <a:rPr sz="1000" spc="-40" dirty="0">
-                <a:latin typeface="Calibri"/>
-                <a:cs typeface="Calibri"/>
-              </a:rPr>
-              <a:t>e</a:t>
-            </a:r>
-            <a:r>
-              <a:rPr sz="1000" spc="10" dirty="0">
-                <a:latin typeface="Calibri"/>
-                <a:cs typeface="Calibri"/>
-              </a:rPr>
-              <a:t>s</a:t>
-            </a:r>
-            <a:r>
-              <a:rPr sz="1000" spc="-10" dirty="0">
-                <a:latin typeface="Calibri"/>
-                <a:cs typeface="Calibri"/>
-              </a:rPr>
-              <a:t>ium</a:t>
-            </a:r>
-            <a:endParaRPr sz="1000">
-              <a:latin typeface="Calibri"/>
-              <a:cs typeface="Calibri"/>
-            </a:endParaRPr>
-          </a:p>
-        </p:txBody>
-      </p:sp>
-      <p:sp>
-        <p:nvSpPr>
-          <p:cNvPr id="65" name="object 65"/>
-          <p:cNvSpPr txBox="1"/>
-          <p:nvPr/>
-        </p:nvSpPr>
-        <p:spPr>
-          <a:xfrm>
-            <a:off x="6083601" y="3986106"/>
-            <a:ext cx="865505" cy="176530"/>
-          </a:xfrm>
-          <a:prstGeom prst="rect">
-            <a:avLst/>
-          </a:prstGeom>
-        </p:spPr>
-        <p:txBody>
-          <a:bodyPr vert="horz" wrap="square" lIns="0" tIns="11430" rIns="0" bIns="0" rtlCol="0">
-            <a:spAutoFit/>
-          </a:bodyPr>
-          <a:lstStyle/>
-          <a:p>
-            <a:pPr marL="12700">
-              <a:lnSpc>
-                <a:spcPct val="100000"/>
-              </a:lnSpc>
-              <a:spcBef>
-                <a:spcPts val="90"/>
-              </a:spcBef>
-            </a:pPr>
-            <a:r>
-              <a:rPr sz="1000" spc="-20" dirty="0">
-                <a:latin typeface="Calibri"/>
-                <a:cs typeface="Calibri"/>
-              </a:rPr>
-              <a:t>Offset</a:t>
-            </a:r>
-            <a:r>
-              <a:rPr sz="1000" spc="-10" dirty="0">
-                <a:latin typeface="Calibri"/>
-                <a:cs typeface="Calibri"/>
-              </a:rPr>
-              <a:t> </a:t>
-            </a:r>
-            <a:r>
-              <a:rPr sz="1000" spc="-15" dirty="0">
-                <a:latin typeface="Calibri"/>
-                <a:cs typeface="Calibri"/>
-              </a:rPr>
-              <a:t>generator</a:t>
-            </a:r>
-            <a:endParaRPr sz="1000">
-              <a:latin typeface="Calibri"/>
-              <a:cs typeface="Calibri"/>
-            </a:endParaRPr>
-          </a:p>
-        </p:txBody>
-      </p:sp>
-      <p:sp>
-        <p:nvSpPr>
-          <p:cNvPr id="66" name="object 66"/>
-          <p:cNvSpPr txBox="1"/>
-          <p:nvPr/>
-        </p:nvSpPr>
-        <p:spPr>
-          <a:xfrm>
-            <a:off x="5780824" y="4444952"/>
-            <a:ext cx="1840864" cy="176530"/>
-          </a:xfrm>
-          <a:prstGeom prst="rect">
-            <a:avLst/>
-          </a:prstGeom>
-        </p:spPr>
-        <p:txBody>
-          <a:bodyPr vert="horz" wrap="square" lIns="0" tIns="11430" rIns="0" bIns="0" rtlCol="0">
-            <a:spAutoFit/>
-          </a:bodyPr>
-          <a:lstStyle/>
-          <a:p>
-            <a:pPr marL="12700">
-              <a:lnSpc>
-                <a:spcPct val="100000"/>
-              </a:lnSpc>
-              <a:spcBef>
-                <a:spcPts val="90"/>
-              </a:spcBef>
-            </a:pPr>
-            <a:r>
-              <a:rPr sz="1000" spc="-40" dirty="0">
-                <a:latin typeface="Calibri"/>
-                <a:cs typeface="Calibri"/>
-              </a:rPr>
-              <a:t>D</a:t>
-            </a:r>
-            <a:r>
-              <a:rPr sz="1000" spc="-5" dirty="0">
-                <a:latin typeface="Calibri"/>
-                <a:cs typeface="Calibri"/>
-              </a:rPr>
-              <a:t>i</a:t>
-            </a:r>
-            <a:r>
-              <a:rPr sz="1000" spc="10" dirty="0">
-                <a:latin typeface="Calibri"/>
-                <a:cs typeface="Calibri"/>
-              </a:rPr>
-              <a:t>st</a:t>
-            </a:r>
-            <a:r>
-              <a:rPr sz="1000" spc="-5" dirty="0">
-                <a:latin typeface="Calibri"/>
-                <a:cs typeface="Calibri"/>
-              </a:rPr>
-              <a:t>ribu</a:t>
-            </a:r>
-            <a:r>
-              <a:rPr sz="1000" spc="10" dirty="0">
-                <a:latin typeface="Calibri"/>
-                <a:cs typeface="Calibri"/>
-              </a:rPr>
-              <a:t>t</a:t>
-            </a:r>
-            <a:r>
-              <a:rPr sz="1000" spc="-5" dirty="0">
-                <a:latin typeface="Calibri"/>
-                <a:cs typeface="Calibri"/>
-              </a:rPr>
-              <a:t>i</a:t>
-            </a:r>
-            <a:r>
-              <a:rPr sz="1000" spc="-15" dirty="0">
-                <a:latin typeface="Calibri"/>
-                <a:cs typeface="Calibri"/>
-              </a:rPr>
-              <a:t>o</a:t>
-            </a:r>
-            <a:r>
-              <a:rPr sz="1000" spc="-10" dirty="0">
-                <a:latin typeface="Calibri"/>
-                <a:cs typeface="Calibri"/>
-              </a:rPr>
-              <a:t>n</a:t>
-            </a:r>
-            <a:r>
-              <a:rPr sz="1000" spc="5" dirty="0">
-                <a:latin typeface="Calibri"/>
-                <a:cs typeface="Calibri"/>
-              </a:rPr>
-              <a:t> </a:t>
-            </a:r>
-            <a:r>
-              <a:rPr sz="1000" spc="-20" dirty="0">
-                <a:latin typeface="Calibri"/>
-                <a:cs typeface="Calibri"/>
-              </a:rPr>
-              <a:t>a</a:t>
-            </a:r>
-            <a:r>
-              <a:rPr sz="1000" spc="10" dirty="0">
-                <a:latin typeface="Calibri"/>
-                <a:cs typeface="Calibri"/>
-              </a:rPr>
-              <a:t>m</a:t>
-            </a:r>
-            <a:r>
-              <a:rPr sz="1000" spc="-5" dirty="0">
-                <a:latin typeface="Calibri"/>
-                <a:cs typeface="Calibri"/>
-              </a:rPr>
-              <a:t>pli</a:t>
-            </a:r>
-            <a:r>
-              <a:rPr sz="1000" spc="-20" dirty="0">
-                <a:latin typeface="Calibri"/>
-                <a:cs typeface="Calibri"/>
-              </a:rPr>
-              <a:t>f</a:t>
-            </a:r>
-            <a:r>
-              <a:rPr sz="1000" spc="-5" dirty="0">
-                <a:latin typeface="Calibri"/>
-                <a:cs typeface="Calibri"/>
-              </a:rPr>
-              <a:t>i</a:t>
-            </a:r>
-            <a:r>
-              <a:rPr sz="1000" spc="-40" dirty="0">
-                <a:latin typeface="Calibri"/>
-                <a:cs typeface="Calibri"/>
-              </a:rPr>
-              <a:t>e</a:t>
-            </a:r>
-            <a:r>
-              <a:rPr sz="1000" spc="-5" dirty="0">
-                <a:latin typeface="Calibri"/>
-                <a:cs typeface="Calibri"/>
-              </a:rPr>
-              <a:t>r</a:t>
-            </a:r>
-            <a:r>
-              <a:rPr sz="1000" spc="-85" dirty="0">
-                <a:latin typeface="Calibri"/>
-                <a:cs typeface="Calibri"/>
-              </a:rPr>
-              <a:t> </a:t>
-            </a:r>
-            <a:r>
-              <a:rPr sz="1000" spc="-5" dirty="0">
-                <a:latin typeface="Calibri"/>
-                <a:cs typeface="Calibri"/>
-              </a:rPr>
-              <a:t>/</a:t>
-            </a:r>
-            <a:r>
-              <a:rPr sz="1000" spc="30" dirty="0">
-                <a:latin typeface="Calibri"/>
-                <a:cs typeface="Calibri"/>
-              </a:rPr>
-              <a:t> </a:t>
-            </a:r>
-            <a:r>
-              <a:rPr sz="1000" dirty="0">
-                <a:latin typeface="Calibri"/>
-                <a:cs typeface="Calibri"/>
-              </a:rPr>
-              <a:t>P</a:t>
-            </a:r>
-            <a:r>
-              <a:rPr sz="1000" spc="-10" dirty="0">
-                <a:latin typeface="Calibri"/>
-                <a:cs typeface="Calibri"/>
-              </a:rPr>
-              <a:t>h</a:t>
-            </a:r>
-            <a:r>
-              <a:rPr sz="1000" spc="-20" dirty="0">
-                <a:latin typeface="Calibri"/>
-                <a:cs typeface="Calibri"/>
-              </a:rPr>
-              <a:t>a</a:t>
-            </a:r>
-            <a:r>
-              <a:rPr sz="1000" spc="10" dirty="0">
-                <a:latin typeface="Calibri"/>
-                <a:cs typeface="Calibri"/>
-              </a:rPr>
-              <a:t>s</a:t>
-            </a:r>
-            <a:r>
-              <a:rPr sz="1000" spc="-10" dirty="0">
-                <a:latin typeface="Calibri"/>
-                <a:cs typeface="Calibri"/>
-              </a:rPr>
-              <a:t>e</a:t>
-            </a:r>
-            <a:r>
-              <a:rPr sz="1000" spc="-25" dirty="0">
-                <a:latin typeface="Calibri"/>
-                <a:cs typeface="Calibri"/>
-              </a:rPr>
-              <a:t> </a:t>
-            </a:r>
-            <a:r>
-              <a:rPr sz="1000" spc="-20" dirty="0">
-                <a:latin typeface="Calibri"/>
-                <a:cs typeface="Calibri"/>
-              </a:rPr>
-              <a:t>c</a:t>
-            </a:r>
-            <a:r>
-              <a:rPr sz="1000" spc="-15" dirty="0">
-                <a:latin typeface="Calibri"/>
-                <a:cs typeface="Calibri"/>
-              </a:rPr>
-              <a:t>o</a:t>
-            </a:r>
-            <a:r>
-              <a:rPr sz="1000" spc="10" dirty="0">
-                <a:latin typeface="Calibri"/>
-                <a:cs typeface="Calibri"/>
-              </a:rPr>
-              <a:t>m</a:t>
-            </a:r>
-            <a:r>
-              <a:rPr sz="1000" spc="-10" dirty="0">
-                <a:latin typeface="Calibri"/>
-                <a:cs typeface="Calibri"/>
-              </a:rPr>
-              <a:t>p</a:t>
-            </a:r>
-            <a:endParaRPr sz="1000">
-              <a:latin typeface="Calibri"/>
-              <a:cs typeface="Calibri"/>
-            </a:endParaRPr>
-          </a:p>
-        </p:txBody>
-      </p:sp>
-      <p:sp>
-        <p:nvSpPr>
-          <p:cNvPr id="67" name="object 67"/>
-          <p:cNvSpPr txBox="1"/>
-          <p:nvPr/>
-        </p:nvSpPr>
-        <p:spPr>
-          <a:xfrm>
-            <a:off x="6061488" y="5377893"/>
-            <a:ext cx="1122680" cy="1109345"/>
-          </a:xfrm>
-          <a:prstGeom prst="rect">
-            <a:avLst/>
-          </a:prstGeom>
-        </p:spPr>
-        <p:txBody>
-          <a:bodyPr vert="horz" wrap="square" lIns="0" tIns="11430" rIns="0" bIns="0" rtlCol="0">
-            <a:spAutoFit/>
-          </a:bodyPr>
-          <a:lstStyle/>
-          <a:p>
-            <a:pPr marL="351790">
-              <a:lnSpc>
-                <a:spcPct val="100000"/>
-              </a:lnSpc>
-              <a:spcBef>
-                <a:spcPts val="90"/>
-              </a:spcBef>
-            </a:pPr>
-            <a:r>
-              <a:rPr sz="1000" spc="-10" dirty="0">
-                <a:latin typeface="Calibri"/>
-                <a:cs typeface="Calibri"/>
-              </a:rPr>
-              <a:t>Cesium</a:t>
-            </a:r>
-            <a:endParaRPr sz="1000">
-              <a:latin typeface="Calibri"/>
-              <a:cs typeface="Calibri"/>
-            </a:endParaRPr>
-          </a:p>
-          <a:p>
-            <a:pPr marL="12700" marR="5080" indent="176530">
-              <a:lnSpc>
-                <a:spcPct val="277000"/>
-              </a:lnSpc>
-              <a:spcBef>
-                <a:spcPts val="695"/>
-              </a:spcBef>
-            </a:pPr>
-            <a:r>
-              <a:rPr sz="1000" spc="-20" dirty="0">
-                <a:latin typeface="Calibri"/>
-                <a:cs typeface="Calibri"/>
-              </a:rPr>
-              <a:t>Offset</a:t>
-            </a:r>
-            <a:r>
-              <a:rPr sz="1000" spc="5" dirty="0">
-                <a:latin typeface="Calibri"/>
-                <a:cs typeface="Calibri"/>
-              </a:rPr>
-              <a:t> </a:t>
-            </a:r>
-            <a:r>
-              <a:rPr sz="1000" spc="-15" dirty="0">
-                <a:latin typeface="Calibri"/>
-                <a:cs typeface="Calibri"/>
-              </a:rPr>
-              <a:t>generator </a:t>
-            </a:r>
-            <a:r>
-              <a:rPr sz="1000" spc="-10" dirty="0">
-                <a:latin typeface="Calibri"/>
-                <a:cs typeface="Calibri"/>
-              </a:rPr>
-              <a:t> </a:t>
-            </a:r>
-            <a:r>
-              <a:rPr sz="1000" spc="-5" dirty="0">
-                <a:latin typeface="Calibri"/>
-                <a:cs typeface="Calibri"/>
-              </a:rPr>
-              <a:t>Distribution</a:t>
-            </a:r>
-            <a:r>
-              <a:rPr sz="1000" spc="-45" dirty="0">
-                <a:latin typeface="Calibri"/>
-                <a:cs typeface="Calibri"/>
-              </a:rPr>
-              <a:t> </a:t>
-            </a:r>
-            <a:r>
-              <a:rPr sz="1000" spc="-10" dirty="0">
-                <a:latin typeface="Calibri"/>
-                <a:cs typeface="Calibri"/>
-              </a:rPr>
-              <a:t>amplifier</a:t>
-            </a:r>
-            <a:endParaRPr sz="1000">
-              <a:latin typeface="Calibri"/>
-              <a:cs typeface="Calibri"/>
-            </a:endParaRPr>
-          </a:p>
-        </p:txBody>
-      </p:sp>
-      <p:sp>
-        <p:nvSpPr>
-          <p:cNvPr id="68" name="object 68"/>
-          <p:cNvSpPr txBox="1"/>
-          <p:nvPr/>
-        </p:nvSpPr>
-        <p:spPr>
-          <a:xfrm>
-            <a:off x="6260892" y="4815204"/>
-            <a:ext cx="878840" cy="176530"/>
-          </a:xfrm>
-          <a:prstGeom prst="rect">
-            <a:avLst/>
-          </a:prstGeom>
-        </p:spPr>
-        <p:txBody>
-          <a:bodyPr vert="horz" wrap="square" lIns="0" tIns="11430" rIns="0" bIns="0" rtlCol="0">
-            <a:spAutoFit/>
-          </a:bodyPr>
-          <a:lstStyle/>
-          <a:p>
-            <a:pPr marL="12700">
-              <a:lnSpc>
-                <a:spcPct val="100000"/>
-              </a:lnSpc>
-              <a:spcBef>
-                <a:spcPts val="90"/>
-              </a:spcBef>
-            </a:pPr>
-            <a:r>
-              <a:rPr sz="1000" spc="-20" dirty="0">
-                <a:latin typeface="Calibri"/>
-                <a:cs typeface="Calibri"/>
-              </a:rPr>
-              <a:t>W</a:t>
-            </a:r>
-            <a:r>
-              <a:rPr sz="1000" spc="-5" dirty="0">
-                <a:latin typeface="Calibri"/>
-                <a:cs typeface="Calibri"/>
-              </a:rPr>
-              <a:t>hi</a:t>
-            </a:r>
-            <a:r>
-              <a:rPr sz="1000" spc="10" dirty="0">
-                <a:latin typeface="Calibri"/>
-                <a:cs typeface="Calibri"/>
-              </a:rPr>
-              <a:t>t</a:t>
-            </a:r>
-            <a:r>
-              <a:rPr sz="1000" spc="-10" dirty="0">
-                <a:latin typeface="Calibri"/>
-                <a:cs typeface="Calibri"/>
-              </a:rPr>
-              <a:t>e</a:t>
-            </a:r>
-            <a:r>
-              <a:rPr sz="1000" spc="-25" dirty="0">
-                <a:latin typeface="Calibri"/>
-                <a:cs typeface="Calibri"/>
-              </a:rPr>
-              <a:t> R</a:t>
-            </a:r>
-            <a:r>
-              <a:rPr sz="1000" spc="-20" dirty="0">
-                <a:latin typeface="Calibri"/>
-                <a:cs typeface="Calibri"/>
-              </a:rPr>
-              <a:t>a</a:t>
-            </a:r>
-            <a:r>
-              <a:rPr sz="1000" spc="-5" dirty="0">
-                <a:latin typeface="Calibri"/>
-                <a:cs typeface="Calibri"/>
-              </a:rPr>
-              <a:t>bbi</a:t>
-            </a:r>
-            <a:r>
-              <a:rPr sz="1000" spc="10" dirty="0">
-                <a:latin typeface="Calibri"/>
-                <a:cs typeface="Calibri"/>
-              </a:rPr>
-              <a:t>t</a:t>
-            </a:r>
-            <a:r>
-              <a:rPr sz="1000" spc="-5" dirty="0">
-                <a:latin typeface="Calibri"/>
-                <a:cs typeface="Calibri"/>
-              </a:rPr>
-              <a:t>link</a:t>
-            </a:r>
-            <a:endParaRPr sz="1000">
-              <a:latin typeface="Calibri"/>
-              <a:cs typeface="Calibri"/>
-            </a:endParaRPr>
-          </a:p>
-        </p:txBody>
-      </p:sp>
-    </p:spTree>
-  </p:cSld>
-  <p:clrMapOvr>
-    <a:masterClrMapping/>
-  </p:clrMapOvr>
-</p:sld>
-</file>
-
-<file path=ppt/slides/slide15.xml><?xml version="1.0" encoding="utf-8"?>
-<p:sld xmlns:a="http://schemas.openxmlformats.org/drawingml/2006/main" xmlns:r="http://schemas.openxmlformats.org/officeDocument/2006/relationships" xmlns:p="http://schemas.openxmlformats.org/presentationml/2006/main">
-  <p:cSld>
-    <p:spTree>
-      <p:nvGrpSpPr>
-        <p:cNvPr id="1" name=""/>
-        <p:cNvGrpSpPr/>
-        <p:nvPr/>
-      </p:nvGrpSpPr>
-      <p:grpSpPr>
-        <a:xfrm>
-          <a:off x="0" y="0"/>
-          <a:ext cx="0" cy="0"/>
-          <a:chOff x="0" y="0"/>
-          <a:chExt cx="0" cy="0"/>
-        </a:xfrm>
-      </p:grpSpPr>
-      <p:sp>
-        <p:nvSpPr>
-          <p:cNvPr id="2" name="object 2"/>
-          <p:cNvSpPr txBox="1">
-            <a:spLocks noGrp="1"/>
-          </p:cNvSpPr>
-          <p:nvPr>
-            <p:ph type="title"/>
-          </p:nvPr>
-        </p:nvSpPr>
-        <p:spPr>
-          <a:xfrm>
-            <a:off x="4038600" y="417441"/>
-            <a:ext cx="4876800" cy="443070"/>
-          </a:xfrm>
-          <a:prstGeom prst="rect">
-            <a:avLst/>
-          </a:prstGeom>
-        </p:spPr>
-        <p:txBody>
-          <a:bodyPr vert="horz" wrap="square" lIns="0" tIns="12065" rIns="0" bIns="0" rtlCol="0">
-            <a:spAutoFit/>
-          </a:bodyPr>
-          <a:lstStyle/>
-          <a:p>
-            <a:pPr marL="12700">
-              <a:lnSpc>
-                <a:spcPct val="100000"/>
-              </a:lnSpc>
-              <a:spcBef>
-                <a:spcPts val="95"/>
-              </a:spcBef>
-            </a:pPr>
-            <a:r>
-              <a:rPr lang="en-US" sz="2800" dirty="0" err="1">
-                <a:latin typeface="Arial MT"/>
-              </a:rPr>
-              <a:t>Dispositivos</a:t>
-            </a:r>
-            <a:r>
-              <a:rPr lang="en-US" sz="2800" dirty="0">
-                <a:latin typeface="Arial MT"/>
-              </a:rPr>
-              <a:t> de </a:t>
-            </a:r>
-            <a:r>
-              <a:rPr lang="en-US" sz="2800" dirty="0" err="1">
-                <a:latin typeface="Arial MT"/>
-              </a:rPr>
-              <a:t>subestación</a:t>
-            </a:r>
-            <a:endParaRPr sz="2800" dirty="0">
-              <a:latin typeface="Arial MT"/>
-            </a:endParaRPr>
-          </a:p>
-        </p:txBody>
-      </p:sp>
-      <p:sp>
-        <p:nvSpPr>
-          <p:cNvPr id="3" name="object 3"/>
-          <p:cNvSpPr txBox="1"/>
-          <p:nvPr/>
-        </p:nvSpPr>
-        <p:spPr>
-          <a:xfrm>
-            <a:off x="990600" y="1515795"/>
-            <a:ext cx="8337398" cy="827150"/>
-          </a:xfrm>
-          <a:prstGeom prst="rect">
-            <a:avLst/>
-          </a:prstGeom>
-        </p:spPr>
-        <p:txBody>
-          <a:bodyPr vert="horz" wrap="square" lIns="0" tIns="107950" rIns="0" bIns="0" rtlCol="0">
-            <a:spAutoFit/>
-          </a:bodyPr>
-          <a:lstStyle/>
-          <a:p>
-            <a:pPr marL="241300" indent="-228600">
-              <a:lnSpc>
-                <a:spcPct val="100000"/>
-              </a:lnSpc>
-              <a:spcBef>
-                <a:spcPts val="755"/>
-              </a:spcBef>
-              <a:buClr>
-                <a:srgbClr val="12569B"/>
-              </a:buClr>
-              <a:buFont typeface="Microsoft Sans Serif"/>
-              <a:buChar char=""/>
-              <a:tabLst>
-                <a:tab pos="241300" algn="l"/>
-              </a:tabLst>
-            </a:pPr>
-            <a:r>
-              <a:rPr lang="es-ES" sz="2000" dirty="0">
-                <a:latin typeface="Arial MT"/>
-                <a:cs typeface="Arial MT"/>
-              </a:rPr>
-              <a:t>Dispositivos de subestación (Equipo especial)</a:t>
-            </a:r>
-          </a:p>
-          <a:p>
-            <a:pPr marL="241300" indent="-228600">
-              <a:lnSpc>
-                <a:spcPct val="100000"/>
-              </a:lnSpc>
-              <a:spcBef>
-                <a:spcPts val="755"/>
-              </a:spcBef>
-              <a:buClr>
-                <a:srgbClr val="12569B"/>
-              </a:buClr>
-              <a:buFont typeface="Microsoft Sans Serif"/>
-              <a:buChar char=""/>
-              <a:tabLst>
-                <a:tab pos="241300" algn="l"/>
-              </a:tabLst>
-            </a:pPr>
-            <a:r>
-              <a:rPr lang="es-ES" sz="2000" dirty="0">
-                <a:latin typeface="Arial MT"/>
-                <a:cs typeface="Arial MT"/>
-              </a:rPr>
-              <a:t>No hay espacio para una tarjeta PCI estándar</a:t>
-            </a:r>
-            <a:endParaRPr lang="en-US" sz="2000" dirty="0">
-              <a:latin typeface="Arial MT"/>
-              <a:cs typeface="Arial MT"/>
-            </a:endParaRPr>
-          </a:p>
-        </p:txBody>
-      </p:sp>
-      <p:pic>
-        <p:nvPicPr>
-          <p:cNvPr id="4" name="object 4"/>
-          <p:cNvPicPr/>
-          <p:nvPr/>
-        </p:nvPicPr>
-        <p:blipFill>
-          <a:blip r:embed="rId2" cstate="print"/>
-          <a:stretch>
-            <a:fillRect/>
-          </a:stretch>
-        </p:blipFill>
-        <p:spPr>
-          <a:xfrm>
-            <a:off x="7249668" y="2709672"/>
-            <a:ext cx="3776472" cy="2878836"/>
-          </a:xfrm>
-          <a:prstGeom prst="rect">
-            <a:avLst/>
-          </a:prstGeom>
-        </p:spPr>
-      </p:pic>
-      <p:pic>
-        <p:nvPicPr>
-          <p:cNvPr id="5" name="object 5"/>
-          <p:cNvPicPr/>
-          <p:nvPr/>
-        </p:nvPicPr>
-        <p:blipFill>
-          <a:blip r:embed="rId3" cstate="print"/>
-          <a:stretch>
-            <a:fillRect/>
-          </a:stretch>
-        </p:blipFill>
-        <p:spPr>
-          <a:xfrm>
-            <a:off x="1447800" y="3400425"/>
-            <a:ext cx="4855464" cy="1913121"/>
-          </a:xfrm>
-          <a:prstGeom prst="rect">
-            <a:avLst/>
-          </a:prstGeom>
-        </p:spPr>
-      </p:pic>
-    </p:spTree>
-  </p:cSld>
-  <p:clrMapOvr>
-    <a:masterClrMapping/>
-  </p:clrMapOvr>
-</p:sld>
-</file>
-
-<file path=ppt/slides/slide16.xml><?xml version="1.0" encoding="utf-8"?>
-<p:sld xmlns:a="http://schemas.openxmlformats.org/drawingml/2006/main" xmlns:r="http://schemas.openxmlformats.org/officeDocument/2006/relationships" xmlns:p="http://schemas.openxmlformats.org/presentationml/2006/main">
-  <p:cSld>
-    <p:spTree>
-      <p:nvGrpSpPr>
-        <p:cNvPr id="1" name=""/>
-        <p:cNvGrpSpPr/>
-        <p:nvPr/>
-      </p:nvGrpSpPr>
-      <p:grpSpPr>
-        <a:xfrm>
-          <a:off x="0" y="0"/>
-          <a:ext cx="0" cy="0"/>
-          <a:chOff x="0" y="0"/>
-          <a:chExt cx="0" cy="0"/>
-        </a:xfrm>
-      </p:grpSpPr>
-      <p:sp>
-        <p:nvSpPr>
-          <p:cNvPr id="2" name="object 2"/>
-          <p:cNvSpPr txBox="1">
-            <a:spLocks noGrp="1"/>
-          </p:cNvSpPr>
-          <p:nvPr>
-            <p:ph type="title"/>
-          </p:nvPr>
-        </p:nvSpPr>
-        <p:spPr>
-          <a:xfrm>
-            <a:off x="2819400" y="519381"/>
-            <a:ext cx="6896480" cy="443070"/>
-          </a:xfrm>
-          <a:prstGeom prst="rect">
-            <a:avLst/>
-          </a:prstGeom>
-        </p:spPr>
-        <p:txBody>
-          <a:bodyPr vert="horz" wrap="square" lIns="0" tIns="12065" rIns="0" bIns="0" rtlCol="0">
-            <a:spAutoFit/>
-          </a:bodyPr>
-          <a:lstStyle/>
-          <a:p>
-            <a:pPr marL="12700">
-              <a:lnSpc>
-                <a:spcPct val="100000"/>
-              </a:lnSpc>
-              <a:spcBef>
-                <a:spcPts val="95"/>
-              </a:spcBef>
-            </a:pPr>
-            <a:r>
-              <a:rPr lang="en-US" sz="2800" dirty="0" err="1">
-                <a:latin typeface="Arial MT"/>
-              </a:rPr>
-              <a:t>Tendencia</a:t>
-            </a:r>
-            <a:r>
-              <a:rPr lang="en-US" sz="2800" dirty="0">
-                <a:latin typeface="Arial MT"/>
-              </a:rPr>
-              <a:t>: </a:t>
-            </a:r>
-            <a:r>
-              <a:rPr lang="en-US" sz="2800" dirty="0" err="1">
-                <a:latin typeface="Arial MT"/>
-              </a:rPr>
-              <a:t>Servidores</a:t>
-            </a:r>
-            <a:r>
-              <a:rPr lang="en-US" sz="2800" dirty="0">
-                <a:latin typeface="Arial MT"/>
-              </a:rPr>
-              <a:t> de </a:t>
-            </a:r>
-            <a:r>
-              <a:rPr lang="en-US" sz="2800" dirty="0" err="1">
-                <a:latin typeface="Arial MT"/>
-              </a:rPr>
-              <a:t>aplicaciones</a:t>
-            </a:r>
-            <a:endParaRPr sz="2800" dirty="0">
-              <a:latin typeface="Arial MT"/>
-            </a:endParaRPr>
-          </a:p>
-        </p:txBody>
-      </p:sp>
-      <p:sp>
-        <p:nvSpPr>
-          <p:cNvPr id="3" name="object 3"/>
-          <p:cNvSpPr txBox="1"/>
-          <p:nvPr/>
-        </p:nvSpPr>
-        <p:spPr>
-          <a:xfrm>
-            <a:off x="609600" y="1341121"/>
-            <a:ext cx="6896481" cy="839974"/>
-          </a:xfrm>
-          <a:prstGeom prst="rect">
-            <a:avLst/>
-          </a:prstGeom>
-        </p:spPr>
-        <p:txBody>
-          <a:bodyPr vert="horz" wrap="square" lIns="0" tIns="107950" rIns="0" bIns="0" rtlCol="0">
-            <a:spAutoFit/>
-          </a:bodyPr>
-          <a:lstStyle/>
-          <a:p>
-            <a:pPr marL="241300" indent="-228600">
-              <a:lnSpc>
-                <a:spcPct val="100000"/>
-              </a:lnSpc>
-              <a:spcBef>
-                <a:spcPts val="850"/>
-              </a:spcBef>
-              <a:buClr>
-                <a:srgbClr val="12569B"/>
-              </a:buClr>
-              <a:buFont typeface="Microsoft Sans Serif"/>
-              <a:buChar char=""/>
-              <a:tabLst>
-                <a:tab pos="241300" algn="l"/>
-              </a:tabLst>
-            </a:pPr>
-            <a:r>
-              <a:rPr lang="es-ES" sz="2000" dirty="0">
-                <a:latin typeface="Arial MT"/>
-                <a:cs typeface="Arial MT"/>
-              </a:rPr>
-              <a:t>Dispositivos virtualizados</a:t>
-            </a:r>
-          </a:p>
-          <a:p>
-            <a:pPr marL="241300" indent="-228600">
-              <a:lnSpc>
-                <a:spcPct val="100000"/>
-              </a:lnSpc>
-              <a:spcBef>
-                <a:spcPts val="850"/>
-              </a:spcBef>
-              <a:buClr>
-                <a:srgbClr val="12569B"/>
-              </a:buClr>
-              <a:buFont typeface="Microsoft Sans Serif"/>
-              <a:buChar char=""/>
-              <a:tabLst>
-                <a:tab pos="241300" algn="l"/>
-              </a:tabLst>
-            </a:pPr>
-            <a:r>
-              <a:rPr lang="es-ES" sz="2000" dirty="0">
-                <a:latin typeface="Arial MT"/>
-                <a:cs typeface="Arial MT"/>
-              </a:rPr>
-              <a:t>Posible ubicación para una tarjeta Qantum-PCI estándar</a:t>
-            </a:r>
-            <a:endParaRPr sz="2000" dirty="0">
-              <a:latin typeface="Arial MT"/>
-              <a:cs typeface="Arial MT"/>
-            </a:endParaRPr>
-          </a:p>
-        </p:txBody>
-      </p:sp>
-      <p:pic>
-        <p:nvPicPr>
-          <p:cNvPr id="4" name="object 4"/>
-          <p:cNvPicPr/>
-          <p:nvPr/>
-        </p:nvPicPr>
-        <p:blipFill>
-          <a:blip r:embed="rId2" cstate="print"/>
-          <a:stretch>
-            <a:fillRect/>
-          </a:stretch>
-        </p:blipFill>
-        <p:spPr>
-          <a:xfrm>
-            <a:off x="1775460" y="4221479"/>
-            <a:ext cx="3049524" cy="1295400"/>
-          </a:xfrm>
-          <a:prstGeom prst="rect">
-            <a:avLst/>
-          </a:prstGeom>
-        </p:spPr>
-      </p:pic>
-      <p:pic>
-        <p:nvPicPr>
-          <p:cNvPr id="5" name="object 5"/>
-          <p:cNvPicPr/>
-          <p:nvPr/>
-        </p:nvPicPr>
-        <p:blipFill>
-          <a:blip r:embed="rId3" cstate="print"/>
-          <a:stretch>
-            <a:fillRect/>
-          </a:stretch>
-        </p:blipFill>
-        <p:spPr>
-          <a:xfrm>
-            <a:off x="1266444" y="2781300"/>
-            <a:ext cx="3893820" cy="1295400"/>
-          </a:xfrm>
-          <a:prstGeom prst="rect">
-            <a:avLst/>
-          </a:prstGeom>
-        </p:spPr>
-      </p:pic>
-      <p:pic>
-        <p:nvPicPr>
-          <p:cNvPr id="6" name="object 6"/>
-          <p:cNvPicPr/>
-          <p:nvPr/>
-        </p:nvPicPr>
-        <p:blipFill>
-          <a:blip r:embed="rId4" cstate="print"/>
-          <a:stretch>
-            <a:fillRect/>
-          </a:stretch>
-        </p:blipFill>
-        <p:spPr>
-          <a:xfrm>
-            <a:off x="7040888" y="4221479"/>
-            <a:ext cx="3217121" cy="1281667"/>
-          </a:xfrm>
-          <a:prstGeom prst="rect">
-            <a:avLst/>
-          </a:prstGeom>
-        </p:spPr>
-      </p:pic>
-      <p:pic>
-        <p:nvPicPr>
-          <p:cNvPr id="7" name="object 7"/>
-          <p:cNvPicPr/>
-          <p:nvPr/>
-        </p:nvPicPr>
-        <p:blipFill>
-          <a:blip r:embed="rId5" cstate="print"/>
-          <a:stretch>
-            <a:fillRect/>
-          </a:stretch>
-        </p:blipFill>
-        <p:spPr>
-          <a:xfrm>
-            <a:off x="6960107" y="2781300"/>
-            <a:ext cx="3223259" cy="1295400"/>
-          </a:xfrm>
-          <a:prstGeom prst="rect">
-            <a:avLst/>
-          </a:prstGeom>
-        </p:spPr>
-      </p:pic>
-    </p:spTree>
-  </p:cSld>
-  <p:clrMapOvr>
-    <a:masterClrMapping/>
-  </p:clrMapOvr>
-</p:sld>
-</file>
-
-<file path=ppt/slides/slide17.xml><?xml version="1.0" encoding="utf-8"?>
 <p:sld xmlns:a="http://schemas.openxmlformats.org/drawingml/2006/main" xmlns:r="http://schemas.openxmlformats.org/officeDocument/2006/relationships" xmlns:p="http://schemas.openxmlformats.org/presentationml/2006/main">
   <p:cSld>
     <p:spTree>
@@ -11699,7 +5247,7 @@
         </p:nvSpPr>
         <p:spPr>
           <a:xfrm>
-            <a:off x="403301" y="2133600"/>
+            <a:off x="457200" y="1981200"/>
             <a:ext cx="11385398" cy="2514150"/>
           </a:xfrm>
           <a:prstGeom prst="rect">
@@ -11728,7 +5276,6 @@
             <a:r>
               <a:rPr lang="es-ES" sz="2000" dirty="0">
                 <a:latin typeface="Arial MT"/>
-                <a:cs typeface="Arial MT"/>
               </a:rPr>
               <a:t>En los sistemas de energía eléctrica, realmente existen aplicaciones que pueden beneficiarse del tiempo preciso o incluso lo requieren.</a:t>
             </a:r>
@@ -11750,7 +5297,6 @@
             <a:r>
               <a:rPr lang="es-ES" sz="2000" dirty="0">
                 <a:latin typeface="Arial MT"/>
-                <a:cs typeface="Arial MT"/>
               </a:rPr>
               <a:t>El valor de los sistemas sincronizados con precisión de tiempo aún no se comprende completamente.</a:t>
             </a:r>
@@ -11772,7 +5318,6 @@
             <a:r>
               <a:rPr lang="es-ES" sz="2000" dirty="0">
                 <a:latin typeface="Arial MT"/>
-                <a:cs typeface="Arial MT"/>
               </a:rPr>
               <a:t>Existen posibles soluciones, pero no son ampliamente conocidas, deben explicarse y promoverse mejor.</a:t>
             </a:r>
@@ -11794,13 +5339,11 @@
             <a:r>
               <a:rPr lang="es-ES" sz="2000" dirty="0">
                 <a:latin typeface="Arial MT"/>
-                <a:cs typeface="Arial MT"/>
               </a:rPr>
               <a:t>Los servidores de aplicaciones, incluyendo los de la industria energética, pueden convertirse en un entorno para Qantum-PCI TimeCard.</a:t>
             </a:r>
             <a:endParaRPr lang="ru-RU" sz="2000" dirty="0">
               <a:latin typeface="Arial MT"/>
-              <a:cs typeface="Arial MT"/>
             </a:endParaRPr>
           </a:p>
         </p:txBody>
@@ -11813,7 +5356,1294 @@
 </p:sld>
 </file>
 
+<file path=ppt/slides/slide12.xml><?xml version="1.0" encoding="utf-8"?>
+<p:sld xmlns:a="http://schemas.openxmlformats.org/drawingml/2006/main" xmlns:r="http://schemas.openxmlformats.org/officeDocument/2006/relationships" xmlns:p="http://schemas.openxmlformats.org/presentationml/2006/main">
+  <p:cSld>
+    <p:spTree>
+      <p:nvGrpSpPr>
+        <p:cNvPr id="1" name=""/>
+        <p:cNvGrpSpPr/>
+        <p:nvPr/>
+      </p:nvGrpSpPr>
+      <p:grpSpPr>
+        <a:xfrm>
+          <a:off x="0" y="0"/>
+          <a:ext cx="0" cy="0"/>
+          <a:chOff x="0" y="0"/>
+          <a:chExt cx="0" cy="0"/>
+        </a:xfrm>
+      </p:grpSpPr>
+      <p:sp>
+        <p:nvSpPr>
+          <p:cNvPr id="2" name="object 2"/>
+          <p:cNvSpPr txBox="1">
+            <a:spLocks noGrp="1"/>
+          </p:cNvSpPr>
+          <p:nvPr>
+            <p:ph type="title"/>
+          </p:nvPr>
+        </p:nvSpPr>
+        <p:spPr>
+          <a:xfrm>
+            <a:off x="4800600" y="120724"/>
+            <a:ext cx="2590800" cy="444352"/>
+          </a:xfrm>
+          <a:prstGeom prst="rect">
+            <a:avLst/>
+          </a:prstGeom>
+        </p:spPr>
+        <p:txBody>
+          <a:bodyPr vert="horz" wrap="square" lIns="0" tIns="13335" rIns="0" bIns="0" rtlCol="0">
+            <a:spAutoFit/>
+          </a:bodyPr>
+          <a:lstStyle/>
+          <a:p>
+            <a:pPr marL="12700">
+              <a:lnSpc>
+                <a:spcPct val="100000"/>
+              </a:lnSpc>
+              <a:spcBef>
+                <a:spcPts val="105"/>
+              </a:spcBef>
+            </a:pPr>
+            <a:r>
+              <a:rPr lang="en-US" sz="2800" dirty="0" err="1">
+                <a:latin typeface="Arial MT"/>
+              </a:rPr>
+              <a:t>Resumamos</a:t>
+            </a:r>
+            <a:endParaRPr lang="ru-RU" sz="2800" dirty="0">
+              <a:latin typeface="Arial MT"/>
+            </a:endParaRPr>
+          </a:p>
+        </p:txBody>
+      </p:sp>
+      <p:sp>
+        <p:nvSpPr>
+          <p:cNvPr id="3" name="object 3"/>
+          <p:cNvSpPr txBox="1"/>
+          <p:nvPr/>
+        </p:nvSpPr>
+        <p:spPr>
+          <a:xfrm>
+            <a:off x="1066800" y="536501"/>
+            <a:ext cx="10515600" cy="5840701"/>
+          </a:xfrm>
+          <a:prstGeom prst="rect">
+            <a:avLst/>
+          </a:prstGeom>
+        </p:spPr>
+        <p:txBody>
+          <a:bodyPr vert="horz" wrap="square" lIns="0" tIns="13335" rIns="0" bIns="0" rtlCol="0">
+            <a:spAutoFit/>
+          </a:bodyPr>
+          <a:lstStyle/>
+          <a:p>
+            <a:pPr>
+              <a:spcAft>
+                <a:spcPts val="800"/>
+              </a:spcAft>
+            </a:pPr>
+            <a:r>
+              <a:rPr lang="en-US" sz="1600" dirty="0" err="1">
+                <a:latin typeface="Arial MT"/>
+              </a:rPr>
+              <a:t>Datos</a:t>
+            </a:r>
+            <a:r>
+              <a:rPr lang="en-US" sz="1600" dirty="0">
+                <a:latin typeface="Arial MT"/>
+              </a:rPr>
+              <a:t> </a:t>
+            </a:r>
+            <a:r>
+              <a:rPr lang="en-US" sz="1600" dirty="0" err="1">
+                <a:latin typeface="Arial MT"/>
+              </a:rPr>
+              <a:t>iniciales</a:t>
+            </a:r>
+            <a:r>
+              <a:rPr lang="en-US" sz="1600" dirty="0">
+                <a:latin typeface="Arial MT"/>
+              </a:rPr>
+              <a:t>:</a:t>
+            </a:r>
+            <a:endParaRPr lang="ru-RU" sz="1600" dirty="0">
+              <a:latin typeface="Arial MT"/>
+            </a:endParaRPr>
+          </a:p>
+          <a:p>
+            <a:pPr marL="342900" lvl="0" indent="-342900">
+              <a:spcAft>
+                <a:spcPts val="800"/>
+              </a:spcAft>
+              <a:buSzPts val="1000"/>
+              <a:buFont typeface="Symbol" panose="05050102010706020507" pitchFamily="18" charset="2"/>
+              <a:buChar char=""/>
+              <a:tabLst>
+                <a:tab pos="457200" algn="l"/>
+              </a:tabLst>
+            </a:pPr>
+            <a:r>
+              <a:rPr lang="en-US" sz="1600" dirty="0" err="1">
+                <a:latin typeface="Arial MT"/>
+              </a:rPr>
+              <a:t>Potencia</a:t>
+            </a:r>
+            <a:r>
+              <a:rPr lang="en-US" sz="1600" dirty="0">
+                <a:latin typeface="Arial MT"/>
+              </a:rPr>
+              <a:t> de la planta </a:t>
+            </a:r>
+            <a:r>
+              <a:rPr lang="en-US" sz="1600" dirty="0" err="1">
+                <a:latin typeface="Arial MT"/>
+              </a:rPr>
+              <a:t>eléctrica</a:t>
+            </a:r>
+            <a:r>
+              <a:rPr lang="en-US" sz="1600" dirty="0">
+                <a:latin typeface="Arial MT"/>
+              </a:rPr>
+              <a:t>: 300 MW .</a:t>
+            </a:r>
+            <a:endParaRPr lang="ru-RU" sz="1600" dirty="0">
+              <a:latin typeface="Arial MT"/>
+            </a:endParaRPr>
+          </a:p>
+          <a:p>
+            <a:pPr marL="342900" lvl="0" indent="-342900">
+              <a:spcAft>
+                <a:spcPts val="800"/>
+              </a:spcAft>
+              <a:buSzPts val="1000"/>
+              <a:buFont typeface="Symbol" panose="05050102010706020507" pitchFamily="18" charset="2"/>
+              <a:buChar char=""/>
+              <a:tabLst>
+                <a:tab pos="457200" algn="l"/>
+              </a:tabLst>
+            </a:pPr>
+            <a:r>
+              <a:rPr lang="ru-RU" sz="1600" dirty="0" err="1">
+                <a:latin typeface="Arial MT"/>
+              </a:rPr>
+              <a:t>Pérdidas</a:t>
+            </a:r>
+            <a:r>
+              <a:rPr lang="ru-RU" sz="1600" dirty="0">
+                <a:latin typeface="Arial MT"/>
+              </a:rPr>
+              <a:t> </a:t>
+            </a:r>
+            <a:r>
+              <a:rPr lang="ru-RU" sz="1600" dirty="0" err="1">
+                <a:latin typeface="Arial MT"/>
+              </a:rPr>
+              <a:t>sin</a:t>
+            </a:r>
+            <a:r>
+              <a:rPr lang="ru-RU" sz="1600" dirty="0">
+                <a:latin typeface="Arial MT"/>
+              </a:rPr>
+              <a:t> </a:t>
+            </a:r>
+            <a:r>
+              <a:rPr lang="ru-RU" sz="1600" dirty="0" err="1">
+                <a:latin typeface="Arial MT"/>
+              </a:rPr>
+              <a:t>sincronización</a:t>
+            </a:r>
+            <a:r>
+              <a:rPr lang="ru-RU" sz="1600" dirty="0">
+                <a:latin typeface="Arial MT"/>
+              </a:rPr>
+              <a:t> </a:t>
+            </a:r>
+            <a:r>
+              <a:rPr lang="ru-RU" sz="1600" dirty="0" err="1">
+                <a:latin typeface="Arial MT"/>
+              </a:rPr>
+              <a:t>precisa</a:t>
+            </a:r>
+            <a:r>
+              <a:rPr lang="ru-RU" sz="1600" dirty="0">
+                <a:latin typeface="Arial MT"/>
+              </a:rPr>
+              <a:t>: 8% .</a:t>
+            </a:r>
+          </a:p>
+          <a:p>
+            <a:pPr marL="342900" lvl="0" indent="-342900">
+              <a:spcAft>
+                <a:spcPts val="800"/>
+              </a:spcAft>
+              <a:buSzPts val="1000"/>
+              <a:buFont typeface="Symbol" panose="05050102010706020507" pitchFamily="18" charset="2"/>
+              <a:buChar char=""/>
+              <a:tabLst>
+                <a:tab pos="457200" algn="l"/>
+              </a:tabLst>
+            </a:pPr>
+            <a:r>
+              <a:rPr lang="en-US" sz="1600" dirty="0" err="1">
+                <a:latin typeface="Arial MT"/>
+              </a:rPr>
+              <a:t>Pérdidas</a:t>
+            </a:r>
+            <a:r>
+              <a:rPr lang="en-US" sz="1600" dirty="0">
+                <a:latin typeface="Arial MT"/>
+              </a:rPr>
+              <a:t> </a:t>
+            </a:r>
+            <a:r>
+              <a:rPr lang="en-US" sz="1600" dirty="0" err="1">
+                <a:latin typeface="Arial MT"/>
+              </a:rPr>
+              <a:t>después</a:t>
+            </a:r>
+            <a:r>
+              <a:rPr lang="en-US" sz="1600" dirty="0">
+                <a:latin typeface="Arial MT"/>
+              </a:rPr>
+              <a:t> de </a:t>
+            </a:r>
+            <a:r>
+              <a:rPr lang="en-US" sz="1600" dirty="0" err="1">
+                <a:latin typeface="Arial MT"/>
+              </a:rPr>
+              <a:t>implementar</a:t>
+            </a:r>
+            <a:r>
+              <a:rPr lang="en-US" sz="1600" dirty="0">
+                <a:latin typeface="Arial MT"/>
+              </a:rPr>
+              <a:t> la </a:t>
+            </a:r>
+            <a:r>
+              <a:rPr lang="en-US" sz="1600" dirty="0" err="1">
+                <a:latin typeface="Arial MT"/>
+              </a:rPr>
+              <a:t>sincronización</a:t>
+            </a:r>
+            <a:r>
+              <a:rPr lang="en-US" sz="1600" dirty="0">
+                <a:latin typeface="Arial MT"/>
+              </a:rPr>
+              <a:t> </a:t>
+            </a:r>
+            <a:r>
+              <a:rPr lang="en-US" sz="1600" dirty="0" err="1">
+                <a:latin typeface="Arial MT"/>
+              </a:rPr>
+              <a:t>precisa</a:t>
+            </a:r>
+            <a:r>
+              <a:rPr lang="en-US" sz="1600" dirty="0">
+                <a:latin typeface="Arial MT"/>
+              </a:rPr>
+              <a:t>: 5% .</a:t>
+            </a:r>
+            <a:endParaRPr lang="ru-RU" sz="1600" dirty="0">
+              <a:latin typeface="Arial MT"/>
+            </a:endParaRPr>
+          </a:p>
+          <a:p>
+            <a:pPr marL="342900" lvl="0" indent="-342900">
+              <a:spcAft>
+                <a:spcPts val="800"/>
+              </a:spcAft>
+              <a:buSzPts val="1000"/>
+              <a:buFont typeface="Symbol" panose="05050102010706020507" pitchFamily="18" charset="2"/>
+              <a:buChar char=""/>
+              <a:tabLst>
+                <a:tab pos="457200" algn="l"/>
+              </a:tabLst>
+            </a:pPr>
+            <a:r>
+              <a:rPr lang="en-US" sz="1600" dirty="0" err="1">
+                <a:latin typeface="Arial MT"/>
+              </a:rPr>
+              <a:t>Operación</a:t>
+            </a:r>
+            <a:r>
+              <a:rPr lang="en-US" sz="1600" dirty="0">
+                <a:latin typeface="Arial MT"/>
+              </a:rPr>
+              <a:t> de la planta al </a:t>
+            </a:r>
+            <a:r>
+              <a:rPr lang="en-US" sz="1600" dirty="0" err="1">
+                <a:latin typeface="Arial MT"/>
+              </a:rPr>
+              <a:t>año</a:t>
+            </a:r>
+            <a:r>
+              <a:rPr lang="en-US" sz="1600" dirty="0">
+                <a:latin typeface="Arial MT"/>
+              </a:rPr>
+              <a:t>: 8 760 horas .</a:t>
+            </a:r>
+            <a:endParaRPr lang="ru-RU" sz="1600" dirty="0">
+              <a:latin typeface="Arial MT"/>
+            </a:endParaRPr>
+          </a:p>
+          <a:p>
+            <a:pPr marL="342900" lvl="0" indent="-342900">
+              <a:spcAft>
+                <a:spcPts val="800"/>
+              </a:spcAft>
+              <a:buSzPts val="1000"/>
+              <a:buFont typeface="Symbol" panose="05050102010706020507" pitchFamily="18" charset="2"/>
+              <a:buChar char=""/>
+              <a:tabLst>
+                <a:tab pos="457200" algn="l"/>
+              </a:tabLst>
+            </a:pPr>
+            <a:r>
+              <a:rPr lang="en-US" sz="1600" dirty="0" err="1">
+                <a:latin typeface="Arial MT"/>
+              </a:rPr>
+              <a:t>Costo</a:t>
+            </a:r>
+            <a:r>
+              <a:rPr lang="en-US" sz="1600" dirty="0">
+                <a:latin typeface="Arial MT"/>
+              </a:rPr>
+              <a:t> de la </a:t>
+            </a:r>
+            <a:r>
+              <a:rPr lang="en-US" sz="1600" dirty="0" err="1">
+                <a:latin typeface="Arial MT"/>
+              </a:rPr>
+              <a:t>electricidad</a:t>
+            </a:r>
+            <a:r>
+              <a:rPr lang="en-US" sz="1600" dirty="0">
+                <a:latin typeface="Arial MT"/>
+              </a:rPr>
+              <a:t>: 25 € por MWh .</a:t>
+            </a:r>
+            <a:endParaRPr lang="ru-RU" sz="1600" dirty="0">
+              <a:latin typeface="Arial MT"/>
+            </a:endParaRPr>
+          </a:p>
+          <a:p>
+            <a:pPr>
+              <a:spcAft>
+                <a:spcPts val="800"/>
+              </a:spcAft>
+            </a:pPr>
+            <a:r>
+              <a:rPr lang="ru-RU" sz="1600" dirty="0" err="1">
+                <a:latin typeface="Arial MT"/>
+              </a:rPr>
+              <a:t>Pasos</a:t>
+            </a:r>
+            <a:r>
+              <a:rPr lang="ru-RU" sz="1600" dirty="0">
+                <a:latin typeface="Arial MT"/>
+              </a:rPr>
+              <a:t> </a:t>
+            </a:r>
+            <a:r>
+              <a:rPr lang="ru-RU" sz="1600" dirty="0" err="1">
+                <a:latin typeface="Arial MT"/>
+              </a:rPr>
+              <a:t>del</a:t>
+            </a:r>
+            <a:r>
+              <a:rPr lang="ru-RU" sz="1600" dirty="0">
+                <a:latin typeface="Arial MT"/>
+              </a:rPr>
+              <a:t> </a:t>
+            </a:r>
+            <a:r>
+              <a:rPr lang="ru-RU" sz="1600" dirty="0" err="1">
+                <a:latin typeface="Arial MT"/>
+              </a:rPr>
+              <a:t>cálculo</a:t>
+            </a:r>
+            <a:r>
+              <a:rPr lang="ru-RU" sz="1600" dirty="0">
+                <a:latin typeface="Arial MT"/>
+              </a:rPr>
+              <a:t>:</a:t>
+            </a:r>
+          </a:p>
+          <a:p>
+            <a:pPr marL="342900" lvl="0" indent="-342900">
+              <a:spcAft>
+                <a:spcPts val="800"/>
+              </a:spcAft>
+              <a:buFont typeface="+mj-lt"/>
+              <a:buAutoNum type="arabicPeriod"/>
+              <a:tabLst>
+                <a:tab pos="457200" algn="l"/>
+              </a:tabLst>
+            </a:pPr>
+            <a:r>
+              <a:rPr lang="ru-RU" sz="1600" dirty="0" err="1">
+                <a:latin typeface="Arial MT"/>
+              </a:rPr>
+              <a:t>Pérdidas</a:t>
+            </a:r>
+            <a:r>
+              <a:rPr lang="ru-RU" sz="1600" dirty="0">
+                <a:latin typeface="Arial MT"/>
+              </a:rPr>
+              <a:t> </a:t>
+            </a:r>
+            <a:r>
+              <a:rPr lang="ru-RU" sz="1600" dirty="0" err="1">
+                <a:latin typeface="Arial MT"/>
+              </a:rPr>
+              <a:t>iniciales</a:t>
+            </a:r>
+            <a:r>
+              <a:rPr lang="ru-RU" sz="1600" dirty="0">
+                <a:latin typeface="Arial MT"/>
+              </a:rPr>
+              <a:t>:</a:t>
+            </a:r>
+          </a:p>
+          <a:p>
+            <a:pPr marL="742950" lvl="1" indent="-285750">
+              <a:spcAft>
+                <a:spcPts val="800"/>
+              </a:spcAft>
+              <a:buSzPts val="1000"/>
+              <a:buFont typeface="Symbol" panose="05050102010706020507" pitchFamily="18" charset="2"/>
+              <a:buChar char=""/>
+              <a:tabLst>
+                <a:tab pos="914400" algn="l"/>
+              </a:tabLst>
+            </a:pPr>
+            <a:r>
+              <a:rPr lang="ru-RU" sz="1600" dirty="0">
+                <a:latin typeface="Arial MT"/>
+              </a:rPr>
+              <a:t>8% </a:t>
+            </a:r>
+            <a:r>
+              <a:rPr lang="ru-RU" sz="1600" dirty="0" err="1">
+                <a:latin typeface="Arial MT"/>
+              </a:rPr>
+              <a:t>de</a:t>
+            </a:r>
+            <a:r>
+              <a:rPr lang="ru-RU" sz="1600" dirty="0">
+                <a:latin typeface="Arial MT"/>
+              </a:rPr>
+              <a:t> 300 MW = 24 MW .</a:t>
+            </a:r>
+          </a:p>
+          <a:p>
+            <a:pPr marL="342900" lvl="0" indent="-342900">
+              <a:spcAft>
+                <a:spcPts val="800"/>
+              </a:spcAft>
+              <a:buFont typeface="+mj-lt"/>
+              <a:buAutoNum type="arabicPeriod" startAt="2"/>
+              <a:tabLst>
+                <a:tab pos="457200" algn="l"/>
+              </a:tabLst>
+            </a:pPr>
+            <a:r>
+              <a:rPr lang="en-US" sz="1600" dirty="0" err="1">
+                <a:latin typeface="Arial MT"/>
+              </a:rPr>
+              <a:t>Pérdidas</a:t>
+            </a:r>
+            <a:r>
+              <a:rPr lang="en-US" sz="1600" dirty="0">
+                <a:latin typeface="Arial MT"/>
+              </a:rPr>
+              <a:t> </a:t>
+            </a:r>
+            <a:r>
+              <a:rPr lang="en-US" sz="1600" dirty="0" err="1">
+                <a:latin typeface="Arial MT"/>
+              </a:rPr>
+              <a:t>después</a:t>
+            </a:r>
+            <a:r>
+              <a:rPr lang="en-US" sz="1600" dirty="0">
+                <a:latin typeface="Arial MT"/>
+              </a:rPr>
+              <a:t> de la </a:t>
+            </a:r>
+            <a:r>
+              <a:rPr lang="en-US" sz="1600" dirty="0" err="1">
+                <a:latin typeface="Arial MT"/>
+              </a:rPr>
+              <a:t>implementación</a:t>
+            </a:r>
+            <a:r>
+              <a:rPr lang="en-US" sz="1600" dirty="0">
+                <a:latin typeface="Arial MT"/>
+              </a:rPr>
+              <a:t>:</a:t>
+            </a:r>
+            <a:endParaRPr lang="ru-RU" sz="1600" dirty="0">
+              <a:latin typeface="Arial MT"/>
+            </a:endParaRPr>
+          </a:p>
+          <a:p>
+            <a:pPr marL="742950" lvl="1" indent="-285750">
+              <a:spcAft>
+                <a:spcPts val="800"/>
+              </a:spcAft>
+              <a:buSzPts val="1000"/>
+              <a:buFont typeface="Symbol" panose="05050102010706020507" pitchFamily="18" charset="2"/>
+              <a:buChar char=""/>
+              <a:tabLst>
+                <a:tab pos="914400" algn="l"/>
+              </a:tabLst>
+            </a:pPr>
+            <a:r>
+              <a:rPr lang="ru-RU" sz="1600" dirty="0">
+                <a:latin typeface="Arial MT"/>
+              </a:rPr>
+              <a:t>5% </a:t>
+            </a:r>
+            <a:r>
+              <a:rPr lang="ru-RU" sz="1600" dirty="0" err="1">
+                <a:latin typeface="Arial MT"/>
+              </a:rPr>
+              <a:t>de</a:t>
+            </a:r>
+            <a:r>
+              <a:rPr lang="ru-RU" sz="1600" dirty="0">
+                <a:latin typeface="Arial MT"/>
+              </a:rPr>
+              <a:t> 300 MW = 15 MW.</a:t>
+            </a:r>
+          </a:p>
+          <a:p>
+            <a:pPr marL="342900" lvl="0" indent="-342900">
+              <a:spcAft>
+                <a:spcPts val="800"/>
+              </a:spcAft>
+              <a:buFont typeface="+mj-lt"/>
+              <a:buAutoNum type="arabicPeriod" startAt="3"/>
+              <a:tabLst>
+                <a:tab pos="457200" algn="l"/>
+              </a:tabLst>
+            </a:pPr>
+            <a:r>
+              <a:rPr lang="ru-RU" sz="1600" dirty="0" err="1">
+                <a:latin typeface="Arial MT"/>
+              </a:rPr>
+              <a:t>Ahorro</a:t>
+            </a:r>
+            <a:r>
+              <a:rPr lang="ru-RU" sz="1600" dirty="0">
+                <a:latin typeface="Arial MT"/>
+              </a:rPr>
+              <a:t> </a:t>
+            </a:r>
+            <a:r>
+              <a:rPr lang="ru-RU" sz="1600" dirty="0" err="1">
+                <a:latin typeface="Arial MT"/>
+              </a:rPr>
+              <a:t>de</a:t>
+            </a:r>
+            <a:r>
+              <a:rPr lang="ru-RU" sz="1600" dirty="0">
+                <a:latin typeface="Arial MT"/>
+              </a:rPr>
+              <a:t> </a:t>
+            </a:r>
+            <a:r>
+              <a:rPr lang="ru-RU" sz="1600" dirty="0" err="1">
+                <a:latin typeface="Arial MT"/>
+              </a:rPr>
+              <a:t>potencia</a:t>
+            </a:r>
+            <a:r>
+              <a:rPr lang="ru-RU" sz="1600" dirty="0">
+                <a:latin typeface="Arial MT"/>
+              </a:rPr>
+              <a:t>:</a:t>
+            </a:r>
+          </a:p>
+          <a:p>
+            <a:pPr marL="742950" lvl="1" indent="-285750">
+              <a:spcAft>
+                <a:spcPts val="800"/>
+              </a:spcAft>
+              <a:buSzPts val="1000"/>
+              <a:buFont typeface="Symbol" panose="05050102010706020507" pitchFamily="18" charset="2"/>
+              <a:buChar char=""/>
+              <a:tabLst>
+                <a:tab pos="914400" algn="l"/>
+              </a:tabLst>
+            </a:pPr>
+            <a:r>
+              <a:rPr lang="ru-RU" sz="1600" dirty="0">
+                <a:latin typeface="Arial MT"/>
+              </a:rPr>
+              <a:t>24 MW - 15 MW = 9 MW.</a:t>
+            </a:r>
+          </a:p>
+          <a:p>
+            <a:pPr marL="342900" lvl="0" indent="-342900">
+              <a:spcAft>
+                <a:spcPts val="800"/>
+              </a:spcAft>
+              <a:buFont typeface="+mj-lt"/>
+              <a:buAutoNum type="arabicPeriod" startAt="4"/>
+              <a:tabLst>
+                <a:tab pos="457200" algn="l"/>
+              </a:tabLst>
+            </a:pPr>
+            <a:r>
+              <a:rPr lang="ru-RU" sz="1600" dirty="0" err="1">
+                <a:latin typeface="Arial MT"/>
+              </a:rPr>
+              <a:t>Ahorro</a:t>
+            </a:r>
+            <a:r>
+              <a:rPr lang="ru-RU" sz="1600" dirty="0">
+                <a:latin typeface="Arial MT"/>
+              </a:rPr>
+              <a:t> </a:t>
+            </a:r>
+            <a:r>
+              <a:rPr lang="ru-RU" sz="1600" dirty="0" err="1">
+                <a:latin typeface="Arial MT"/>
+              </a:rPr>
+              <a:t>anual</a:t>
+            </a:r>
+            <a:r>
+              <a:rPr lang="ru-RU" sz="1600" dirty="0">
+                <a:latin typeface="Arial MT"/>
+              </a:rPr>
+              <a:t> </a:t>
+            </a:r>
+            <a:r>
+              <a:rPr lang="ru-RU" sz="1600" dirty="0" err="1">
+                <a:latin typeface="Arial MT"/>
+              </a:rPr>
+              <a:t>de</a:t>
+            </a:r>
+            <a:r>
+              <a:rPr lang="ru-RU" sz="1600" dirty="0">
+                <a:latin typeface="Arial MT"/>
+              </a:rPr>
+              <a:t> </a:t>
+            </a:r>
+            <a:r>
+              <a:rPr lang="ru-RU" sz="1600" dirty="0" err="1">
+                <a:latin typeface="Arial MT"/>
+              </a:rPr>
+              <a:t>energía</a:t>
+            </a:r>
+            <a:r>
+              <a:rPr lang="ru-RU" sz="1600" dirty="0">
+                <a:latin typeface="Arial MT"/>
+              </a:rPr>
+              <a:t>:</a:t>
+            </a:r>
+          </a:p>
+          <a:p>
+            <a:pPr marL="742950" lvl="1" indent="-285750">
+              <a:spcAft>
+                <a:spcPts val="800"/>
+              </a:spcAft>
+              <a:buSzPts val="1000"/>
+              <a:buFont typeface="Symbol" panose="05050102010706020507" pitchFamily="18" charset="2"/>
+              <a:buChar char=""/>
+              <a:tabLst>
+                <a:tab pos="914400" algn="l"/>
+              </a:tabLst>
+            </a:pPr>
+            <a:r>
+              <a:rPr lang="ru-RU" sz="1600" dirty="0">
+                <a:latin typeface="Arial MT"/>
+              </a:rPr>
+              <a:t>9 MW × 8 760 </a:t>
+            </a:r>
+            <a:r>
+              <a:rPr lang="ru-RU" sz="1600" dirty="0" err="1">
+                <a:latin typeface="Arial MT"/>
+              </a:rPr>
+              <a:t>horas</a:t>
+            </a:r>
+            <a:r>
+              <a:rPr lang="ru-RU" sz="1600" dirty="0">
+                <a:latin typeface="Arial MT"/>
+              </a:rPr>
+              <a:t> = 78 840 </a:t>
+            </a:r>
+            <a:r>
+              <a:rPr lang="ru-RU" sz="1600" dirty="0" err="1">
+                <a:latin typeface="Arial MT"/>
+              </a:rPr>
+              <a:t>MWh</a:t>
+            </a:r>
+            <a:r>
+              <a:rPr lang="ru-RU" sz="1600" dirty="0">
+                <a:latin typeface="Arial MT"/>
+              </a:rPr>
+              <a:t>.</a:t>
+            </a:r>
+          </a:p>
+          <a:p>
+            <a:pPr marL="342900" lvl="0" indent="-342900">
+              <a:spcAft>
+                <a:spcPts val="800"/>
+              </a:spcAft>
+              <a:buFont typeface="+mj-lt"/>
+              <a:buAutoNum type="arabicPeriod" startAt="5"/>
+              <a:tabLst>
+                <a:tab pos="457200" algn="l"/>
+              </a:tabLst>
+            </a:pPr>
+            <a:r>
+              <a:rPr lang="ru-RU" sz="1600" dirty="0" err="1">
+                <a:latin typeface="Arial MT"/>
+              </a:rPr>
+              <a:t>Ahorro</a:t>
+            </a:r>
+            <a:r>
+              <a:rPr lang="ru-RU" sz="1600" dirty="0">
+                <a:latin typeface="Arial MT"/>
+              </a:rPr>
+              <a:t> </a:t>
+            </a:r>
+            <a:r>
+              <a:rPr lang="ru-RU" sz="1600" dirty="0" err="1">
+                <a:latin typeface="Arial MT"/>
+              </a:rPr>
+              <a:t>financiero</a:t>
+            </a:r>
+            <a:r>
+              <a:rPr lang="ru-RU" sz="1600" dirty="0">
+                <a:latin typeface="Arial MT"/>
+              </a:rPr>
+              <a:t>:</a:t>
+            </a:r>
+          </a:p>
+          <a:p>
+            <a:pPr marL="742950" lvl="1" indent="-285750">
+              <a:spcAft>
+                <a:spcPts val="800"/>
+              </a:spcAft>
+              <a:buSzPts val="1000"/>
+              <a:buFont typeface="Symbol" panose="05050102010706020507" pitchFamily="18" charset="2"/>
+              <a:buChar char=""/>
+              <a:tabLst>
+                <a:tab pos="914400" algn="l"/>
+              </a:tabLst>
+            </a:pPr>
+            <a:r>
+              <a:rPr lang="ru-RU" sz="1600" dirty="0">
+                <a:latin typeface="Arial MT"/>
+              </a:rPr>
+              <a:t>78 840 </a:t>
+            </a:r>
+            <a:r>
+              <a:rPr lang="ru-RU" sz="1600" dirty="0" err="1">
+                <a:latin typeface="Arial MT"/>
+              </a:rPr>
+              <a:t>MWh</a:t>
+            </a:r>
+            <a:r>
+              <a:rPr lang="ru-RU" sz="1600" dirty="0">
+                <a:latin typeface="Arial MT"/>
+              </a:rPr>
+              <a:t> × 25 € = 1 971 000 € </a:t>
+            </a:r>
+            <a:r>
+              <a:rPr lang="ru-RU" sz="1600" dirty="0" err="1">
+                <a:latin typeface="Arial MT"/>
+              </a:rPr>
+              <a:t>al</a:t>
+            </a:r>
+            <a:r>
+              <a:rPr lang="ru-RU" sz="1600" dirty="0">
+                <a:latin typeface="Arial MT"/>
+              </a:rPr>
+              <a:t> </a:t>
+            </a:r>
+            <a:r>
+              <a:rPr lang="ru-RU" sz="1600" dirty="0" err="1">
+                <a:latin typeface="Arial MT"/>
+              </a:rPr>
+              <a:t>año</a:t>
+            </a:r>
+            <a:r>
+              <a:rPr lang="ru-RU" sz="1600" dirty="0">
+                <a:latin typeface="Arial MT"/>
+              </a:rPr>
+              <a:t>.</a:t>
+            </a:r>
+          </a:p>
+        </p:txBody>
+      </p:sp>
+    </p:spTree>
+    <p:extLst>
+      <p:ext uri="{BB962C8B-B14F-4D97-AF65-F5344CB8AC3E}">
+        <p14:creationId xmlns:p14="http://schemas.microsoft.com/office/powerpoint/2010/main" val="1532327542"/>
+      </p:ext>
+    </p:extLst>
+  </p:cSld>
+  <p:clrMapOvr>
+    <a:masterClrMapping/>
+  </p:clrMapOvr>
+</p:sld>
+</file>
+
+<file path=ppt/slides/slide13.xml><?xml version="1.0" encoding="utf-8"?>
+<p:sld xmlns:a="http://schemas.openxmlformats.org/drawingml/2006/main" xmlns:r="http://schemas.openxmlformats.org/officeDocument/2006/relationships" xmlns:p="http://schemas.openxmlformats.org/presentationml/2006/main">
+  <p:cSld>
+    <p:spTree>
+      <p:nvGrpSpPr>
+        <p:cNvPr id="1" name=""/>
+        <p:cNvGrpSpPr/>
+        <p:nvPr/>
+      </p:nvGrpSpPr>
+      <p:grpSpPr>
+        <a:xfrm>
+          <a:off x="0" y="0"/>
+          <a:ext cx="0" cy="0"/>
+          <a:chOff x="0" y="0"/>
+          <a:chExt cx="0" cy="0"/>
+        </a:xfrm>
+      </p:grpSpPr>
+      <p:sp>
+        <p:nvSpPr>
+          <p:cNvPr id="2" name="object 2"/>
+          <p:cNvSpPr txBox="1">
+            <a:spLocks noGrp="1"/>
+          </p:cNvSpPr>
+          <p:nvPr>
+            <p:ph type="title"/>
+          </p:nvPr>
+        </p:nvSpPr>
+        <p:spPr>
+          <a:xfrm>
+            <a:off x="4800600" y="716578"/>
+            <a:ext cx="2590800" cy="444352"/>
+          </a:xfrm>
+          <a:prstGeom prst="rect">
+            <a:avLst/>
+          </a:prstGeom>
+        </p:spPr>
+        <p:txBody>
+          <a:bodyPr vert="horz" wrap="square" lIns="0" tIns="13335" rIns="0" bIns="0" rtlCol="0">
+            <a:spAutoFit/>
+          </a:bodyPr>
+          <a:lstStyle/>
+          <a:p>
+            <a:pPr marL="12700">
+              <a:lnSpc>
+                <a:spcPct val="100000"/>
+              </a:lnSpc>
+              <a:spcBef>
+                <a:spcPts val="105"/>
+              </a:spcBef>
+            </a:pPr>
+            <a:r>
+              <a:rPr lang="en-US" sz="2800" dirty="0" err="1">
+                <a:latin typeface="Arial MT"/>
+              </a:rPr>
+              <a:t>Resumamos</a:t>
+            </a:r>
+            <a:r>
+              <a:rPr lang="en-US" sz="2800" dirty="0">
+                <a:latin typeface="Arial MT"/>
+              </a:rPr>
+              <a:t>...</a:t>
+            </a:r>
+            <a:endParaRPr lang="ru-RU" sz="2800" dirty="0">
+              <a:latin typeface="Arial MT"/>
+            </a:endParaRPr>
+          </a:p>
+        </p:txBody>
+      </p:sp>
+      <p:sp>
+        <p:nvSpPr>
+          <p:cNvPr id="3" name="object 3"/>
+          <p:cNvSpPr txBox="1"/>
+          <p:nvPr/>
+        </p:nvSpPr>
+        <p:spPr>
+          <a:xfrm>
+            <a:off x="914400" y="2057400"/>
+            <a:ext cx="10515600" cy="3399007"/>
+          </a:xfrm>
+          <a:prstGeom prst="rect">
+            <a:avLst/>
+          </a:prstGeom>
+        </p:spPr>
+        <p:txBody>
+          <a:bodyPr vert="horz" wrap="square" lIns="0" tIns="13335" rIns="0" bIns="0" rtlCol="0">
+            <a:spAutoFit/>
+          </a:bodyPr>
+          <a:lstStyle/>
+          <a:p>
+            <a:pPr algn="just"/>
+            <a:r>
+              <a:rPr lang="es-ES" sz="2000" dirty="0">
+                <a:latin typeface="Arial MT"/>
+              </a:rPr>
+              <a:t>La sincronización precisa del tiempo es un factor clave para mejorar la eficiencia de las redes eléctricas.</a:t>
+            </a:r>
+          </a:p>
+          <a:p>
+            <a:pPr algn="just"/>
+            <a:r>
+              <a:rPr lang="es-ES" sz="2000" dirty="0">
+                <a:latin typeface="Arial MT"/>
+              </a:rPr>
+              <a:t>La precisión del tiempo es crítica para los sistemas eléctricos modernos:</a:t>
+            </a:r>
+            <a:br>
+              <a:rPr lang="es-ES" sz="2000" dirty="0">
+                <a:latin typeface="Arial MT"/>
+              </a:rPr>
+            </a:br>
+            <a:r>
+              <a:rPr lang="ru-RU" sz="2000" dirty="0">
+                <a:latin typeface="Arial MT"/>
+              </a:rPr>
+              <a:t>	</a:t>
+            </a:r>
+            <a:r>
+              <a:rPr lang="es-ES" sz="2000" dirty="0">
+                <a:latin typeface="Arial MT"/>
+              </a:rPr>
+              <a:t>Un error de 1 ms puede causar un desfase de fase de hasta 18° (a 50 Hz), lo que provoca pérdidas significativas de energía y reduce la eficiencia del sistema. </a:t>
+            </a:r>
+            <a:r>
+              <a:rPr lang="ru-RU" sz="2000" dirty="0">
+                <a:latin typeface="Arial MT"/>
+              </a:rPr>
+              <a:t>	</a:t>
+            </a:r>
+            <a:r>
+              <a:rPr lang="es-ES" sz="2000" dirty="0">
+                <a:latin typeface="Arial MT"/>
+              </a:rPr>
+              <a:t>Servidores de tiempo precisos, como Qantum-PCI TimeCard, ofrecen una precisión inferior a 10 µs,</a:t>
+            </a:r>
+            <a:r>
+              <a:rPr lang="ru-RU" sz="2000" dirty="0">
+                <a:latin typeface="Arial MT"/>
+              </a:rPr>
+              <a:t> </a:t>
+            </a:r>
+            <a:r>
+              <a:rPr lang="es-ES" sz="2000" dirty="0">
+                <a:latin typeface="Arial MT"/>
+              </a:rPr>
+              <a:t>minimizando el desfase de fase hasta 0.8.</a:t>
+            </a:r>
+          </a:p>
+          <a:p>
+            <a:pPr algn="just"/>
+            <a:r>
+              <a:rPr lang="es-ES" sz="2000" dirty="0">
+                <a:latin typeface="Arial MT"/>
+              </a:rPr>
+              <a:t>Impacto económico de la implementación:</a:t>
+            </a:r>
+            <a:endParaRPr lang="ru-RU" sz="2000" dirty="0">
+              <a:latin typeface="Arial MT"/>
+            </a:endParaRPr>
+          </a:p>
+          <a:p>
+            <a:pPr algn="just"/>
+            <a:r>
+              <a:rPr lang="ru-RU" sz="2000" dirty="0">
+                <a:latin typeface="Arial MT"/>
+              </a:rPr>
+              <a:t>	</a:t>
+            </a:r>
+            <a:r>
+              <a:rPr lang="es-ES" sz="2000" dirty="0">
+                <a:latin typeface="Arial MT"/>
+              </a:rPr>
+              <a:t>Para una planta eléctrica de 300 MW, el ahorro anual es de 78.84 GWh o €1.97 millones , asumiendo un costo de 25 €/MWh, gracias a la reducción de pérdidas del 8% al 5%.</a:t>
+            </a:r>
+          </a:p>
+        </p:txBody>
+      </p:sp>
+    </p:spTree>
+    <p:extLst>
+      <p:ext uri="{BB962C8B-B14F-4D97-AF65-F5344CB8AC3E}">
+        <p14:creationId xmlns:p14="http://schemas.microsoft.com/office/powerpoint/2010/main" val="3257462437"/>
+      </p:ext>
+    </p:extLst>
+  </p:cSld>
+  <p:clrMapOvr>
+    <a:masterClrMapping/>
+  </p:clrMapOvr>
+</p:sld>
+</file>
+
 <file path=ppt/slides/slide2.xml><?xml version="1.0" encoding="utf-8"?>
+<p:sld xmlns:a="http://schemas.openxmlformats.org/drawingml/2006/main" xmlns:r="http://schemas.openxmlformats.org/officeDocument/2006/relationships" xmlns:p="http://schemas.openxmlformats.org/presentationml/2006/main" showMasterSp="0">
+  <p:cSld>
+    <p:spTree>
+      <p:nvGrpSpPr>
+        <p:cNvPr id="1" name=""/>
+        <p:cNvGrpSpPr/>
+        <p:nvPr/>
+      </p:nvGrpSpPr>
+      <p:grpSpPr>
+        <a:xfrm>
+          <a:off x="0" y="0"/>
+          <a:ext cx="0" cy="0"/>
+          <a:chOff x="0" y="0"/>
+          <a:chExt cx="0" cy="0"/>
+        </a:xfrm>
+      </p:grpSpPr>
+      <p:sp>
+        <p:nvSpPr>
+          <p:cNvPr id="6" name="object 6"/>
+          <p:cNvSpPr txBox="1"/>
+          <p:nvPr/>
+        </p:nvSpPr>
+        <p:spPr>
+          <a:xfrm>
+            <a:off x="3429000" y="1029402"/>
+            <a:ext cx="8534400" cy="443070"/>
+          </a:xfrm>
+          <a:prstGeom prst="rect">
+            <a:avLst/>
+          </a:prstGeom>
+        </p:spPr>
+        <p:txBody>
+          <a:bodyPr vert="horz" wrap="square" lIns="0" tIns="12065" rIns="0" bIns="0" rtlCol="0">
+            <a:spAutoFit/>
+          </a:bodyPr>
+          <a:lstStyle/>
+          <a:p>
+            <a:pPr algn="l"/>
+            <a:r>
+              <a:rPr lang="es-ES" sz="2800" b="1" i="0" dirty="0">
+                <a:solidFill>
+                  <a:srgbClr val="374151"/>
+                </a:solidFill>
+                <a:effectLst/>
+                <a:latin typeface="ui-sans-serif"/>
+              </a:rPr>
+              <a:t>Ventajas de la sincronización precisa:</a:t>
+            </a:r>
+            <a:endParaRPr lang="es-ES" sz="2800" b="0" i="0" dirty="0">
+              <a:solidFill>
+                <a:srgbClr val="374151"/>
+              </a:solidFill>
+              <a:effectLst/>
+              <a:latin typeface="ui-sans-serif"/>
+            </a:endParaRPr>
+          </a:p>
+        </p:txBody>
+      </p:sp>
+      <p:sp>
+        <p:nvSpPr>
+          <p:cNvPr id="8" name="object 8"/>
+          <p:cNvSpPr txBox="1"/>
+          <p:nvPr/>
+        </p:nvSpPr>
+        <p:spPr>
+          <a:xfrm>
+            <a:off x="1447800" y="2209800"/>
+            <a:ext cx="10333838" cy="1854995"/>
+          </a:xfrm>
+          <a:prstGeom prst="rect">
+            <a:avLst/>
+          </a:prstGeom>
+        </p:spPr>
+        <p:txBody>
+          <a:bodyPr vert="horz" wrap="square" lIns="0" tIns="69215" rIns="0" bIns="0" rtlCol="0">
+            <a:spAutoFit/>
+          </a:bodyPr>
+          <a:lstStyle/>
+          <a:p>
+            <a:pPr algn="l">
+              <a:buFont typeface="Arial" panose="020B0604020202020204" pitchFamily="34" charset="0"/>
+              <a:buChar char="•"/>
+            </a:pPr>
+            <a:r>
+              <a:rPr lang="ru-RU" sz="2400" b="0" i="0" dirty="0">
+                <a:solidFill>
+                  <a:srgbClr val="374151"/>
+                </a:solidFill>
+                <a:effectLst/>
+                <a:latin typeface="ui-sans-serif"/>
+              </a:rPr>
+              <a:t> </a:t>
+            </a:r>
+            <a:r>
+              <a:rPr lang="es-ES" sz="2400" b="0" i="0" dirty="0">
+                <a:solidFill>
+                  <a:srgbClr val="374151"/>
+                </a:solidFill>
+                <a:effectLst/>
+                <a:latin typeface="ui-sans-serif"/>
+              </a:rPr>
+              <a:t>Mejora la gestión de la red a través de SCADA.</a:t>
+            </a:r>
+          </a:p>
+          <a:p>
+            <a:pPr algn="l">
+              <a:buFont typeface="Arial" panose="020B0604020202020204" pitchFamily="34" charset="0"/>
+              <a:buChar char="•"/>
+            </a:pPr>
+            <a:r>
+              <a:rPr lang="ru-RU" sz="2400" b="0" i="0" dirty="0">
+                <a:solidFill>
+                  <a:srgbClr val="374151"/>
+                </a:solidFill>
+                <a:effectLst/>
+                <a:latin typeface="ui-sans-serif"/>
+              </a:rPr>
+              <a:t> </a:t>
+            </a:r>
+            <a:r>
+              <a:rPr lang="es-ES" sz="2400" b="0" i="0" dirty="0">
+                <a:solidFill>
+                  <a:srgbClr val="374151"/>
+                </a:solidFill>
+                <a:effectLst/>
+                <a:latin typeface="ui-sans-serif"/>
+              </a:rPr>
+              <a:t>Minimiza las corrientes de impacto durante la conmutación del equipo.</a:t>
+            </a:r>
+          </a:p>
+          <a:p>
+            <a:pPr algn="l">
+              <a:buFont typeface="Arial" panose="020B0604020202020204" pitchFamily="34" charset="0"/>
+              <a:buChar char="•"/>
+            </a:pPr>
+            <a:r>
+              <a:rPr lang="ru-RU" sz="2400" b="0" i="0" dirty="0">
+                <a:solidFill>
+                  <a:srgbClr val="374151"/>
+                </a:solidFill>
+                <a:effectLst/>
+                <a:latin typeface="ui-sans-serif"/>
+              </a:rPr>
+              <a:t> </a:t>
+            </a:r>
+            <a:r>
+              <a:rPr lang="es-ES" sz="2400" b="0" i="0" dirty="0">
+                <a:solidFill>
+                  <a:srgbClr val="374151"/>
+                </a:solidFill>
+                <a:effectLst/>
+                <a:latin typeface="ui-sans-serif"/>
+              </a:rPr>
+              <a:t>Proporciona mediciones más precisas del estado de la red mediante PMU.</a:t>
+            </a:r>
+          </a:p>
+          <a:p>
+            <a:pPr algn="l">
+              <a:buFont typeface="Arial" panose="020B0604020202020204" pitchFamily="34" charset="0"/>
+              <a:buChar char="•"/>
+            </a:pPr>
+            <a:r>
+              <a:rPr lang="ru-RU" sz="2400" b="0" i="0" dirty="0">
+                <a:solidFill>
+                  <a:srgbClr val="374151"/>
+                </a:solidFill>
+                <a:effectLst/>
+                <a:latin typeface="ui-sans-serif"/>
+              </a:rPr>
+              <a:t> </a:t>
+            </a:r>
+            <a:r>
+              <a:rPr lang="es-ES" sz="2400" b="0" i="0" dirty="0">
+                <a:solidFill>
+                  <a:srgbClr val="374151"/>
+                </a:solidFill>
+                <a:effectLst/>
+                <a:latin typeface="ui-sans-serif"/>
+              </a:rPr>
+              <a:t>Facilita la identificación precisa de fallas.</a:t>
+            </a:r>
+          </a:p>
+          <a:p>
+            <a:pPr marL="1795780">
+              <a:lnSpc>
+                <a:spcPct val="100000"/>
+              </a:lnSpc>
+            </a:pPr>
+            <a:endParaRPr sz="2000" dirty="0">
+              <a:latin typeface="Arial MT"/>
+              <a:cs typeface="Arial MT"/>
+            </a:endParaRPr>
+          </a:p>
+        </p:txBody>
+      </p:sp>
+      <p:sp>
+        <p:nvSpPr>
+          <p:cNvPr id="5" name="object 3">
+            <a:extLst>
+              <a:ext uri="{FF2B5EF4-FFF2-40B4-BE49-F238E27FC236}">
+                <a16:creationId xmlns:a16="http://schemas.microsoft.com/office/drawing/2014/main" id="{8E9932BE-BACB-47BA-9F78-E713B4D83943}"/>
+              </a:ext>
+            </a:extLst>
+          </p:cNvPr>
+          <p:cNvSpPr/>
+          <p:nvPr/>
+        </p:nvSpPr>
+        <p:spPr>
+          <a:xfrm>
+            <a:off x="10136123" y="4802123"/>
+            <a:ext cx="2056130" cy="2056130"/>
+          </a:xfrm>
+          <a:custGeom>
+            <a:avLst/>
+            <a:gdLst/>
+            <a:ahLst/>
+            <a:cxnLst/>
+            <a:rect l="l" t="t" r="r" b="b"/>
+            <a:pathLst>
+              <a:path w="2056129" h="2056129">
+                <a:moveTo>
+                  <a:pt x="2055876" y="0"/>
+                </a:moveTo>
+                <a:lnTo>
+                  <a:pt x="0" y="2055875"/>
+                </a:lnTo>
+                <a:lnTo>
+                  <a:pt x="2055876" y="2055875"/>
+                </a:lnTo>
+                <a:lnTo>
+                  <a:pt x="2055876" y="0"/>
+                </a:lnTo>
+                <a:close/>
+              </a:path>
+            </a:pathLst>
+          </a:custGeom>
+          <a:solidFill>
+            <a:srgbClr val="BA1225"/>
+          </a:solidFill>
+        </p:spPr>
+        <p:txBody>
+          <a:bodyPr wrap="square" lIns="0" tIns="0" rIns="0" bIns="0" rtlCol="0"/>
+          <a:lstStyle/>
+          <a:p>
+            <a:endParaRPr/>
+          </a:p>
+        </p:txBody>
+      </p:sp>
+    </p:spTree>
+  </p:cSld>
+  <p:clrMapOvr>
+    <a:masterClrMapping/>
+  </p:clrMapOvr>
+</p:sld>
+</file>
+
+<file path=ppt/slides/slide3.xml><?xml version="1.0" encoding="utf-8"?>
 <p:sld xmlns:a="http://schemas.openxmlformats.org/drawingml/2006/main" xmlns:r="http://schemas.openxmlformats.org/officeDocument/2006/relationships" xmlns:p="http://schemas.openxmlformats.org/presentationml/2006/main">
   <p:cSld>
     <p:spTree>
@@ -12053,8 +6883,8 @@
         </p:nvSpPr>
         <p:spPr>
           <a:xfrm>
-            <a:off x="1069573" y="1776858"/>
-            <a:ext cx="11331995" cy="443070"/>
+            <a:off x="2819400" y="1441998"/>
+            <a:ext cx="7965006" cy="381515"/>
           </a:xfrm>
           <a:prstGeom prst="rect">
             <a:avLst/>
@@ -12075,15 +6905,19 @@
               </a:spcBef>
             </a:pPr>
             <a:r>
-              <a:rPr lang="es-ES" sz="2800" spc="-15" dirty="0">
-                <a:latin typeface="Arial MT"/>
-                <a:cs typeface="Arial MT"/>
+              <a:rPr lang="es-ES" sz="2400" dirty="0">
+                <a:solidFill>
+                  <a:srgbClr val="374151"/>
+                </a:solidFill>
+                <a:latin typeface="ui-sans-serif"/>
               </a:rPr>
               <a:t>Bien cubierto usando PTP (y los perfiles correspondientes)</a:t>
             </a:r>
-            <a:endParaRPr sz="2800" dirty="0">
-              <a:latin typeface="Arial MT"/>
-              <a:cs typeface="Arial MT"/>
+            <a:endParaRPr sz="2400" dirty="0">
+              <a:solidFill>
+                <a:srgbClr val="374151"/>
+              </a:solidFill>
+              <a:latin typeface="ui-sans-serif"/>
             </a:endParaRPr>
           </a:p>
         </p:txBody>
@@ -13836,7 +8670,7 @@
         </p:nvSpPr>
         <p:spPr>
           <a:xfrm>
-            <a:off x="2579096" y="561108"/>
+            <a:off x="3018917" y="576572"/>
             <a:ext cx="7306309" cy="444352"/>
           </a:xfrm>
           <a:prstGeom prst="rect">
@@ -13858,15 +8692,23 @@
               </a:spcBef>
             </a:pPr>
             <a:r>
-              <a:rPr lang="es-ES" sz="2800" spc="-5" dirty="0">
-                <a:latin typeface="Arial MT"/>
+              <a:rPr lang="es-ES" sz="2800" b="1" dirty="0">
+                <a:solidFill>
+                  <a:srgbClr val="374151"/>
+                </a:solidFill>
+                <a:latin typeface="ui-sans-serif"/>
                 <a:ea typeface="+mn-ea"/>
+                <a:cs typeface="+mn-cs"/>
               </a:rPr>
               <a:t>Aplicaciones por escala de incertidumbre</a:t>
             </a:r>
-            <a:endParaRPr lang="en-US" sz="2800" spc="-5" dirty="0">
-              <a:latin typeface="Arial MT"/>
+            <a:endParaRPr lang="en-US" sz="2800" b="1" dirty="0">
+              <a:solidFill>
+                <a:srgbClr val="374151"/>
+              </a:solidFill>
+              <a:latin typeface="ui-sans-serif"/>
               <a:ea typeface="+mn-ea"/>
+              <a:cs typeface="+mn-cs"/>
             </a:endParaRPr>
           </a:p>
         </p:txBody>
@@ -13932,7 +8774,7 @@
 </p:sld>
 </file>
 
-<file path=ppt/slides/slide3.xml><?xml version="1.0" encoding="utf-8"?>
+<file path=ppt/slides/slide4.xml><?xml version="1.0" encoding="utf-8"?>
 <p:sld xmlns:a="http://schemas.openxmlformats.org/drawingml/2006/main" xmlns:r="http://schemas.openxmlformats.org/officeDocument/2006/relationships" xmlns:p="http://schemas.openxmlformats.org/presentationml/2006/main" showMasterSp="0">
   <p:cSld>
     <p:spTree>
@@ -13957,7 +8799,7 @@
         </p:nvSpPr>
         <p:spPr>
           <a:xfrm>
-            <a:off x="1524000" y="519950"/>
+            <a:off x="2209800" y="668134"/>
             <a:ext cx="8534400" cy="443070"/>
           </a:xfrm>
           <a:prstGeom prst="rect">
@@ -13979,15 +8821,19 @@
               </a:spcBef>
             </a:pPr>
             <a:r>
-              <a:rPr lang="es-ES" sz="2800" spc="-5" dirty="0">
-                <a:latin typeface="Arial MT"/>
-                <a:cs typeface="Arial MT"/>
+              <a:rPr lang="es-ES" sz="2800" b="1" dirty="0">
+                <a:solidFill>
+                  <a:srgbClr val="374151"/>
+                </a:solidFill>
+                <a:latin typeface="ui-sans-serif"/>
               </a:rPr>
               <a:t>Frecuencias del sistema de potencia - 50 Hz / 60 Hz</a:t>
             </a:r>
-            <a:endParaRPr sz="2800" dirty="0">
-              <a:latin typeface="Arial MT"/>
-              <a:cs typeface="Arial MT"/>
+            <a:endParaRPr sz="2800" b="1" dirty="0">
+              <a:solidFill>
+                <a:srgbClr val="374151"/>
+              </a:solidFill>
+              <a:latin typeface="ui-sans-serif"/>
             </a:endParaRPr>
           </a:p>
         </p:txBody>
@@ -13998,13 +8844,7 @@
           <p:cNvGraphicFramePr>
             <a:graphicFrameLocks noGrp="1"/>
           </p:cNvGraphicFramePr>
-          <p:nvPr>
-            <p:extLst>
-              <p:ext uri="{D42A27DB-BD31-4B8C-83A1-F6EECF244321}">
-                <p14:modId xmlns:p14="http://schemas.microsoft.com/office/powerpoint/2010/main" val="311068040"/>
-              </p:ext>
-            </p:extLst>
-          </p:nvPr>
+          <p:nvPr/>
         </p:nvGraphicFramePr>
         <p:xfrm>
           <a:off x="2495867" y="1752600"/>
@@ -15492,6 +10332,11 @@
         </p:txBody>
       </p:sp>
     </p:spTree>
+    <p:extLst>
+      <p:ext uri="{BB962C8B-B14F-4D97-AF65-F5344CB8AC3E}">
+        <p14:creationId xmlns:p14="http://schemas.microsoft.com/office/powerpoint/2010/main" val="699598289"/>
+      </p:ext>
+    </p:extLst>
   </p:cSld>
   <p:clrMapOvr>
     <a:masterClrMapping/>
@@ -15499,7 +10344,7 @@
 </p:sld>
 </file>
 
-<file path=ppt/slides/slide4.xml><?xml version="1.0" encoding="utf-8"?>
+<file path=ppt/slides/slide5.xml><?xml version="1.0" encoding="utf-8"?>
 <p:sld xmlns:a="http://schemas.openxmlformats.org/drawingml/2006/main" xmlns:r="http://schemas.openxmlformats.org/officeDocument/2006/relationships" xmlns:p="http://schemas.openxmlformats.org/presentationml/2006/main" showMasterSp="0">
   <p:cSld>
     <p:spTree>
@@ -15528,7 +10373,7 @@
         </p:nvSpPr>
         <p:spPr>
           <a:xfrm>
-            <a:off x="1761108" y="377028"/>
+            <a:off x="1965768" y="454105"/>
             <a:ext cx="9038337" cy="443070"/>
           </a:xfrm>
           <a:prstGeom prst="rect">
@@ -15550,15 +10395,23 @@
               </a:spcBef>
             </a:pPr>
             <a:r>
-              <a:rPr lang="es-ES" sz="2800" spc="-5" dirty="0">
-                <a:latin typeface="Arial MT"/>
+              <a:rPr lang="es-ES" sz="2800" b="1" dirty="0">
+                <a:solidFill>
+                  <a:srgbClr val="374151"/>
+                </a:solidFill>
+                <a:latin typeface="ui-sans-serif"/>
                 <a:ea typeface="+mn-ea"/>
+                <a:cs typeface="+mn-cs"/>
               </a:rPr>
               <a:t>Valores muestreados: Tiempo de muestreo en "9-2LE"</a:t>
             </a:r>
-            <a:endParaRPr sz="2800" spc="-5" dirty="0">
-              <a:latin typeface="Arial MT"/>
+            <a:endParaRPr sz="2800" b="1" dirty="0">
+              <a:solidFill>
+                <a:srgbClr val="374151"/>
+              </a:solidFill>
+              <a:latin typeface="ui-sans-serif"/>
               <a:ea typeface="+mn-ea"/>
+              <a:cs typeface="+mn-cs"/>
             </a:endParaRPr>
           </a:p>
         </p:txBody>
@@ -15987,7 +10840,7 @@
 </p:sld>
 </file>
 
-<file path=ppt/slides/slide5.xml><?xml version="1.0" encoding="utf-8"?>
+<file path=ppt/slides/slide6.xml><?xml version="1.0" encoding="utf-8"?>
 <p:sld xmlns:a="http://schemas.openxmlformats.org/drawingml/2006/main" xmlns:r="http://schemas.openxmlformats.org/officeDocument/2006/relationships" xmlns:p="http://schemas.openxmlformats.org/presentationml/2006/main">
   <p:cSld>
     <p:spTree>
@@ -16060,22 +10913,34 @@
               </a:spcBef>
             </a:pPr>
             <a:r>
-              <a:rPr lang="en-US" sz="2800" spc="-5" dirty="0" err="1">
-                <a:latin typeface="Arial MT"/>
+              <a:rPr lang="en-US" sz="2800" b="1" dirty="0" err="1">
+                <a:solidFill>
+                  <a:srgbClr val="374151"/>
+                </a:solidFill>
+                <a:latin typeface="ui-sans-serif"/>
                 <a:ea typeface="+mn-ea"/>
+                <a:cs typeface="+mn-cs"/>
               </a:rPr>
               <a:t>Requisitos</a:t>
             </a:r>
             <a:r>
-              <a:rPr lang="en-US" sz="2800" spc="-5" dirty="0">
-                <a:latin typeface="Arial MT"/>
+              <a:rPr lang="en-US" sz="2800" b="1" dirty="0">
+                <a:solidFill>
+                  <a:srgbClr val="374151"/>
+                </a:solidFill>
+                <a:latin typeface="ui-sans-serif"/>
                 <a:ea typeface="+mn-ea"/>
+                <a:cs typeface="+mn-cs"/>
               </a:rPr>
               <a:t> para PMUs</a:t>
             </a:r>
-            <a:endParaRPr sz="2800" spc="-5" dirty="0">
-              <a:latin typeface="Arial MT"/>
+            <a:endParaRPr sz="2800" b="1" dirty="0">
+              <a:solidFill>
+                <a:srgbClr val="374151"/>
+              </a:solidFill>
+              <a:latin typeface="ui-sans-serif"/>
               <a:ea typeface="+mn-ea"/>
+              <a:cs typeface="+mn-cs"/>
             </a:endParaRPr>
           </a:p>
         </p:txBody>
@@ -16306,462 +11171,6 @@
           <a:lstStyle/>
           <a:p>
             <a:endParaRPr/>
-          </a:p>
-        </p:txBody>
-      </p:sp>
-    </p:spTree>
-  </p:cSld>
-  <p:clrMapOvr>
-    <a:masterClrMapping/>
-  </p:clrMapOvr>
-</p:sld>
-</file>
-
-<file path=ppt/slides/slide6.xml><?xml version="1.0" encoding="utf-8"?>
-<p:sld xmlns:a="http://schemas.openxmlformats.org/drawingml/2006/main" xmlns:r="http://schemas.openxmlformats.org/officeDocument/2006/relationships" xmlns:p="http://schemas.openxmlformats.org/presentationml/2006/main" showMasterSp="0">
-  <p:cSld>
-    <p:spTree>
-      <p:nvGrpSpPr>
-        <p:cNvPr id="1" name=""/>
-        <p:cNvGrpSpPr/>
-        <p:nvPr/>
-      </p:nvGrpSpPr>
-      <p:grpSpPr>
-        <a:xfrm>
-          <a:off x="0" y="0"/>
-          <a:ext cx="0" cy="0"/>
-          <a:chOff x="0" y="0"/>
-          <a:chExt cx="0" cy="0"/>
-        </a:xfrm>
-      </p:grpSpPr>
-      <p:sp>
-        <p:nvSpPr>
-          <p:cNvPr id="3" name="object 3"/>
-          <p:cNvSpPr/>
-          <p:nvPr/>
-        </p:nvSpPr>
-        <p:spPr>
-          <a:xfrm>
-            <a:off x="10136123" y="4802123"/>
-            <a:ext cx="2056130" cy="2056130"/>
-          </a:xfrm>
-          <a:custGeom>
-            <a:avLst/>
-            <a:gdLst/>
-            <a:ahLst/>
-            <a:cxnLst/>
-            <a:rect l="l" t="t" r="r" b="b"/>
-            <a:pathLst>
-              <a:path w="2056129" h="2056129">
-                <a:moveTo>
-                  <a:pt x="2055876" y="0"/>
-                </a:moveTo>
-                <a:lnTo>
-                  <a:pt x="0" y="2055875"/>
-                </a:lnTo>
-                <a:lnTo>
-                  <a:pt x="2055876" y="2055875"/>
-                </a:lnTo>
-                <a:lnTo>
-                  <a:pt x="2055876" y="0"/>
-                </a:lnTo>
-                <a:close/>
-              </a:path>
-            </a:pathLst>
-          </a:custGeom>
-          <a:solidFill>
-            <a:srgbClr val="BA1225"/>
-          </a:solidFill>
-        </p:spPr>
-        <p:txBody>
-          <a:bodyPr wrap="square" lIns="0" tIns="0" rIns="0" bIns="0" rtlCol="0"/>
-          <a:lstStyle/>
-          <a:p>
-            <a:endParaRPr/>
-          </a:p>
-        </p:txBody>
-      </p:sp>
-      <p:sp>
-        <p:nvSpPr>
-          <p:cNvPr id="6" name="object 6"/>
-          <p:cNvSpPr txBox="1">
-            <a:spLocks noGrp="1"/>
-          </p:cNvSpPr>
-          <p:nvPr>
-            <p:ph type="title"/>
-          </p:nvPr>
-        </p:nvSpPr>
-        <p:spPr>
-          <a:xfrm>
-            <a:off x="4267200" y="304800"/>
-            <a:ext cx="3006725" cy="689291"/>
-          </a:xfrm>
-          <a:prstGeom prst="rect">
-            <a:avLst/>
-          </a:prstGeom>
-        </p:spPr>
-        <p:txBody>
-          <a:bodyPr vert="horz" wrap="square" lIns="0" tIns="12065" rIns="0" bIns="0" rtlCol="0">
-            <a:spAutoFit/>
-          </a:bodyPr>
-          <a:lstStyle/>
-          <a:p>
-            <a:pPr marL="12700">
-              <a:lnSpc>
-                <a:spcPct val="100000"/>
-              </a:lnSpc>
-              <a:spcBef>
-                <a:spcPts val="95"/>
-              </a:spcBef>
-            </a:pPr>
-            <a:r>
-              <a:rPr spc="-5" dirty="0"/>
-              <a:t>PTP</a:t>
-            </a:r>
-            <a:r>
-              <a:rPr spc="-140" dirty="0"/>
-              <a:t> </a:t>
-            </a:r>
-            <a:r>
-              <a:rPr spc="-5" dirty="0"/>
-              <a:t>Profiles</a:t>
-            </a:r>
-          </a:p>
-        </p:txBody>
-      </p:sp>
-      <p:sp>
-        <p:nvSpPr>
-          <p:cNvPr id="7" name="object 7"/>
-          <p:cNvSpPr txBox="1"/>
-          <p:nvPr/>
-        </p:nvSpPr>
-        <p:spPr>
-          <a:xfrm>
-            <a:off x="918159" y="1246903"/>
-            <a:ext cx="3063240" cy="3828869"/>
-          </a:xfrm>
-          <a:prstGeom prst="rect">
-            <a:avLst/>
-          </a:prstGeom>
-        </p:spPr>
-        <p:txBody>
-          <a:bodyPr vert="horz" wrap="square" lIns="0" tIns="56515" rIns="0" bIns="0" rtlCol="0">
-            <a:spAutoFit/>
-          </a:bodyPr>
-          <a:lstStyle/>
-          <a:p>
-            <a:pPr marL="12700">
-              <a:lnSpc>
-                <a:spcPct val="100000"/>
-              </a:lnSpc>
-              <a:spcBef>
-                <a:spcPts val="445"/>
-              </a:spcBef>
-            </a:pPr>
-            <a:r>
-              <a:rPr sz="2000" spc="-5" dirty="0">
-                <a:latin typeface="Arial MT"/>
-                <a:cs typeface="Arial MT"/>
-              </a:rPr>
-              <a:t>IEC</a:t>
-            </a:r>
-            <a:r>
-              <a:rPr sz="2000" spc="-30" dirty="0">
-                <a:latin typeface="Arial MT"/>
-                <a:cs typeface="Arial MT"/>
-              </a:rPr>
-              <a:t> </a:t>
-            </a:r>
-            <a:r>
-              <a:rPr sz="2000" dirty="0">
-                <a:latin typeface="Arial MT"/>
-                <a:cs typeface="Arial MT"/>
-              </a:rPr>
-              <a:t>61850-9-3</a:t>
-            </a:r>
-          </a:p>
-          <a:p>
-            <a:pPr marL="280670">
-              <a:lnSpc>
-                <a:spcPct val="100000"/>
-              </a:lnSpc>
-              <a:spcBef>
-                <a:spcPts val="300"/>
-              </a:spcBef>
-            </a:pPr>
-            <a:r>
-              <a:rPr sz="1700" spc="-5" dirty="0">
-                <a:latin typeface="Arial MT"/>
-                <a:cs typeface="Arial MT"/>
-              </a:rPr>
-              <a:t>Power</a:t>
-            </a:r>
-            <a:r>
-              <a:rPr sz="1700" spc="-15" dirty="0">
-                <a:latin typeface="Arial MT"/>
-                <a:cs typeface="Arial MT"/>
-              </a:rPr>
-              <a:t> </a:t>
-            </a:r>
-            <a:r>
-              <a:rPr sz="1700" dirty="0">
-                <a:latin typeface="Arial MT"/>
-                <a:cs typeface="Arial MT"/>
-              </a:rPr>
-              <a:t>Utility</a:t>
-            </a:r>
-            <a:r>
-              <a:rPr sz="1700" spc="-55" dirty="0">
-                <a:latin typeface="Arial MT"/>
-                <a:cs typeface="Arial MT"/>
-              </a:rPr>
-              <a:t> </a:t>
-            </a:r>
-            <a:r>
-              <a:rPr sz="1700" dirty="0">
-                <a:latin typeface="Arial MT"/>
-                <a:cs typeface="Arial MT"/>
-              </a:rPr>
-              <a:t>Profile</a:t>
-            </a:r>
-          </a:p>
-          <a:p>
-            <a:pPr marL="280670" marR="5080">
-              <a:lnSpc>
-                <a:spcPct val="114700"/>
-              </a:lnSpc>
-              <a:spcBef>
-                <a:spcPts val="5"/>
-              </a:spcBef>
-            </a:pPr>
-            <a:r>
-              <a:rPr sz="1700" dirty="0">
-                <a:latin typeface="Arial MT"/>
-                <a:cs typeface="Arial MT"/>
-              </a:rPr>
-              <a:t>Close </a:t>
-            </a:r>
-            <a:r>
-              <a:rPr sz="1700" spc="-5" dirty="0">
-                <a:latin typeface="Arial MT"/>
-                <a:cs typeface="Arial MT"/>
-              </a:rPr>
-              <a:t>to the </a:t>
-            </a:r>
-            <a:r>
-              <a:rPr sz="1700" dirty="0">
-                <a:latin typeface="Arial MT"/>
-                <a:cs typeface="Arial MT"/>
-              </a:rPr>
-              <a:t>Standard Profile </a:t>
-            </a:r>
-            <a:r>
-              <a:rPr sz="1700" spc="-459" dirty="0">
-                <a:latin typeface="Arial MT"/>
-                <a:cs typeface="Arial MT"/>
-              </a:rPr>
-              <a:t> </a:t>
-            </a:r>
-            <a:r>
-              <a:rPr sz="1700" dirty="0">
-                <a:latin typeface="Arial MT"/>
-                <a:cs typeface="Arial MT"/>
-              </a:rPr>
-              <a:t>Basic</a:t>
-            </a:r>
-            <a:r>
-              <a:rPr sz="1700" spc="-25" dirty="0">
-                <a:latin typeface="Arial MT"/>
-                <a:cs typeface="Arial MT"/>
-              </a:rPr>
-              <a:t> </a:t>
-            </a:r>
-            <a:r>
-              <a:rPr sz="1700" dirty="0">
-                <a:latin typeface="Arial MT"/>
-                <a:cs typeface="Arial MT"/>
-              </a:rPr>
-              <a:t>profile</a:t>
-            </a:r>
-          </a:p>
-          <a:p>
-            <a:pPr>
-              <a:lnSpc>
-                <a:spcPct val="100000"/>
-              </a:lnSpc>
-            </a:pPr>
-            <a:endParaRPr sz="1900" dirty="0">
-              <a:latin typeface="Arial MT"/>
-              <a:cs typeface="Arial MT"/>
-            </a:endParaRPr>
-          </a:p>
-          <a:p>
-            <a:pPr>
-              <a:lnSpc>
-                <a:spcPct val="100000"/>
-              </a:lnSpc>
-            </a:pPr>
-            <a:endParaRPr sz="1500" dirty="0">
-              <a:latin typeface="Arial MT"/>
-              <a:cs typeface="Arial MT"/>
-            </a:endParaRPr>
-          </a:p>
-          <a:p>
-            <a:pPr marL="12700">
-              <a:lnSpc>
-                <a:spcPct val="100000"/>
-              </a:lnSpc>
-            </a:pPr>
-            <a:r>
-              <a:rPr sz="2000" spc="-5" dirty="0">
-                <a:latin typeface="Arial MT"/>
-                <a:cs typeface="Arial MT"/>
-              </a:rPr>
-              <a:t>IEEE</a:t>
-            </a:r>
-            <a:r>
-              <a:rPr sz="2000" spc="-35" dirty="0">
-                <a:latin typeface="Arial MT"/>
-                <a:cs typeface="Arial MT"/>
-              </a:rPr>
-              <a:t> </a:t>
-            </a:r>
-            <a:r>
-              <a:rPr sz="2000" dirty="0">
-                <a:latin typeface="Arial MT"/>
-                <a:cs typeface="Arial MT"/>
-              </a:rPr>
-              <a:t>C37.238</a:t>
-            </a:r>
-          </a:p>
-          <a:p>
-            <a:pPr marL="280670">
-              <a:lnSpc>
-                <a:spcPct val="100000"/>
-              </a:lnSpc>
-              <a:spcBef>
-                <a:spcPts val="305"/>
-              </a:spcBef>
-            </a:pPr>
-            <a:r>
-              <a:rPr sz="1700" spc="-5" dirty="0">
-                <a:latin typeface="Arial MT"/>
-                <a:cs typeface="Arial MT"/>
-              </a:rPr>
-              <a:t>Power</a:t>
-            </a:r>
-            <a:r>
-              <a:rPr sz="1700" spc="-25" dirty="0">
-                <a:latin typeface="Arial MT"/>
-                <a:cs typeface="Arial MT"/>
-              </a:rPr>
-              <a:t> </a:t>
-            </a:r>
-            <a:r>
-              <a:rPr sz="1700" dirty="0">
-                <a:latin typeface="Arial MT"/>
-                <a:cs typeface="Arial MT"/>
-              </a:rPr>
-              <a:t>Profile</a:t>
-            </a:r>
-          </a:p>
-          <a:p>
-            <a:pPr>
-              <a:lnSpc>
-                <a:spcPct val="100000"/>
-              </a:lnSpc>
-            </a:pPr>
-            <a:endParaRPr sz="1900" dirty="0">
-              <a:latin typeface="Arial MT"/>
-              <a:cs typeface="Arial MT"/>
-            </a:endParaRPr>
-          </a:p>
-          <a:p>
-            <a:pPr>
-              <a:lnSpc>
-                <a:spcPct val="100000"/>
-              </a:lnSpc>
-            </a:pPr>
-            <a:endParaRPr sz="1500" dirty="0">
-              <a:latin typeface="Arial MT"/>
-              <a:cs typeface="Arial MT"/>
-            </a:endParaRPr>
-          </a:p>
-          <a:p>
-            <a:pPr marL="12700">
-              <a:lnSpc>
-                <a:spcPct val="100000"/>
-              </a:lnSpc>
-            </a:pPr>
-            <a:r>
-              <a:rPr sz="2000" dirty="0">
-                <a:latin typeface="Arial MT"/>
-                <a:cs typeface="Arial MT"/>
-              </a:rPr>
-              <a:t>Common</a:t>
-            </a:r>
-            <a:r>
-              <a:rPr sz="2000" spc="-60" dirty="0">
-                <a:latin typeface="Arial MT"/>
-                <a:cs typeface="Arial MT"/>
-              </a:rPr>
-              <a:t> </a:t>
-            </a:r>
-            <a:r>
-              <a:rPr sz="2000" dirty="0">
-                <a:latin typeface="Arial MT"/>
-                <a:cs typeface="Arial MT"/>
-              </a:rPr>
-              <a:t>properties</a:t>
-            </a:r>
-          </a:p>
-          <a:p>
-            <a:pPr marL="280670">
-              <a:lnSpc>
-                <a:spcPct val="100000"/>
-              </a:lnSpc>
-              <a:spcBef>
-                <a:spcPts val="300"/>
-              </a:spcBef>
-            </a:pPr>
-            <a:r>
-              <a:rPr sz="1700" spc="-5" dirty="0">
-                <a:latin typeface="Arial MT"/>
-                <a:cs typeface="Arial MT"/>
-              </a:rPr>
-              <a:t>Layer</a:t>
-            </a:r>
-            <a:r>
-              <a:rPr sz="1700" spc="-25" dirty="0">
-                <a:latin typeface="Arial MT"/>
-                <a:cs typeface="Arial MT"/>
-              </a:rPr>
-              <a:t> </a:t>
-            </a:r>
-            <a:r>
-              <a:rPr sz="1700" dirty="0">
-                <a:latin typeface="Arial MT"/>
-                <a:cs typeface="Arial MT"/>
-              </a:rPr>
-              <a:t>2</a:t>
-            </a:r>
-          </a:p>
-          <a:p>
-            <a:pPr marL="280670">
-              <a:lnSpc>
-                <a:spcPct val="100000"/>
-              </a:lnSpc>
-              <a:spcBef>
-                <a:spcPts val="305"/>
-              </a:spcBef>
-            </a:pPr>
-            <a:r>
-              <a:rPr sz="1700" dirty="0">
-                <a:latin typeface="Arial MT"/>
-                <a:cs typeface="Arial MT"/>
-              </a:rPr>
-              <a:t>Peer-to-peer</a:t>
-            </a:r>
           </a:p>
         </p:txBody>
       </p:sp>
@@ -18963,8 +13372,8 @@
         </p:nvSpPr>
         <p:spPr>
           <a:xfrm>
-            <a:off x="881126" y="250430"/>
-            <a:ext cx="10646537" cy="1243289"/>
+            <a:off x="881126" y="435096"/>
+            <a:ext cx="10646537" cy="873957"/>
           </a:xfrm>
           <a:prstGeom prst="rect">
             <a:avLst/>
@@ -18985,17 +13394,45 @@
               </a:spcBef>
             </a:pPr>
             <a:r>
-              <a:rPr lang="es-ES" sz="4000" spc="-5" dirty="0"/>
+              <a:rPr lang="es-ES" sz="2800" b="1" dirty="0">
+                <a:solidFill>
+                  <a:srgbClr val="374151"/>
+                </a:solidFill>
+                <a:latin typeface="ui-sans-serif"/>
+                <a:ea typeface="+mn-ea"/>
+                <a:cs typeface="+mn-cs"/>
+              </a:rPr>
               <a:t>Precisión a lo largo de la cadena </a:t>
             </a:r>
             <a:br>
-              <a:rPr lang="ru-RU" sz="4000" spc="-5" dirty="0"/>
+              <a:rPr lang="ru-RU" sz="2800" b="1" dirty="0">
+                <a:solidFill>
+                  <a:srgbClr val="374151"/>
+                </a:solidFill>
+                <a:latin typeface="ui-sans-serif"/>
+                <a:ea typeface="+mn-ea"/>
+                <a:cs typeface="+mn-cs"/>
+              </a:rPr>
             </a:br>
             <a:r>
-              <a:rPr lang="es-ES" sz="4000" spc="-5" dirty="0"/>
+              <a:rPr lang="es-ES" sz="2800" b="1" dirty="0">
+                <a:solidFill>
+                  <a:srgbClr val="374151"/>
+                </a:solidFill>
+                <a:latin typeface="ui-sans-serif"/>
+                <a:ea typeface="+mn-ea"/>
+                <a:cs typeface="+mn-cs"/>
+              </a:rPr>
               <a:t>de distribución de tiempo</a:t>
             </a:r>
-            <a:endParaRPr lang="en-US" sz="4000" spc="-5" dirty="0"/>
+            <a:endParaRPr lang="en-US" sz="2800" b="1" dirty="0">
+              <a:solidFill>
+                <a:srgbClr val="374151"/>
+              </a:solidFill>
+              <a:latin typeface="ui-sans-serif"/>
+              <a:ea typeface="+mn-ea"/>
+              <a:cs typeface="+mn-cs"/>
+            </a:endParaRPr>
           </a:p>
         </p:txBody>
       </p:sp>
@@ -20797,8 +15234,8 @@
         </p:nvSpPr>
         <p:spPr>
           <a:xfrm>
-            <a:off x="3126801" y="-15157"/>
-            <a:ext cx="6705600" cy="1243289"/>
+            <a:off x="3126801" y="169509"/>
+            <a:ext cx="6705600" cy="873957"/>
           </a:xfrm>
           <a:prstGeom prst="rect">
             <a:avLst/>
@@ -20819,17 +15256,45 @@
               </a:spcBef>
             </a:pPr>
             <a:r>
-              <a:rPr lang="es-ES" sz="4000" spc="-5" dirty="0"/>
+              <a:rPr lang="es-ES" sz="2800" b="1" dirty="0">
+                <a:solidFill>
+                  <a:srgbClr val="374151"/>
+                </a:solidFill>
+                <a:latin typeface="ui-sans-serif"/>
+                <a:ea typeface="+mn-ea"/>
+                <a:cs typeface="+mn-cs"/>
+              </a:rPr>
               <a:t>Precisión a lo largo de la cadena </a:t>
             </a:r>
             <a:br>
-              <a:rPr lang="ru-RU" sz="4000" spc="-5" dirty="0"/>
+              <a:rPr lang="ru-RU" sz="2800" b="1" dirty="0">
+                <a:solidFill>
+                  <a:srgbClr val="374151"/>
+                </a:solidFill>
+                <a:latin typeface="ui-sans-serif"/>
+                <a:ea typeface="+mn-ea"/>
+                <a:cs typeface="+mn-cs"/>
+              </a:rPr>
             </a:br>
             <a:r>
-              <a:rPr lang="es-ES" sz="4000" spc="-5" dirty="0"/>
+              <a:rPr lang="es-ES" sz="2800" b="1" dirty="0">
+                <a:solidFill>
+                  <a:srgbClr val="374151"/>
+                </a:solidFill>
+                <a:latin typeface="ui-sans-serif"/>
+                <a:ea typeface="+mn-ea"/>
+                <a:cs typeface="+mn-cs"/>
+              </a:rPr>
               <a:t>de distribución de tiempo</a:t>
             </a:r>
-            <a:endParaRPr sz="4000" spc="-5" dirty="0"/>
+            <a:endParaRPr sz="2800" b="1" dirty="0">
+              <a:solidFill>
+                <a:srgbClr val="374151"/>
+              </a:solidFill>
+              <a:latin typeface="ui-sans-serif"/>
+              <a:ea typeface="+mn-ea"/>
+              <a:cs typeface="+mn-cs"/>
+            </a:endParaRPr>
           </a:p>
         </p:txBody>
       </p:sp>
@@ -22538,8 +17003,8 @@
         </p:nvSpPr>
         <p:spPr>
           <a:xfrm>
-            <a:off x="1481617" y="74205"/>
-            <a:ext cx="9279491" cy="1244571"/>
+            <a:off x="1481617" y="474314"/>
+            <a:ext cx="9279491" cy="444352"/>
           </a:xfrm>
           <a:prstGeom prst="rect">
             <a:avLst/>
@@ -22556,46 +17021,116 @@
                 <a:spcPct val="100000"/>
               </a:lnSpc>
               <a:spcBef>
-                <a:spcPts val="105"/>
+                <a:spcPts val="95"/>
               </a:spcBef>
             </a:pPr>
             <a:r>
-              <a:rPr lang="en-US" sz="4000" spc="-5" dirty="0" err="1"/>
+              <a:rPr lang="en-US" sz="2800" b="1" dirty="0" err="1">
+                <a:solidFill>
+                  <a:srgbClr val="374151"/>
+                </a:solidFill>
+                <a:latin typeface="ui-sans-serif"/>
+                <a:ea typeface="+mn-ea"/>
+                <a:cs typeface="+mn-cs"/>
+              </a:rPr>
               <a:t>Interruptor</a:t>
             </a:r>
             <a:r>
-              <a:rPr lang="en-US" sz="4000" spc="-5" dirty="0"/>
+              <a:rPr lang="en-US" sz="2800" b="1" dirty="0">
+                <a:solidFill>
+                  <a:srgbClr val="374151"/>
+                </a:solidFill>
+                <a:latin typeface="ui-sans-serif"/>
+                <a:ea typeface="+mn-ea"/>
+                <a:cs typeface="+mn-cs"/>
+              </a:rPr>
               <a:t> de alto </a:t>
             </a:r>
             <a:r>
-              <a:rPr lang="en-US" sz="4000" spc="-5" dirty="0" err="1"/>
+              <a:rPr lang="en-US" sz="2800" b="1" dirty="0" err="1">
+                <a:solidFill>
+                  <a:srgbClr val="374151"/>
+                </a:solidFill>
+                <a:latin typeface="ui-sans-serif"/>
+                <a:ea typeface="+mn-ea"/>
+                <a:cs typeface="+mn-cs"/>
+              </a:rPr>
               <a:t>voltaje</a:t>
             </a:r>
             <a:r>
-              <a:rPr lang="en-US" sz="4000" spc="-5" dirty="0"/>
+              <a:rPr lang="en-US" sz="2800" b="1" dirty="0">
+                <a:solidFill>
+                  <a:srgbClr val="374151"/>
+                </a:solidFill>
+                <a:latin typeface="ui-sans-serif"/>
+                <a:ea typeface="+mn-ea"/>
+                <a:cs typeface="+mn-cs"/>
+              </a:rPr>
               <a:t> </a:t>
             </a:r>
             <a:r>
-              <a:rPr lang="en-US" sz="4000" spc="-5" dirty="0" err="1"/>
+              <a:rPr lang="en-US" sz="2800" b="1" dirty="0" err="1">
+                <a:solidFill>
+                  <a:srgbClr val="374151"/>
+                </a:solidFill>
+                <a:latin typeface="ui-sans-serif"/>
+                <a:ea typeface="+mn-ea"/>
+                <a:cs typeface="+mn-cs"/>
+              </a:rPr>
               <a:t>Relé</a:t>
             </a:r>
             <a:r>
-              <a:rPr lang="en-US" sz="4000" spc="-5" dirty="0"/>
+              <a:rPr lang="en-US" sz="2800" b="1" dirty="0">
+                <a:solidFill>
+                  <a:srgbClr val="374151"/>
+                </a:solidFill>
+                <a:latin typeface="ui-sans-serif"/>
+                <a:ea typeface="+mn-ea"/>
+                <a:cs typeface="+mn-cs"/>
+              </a:rPr>
               <a:t> de </a:t>
             </a:r>
             <a:r>
-              <a:rPr lang="en-US" sz="4000" spc="-5" dirty="0" err="1"/>
+              <a:rPr lang="en-US" sz="2800" b="1" dirty="0" err="1">
+                <a:solidFill>
+                  <a:srgbClr val="374151"/>
+                </a:solidFill>
+                <a:latin typeface="ui-sans-serif"/>
+                <a:ea typeface="+mn-ea"/>
+                <a:cs typeface="+mn-cs"/>
+              </a:rPr>
               <a:t>protección</a:t>
             </a:r>
             <a:r>
-              <a:rPr lang="en-US" sz="4000" spc="-5" dirty="0"/>
+              <a:rPr lang="en-US" sz="2800" b="1" dirty="0">
+                <a:solidFill>
+                  <a:srgbClr val="374151"/>
+                </a:solidFill>
+                <a:latin typeface="ui-sans-serif"/>
+                <a:ea typeface="+mn-ea"/>
+                <a:cs typeface="+mn-cs"/>
+              </a:rPr>
               <a:t> de alto </a:t>
             </a:r>
             <a:r>
-              <a:rPr lang="en-US" sz="4000" spc="-5" dirty="0" err="1"/>
+              <a:rPr lang="en-US" sz="2800" b="1" dirty="0" err="1">
+                <a:solidFill>
+                  <a:srgbClr val="374151"/>
+                </a:solidFill>
+                <a:latin typeface="ui-sans-serif"/>
+                <a:ea typeface="+mn-ea"/>
+                <a:cs typeface="+mn-cs"/>
+              </a:rPr>
               <a:t>voltaje</a:t>
             </a:r>
-            <a:endParaRPr lang="en-US" sz="4000" spc="-5" dirty="0"/>
+            <a:endParaRPr lang="en-US" sz="2800" b="1" dirty="0">
+              <a:solidFill>
+                <a:srgbClr val="374151"/>
+              </a:solidFill>
+              <a:latin typeface="ui-sans-serif"/>
+              <a:ea typeface="+mn-ea"/>
+              <a:cs typeface="+mn-cs"/>
+            </a:endParaRPr>
           </a:p>
         </p:txBody>
       </p:sp>
